--- a/問我主恩有幾多.pptx
+++ b/問我主恩有幾多.pptx
@@ -2,21 +2,16 @@
 <file path=ppt/presentation.xml><?xml version="1.0" encoding="utf-8"?>
 <p:presentation xmlns:a="http://schemas.openxmlformats.org/drawingml/2006/main" xmlns:r="http://schemas.openxmlformats.org/officeDocument/2006/relationships" xmlns:p="http://schemas.openxmlformats.org/presentationml/2006/main" saveSubsetFonts="1">
   <p:sldMasterIdLst>
-    <p:sldMasterId id="2147483660" r:id="rId1"/>
+    <p:sldMasterId id="2147483672" r:id="rId1"/>
   </p:sldMasterIdLst>
   <p:sldIdLst>
-    <p:sldId id="256" r:id="rId2"/>
-    <p:sldId id="257" r:id="rId3"/>
-    <p:sldId id="258" r:id="rId4"/>
-    <p:sldId id="259" r:id="rId5"/>
-    <p:sldId id="260" r:id="rId6"/>
-    <p:sldId id="261" r:id="rId7"/>
-    <p:sldId id="262" r:id="rId8"/>
-    <p:sldId id="263" r:id="rId9"/>
-    <p:sldId id="264" r:id="rId10"/>
-    <p:sldId id="265" r:id="rId11"/>
+    <p:sldId id="267" r:id="rId2"/>
+    <p:sldId id="268" r:id="rId3"/>
+    <p:sldId id="269" r:id="rId4"/>
+    <p:sldId id="270" r:id="rId5"/>
+    <p:sldId id="271" r:id="rId6"/>
   </p:sldIdLst>
-  <p:sldSz cx="9144000" cy="6858000" type="screen4x3"/>
+  <p:sldSz cx="12192000" cy="6858000"/>
   <p:notesSz cx="6858000" cy="9144000"/>
   <p:defaultTextStyle>
     <a:defPPr>
@@ -115,7 +110,18 @@
   </p:defaultTextStyle>
   <p:extLst>
     <p:ext uri="{EFAFB233-063F-42B5-8137-9DF3F51BA10A}">
-      <p15:sldGuideLst xmlns:p15="http://schemas.microsoft.com/office/powerpoint/2012/main" xmlns=""/>
+      <p15:sldGuideLst xmlns:p15="http://schemas.microsoft.com/office/powerpoint/2012/main">
+        <p15:guide id="1" orient="horz" pos="2160" userDrawn="1">
+          <p15:clr>
+            <a:srgbClr val="A4A3A4"/>
+          </p15:clr>
+        </p15:guide>
+        <p15:guide id="2" pos="3840" userDrawn="1">
+          <p15:clr>
+            <a:srgbClr val="A4A3A4"/>
+          </p15:clr>
+        </p15:guide>
+      </p15:sldGuideLst>
     </p:ext>
   </p:extLst>
 </p:presentation>
@@ -123,7 +129,7 @@
 
 <file path=ppt/slideLayouts/slideLayout1.xml><?xml version="1.0" encoding="utf-8"?>
 <p:sldLayout xmlns:a="http://schemas.openxmlformats.org/drawingml/2006/main" xmlns:r="http://schemas.openxmlformats.org/officeDocument/2006/relationships" xmlns:p="http://schemas.openxmlformats.org/presentationml/2006/main" type="title" preserve="1">
-  <p:cSld name="Title Slide">
+  <p:cSld name="標題投影片">
     <p:spTree>
       <p:nvGrpSpPr>
         <p:cNvPr id="1" name=""/>
@@ -140,7 +146,7 @@
       </p:grpSpPr>
       <p:sp>
         <p:nvSpPr>
-          <p:cNvPr id="2" name="Title 1"/>
+          <p:cNvPr id="2" name="標題 1"/>
           <p:cNvSpPr>
             <a:spLocks noGrp="1"/>
           </p:cNvSpPr>
@@ -150,29 +156,25 @@
         </p:nvSpPr>
         <p:spPr>
           <a:xfrm>
-            <a:off x="685800" y="1122363"/>
-            <a:ext cx="7772400" cy="2387600"/>
+            <a:off x="914400" y="2130428"/>
+            <a:ext cx="10363200" cy="1470025"/>
           </a:xfrm>
         </p:spPr>
         <p:txBody>
-          <a:bodyPr anchor="b"/>
-          <a:lstStyle>
-            <a:lvl1pPr algn="ctr">
-              <a:defRPr sz="6000"/>
-            </a:lvl1pPr>
-          </a:lstStyle>
-          <a:p>
-            <a:r>
-              <a:rPr lang="en-US" smtClean="0"/>
+          <a:bodyPr/>
+          <a:lstStyle/>
+          <a:p>
+            <a:r>
+              <a:rPr lang="en-US" altLang="zh-TW" smtClean="0"/>
               <a:t>Click to edit Master title style</a:t>
             </a:r>
-            <a:endParaRPr lang="en-US" dirty="0"/>
-          </a:p>
-        </p:txBody>
-      </p:sp>
-      <p:sp>
-        <p:nvSpPr>
-          <p:cNvPr id="3" name="Subtitle 2"/>
+            <a:endParaRPr lang="zh-TW" altLang="en-US"/>
+          </a:p>
+        </p:txBody>
+      </p:sp>
+      <p:sp>
+        <p:nvSpPr>
+          <p:cNvPr id="3" name="副標題 2"/>
           <p:cNvSpPr>
             <a:spLocks noGrp="1"/>
           </p:cNvSpPr>
@@ -182,8 +184,8 @@
         </p:nvSpPr>
         <p:spPr>
           <a:xfrm>
-            <a:off x="1143000" y="3602038"/>
-            <a:ext cx="6858000" cy="1655762"/>
+            <a:off x="1828800" y="3886200"/>
+            <a:ext cx="8534400" cy="1752600"/>
           </a:xfrm>
         </p:spPr>
         <p:txBody>
@@ -191,53 +193,107 @@
           <a:lstStyle>
             <a:lvl1pPr marL="0" indent="0" algn="ctr">
               <a:buNone/>
-              <a:defRPr sz="2400"/>
+              <a:defRPr>
+                <a:solidFill>
+                  <a:schemeClr val="tx1">
+                    <a:tint val="75000"/>
+                  </a:schemeClr>
+                </a:solidFill>
+              </a:defRPr>
             </a:lvl1pPr>
-            <a:lvl2pPr marL="457200" indent="0" algn="ctr">
-              <a:buNone/>
-              <a:defRPr sz="2000"/>
+            <a:lvl2pPr marL="457189" indent="0" algn="ctr">
+              <a:buNone/>
+              <a:defRPr>
+                <a:solidFill>
+                  <a:schemeClr val="tx1">
+                    <a:tint val="75000"/>
+                  </a:schemeClr>
+                </a:solidFill>
+              </a:defRPr>
             </a:lvl2pPr>
-            <a:lvl3pPr marL="914400" indent="0" algn="ctr">
-              <a:buNone/>
-              <a:defRPr sz="1800"/>
+            <a:lvl3pPr marL="914378" indent="0" algn="ctr">
+              <a:buNone/>
+              <a:defRPr>
+                <a:solidFill>
+                  <a:schemeClr val="tx1">
+                    <a:tint val="75000"/>
+                  </a:schemeClr>
+                </a:solidFill>
+              </a:defRPr>
             </a:lvl3pPr>
-            <a:lvl4pPr marL="1371600" indent="0" algn="ctr">
-              <a:buNone/>
-              <a:defRPr sz="1600"/>
+            <a:lvl4pPr marL="1371566" indent="0" algn="ctr">
+              <a:buNone/>
+              <a:defRPr>
+                <a:solidFill>
+                  <a:schemeClr val="tx1">
+                    <a:tint val="75000"/>
+                  </a:schemeClr>
+                </a:solidFill>
+              </a:defRPr>
             </a:lvl4pPr>
-            <a:lvl5pPr marL="1828800" indent="0" algn="ctr">
-              <a:buNone/>
-              <a:defRPr sz="1600"/>
+            <a:lvl5pPr marL="1828754" indent="0" algn="ctr">
+              <a:buNone/>
+              <a:defRPr>
+                <a:solidFill>
+                  <a:schemeClr val="tx1">
+                    <a:tint val="75000"/>
+                  </a:schemeClr>
+                </a:solidFill>
+              </a:defRPr>
             </a:lvl5pPr>
-            <a:lvl6pPr marL="2286000" indent="0" algn="ctr">
-              <a:buNone/>
-              <a:defRPr sz="1600"/>
+            <a:lvl6pPr marL="2285943" indent="0" algn="ctr">
+              <a:buNone/>
+              <a:defRPr>
+                <a:solidFill>
+                  <a:schemeClr val="tx1">
+                    <a:tint val="75000"/>
+                  </a:schemeClr>
+                </a:solidFill>
+              </a:defRPr>
             </a:lvl6pPr>
-            <a:lvl7pPr marL="2743200" indent="0" algn="ctr">
-              <a:buNone/>
-              <a:defRPr sz="1600"/>
+            <a:lvl7pPr marL="2743132" indent="0" algn="ctr">
+              <a:buNone/>
+              <a:defRPr>
+                <a:solidFill>
+                  <a:schemeClr val="tx1">
+                    <a:tint val="75000"/>
+                  </a:schemeClr>
+                </a:solidFill>
+              </a:defRPr>
             </a:lvl7pPr>
-            <a:lvl8pPr marL="3200400" indent="0" algn="ctr">
-              <a:buNone/>
-              <a:defRPr sz="1600"/>
+            <a:lvl8pPr marL="3200320" indent="0" algn="ctr">
+              <a:buNone/>
+              <a:defRPr>
+                <a:solidFill>
+                  <a:schemeClr val="tx1">
+                    <a:tint val="75000"/>
+                  </a:schemeClr>
+                </a:solidFill>
+              </a:defRPr>
             </a:lvl8pPr>
-            <a:lvl9pPr marL="3657600" indent="0" algn="ctr">
-              <a:buNone/>
-              <a:defRPr sz="1600"/>
+            <a:lvl9pPr marL="3657509" indent="0" algn="ctr">
+              <a:buNone/>
+              <a:defRPr>
+                <a:solidFill>
+                  <a:schemeClr val="tx1">
+                    <a:tint val="75000"/>
+                  </a:schemeClr>
+                </a:solidFill>
+              </a:defRPr>
             </a:lvl9pPr>
           </a:lstStyle>
           <a:p>
             <a:r>
-              <a:rPr lang="en-US" smtClean="0"/>
+              <a:rPr lang="en-US" altLang="zh-TW" smtClean="0"/>
               <a:t>Click to edit Master subtitle style</a:t>
             </a:r>
-            <a:endParaRPr lang="en-US" dirty="0"/>
-          </a:p>
-        </p:txBody>
-      </p:sp>
-      <p:sp>
-        <p:nvSpPr>
-          <p:cNvPr id="4" name="Date Placeholder 3"/>
+            <a:endParaRPr lang="zh-TW" altLang="en-US"/>
+          </a:p>
+        </p:txBody>
+      </p:sp>
+      <p:sp>
+        <p:nvSpPr>
+          <p:cNvPr id="4" name="日期版面配置區 3"/>
           <p:cNvSpPr>
             <a:spLocks noGrp="1"/>
           </p:cNvSpPr>
@@ -253,7 +309,7 @@
             <a:fld id="{9898E65E-5E56-4F09-9AEE-13AF2F5B087E}" type="datetimeFigureOut">
               <a:rPr lang="en-US" smtClean="0"/>
               <a:pPr/>
-              <a:t>6/19/2018</a:t>
+              <a:t>10/22/2020</a:t>
             </a:fld>
             <a:endParaRPr lang="en-US"/>
           </a:p>
@@ -261,7 +317,7 @@
       </p:sp>
       <p:sp>
         <p:nvSpPr>
-          <p:cNvPr id="5" name="Footer Placeholder 4"/>
+          <p:cNvPr id="5" name="頁尾版面配置區 4"/>
           <p:cNvSpPr>
             <a:spLocks noGrp="1"/>
           </p:cNvSpPr>
@@ -280,7 +336,7 @@
       </p:sp>
       <p:sp>
         <p:nvSpPr>
-          <p:cNvPr id="6" name="Slide Number Placeholder 5"/>
+          <p:cNvPr id="6" name="投影片編號版面配置區 5"/>
           <p:cNvSpPr>
             <a:spLocks noGrp="1"/>
           </p:cNvSpPr>
@@ -305,7 +361,7 @@
     </p:spTree>
     <p:extLst>
       <p:ext uri="{BB962C8B-B14F-4D97-AF65-F5344CB8AC3E}">
-        <p14:creationId xmlns:p14="http://schemas.microsoft.com/office/powerpoint/2010/main" xmlns="" val="3932560376"/>
+        <p14:creationId xmlns:p14="http://schemas.microsoft.com/office/powerpoint/2010/main" val="1237235060"/>
       </p:ext>
     </p:extLst>
   </p:cSld>
@@ -317,7 +373,7 @@
 
 <file path=ppt/slideLayouts/slideLayout10.xml><?xml version="1.0" encoding="utf-8"?>
 <p:sldLayout xmlns:a="http://schemas.openxmlformats.org/drawingml/2006/main" xmlns:r="http://schemas.openxmlformats.org/officeDocument/2006/relationships" xmlns:p="http://schemas.openxmlformats.org/presentationml/2006/main" type="vertTx" preserve="1">
-  <p:cSld name="Title and Vertical Text">
+  <p:cSld name="標題及直排文字">
     <p:spTree>
       <p:nvGrpSpPr>
         <p:cNvPr id="1" name=""/>
@@ -334,7 +390,7 @@
       </p:grpSpPr>
       <p:sp>
         <p:nvSpPr>
-          <p:cNvPr id="2" name="Title 1"/>
+          <p:cNvPr id="2" name="標題 1"/>
           <p:cNvSpPr>
             <a:spLocks noGrp="1"/>
           </p:cNvSpPr>
@@ -348,16 +404,16 @@
           <a:lstStyle/>
           <a:p>
             <a:r>
-              <a:rPr lang="en-US" smtClean="0"/>
+              <a:rPr lang="en-US" altLang="zh-TW" smtClean="0"/>
               <a:t>Click to edit Master title style</a:t>
             </a:r>
-            <a:endParaRPr lang="en-US" dirty="0"/>
-          </a:p>
-        </p:txBody>
-      </p:sp>
-      <p:sp>
-        <p:nvSpPr>
-          <p:cNvPr id="3" name="Vertical Text Placeholder 2"/>
+            <a:endParaRPr lang="zh-TW" altLang="en-US"/>
+          </a:p>
+        </p:txBody>
+      </p:sp>
+      <p:sp>
+        <p:nvSpPr>
+          <p:cNvPr id="3" name="直排文字版面配置區 2"/>
           <p:cNvSpPr>
             <a:spLocks noGrp="1"/>
           </p:cNvSpPr>
@@ -372,44 +428,44 @@
           <a:p>
             <a:pPr lvl="0"/>
             <a:r>
-              <a:rPr lang="en-US" smtClean="0"/>
+              <a:rPr lang="en-US" altLang="zh-TW" smtClean="0"/>
               <a:t>Edit Master text styles</a:t>
             </a:r>
           </a:p>
           <a:p>
             <a:pPr lvl="1"/>
             <a:r>
-              <a:rPr lang="en-US" smtClean="0"/>
+              <a:rPr lang="en-US" altLang="zh-TW" smtClean="0"/>
               <a:t>Second level</a:t>
             </a:r>
           </a:p>
           <a:p>
             <a:pPr lvl="2"/>
             <a:r>
-              <a:rPr lang="en-US" smtClean="0"/>
+              <a:rPr lang="en-US" altLang="zh-TW" smtClean="0"/>
               <a:t>Third level</a:t>
             </a:r>
           </a:p>
           <a:p>
             <a:pPr lvl="3"/>
             <a:r>
-              <a:rPr lang="en-US" smtClean="0"/>
+              <a:rPr lang="en-US" altLang="zh-TW" smtClean="0"/>
               <a:t>Fourth level</a:t>
             </a:r>
           </a:p>
           <a:p>
             <a:pPr lvl="4"/>
             <a:r>
-              <a:rPr lang="en-US" smtClean="0"/>
+              <a:rPr lang="en-US" altLang="zh-TW" smtClean="0"/>
               <a:t>Fifth level</a:t>
             </a:r>
-            <a:endParaRPr lang="en-US" dirty="0"/>
-          </a:p>
-        </p:txBody>
-      </p:sp>
-      <p:sp>
-        <p:nvSpPr>
-          <p:cNvPr id="4" name="Date Placeholder 3"/>
+            <a:endParaRPr lang="zh-TW" altLang="en-US"/>
+          </a:p>
+        </p:txBody>
+      </p:sp>
+      <p:sp>
+        <p:nvSpPr>
+          <p:cNvPr id="4" name="日期版面配置區 3"/>
           <p:cNvSpPr>
             <a:spLocks noGrp="1"/>
           </p:cNvSpPr>
@@ -425,7 +481,7 @@
             <a:fld id="{9898E65E-5E56-4F09-9AEE-13AF2F5B087E}" type="datetimeFigureOut">
               <a:rPr lang="en-US" smtClean="0"/>
               <a:pPr/>
-              <a:t>6/19/2018</a:t>
+              <a:t>10/22/2020</a:t>
             </a:fld>
             <a:endParaRPr lang="en-US"/>
           </a:p>
@@ -433,7 +489,7 @@
       </p:sp>
       <p:sp>
         <p:nvSpPr>
-          <p:cNvPr id="5" name="Footer Placeholder 4"/>
+          <p:cNvPr id="5" name="頁尾版面配置區 4"/>
           <p:cNvSpPr>
             <a:spLocks noGrp="1"/>
           </p:cNvSpPr>
@@ -452,7 +508,7 @@
       </p:sp>
       <p:sp>
         <p:nvSpPr>
-          <p:cNvPr id="6" name="Slide Number Placeholder 5"/>
+          <p:cNvPr id="6" name="投影片編號版面配置區 5"/>
           <p:cNvSpPr>
             <a:spLocks noGrp="1"/>
           </p:cNvSpPr>
@@ -477,7 +533,7 @@
     </p:spTree>
     <p:extLst>
       <p:ext uri="{BB962C8B-B14F-4D97-AF65-F5344CB8AC3E}">
-        <p14:creationId xmlns:p14="http://schemas.microsoft.com/office/powerpoint/2010/main" xmlns="" val="3123138991"/>
+        <p14:creationId xmlns:p14="http://schemas.microsoft.com/office/powerpoint/2010/main" val="868814406"/>
       </p:ext>
     </p:extLst>
   </p:cSld>
@@ -489,7 +545,7 @@
 
 <file path=ppt/slideLayouts/slideLayout11.xml><?xml version="1.0" encoding="utf-8"?>
 <p:sldLayout xmlns:a="http://schemas.openxmlformats.org/drawingml/2006/main" xmlns:r="http://schemas.openxmlformats.org/officeDocument/2006/relationships" xmlns:p="http://schemas.openxmlformats.org/presentationml/2006/main" type="vertTitleAndTx" preserve="1">
-  <p:cSld name="Vertical Title and Text">
+  <p:cSld name="直排標題及文字">
     <p:spTree>
       <p:nvGrpSpPr>
         <p:cNvPr id="1" name=""/>
@@ -506,7 +562,7 @@
       </p:grpSpPr>
       <p:sp>
         <p:nvSpPr>
-          <p:cNvPr id="2" name="Vertical Title 1"/>
+          <p:cNvPr id="2" name="直排標題 1"/>
           <p:cNvSpPr>
             <a:spLocks noGrp="1"/>
           </p:cNvSpPr>
@@ -516,8 +572,8 @@
         </p:nvSpPr>
         <p:spPr>
           <a:xfrm>
-            <a:off x="6543675" y="365125"/>
-            <a:ext cx="1971675" cy="5811838"/>
+            <a:off x="8839200" y="274641"/>
+            <a:ext cx="2743200" cy="5851525"/>
           </a:xfrm>
         </p:spPr>
         <p:txBody>
@@ -525,16 +581,16 @@
           <a:lstStyle/>
           <a:p>
             <a:r>
-              <a:rPr lang="en-US" smtClean="0"/>
+              <a:rPr lang="en-US" altLang="zh-TW" smtClean="0"/>
               <a:t>Click to edit Master title style</a:t>
             </a:r>
-            <a:endParaRPr lang="en-US" dirty="0"/>
-          </a:p>
-        </p:txBody>
-      </p:sp>
-      <p:sp>
-        <p:nvSpPr>
-          <p:cNvPr id="3" name="Vertical Text Placeholder 2"/>
+            <a:endParaRPr lang="zh-TW" altLang="en-US"/>
+          </a:p>
+        </p:txBody>
+      </p:sp>
+      <p:sp>
+        <p:nvSpPr>
+          <p:cNvPr id="3" name="直排文字版面配置區 2"/>
           <p:cNvSpPr>
             <a:spLocks noGrp="1"/>
           </p:cNvSpPr>
@@ -544,8 +600,8 @@
         </p:nvSpPr>
         <p:spPr>
           <a:xfrm>
-            <a:off x="628650" y="365125"/>
-            <a:ext cx="5800725" cy="5811838"/>
+            <a:off x="609600" y="274641"/>
+            <a:ext cx="8026400" cy="5851525"/>
           </a:xfrm>
         </p:spPr>
         <p:txBody>
@@ -554,44 +610,44 @@
           <a:p>
             <a:pPr lvl="0"/>
             <a:r>
-              <a:rPr lang="en-US" smtClean="0"/>
+              <a:rPr lang="en-US" altLang="zh-TW" smtClean="0"/>
               <a:t>Edit Master text styles</a:t>
             </a:r>
           </a:p>
           <a:p>
             <a:pPr lvl="1"/>
             <a:r>
-              <a:rPr lang="en-US" smtClean="0"/>
+              <a:rPr lang="en-US" altLang="zh-TW" smtClean="0"/>
               <a:t>Second level</a:t>
             </a:r>
           </a:p>
           <a:p>
             <a:pPr lvl="2"/>
             <a:r>
-              <a:rPr lang="en-US" smtClean="0"/>
+              <a:rPr lang="en-US" altLang="zh-TW" smtClean="0"/>
               <a:t>Third level</a:t>
             </a:r>
           </a:p>
           <a:p>
             <a:pPr lvl="3"/>
             <a:r>
-              <a:rPr lang="en-US" smtClean="0"/>
+              <a:rPr lang="en-US" altLang="zh-TW" smtClean="0"/>
               <a:t>Fourth level</a:t>
             </a:r>
           </a:p>
           <a:p>
             <a:pPr lvl="4"/>
             <a:r>
-              <a:rPr lang="en-US" smtClean="0"/>
+              <a:rPr lang="en-US" altLang="zh-TW" smtClean="0"/>
               <a:t>Fifth level</a:t>
             </a:r>
-            <a:endParaRPr lang="en-US" dirty="0"/>
-          </a:p>
-        </p:txBody>
-      </p:sp>
-      <p:sp>
-        <p:nvSpPr>
-          <p:cNvPr id="4" name="Date Placeholder 3"/>
+            <a:endParaRPr lang="zh-TW" altLang="en-US"/>
+          </a:p>
+        </p:txBody>
+      </p:sp>
+      <p:sp>
+        <p:nvSpPr>
+          <p:cNvPr id="4" name="日期版面配置區 3"/>
           <p:cNvSpPr>
             <a:spLocks noGrp="1"/>
           </p:cNvSpPr>
@@ -607,7 +663,7 @@
             <a:fld id="{9898E65E-5E56-4F09-9AEE-13AF2F5B087E}" type="datetimeFigureOut">
               <a:rPr lang="en-US" smtClean="0"/>
               <a:pPr/>
-              <a:t>6/19/2018</a:t>
+              <a:t>10/22/2020</a:t>
             </a:fld>
             <a:endParaRPr lang="en-US"/>
           </a:p>
@@ -615,7 +671,7 @@
       </p:sp>
       <p:sp>
         <p:nvSpPr>
-          <p:cNvPr id="5" name="Footer Placeholder 4"/>
+          <p:cNvPr id="5" name="頁尾版面配置區 4"/>
           <p:cNvSpPr>
             <a:spLocks noGrp="1"/>
           </p:cNvSpPr>
@@ -634,7 +690,7 @@
       </p:sp>
       <p:sp>
         <p:nvSpPr>
-          <p:cNvPr id="6" name="Slide Number Placeholder 5"/>
+          <p:cNvPr id="6" name="投影片編號版面配置區 5"/>
           <p:cNvSpPr>
             <a:spLocks noGrp="1"/>
           </p:cNvSpPr>
@@ -659,7 +715,7 @@
     </p:spTree>
     <p:extLst>
       <p:ext uri="{BB962C8B-B14F-4D97-AF65-F5344CB8AC3E}">
-        <p14:creationId xmlns:p14="http://schemas.microsoft.com/office/powerpoint/2010/main" xmlns="" val="3312435490"/>
+        <p14:creationId xmlns:p14="http://schemas.microsoft.com/office/powerpoint/2010/main" val="3819331520"/>
       </p:ext>
     </p:extLst>
   </p:cSld>
@@ -671,7 +727,7 @@
 
 <file path=ppt/slideLayouts/slideLayout2.xml><?xml version="1.0" encoding="utf-8"?>
 <p:sldLayout xmlns:a="http://schemas.openxmlformats.org/drawingml/2006/main" xmlns:r="http://schemas.openxmlformats.org/officeDocument/2006/relationships" xmlns:p="http://schemas.openxmlformats.org/presentationml/2006/main" type="obj" preserve="1">
-  <p:cSld name="Title and Content">
+  <p:cSld name="標題及物件">
     <p:spTree>
       <p:nvGrpSpPr>
         <p:cNvPr id="1" name=""/>
@@ -688,7 +744,7 @@
       </p:grpSpPr>
       <p:sp>
         <p:nvSpPr>
-          <p:cNvPr id="2" name="Title 1"/>
+          <p:cNvPr id="2" name="標題 1"/>
           <p:cNvSpPr>
             <a:spLocks noGrp="1"/>
           </p:cNvSpPr>
@@ -702,16 +758,16 @@
           <a:lstStyle/>
           <a:p>
             <a:r>
-              <a:rPr lang="en-US" smtClean="0"/>
+              <a:rPr lang="en-US" altLang="zh-TW" smtClean="0"/>
               <a:t>Click to edit Master title style</a:t>
             </a:r>
-            <a:endParaRPr lang="en-US" dirty="0"/>
-          </a:p>
-        </p:txBody>
-      </p:sp>
-      <p:sp>
-        <p:nvSpPr>
-          <p:cNvPr id="3" name="Content Placeholder 2"/>
+            <a:endParaRPr lang="zh-TW" altLang="en-US"/>
+          </a:p>
+        </p:txBody>
+      </p:sp>
+      <p:sp>
+        <p:nvSpPr>
+          <p:cNvPr id="3" name="內容版面配置區 2"/>
           <p:cNvSpPr>
             <a:spLocks noGrp="1"/>
           </p:cNvSpPr>
@@ -726,44 +782,44 @@
           <a:p>
             <a:pPr lvl="0"/>
             <a:r>
-              <a:rPr lang="en-US" smtClean="0"/>
+              <a:rPr lang="en-US" altLang="zh-TW" smtClean="0"/>
               <a:t>Edit Master text styles</a:t>
             </a:r>
           </a:p>
           <a:p>
             <a:pPr lvl="1"/>
             <a:r>
-              <a:rPr lang="en-US" smtClean="0"/>
+              <a:rPr lang="en-US" altLang="zh-TW" smtClean="0"/>
               <a:t>Second level</a:t>
             </a:r>
           </a:p>
           <a:p>
             <a:pPr lvl="2"/>
             <a:r>
-              <a:rPr lang="en-US" smtClean="0"/>
+              <a:rPr lang="en-US" altLang="zh-TW" smtClean="0"/>
               <a:t>Third level</a:t>
             </a:r>
           </a:p>
           <a:p>
             <a:pPr lvl="3"/>
             <a:r>
-              <a:rPr lang="en-US" smtClean="0"/>
+              <a:rPr lang="en-US" altLang="zh-TW" smtClean="0"/>
               <a:t>Fourth level</a:t>
             </a:r>
           </a:p>
           <a:p>
             <a:pPr lvl="4"/>
             <a:r>
-              <a:rPr lang="en-US" smtClean="0"/>
+              <a:rPr lang="en-US" altLang="zh-TW" smtClean="0"/>
               <a:t>Fifth level</a:t>
             </a:r>
-            <a:endParaRPr lang="en-US" dirty="0"/>
-          </a:p>
-        </p:txBody>
-      </p:sp>
-      <p:sp>
-        <p:nvSpPr>
-          <p:cNvPr id="4" name="Date Placeholder 3"/>
+            <a:endParaRPr lang="zh-TW" altLang="en-US"/>
+          </a:p>
+        </p:txBody>
+      </p:sp>
+      <p:sp>
+        <p:nvSpPr>
+          <p:cNvPr id="4" name="日期版面配置區 3"/>
           <p:cNvSpPr>
             <a:spLocks noGrp="1"/>
           </p:cNvSpPr>
@@ -779,7 +835,7 @@
             <a:fld id="{9898E65E-5E56-4F09-9AEE-13AF2F5B087E}" type="datetimeFigureOut">
               <a:rPr lang="en-US" smtClean="0"/>
               <a:pPr/>
-              <a:t>6/19/2018</a:t>
+              <a:t>10/22/2020</a:t>
             </a:fld>
             <a:endParaRPr lang="en-US"/>
           </a:p>
@@ -787,7 +843,7 @@
       </p:sp>
       <p:sp>
         <p:nvSpPr>
-          <p:cNvPr id="5" name="Footer Placeholder 4"/>
+          <p:cNvPr id="5" name="頁尾版面配置區 4"/>
           <p:cNvSpPr>
             <a:spLocks noGrp="1"/>
           </p:cNvSpPr>
@@ -806,7 +862,7 @@
       </p:sp>
       <p:sp>
         <p:nvSpPr>
-          <p:cNvPr id="6" name="Slide Number Placeholder 5"/>
+          <p:cNvPr id="6" name="投影片編號版面配置區 5"/>
           <p:cNvSpPr>
             <a:spLocks noGrp="1"/>
           </p:cNvSpPr>
@@ -831,7 +887,7 @@
     </p:spTree>
     <p:extLst>
       <p:ext uri="{BB962C8B-B14F-4D97-AF65-F5344CB8AC3E}">
-        <p14:creationId xmlns:p14="http://schemas.microsoft.com/office/powerpoint/2010/main" xmlns="" val="3652198348"/>
+        <p14:creationId xmlns:p14="http://schemas.microsoft.com/office/powerpoint/2010/main" val="3125015903"/>
       </p:ext>
     </p:extLst>
   </p:cSld>
@@ -843,7 +899,7 @@
 
 <file path=ppt/slideLayouts/slideLayout3.xml><?xml version="1.0" encoding="utf-8"?>
 <p:sldLayout xmlns:a="http://schemas.openxmlformats.org/drawingml/2006/main" xmlns:r="http://schemas.openxmlformats.org/officeDocument/2006/relationships" xmlns:p="http://schemas.openxmlformats.org/presentationml/2006/main" type="secHead" preserve="1">
-  <p:cSld name="Section Header">
+  <p:cSld name="區段標題">
     <p:spTree>
       <p:nvGrpSpPr>
         <p:cNvPr id="1" name=""/>
@@ -860,7 +916,7 @@
       </p:grpSpPr>
       <p:sp>
         <p:nvSpPr>
-          <p:cNvPr id="2" name="Title 1"/>
+          <p:cNvPr id="2" name="標題 1"/>
           <p:cNvSpPr>
             <a:spLocks noGrp="1"/>
           </p:cNvSpPr>
@@ -870,54 +926,46 @@
         </p:nvSpPr>
         <p:spPr>
           <a:xfrm>
-            <a:off x="623888" y="1709739"/>
-            <a:ext cx="7886700" cy="2852737"/>
+            <a:off x="963084" y="4406903"/>
+            <a:ext cx="10363200" cy="1362075"/>
           </a:xfrm>
         </p:spPr>
         <p:txBody>
+          <a:bodyPr anchor="t"/>
+          <a:lstStyle>
+            <a:lvl1pPr algn="l">
+              <a:defRPr sz="4000" b="1" cap="all"/>
+            </a:lvl1pPr>
+          </a:lstStyle>
+          <a:p>
+            <a:r>
+              <a:rPr lang="en-US" altLang="zh-TW" smtClean="0"/>
+              <a:t>Click to edit Master title style</a:t>
+            </a:r>
+            <a:endParaRPr lang="zh-TW" altLang="en-US"/>
+          </a:p>
+        </p:txBody>
+      </p:sp>
+      <p:sp>
+        <p:nvSpPr>
+          <p:cNvPr id="3" name="文字版面配置區 2"/>
+          <p:cNvSpPr>
+            <a:spLocks noGrp="1"/>
+          </p:cNvSpPr>
+          <p:nvPr>
+            <p:ph type="body" idx="1"/>
+          </p:nvPr>
+        </p:nvSpPr>
+        <p:spPr>
+          <a:xfrm>
+            <a:off x="963084" y="2906713"/>
+            <a:ext cx="10363200" cy="1500187"/>
+          </a:xfrm>
+        </p:spPr>
+        <p:txBody>
           <a:bodyPr anchor="b"/>
           <a:lstStyle>
-            <a:lvl1pPr>
-              <a:defRPr sz="6000"/>
-            </a:lvl1pPr>
-          </a:lstStyle>
-          <a:p>
-            <a:r>
-              <a:rPr lang="en-US" smtClean="0"/>
-              <a:t>Click to edit Master title style</a:t>
-            </a:r>
-            <a:endParaRPr lang="en-US" dirty="0"/>
-          </a:p>
-        </p:txBody>
-      </p:sp>
-      <p:sp>
-        <p:nvSpPr>
-          <p:cNvPr id="3" name="Text Placeholder 2"/>
-          <p:cNvSpPr>
-            <a:spLocks noGrp="1"/>
-          </p:cNvSpPr>
-          <p:nvPr>
-            <p:ph type="body" idx="1"/>
-          </p:nvPr>
-        </p:nvSpPr>
-        <p:spPr>
-          <a:xfrm>
-            <a:off x="623888" y="4589464"/>
-            <a:ext cx="7886700" cy="1500187"/>
-          </a:xfrm>
-        </p:spPr>
-        <p:txBody>
-          <a:bodyPr/>
-          <a:lstStyle>
             <a:lvl1pPr marL="0" indent="0">
-              <a:buNone/>
-              <a:defRPr sz="2400">
-                <a:solidFill>
-                  <a:schemeClr val="tx1"/>
-                </a:solidFill>
-              </a:defRPr>
-            </a:lvl1pPr>
-            <a:lvl2pPr marL="457200" indent="0">
               <a:buNone/>
               <a:defRPr sz="2000">
                 <a:solidFill>
@@ -926,8 +974,8 @@
                   </a:schemeClr>
                 </a:solidFill>
               </a:defRPr>
-            </a:lvl2pPr>
-            <a:lvl3pPr marL="914400" indent="0">
+            </a:lvl1pPr>
+            <a:lvl2pPr marL="457189" indent="0">
               <a:buNone/>
               <a:defRPr sz="1800">
                 <a:solidFill>
@@ -936,8 +984,8 @@
                   </a:schemeClr>
                 </a:solidFill>
               </a:defRPr>
-            </a:lvl3pPr>
-            <a:lvl4pPr marL="1371600" indent="0">
+            </a:lvl2pPr>
+            <a:lvl3pPr marL="914378" indent="0">
               <a:buNone/>
               <a:defRPr sz="1600">
                 <a:solidFill>
@@ -946,62 +994,72 @@
                   </a:schemeClr>
                 </a:solidFill>
               </a:defRPr>
-            </a:lvl4pPr>
-            <a:lvl5pPr marL="1828800" indent="0">
-              <a:buNone/>
-              <a:defRPr sz="1600">
+            </a:lvl3pPr>
+            <a:lvl4pPr marL="1371566" indent="0">
+              <a:buNone/>
+              <a:defRPr sz="1400">
                 <a:solidFill>
                   <a:schemeClr val="tx1">
                     <a:tint val="75000"/>
                   </a:schemeClr>
                 </a:solidFill>
               </a:defRPr>
-            </a:lvl5pPr>
-            <a:lvl6pPr marL="2286000" indent="0">
-              <a:buNone/>
-              <a:defRPr sz="1600">
+            </a:lvl4pPr>
+            <a:lvl5pPr marL="1828754" indent="0">
+              <a:buNone/>
+              <a:defRPr sz="1400">
                 <a:solidFill>
                   <a:schemeClr val="tx1">
                     <a:tint val="75000"/>
                   </a:schemeClr>
                 </a:solidFill>
               </a:defRPr>
-            </a:lvl6pPr>
-            <a:lvl7pPr marL="2743200" indent="0">
-              <a:buNone/>
-              <a:defRPr sz="1600">
+            </a:lvl5pPr>
+            <a:lvl6pPr marL="2285943" indent="0">
+              <a:buNone/>
+              <a:defRPr sz="1400">
                 <a:solidFill>
                   <a:schemeClr val="tx1">
                     <a:tint val="75000"/>
                   </a:schemeClr>
                 </a:solidFill>
               </a:defRPr>
-            </a:lvl7pPr>
-            <a:lvl8pPr marL="3200400" indent="0">
-              <a:buNone/>
-              <a:defRPr sz="1600">
+            </a:lvl6pPr>
+            <a:lvl7pPr marL="2743132" indent="0">
+              <a:buNone/>
+              <a:defRPr sz="1400">
                 <a:solidFill>
                   <a:schemeClr val="tx1">
                     <a:tint val="75000"/>
                   </a:schemeClr>
                 </a:solidFill>
               </a:defRPr>
-            </a:lvl8pPr>
-            <a:lvl9pPr marL="3657600" indent="0">
-              <a:buNone/>
-              <a:defRPr sz="1600">
+            </a:lvl7pPr>
+            <a:lvl8pPr marL="3200320" indent="0">
+              <a:buNone/>
+              <a:defRPr sz="1400">
                 <a:solidFill>
                   <a:schemeClr val="tx1">
                     <a:tint val="75000"/>
                   </a:schemeClr>
                 </a:solidFill>
               </a:defRPr>
+            </a:lvl8pPr>
+            <a:lvl9pPr marL="3657509" indent="0">
+              <a:buNone/>
+              <a:defRPr sz="1400">
+                <a:solidFill>
+                  <a:schemeClr val="tx1">
+                    <a:tint val="75000"/>
+                  </a:schemeClr>
+                </a:solidFill>
+              </a:defRPr>
             </a:lvl9pPr>
           </a:lstStyle>
           <a:p>
             <a:pPr lvl="0"/>
             <a:r>
-              <a:rPr lang="en-US" smtClean="0"/>
+              <a:rPr lang="en-US" altLang="zh-TW" smtClean="0"/>
               <a:t>Edit Master text styles</a:t>
             </a:r>
           </a:p>
@@ -1009,7 +1067,7 @@
       </p:sp>
       <p:sp>
         <p:nvSpPr>
-          <p:cNvPr id="4" name="Date Placeholder 3"/>
+          <p:cNvPr id="4" name="日期版面配置區 3"/>
           <p:cNvSpPr>
             <a:spLocks noGrp="1"/>
           </p:cNvSpPr>
@@ -1025,7 +1083,7 @@
             <a:fld id="{9898E65E-5E56-4F09-9AEE-13AF2F5B087E}" type="datetimeFigureOut">
               <a:rPr lang="en-US" smtClean="0"/>
               <a:pPr/>
-              <a:t>6/19/2018</a:t>
+              <a:t>10/22/2020</a:t>
             </a:fld>
             <a:endParaRPr lang="en-US"/>
           </a:p>
@@ -1033,7 +1091,7 @@
       </p:sp>
       <p:sp>
         <p:nvSpPr>
-          <p:cNvPr id="5" name="Footer Placeholder 4"/>
+          <p:cNvPr id="5" name="頁尾版面配置區 4"/>
           <p:cNvSpPr>
             <a:spLocks noGrp="1"/>
           </p:cNvSpPr>
@@ -1052,7 +1110,7 @@
       </p:sp>
       <p:sp>
         <p:nvSpPr>
-          <p:cNvPr id="6" name="Slide Number Placeholder 5"/>
+          <p:cNvPr id="6" name="投影片編號版面配置區 5"/>
           <p:cNvSpPr>
             <a:spLocks noGrp="1"/>
           </p:cNvSpPr>
@@ -1077,7 +1135,7 @@
     </p:spTree>
     <p:extLst>
       <p:ext uri="{BB962C8B-B14F-4D97-AF65-F5344CB8AC3E}">
-        <p14:creationId xmlns:p14="http://schemas.microsoft.com/office/powerpoint/2010/main" xmlns="" val="2684469237"/>
+        <p14:creationId xmlns:p14="http://schemas.microsoft.com/office/powerpoint/2010/main" val="1393276183"/>
       </p:ext>
     </p:extLst>
   </p:cSld>
@@ -1089,7 +1147,7 @@
 
 <file path=ppt/slideLayouts/slideLayout4.xml><?xml version="1.0" encoding="utf-8"?>
 <p:sldLayout xmlns:a="http://schemas.openxmlformats.org/drawingml/2006/main" xmlns:r="http://schemas.openxmlformats.org/officeDocument/2006/relationships" xmlns:p="http://schemas.openxmlformats.org/presentationml/2006/main" type="twoObj" preserve="1">
-  <p:cSld name="Two Content">
+  <p:cSld name="兩項物件">
     <p:spTree>
       <p:nvGrpSpPr>
         <p:cNvPr id="1" name=""/>
@@ -1106,7 +1164,7 @@
       </p:grpSpPr>
       <p:sp>
         <p:nvSpPr>
-          <p:cNvPr id="2" name="Title 1"/>
+          <p:cNvPr id="2" name="標題 1"/>
           <p:cNvSpPr>
             <a:spLocks noGrp="1"/>
           </p:cNvSpPr>
@@ -1120,16 +1178,16 @@
           <a:lstStyle/>
           <a:p>
             <a:r>
-              <a:rPr lang="en-US" smtClean="0"/>
+              <a:rPr lang="en-US" altLang="zh-TW" smtClean="0"/>
               <a:t>Click to edit Master title style</a:t>
             </a:r>
-            <a:endParaRPr lang="en-US" dirty="0"/>
-          </a:p>
-        </p:txBody>
-      </p:sp>
-      <p:sp>
-        <p:nvSpPr>
-          <p:cNvPr id="3" name="Content Placeholder 2"/>
+            <a:endParaRPr lang="zh-TW" altLang="en-US"/>
+          </a:p>
+        </p:txBody>
+      </p:sp>
+      <p:sp>
+        <p:nvSpPr>
+          <p:cNvPr id="3" name="內容版面配置區 2"/>
           <p:cNvSpPr>
             <a:spLocks noGrp="1"/>
           </p:cNvSpPr>
@@ -1139,54 +1197,82 @@
         </p:nvSpPr>
         <p:spPr>
           <a:xfrm>
-            <a:off x="628650" y="1825625"/>
-            <a:ext cx="3886200" cy="4351338"/>
+            <a:off x="609600" y="1600203"/>
+            <a:ext cx="5384800" cy="4525963"/>
           </a:xfrm>
         </p:spPr>
         <p:txBody>
           <a:bodyPr/>
-          <a:lstStyle/>
+          <a:lstStyle>
+            <a:lvl1pPr>
+              <a:defRPr sz="2800"/>
+            </a:lvl1pPr>
+            <a:lvl2pPr>
+              <a:defRPr sz="2400"/>
+            </a:lvl2pPr>
+            <a:lvl3pPr>
+              <a:defRPr sz="2000"/>
+            </a:lvl3pPr>
+            <a:lvl4pPr>
+              <a:defRPr sz="1800"/>
+            </a:lvl4pPr>
+            <a:lvl5pPr>
+              <a:defRPr sz="1800"/>
+            </a:lvl5pPr>
+            <a:lvl6pPr>
+              <a:defRPr sz="1800"/>
+            </a:lvl6pPr>
+            <a:lvl7pPr>
+              <a:defRPr sz="1800"/>
+            </a:lvl7pPr>
+            <a:lvl8pPr>
+              <a:defRPr sz="1800"/>
+            </a:lvl8pPr>
+            <a:lvl9pPr>
+              <a:defRPr sz="1800"/>
+            </a:lvl9pPr>
+          </a:lstStyle>
           <a:p>
             <a:pPr lvl="0"/>
             <a:r>
-              <a:rPr lang="en-US" smtClean="0"/>
+              <a:rPr lang="en-US" altLang="zh-TW" smtClean="0"/>
               <a:t>Edit Master text styles</a:t>
             </a:r>
           </a:p>
           <a:p>
             <a:pPr lvl="1"/>
             <a:r>
-              <a:rPr lang="en-US" smtClean="0"/>
+              <a:rPr lang="en-US" altLang="zh-TW" smtClean="0"/>
               <a:t>Second level</a:t>
             </a:r>
           </a:p>
           <a:p>
             <a:pPr lvl="2"/>
             <a:r>
-              <a:rPr lang="en-US" smtClean="0"/>
+              <a:rPr lang="en-US" altLang="zh-TW" smtClean="0"/>
               <a:t>Third level</a:t>
             </a:r>
           </a:p>
           <a:p>
             <a:pPr lvl="3"/>
             <a:r>
-              <a:rPr lang="en-US" smtClean="0"/>
+              <a:rPr lang="en-US" altLang="zh-TW" smtClean="0"/>
               <a:t>Fourth level</a:t>
             </a:r>
           </a:p>
           <a:p>
             <a:pPr lvl="4"/>
             <a:r>
-              <a:rPr lang="en-US" smtClean="0"/>
+              <a:rPr lang="en-US" altLang="zh-TW" smtClean="0"/>
               <a:t>Fifth level</a:t>
             </a:r>
-            <a:endParaRPr lang="en-US" dirty="0"/>
-          </a:p>
-        </p:txBody>
-      </p:sp>
-      <p:sp>
-        <p:nvSpPr>
-          <p:cNvPr id="4" name="Content Placeholder 3"/>
+            <a:endParaRPr lang="zh-TW" altLang="en-US"/>
+          </a:p>
+        </p:txBody>
+      </p:sp>
+      <p:sp>
+        <p:nvSpPr>
+          <p:cNvPr id="4" name="內容版面配置區 3"/>
           <p:cNvSpPr>
             <a:spLocks noGrp="1"/>
           </p:cNvSpPr>
@@ -1196,54 +1282,82 @@
         </p:nvSpPr>
         <p:spPr>
           <a:xfrm>
-            <a:off x="4629150" y="1825625"/>
-            <a:ext cx="3886200" cy="4351338"/>
+            <a:off x="6197600" y="1600203"/>
+            <a:ext cx="5384800" cy="4525963"/>
           </a:xfrm>
         </p:spPr>
         <p:txBody>
           <a:bodyPr/>
-          <a:lstStyle/>
+          <a:lstStyle>
+            <a:lvl1pPr>
+              <a:defRPr sz="2800"/>
+            </a:lvl1pPr>
+            <a:lvl2pPr>
+              <a:defRPr sz="2400"/>
+            </a:lvl2pPr>
+            <a:lvl3pPr>
+              <a:defRPr sz="2000"/>
+            </a:lvl3pPr>
+            <a:lvl4pPr>
+              <a:defRPr sz="1800"/>
+            </a:lvl4pPr>
+            <a:lvl5pPr>
+              <a:defRPr sz="1800"/>
+            </a:lvl5pPr>
+            <a:lvl6pPr>
+              <a:defRPr sz="1800"/>
+            </a:lvl6pPr>
+            <a:lvl7pPr>
+              <a:defRPr sz="1800"/>
+            </a:lvl7pPr>
+            <a:lvl8pPr>
+              <a:defRPr sz="1800"/>
+            </a:lvl8pPr>
+            <a:lvl9pPr>
+              <a:defRPr sz="1800"/>
+            </a:lvl9pPr>
+          </a:lstStyle>
           <a:p>
             <a:pPr lvl="0"/>
             <a:r>
-              <a:rPr lang="en-US" smtClean="0"/>
+              <a:rPr lang="en-US" altLang="zh-TW" smtClean="0"/>
               <a:t>Edit Master text styles</a:t>
             </a:r>
           </a:p>
           <a:p>
             <a:pPr lvl="1"/>
             <a:r>
-              <a:rPr lang="en-US" smtClean="0"/>
+              <a:rPr lang="en-US" altLang="zh-TW" smtClean="0"/>
               <a:t>Second level</a:t>
             </a:r>
           </a:p>
           <a:p>
             <a:pPr lvl="2"/>
             <a:r>
-              <a:rPr lang="en-US" smtClean="0"/>
+              <a:rPr lang="en-US" altLang="zh-TW" smtClean="0"/>
               <a:t>Third level</a:t>
             </a:r>
           </a:p>
           <a:p>
             <a:pPr lvl="3"/>
             <a:r>
-              <a:rPr lang="en-US" smtClean="0"/>
+              <a:rPr lang="en-US" altLang="zh-TW" smtClean="0"/>
               <a:t>Fourth level</a:t>
             </a:r>
           </a:p>
           <a:p>
             <a:pPr lvl="4"/>
             <a:r>
-              <a:rPr lang="en-US" smtClean="0"/>
+              <a:rPr lang="en-US" altLang="zh-TW" smtClean="0"/>
               <a:t>Fifth level</a:t>
             </a:r>
-            <a:endParaRPr lang="en-US" dirty="0"/>
-          </a:p>
-        </p:txBody>
-      </p:sp>
-      <p:sp>
-        <p:nvSpPr>
-          <p:cNvPr id="5" name="Date Placeholder 4"/>
+            <a:endParaRPr lang="zh-TW" altLang="en-US"/>
+          </a:p>
+        </p:txBody>
+      </p:sp>
+      <p:sp>
+        <p:nvSpPr>
+          <p:cNvPr id="5" name="日期版面配置區 4"/>
           <p:cNvSpPr>
             <a:spLocks noGrp="1"/>
           </p:cNvSpPr>
@@ -1259,7 +1373,7 @@
             <a:fld id="{9898E65E-5E56-4F09-9AEE-13AF2F5B087E}" type="datetimeFigureOut">
               <a:rPr lang="en-US" smtClean="0"/>
               <a:pPr/>
-              <a:t>6/19/2018</a:t>
+              <a:t>10/22/2020</a:t>
             </a:fld>
             <a:endParaRPr lang="en-US"/>
           </a:p>
@@ -1267,7 +1381,7 @@
       </p:sp>
       <p:sp>
         <p:nvSpPr>
-          <p:cNvPr id="6" name="Footer Placeholder 5"/>
+          <p:cNvPr id="6" name="頁尾版面配置區 5"/>
           <p:cNvSpPr>
             <a:spLocks noGrp="1"/>
           </p:cNvSpPr>
@@ -1286,7 +1400,7 @@
       </p:sp>
       <p:sp>
         <p:nvSpPr>
-          <p:cNvPr id="7" name="Slide Number Placeholder 6"/>
+          <p:cNvPr id="7" name="投影片編號版面配置區 6"/>
           <p:cNvSpPr>
             <a:spLocks noGrp="1"/>
           </p:cNvSpPr>
@@ -1311,7 +1425,7 @@
     </p:spTree>
     <p:extLst>
       <p:ext uri="{BB962C8B-B14F-4D97-AF65-F5344CB8AC3E}">
-        <p14:creationId xmlns:p14="http://schemas.microsoft.com/office/powerpoint/2010/main" xmlns="" val="3624982202"/>
+        <p14:creationId xmlns:p14="http://schemas.microsoft.com/office/powerpoint/2010/main" val="1093476163"/>
       </p:ext>
     </p:extLst>
   </p:cSld>
@@ -1323,7 +1437,7 @@
 
 <file path=ppt/slideLayouts/slideLayout5.xml><?xml version="1.0" encoding="utf-8"?>
 <p:sldLayout xmlns:a="http://schemas.openxmlformats.org/drawingml/2006/main" xmlns:r="http://schemas.openxmlformats.org/officeDocument/2006/relationships" xmlns:p="http://schemas.openxmlformats.org/presentationml/2006/main" type="twoTxTwoObj" preserve="1">
-  <p:cSld name="Comparison">
+  <p:cSld name="比對">
     <p:spTree>
       <p:nvGrpSpPr>
         <p:cNvPr id="1" name=""/>
@@ -1340,46 +1454,45 @@
       </p:grpSpPr>
       <p:sp>
         <p:nvSpPr>
-          <p:cNvPr id="2" name="Title 1"/>
+          <p:cNvPr id="2" name="標題 1"/>
           <p:cNvSpPr>
             <a:spLocks noGrp="1"/>
           </p:cNvSpPr>
           <p:nvPr>
             <p:ph type="title"/>
+          </p:nvPr>
+        </p:nvSpPr>
+        <p:spPr/>
+        <p:txBody>
+          <a:bodyPr/>
+          <a:lstStyle>
+            <a:lvl1pPr>
+              <a:defRPr/>
+            </a:lvl1pPr>
+          </a:lstStyle>
+          <a:p>
+            <a:r>
+              <a:rPr lang="en-US" altLang="zh-TW" smtClean="0"/>
+              <a:t>Click to edit Master title style</a:t>
+            </a:r>
+            <a:endParaRPr lang="zh-TW" altLang="en-US"/>
+          </a:p>
+        </p:txBody>
+      </p:sp>
+      <p:sp>
+        <p:nvSpPr>
+          <p:cNvPr id="3" name="文字版面配置區 2"/>
+          <p:cNvSpPr>
+            <a:spLocks noGrp="1"/>
+          </p:cNvSpPr>
+          <p:nvPr>
+            <p:ph type="body" idx="1"/>
           </p:nvPr>
         </p:nvSpPr>
         <p:spPr>
           <a:xfrm>
-            <a:off x="629841" y="365126"/>
-            <a:ext cx="7886700" cy="1325563"/>
-          </a:xfrm>
-        </p:spPr>
-        <p:txBody>
-          <a:bodyPr/>
-          <a:lstStyle/>
-          <a:p>
-            <a:r>
-              <a:rPr lang="en-US" smtClean="0"/>
-              <a:t>Click to edit Master title style</a:t>
-            </a:r>
-            <a:endParaRPr lang="en-US" dirty="0"/>
-          </a:p>
-        </p:txBody>
-      </p:sp>
-      <p:sp>
-        <p:nvSpPr>
-          <p:cNvPr id="3" name="Text Placeholder 2"/>
-          <p:cNvSpPr>
-            <a:spLocks noGrp="1"/>
-          </p:cNvSpPr>
-          <p:nvPr>
-            <p:ph type="body" idx="1"/>
-          </p:nvPr>
-        </p:nvSpPr>
-        <p:spPr>
-          <a:xfrm>
-            <a:off x="629842" y="1681163"/>
-            <a:ext cx="3868340" cy="823912"/>
+            <a:off x="609600" y="1535115"/>
+            <a:ext cx="5386917" cy="639763"/>
           </a:xfrm>
         </p:spPr>
         <p:txBody>
@@ -1389,35 +1502,35 @@
               <a:buNone/>
               <a:defRPr sz="2400" b="1"/>
             </a:lvl1pPr>
-            <a:lvl2pPr marL="457200" indent="0">
+            <a:lvl2pPr marL="457189" indent="0">
               <a:buNone/>
               <a:defRPr sz="2000" b="1"/>
             </a:lvl2pPr>
-            <a:lvl3pPr marL="914400" indent="0">
+            <a:lvl3pPr marL="914378" indent="0">
               <a:buNone/>
               <a:defRPr sz="1800" b="1"/>
             </a:lvl3pPr>
-            <a:lvl4pPr marL="1371600" indent="0">
+            <a:lvl4pPr marL="1371566" indent="0">
               <a:buNone/>
               <a:defRPr sz="1600" b="1"/>
             </a:lvl4pPr>
-            <a:lvl5pPr marL="1828800" indent="0">
+            <a:lvl5pPr marL="1828754" indent="0">
               <a:buNone/>
               <a:defRPr sz="1600" b="1"/>
             </a:lvl5pPr>
-            <a:lvl6pPr marL="2286000" indent="0">
+            <a:lvl6pPr marL="2285943" indent="0">
               <a:buNone/>
               <a:defRPr sz="1600" b="1"/>
             </a:lvl6pPr>
-            <a:lvl7pPr marL="2743200" indent="0">
+            <a:lvl7pPr marL="2743132" indent="0">
               <a:buNone/>
               <a:defRPr sz="1600" b="1"/>
             </a:lvl7pPr>
-            <a:lvl8pPr marL="3200400" indent="0">
+            <a:lvl8pPr marL="3200320" indent="0">
               <a:buNone/>
               <a:defRPr sz="1600" b="1"/>
             </a:lvl8pPr>
-            <a:lvl9pPr marL="3657600" indent="0">
+            <a:lvl9pPr marL="3657509" indent="0">
               <a:buNone/>
               <a:defRPr sz="1600" b="1"/>
             </a:lvl9pPr>
@@ -1425,7 +1538,7 @@
           <a:p>
             <a:pPr lvl="0"/>
             <a:r>
-              <a:rPr lang="en-US" smtClean="0"/>
+              <a:rPr lang="en-US" altLang="zh-TW" smtClean="0"/>
               <a:t>Edit Master text styles</a:t>
             </a:r>
           </a:p>
@@ -1433,7 +1546,7 @@
       </p:sp>
       <p:sp>
         <p:nvSpPr>
-          <p:cNvPr id="4" name="Content Placeholder 3"/>
+          <p:cNvPr id="4" name="內容版面配置區 3"/>
           <p:cNvSpPr>
             <a:spLocks noGrp="1"/>
           </p:cNvSpPr>
@@ -1443,54 +1556,82 @@
         </p:nvSpPr>
         <p:spPr>
           <a:xfrm>
-            <a:off x="629842" y="2505075"/>
-            <a:ext cx="3868340" cy="3684588"/>
+            <a:off x="609600" y="2174875"/>
+            <a:ext cx="5386917" cy="3951288"/>
           </a:xfrm>
         </p:spPr>
         <p:txBody>
           <a:bodyPr/>
-          <a:lstStyle/>
+          <a:lstStyle>
+            <a:lvl1pPr>
+              <a:defRPr sz="2400"/>
+            </a:lvl1pPr>
+            <a:lvl2pPr>
+              <a:defRPr sz="2000"/>
+            </a:lvl2pPr>
+            <a:lvl3pPr>
+              <a:defRPr sz="1800"/>
+            </a:lvl3pPr>
+            <a:lvl4pPr>
+              <a:defRPr sz="1600"/>
+            </a:lvl4pPr>
+            <a:lvl5pPr>
+              <a:defRPr sz="1600"/>
+            </a:lvl5pPr>
+            <a:lvl6pPr>
+              <a:defRPr sz="1600"/>
+            </a:lvl6pPr>
+            <a:lvl7pPr>
+              <a:defRPr sz="1600"/>
+            </a:lvl7pPr>
+            <a:lvl8pPr>
+              <a:defRPr sz="1600"/>
+            </a:lvl8pPr>
+            <a:lvl9pPr>
+              <a:defRPr sz="1600"/>
+            </a:lvl9pPr>
+          </a:lstStyle>
           <a:p>
             <a:pPr lvl="0"/>
             <a:r>
-              <a:rPr lang="en-US" smtClean="0"/>
+              <a:rPr lang="en-US" altLang="zh-TW" smtClean="0"/>
               <a:t>Edit Master text styles</a:t>
             </a:r>
           </a:p>
           <a:p>
             <a:pPr lvl="1"/>
             <a:r>
-              <a:rPr lang="en-US" smtClean="0"/>
+              <a:rPr lang="en-US" altLang="zh-TW" smtClean="0"/>
               <a:t>Second level</a:t>
             </a:r>
           </a:p>
           <a:p>
             <a:pPr lvl="2"/>
             <a:r>
-              <a:rPr lang="en-US" smtClean="0"/>
+              <a:rPr lang="en-US" altLang="zh-TW" smtClean="0"/>
               <a:t>Third level</a:t>
             </a:r>
           </a:p>
           <a:p>
             <a:pPr lvl="3"/>
             <a:r>
-              <a:rPr lang="en-US" smtClean="0"/>
+              <a:rPr lang="en-US" altLang="zh-TW" smtClean="0"/>
               <a:t>Fourth level</a:t>
             </a:r>
           </a:p>
           <a:p>
             <a:pPr lvl="4"/>
             <a:r>
-              <a:rPr lang="en-US" smtClean="0"/>
+              <a:rPr lang="en-US" altLang="zh-TW" smtClean="0"/>
               <a:t>Fifth level</a:t>
             </a:r>
-            <a:endParaRPr lang="en-US" dirty="0"/>
-          </a:p>
-        </p:txBody>
-      </p:sp>
-      <p:sp>
-        <p:nvSpPr>
-          <p:cNvPr id="5" name="Text Placeholder 4"/>
+            <a:endParaRPr lang="zh-TW" altLang="en-US"/>
+          </a:p>
+        </p:txBody>
+      </p:sp>
+      <p:sp>
+        <p:nvSpPr>
+          <p:cNvPr id="5" name="文字版面配置區 4"/>
           <p:cNvSpPr>
             <a:spLocks noGrp="1"/>
           </p:cNvSpPr>
@@ -1500,8 +1641,8 @@
         </p:nvSpPr>
         <p:spPr>
           <a:xfrm>
-            <a:off x="4629150" y="1681163"/>
-            <a:ext cx="3887391" cy="823912"/>
+            <a:off x="6193370" y="1535115"/>
+            <a:ext cx="5389033" cy="639763"/>
           </a:xfrm>
         </p:spPr>
         <p:txBody>
@@ -1511,35 +1652,35 @@
               <a:buNone/>
               <a:defRPr sz="2400" b="1"/>
             </a:lvl1pPr>
-            <a:lvl2pPr marL="457200" indent="0">
+            <a:lvl2pPr marL="457189" indent="0">
               <a:buNone/>
               <a:defRPr sz="2000" b="1"/>
             </a:lvl2pPr>
-            <a:lvl3pPr marL="914400" indent="0">
+            <a:lvl3pPr marL="914378" indent="0">
               <a:buNone/>
               <a:defRPr sz="1800" b="1"/>
             </a:lvl3pPr>
-            <a:lvl4pPr marL="1371600" indent="0">
+            <a:lvl4pPr marL="1371566" indent="0">
               <a:buNone/>
               <a:defRPr sz="1600" b="1"/>
             </a:lvl4pPr>
-            <a:lvl5pPr marL="1828800" indent="0">
+            <a:lvl5pPr marL="1828754" indent="0">
               <a:buNone/>
               <a:defRPr sz="1600" b="1"/>
             </a:lvl5pPr>
-            <a:lvl6pPr marL="2286000" indent="0">
+            <a:lvl6pPr marL="2285943" indent="0">
               <a:buNone/>
               <a:defRPr sz="1600" b="1"/>
             </a:lvl6pPr>
-            <a:lvl7pPr marL="2743200" indent="0">
+            <a:lvl7pPr marL="2743132" indent="0">
               <a:buNone/>
               <a:defRPr sz="1600" b="1"/>
             </a:lvl7pPr>
-            <a:lvl8pPr marL="3200400" indent="0">
+            <a:lvl8pPr marL="3200320" indent="0">
               <a:buNone/>
               <a:defRPr sz="1600" b="1"/>
             </a:lvl8pPr>
-            <a:lvl9pPr marL="3657600" indent="0">
+            <a:lvl9pPr marL="3657509" indent="0">
               <a:buNone/>
               <a:defRPr sz="1600" b="1"/>
             </a:lvl9pPr>
@@ -1547,7 +1688,7 @@
           <a:p>
             <a:pPr lvl="0"/>
             <a:r>
-              <a:rPr lang="en-US" smtClean="0"/>
+              <a:rPr lang="en-US" altLang="zh-TW" smtClean="0"/>
               <a:t>Edit Master text styles</a:t>
             </a:r>
           </a:p>
@@ -1555,7 +1696,7 @@
       </p:sp>
       <p:sp>
         <p:nvSpPr>
-          <p:cNvPr id="6" name="Content Placeholder 5"/>
+          <p:cNvPr id="6" name="內容版面配置區 5"/>
           <p:cNvSpPr>
             <a:spLocks noGrp="1"/>
           </p:cNvSpPr>
@@ -1565,54 +1706,82 @@
         </p:nvSpPr>
         <p:spPr>
           <a:xfrm>
-            <a:off x="4629150" y="2505075"/>
-            <a:ext cx="3887391" cy="3684588"/>
+            <a:off x="6193370" y="2174875"/>
+            <a:ext cx="5389033" cy="3951288"/>
           </a:xfrm>
         </p:spPr>
         <p:txBody>
           <a:bodyPr/>
-          <a:lstStyle/>
+          <a:lstStyle>
+            <a:lvl1pPr>
+              <a:defRPr sz="2400"/>
+            </a:lvl1pPr>
+            <a:lvl2pPr>
+              <a:defRPr sz="2000"/>
+            </a:lvl2pPr>
+            <a:lvl3pPr>
+              <a:defRPr sz="1800"/>
+            </a:lvl3pPr>
+            <a:lvl4pPr>
+              <a:defRPr sz="1600"/>
+            </a:lvl4pPr>
+            <a:lvl5pPr>
+              <a:defRPr sz="1600"/>
+            </a:lvl5pPr>
+            <a:lvl6pPr>
+              <a:defRPr sz="1600"/>
+            </a:lvl6pPr>
+            <a:lvl7pPr>
+              <a:defRPr sz="1600"/>
+            </a:lvl7pPr>
+            <a:lvl8pPr>
+              <a:defRPr sz="1600"/>
+            </a:lvl8pPr>
+            <a:lvl9pPr>
+              <a:defRPr sz="1600"/>
+            </a:lvl9pPr>
+          </a:lstStyle>
           <a:p>
             <a:pPr lvl="0"/>
             <a:r>
-              <a:rPr lang="en-US" smtClean="0"/>
+              <a:rPr lang="en-US" altLang="zh-TW" smtClean="0"/>
               <a:t>Edit Master text styles</a:t>
             </a:r>
           </a:p>
           <a:p>
             <a:pPr lvl="1"/>
             <a:r>
-              <a:rPr lang="en-US" smtClean="0"/>
+              <a:rPr lang="en-US" altLang="zh-TW" smtClean="0"/>
               <a:t>Second level</a:t>
             </a:r>
           </a:p>
           <a:p>
             <a:pPr lvl="2"/>
             <a:r>
-              <a:rPr lang="en-US" smtClean="0"/>
+              <a:rPr lang="en-US" altLang="zh-TW" smtClean="0"/>
               <a:t>Third level</a:t>
             </a:r>
           </a:p>
           <a:p>
             <a:pPr lvl="3"/>
             <a:r>
-              <a:rPr lang="en-US" smtClean="0"/>
+              <a:rPr lang="en-US" altLang="zh-TW" smtClean="0"/>
               <a:t>Fourth level</a:t>
             </a:r>
           </a:p>
           <a:p>
             <a:pPr lvl="4"/>
             <a:r>
-              <a:rPr lang="en-US" smtClean="0"/>
+              <a:rPr lang="en-US" altLang="zh-TW" smtClean="0"/>
               <a:t>Fifth level</a:t>
             </a:r>
-            <a:endParaRPr lang="en-US" dirty="0"/>
-          </a:p>
-        </p:txBody>
-      </p:sp>
-      <p:sp>
-        <p:nvSpPr>
-          <p:cNvPr id="7" name="Date Placeholder 6"/>
+            <a:endParaRPr lang="zh-TW" altLang="en-US"/>
+          </a:p>
+        </p:txBody>
+      </p:sp>
+      <p:sp>
+        <p:nvSpPr>
+          <p:cNvPr id="7" name="日期版面配置區 6"/>
           <p:cNvSpPr>
             <a:spLocks noGrp="1"/>
           </p:cNvSpPr>
@@ -1628,7 +1797,7 @@
             <a:fld id="{9898E65E-5E56-4F09-9AEE-13AF2F5B087E}" type="datetimeFigureOut">
               <a:rPr lang="en-US" smtClean="0"/>
               <a:pPr/>
-              <a:t>6/19/2018</a:t>
+              <a:t>10/22/2020</a:t>
             </a:fld>
             <a:endParaRPr lang="en-US"/>
           </a:p>
@@ -1636,7 +1805,7 @@
       </p:sp>
       <p:sp>
         <p:nvSpPr>
-          <p:cNvPr id="8" name="Footer Placeholder 7"/>
+          <p:cNvPr id="8" name="頁尾版面配置區 7"/>
           <p:cNvSpPr>
             <a:spLocks noGrp="1"/>
           </p:cNvSpPr>
@@ -1655,7 +1824,7 @@
       </p:sp>
       <p:sp>
         <p:nvSpPr>
-          <p:cNvPr id="9" name="Slide Number Placeholder 8"/>
+          <p:cNvPr id="9" name="投影片編號版面配置區 8"/>
           <p:cNvSpPr>
             <a:spLocks noGrp="1"/>
           </p:cNvSpPr>
@@ -1680,7 +1849,7 @@
     </p:spTree>
     <p:extLst>
       <p:ext uri="{BB962C8B-B14F-4D97-AF65-F5344CB8AC3E}">
-        <p14:creationId xmlns:p14="http://schemas.microsoft.com/office/powerpoint/2010/main" xmlns="" val="1437790117"/>
+        <p14:creationId xmlns:p14="http://schemas.microsoft.com/office/powerpoint/2010/main" val="3606438667"/>
       </p:ext>
     </p:extLst>
   </p:cSld>
@@ -1692,7 +1861,7 @@
 
 <file path=ppt/slideLayouts/slideLayout6.xml><?xml version="1.0" encoding="utf-8"?>
 <p:sldLayout xmlns:a="http://schemas.openxmlformats.org/drawingml/2006/main" xmlns:r="http://schemas.openxmlformats.org/officeDocument/2006/relationships" xmlns:p="http://schemas.openxmlformats.org/presentationml/2006/main" type="titleOnly" preserve="1">
-  <p:cSld name="Title Only">
+  <p:cSld name="只有標題">
     <p:spTree>
       <p:nvGrpSpPr>
         <p:cNvPr id="1" name=""/>
@@ -1709,7 +1878,7 @@
       </p:grpSpPr>
       <p:sp>
         <p:nvSpPr>
-          <p:cNvPr id="2" name="Title 1"/>
+          <p:cNvPr id="2" name="標題 1"/>
           <p:cNvSpPr>
             <a:spLocks noGrp="1"/>
           </p:cNvSpPr>
@@ -1723,16 +1892,16 @@
           <a:lstStyle/>
           <a:p>
             <a:r>
-              <a:rPr lang="en-US" smtClean="0"/>
+              <a:rPr lang="en-US" altLang="zh-TW" smtClean="0"/>
               <a:t>Click to edit Master title style</a:t>
             </a:r>
-            <a:endParaRPr lang="en-US" dirty="0"/>
-          </a:p>
-        </p:txBody>
-      </p:sp>
-      <p:sp>
-        <p:nvSpPr>
-          <p:cNvPr id="3" name="Date Placeholder 2"/>
+            <a:endParaRPr lang="zh-TW" altLang="en-US"/>
+          </a:p>
+        </p:txBody>
+      </p:sp>
+      <p:sp>
+        <p:nvSpPr>
+          <p:cNvPr id="3" name="日期版面配置區 2"/>
           <p:cNvSpPr>
             <a:spLocks noGrp="1"/>
           </p:cNvSpPr>
@@ -1748,7 +1917,7 @@
             <a:fld id="{9898E65E-5E56-4F09-9AEE-13AF2F5B087E}" type="datetimeFigureOut">
               <a:rPr lang="en-US" smtClean="0"/>
               <a:pPr/>
-              <a:t>6/19/2018</a:t>
+              <a:t>10/22/2020</a:t>
             </a:fld>
             <a:endParaRPr lang="en-US"/>
           </a:p>
@@ -1756,7 +1925,7 @@
       </p:sp>
       <p:sp>
         <p:nvSpPr>
-          <p:cNvPr id="4" name="Footer Placeholder 3"/>
+          <p:cNvPr id="4" name="頁尾版面配置區 3"/>
           <p:cNvSpPr>
             <a:spLocks noGrp="1"/>
           </p:cNvSpPr>
@@ -1775,7 +1944,7 @@
       </p:sp>
       <p:sp>
         <p:nvSpPr>
-          <p:cNvPr id="5" name="Slide Number Placeholder 4"/>
+          <p:cNvPr id="5" name="投影片編號版面配置區 4"/>
           <p:cNvSpPr>
             <a:spLocks noGrp="1"/>
           </p:cNvSpPr>
@@ -1800,7 +1969,7 @@
     </p:spTree>
     <p:extLst>
       <p:ext uri="{BB962C8B-B14F-4D97-AF65-F5344CB8AC3E}">
-        <p14:creationId xmlns:p14="http://schemas.microsoft.com/office/powerpoint/2010/main" xmlns="" val="2713728012"/>
+        <p14:creationId xmlns:p14="http://schemas.microsoft.com/office/powerpoint/2010/main" val="708751718"/>
       </p:ext>
     </p:extLst>
   </p:cSld>
@@ -1812,7 +1981,7 @@
 
 <file path=ppt/slideLayouts/slideLayout7.xml><?xml version="1.0" encoding="utf-8"?>
 <p:sldLayout xmlns:a="http://schemas.openxmlformats.org/drawingml/2006/main" xmlns:r="http://schemas.openxmlformats.org/officeDocument/2006/relationships" xmlns:p="http://schemas.openxmlformats.org/presentationml/2006/main" type="blank" preserve="1">
-  <p:cSld name="Blank">
+  <p:cSld name="空白">
     <p:spTree>
       <p:nvGrpSpPr>
         <p:cNvPr id="1" name=""/>
@@ -1829,7 +1998,7 @@
       </p:grpSpPr>
       <p:sp>
         <p:nvSpPr>
-          <p:cNvPr id="2" name="Date Placeholder 1"/>
+          <p:cNvPr id="2" name="日期版面配置區 1"/>
           <p:cNvSpPr>
             <a:spLocks noGrp="1"/>
           </p:cNvSpPr>
@@ -1845,7 +2014,7 @@
             <a:fld id="{9898E65E-5E56-4F09-9AEE-13AF2F5B087E}" type="datetimeFigureOut">
               <a:rPr lang="en-US" smtClean="0"/>
               <a:pPr/>
-              <a:t>6/19/2018</a:t>
+              <a:t>10/22/2020</a:t>
             </a:fld>
             <a:endParaRPr lang="en-US"/>
           </a:p>
@@ -1853,7 +2022,7 @@
       </p:sp>
       <p:sp>
         <p:nvSpPr>
-          <p:cNvPr id="3" name="Footer Placeholder 2"/>
+          <p:cNvPr id="3" name="頁尾版面配置區 2"/>
           <p:cNvSpPr>
             <a:spLocks noGrp="1"/>
           </p:cNvSpPr>
@@ -1872,7 +2041,7 @@
       </p:sp>
       <p:sp>
         <p:nvSpPr>
-          <p:cNvPr id="4" name="Slide Number Placeholder 3"/>
+          <p:cNvPr id="4" name="投影片編號版面配置區 3"/>
           <p:cNvSpPr>
             <a:spLocks noGrp="1"/>
           </p:cNvSpPr>
@@ -1897,7 +2066,7 @@
     </p:spTree>
     <p:extLst>
       <p:ext uri="{BB962C8B-B14F-4D97-AF65-F5344CB8AC3E}">
-        <p14:creationId xmlns:p14="http://schemas.microsoft.com/office/powerpoint/2010/main" xmlns="" val="2645766302"/>
+        <p14:creationId xmlns:p14="http://schemas.microsoft.com/office/powerpoint/2010/main" val="2810944537"/>
       </p:ext>
     </p:extLst>
   </p:cSld>
@@ -1909,7 +2078,7 @@
 
 <file path=ppt/slideLayouts/slideLayout8.xml><?xml version="1.0" encoding="utf-8"?>
 <p:sldLayout xmlns:a="http://schemas.openxmlformats.org/drawingml/2006/main" xmlns:r="http://schemas.openxmlformats.org/officeDocument/2006/relationships" xmlns:p="http://schemas.openxmlformats.org/presentationml/2006/main" type="objTx" preserve="1">
-  <p:cSld name="Content with Caption">
+  <p:cSld name="含標題的內容">
     <p:spTree>
       <p:nvGrpSpPr>
         <p:cNvPr id="1" name=""/>
@@ -1926,7 +2095,7 @@
       </p:grpSpPr>
       <p:sp>
         <p:nvSpPr>
-          <p:cNvPr id="2" name="Title 1"/>
+          <p:cNvPr id="2" name="標題 1"/>
           <p:cNvSpPr>
             <a:spLocks noGrp="1"/>
           </p:cNvSpPr>
@@ -1936,29 +2105,29 @@
         </p:nvSpPr>
         <p:spPr>
           <a:xfrm>
-            <a:off x="629841" y="457200"/>
-            <a:ext cx="2949178" cy="1600200"/>
+            <a:off x="609603" y="273051"/>
+            <a:ext cx="4011084" cy="1162051"/>
           </a:xfrm>
         </p:spPr>
         <p:txBody>
           <a:bodyPr anchor="b"/>
           <a:lstStyle>
-            <a:lvl1pPr>
-              <a:defRPr sz="3200"/>
+            <a:lvl1pPr algn="l">
+              <a:defRPr sz="2000" b="1"/>
             </a:lvl1pPr>
           </a:lstStyle>
           <a:p>
             <a:r>
-              <a:rPr lang="en-US" smtClean="0"/>
+              <a:rPr lang="en-US" altLang="zh-TW" smtClean="0"/>
               <a:t>Click to edit Master title style</a:t>
             </a:r>
-            <a:endParaRPr lang="en-US" dirty="0"/>
-          </a:p>
-        </p:txBody>
-      </p:sp>
-      <p:sp>
-        <p:nvSpPr>
-          <p:cNvPr id="3" name="Content Placeholder 2"/>
+            <a:endParaRPr lang="zh-TW" altLang="en-US"/>
+          </a:p>
+        </p:txBody>
+      </p:sp>
+      <p:sp>
+        <p:nvSpPr>
+          <p:cNvPr id="3" name="內容版面配置區 2"/>
           <p:cNvSpPr>
             <a:spLocks noGrp="1"/>
           </p:cNvSpPr>
@@ -1968,8 +2137,8 @@
         </p:nvSpPr>
         <p:spPr>
           <a:xfrm>
-            <a:off x="3887391" y="987426"/>
-            <a:ext cx="4629150" cy="4873625"/>
+            <a:off x="4766733" y="273054"/>
+            <a:ext cx="6815667" cy="5853113"/>
           </a:xfrm>
         </p:spPr>
         <p:txBody>
@@ -2006,44 +2175,44 @@
           <a:p>
             <a:pPr lvl="0"/>
             <a:r>
-              <a:rPr lang="en-US" smtClean="0"/>
+              <a:rPr lang="en-US" altLang="zh-TW" smtClean="0"/>
               <a:t>Edit Master text styles</a:t>
             </a:r>
           </a:p>
           <a:p>
             <a:pPr lvl="1"/>
             <a:r>
-              <a:rPr lang="en-US" smtClean="0"/>
+              <a:rPr lang="en-US" altLang="zh-TW" smtClean="0"/>
               <a:t>Second level</a:t>
             </a:r>
           </a:p>
           <a:p>
             <a:pPr lvl="2"/>
             <a:r>
-              <a:rPr lang="en-US" smtClean="0"/>
+              <a:rPr lang="en-US" altLang="zh-TW" smtClean="0"/>
               <a:t>Third level</a:t>
             </a:r>
           </a:p>
           <a:p>
             <a:pPr lvl="3"/>
             <a:r>
-              <a:rPr lang="en-US" smtClean="0"/>
+              <a:rPr lang="en-US" altLang="zh-TW" smtClean="0"/>
               <a:t>Fourth level</a:t>
             </a:r>
           </a:p>
           <a:p>
             <a:pPr lvl="4"/>
             <a:r>
-              <a:rPr lang="en-US" smtClean="0"/>
+              <a:rPr lang="en-US" altLang="zh-TW" smtClean="0"/>
               <a:t>Fifth level</a:t>
             </a:r>
-            <a:endParaRPr lang="en-US" dirty="0"/>
-          </a:p>
-        </p:txBody>
-      </p:sp>
-      <p:sp>
-        <p:nvSpPr>
-          <p:cNvPr id="4" name="Text Placeholder 3"/>
+            <a:endParaRPr lang="zh-TW" altLang="en-US"/>
+          </a:p>
+        </p:txBody>
+      </p:sp>
+      <p:sp>
+        <p:nvSpPr>
+          <p:cNvPr id="4" name="文字版面配置區 3"/>
           <p:cNvSpPr>
             <a:spLocks noGrp="1"/>
           </p:cNvSpPr>
@@ -2053,8 +2222,8 @@
         </p:nvSpPr>
         <p:spPr>
           <a:xfrm>
-            <a:off x="629841" y="2057400"/>
-            <a:ext cx="2949178" cy="3811588"/>
+            <a:off x="609603" y="1435103"/>
+            <a:ext cx="4011084" cy="4691063"/>
           </a:xfrm>
         </p:spPr>
         <p:txBody>
@@ -2062,45 +2231,45 @@
           <a:lstStyle>
             <a:lvl1pPr marL="0" indent="0">
               <a:buNone/>
-              <a:defRPr sz="1600"/>
+              <a:defRPr sz="1400"/>
             </a:lvl1pPr>
-            <a:lvl2pPr marL="457200" indent="0">
-              <a:buNone/>
-              <a:defRPr sz="1400"/>
+            <a:lvl2pPr marL="457189" indent="0">
+              <a:buNone/>
+              <a:defRPr sz="1200"/>
             </a:lvl2pPr>
-            <a:lvl3pPr marL="914400" indent="0">
-              <a:buNone/>
-              <a:defRPr sz="1200"/>
+            <a:lvl3pPr marL="914378" indent="0">
+              <a:buNone/>
+              <a:defRPr sz="1000"/>
             </a:lvl3pPr>
-            <a:lvl4pPr marL="1371600" indent="0">
-              <a:buNone/>
-              <a:defRPr sz="1000"/>
+            <a:lvl4pPr marL="1371566" indent="0">
+              <a:buNone/>
+              <a:defRPr sz="900"/>
             </a:lvl4pPr>
-            <a:lvl5pPr marL="1828800" indent="0">
-              <a:buNone/>
-              <a:defRPr sz="1000"/>
+            <a:lvl5pPr marL="1828754" indent="0">
+              <a:buNone/>
+              <a:defRPr sz="900"/>
             </a:lvl5pPr>
-            <a:lvl6pPr marL="2286000" indent="0">
-              <a:buNone/>
-              <a:defRPr sz="1000"/>
+            <a:lvl6pPr marL="2285943" indent="0">
+              <a:buNone/>
+              <a:defRPr sz="900"/>
             </a:lvl6pPr>
-            <a:lvl7pPr marL="2743200" indent="0">
-              <a:buNone/>
-              <a:defRPr sz="1000"/>
+            <a:lvl7pPr marL="2743132" indent="0">
+              <a:buNone/>
+              <a:defRPr sz="900"/>
             </a:lvl7pPr>
-            <a:lvl8pPr marL="3200400" indent="0">
-              <a:buNone/>
-              <a:defRPr sz="1000"/>
+            <a:lvl8pPr marL="3200320" indent="0">
+              <a:buNone/>
+              <a:defRPr sz="900"/>
             </a:lvl8pPr>
-            <a:lvl9pPr marL="3657600" indent="0">
-              <a:buNone/>
-              <a:defRPr sz="1000"/>
+            <a:lvl9pPr marL="3657509" indent="0">
+              <a:buNone/>
+              <a:defRPr sz="900"/>
             </a:lvl9pPr>
           </a:lstStyle>
           <a:p>
             <a:pPr lvl="0"/>
             <a:r>
-              <a:rPr lang="en-US" smtClean="0"/>
+              <a:rPr lang="en-US" altLang="zh-TW" smtClean="0"/>
               <a:t>Edit Master text styles</a:t>
             </a:r>
           </a:p>
@@ -2108,7 +2277,7 @@
       </p:sp>
       <p:sp>
         <p:nvSpPr>
-          <p:cNvPr id="5" name="Date Placeholder 4"/>
+          <p:cNvPr id="5" name="日期版面配置區 4"/>
           <p:cNvSpPr>
             <a:spLocks noGrp="1"/>
           </p:cNvSpPr>
@@ -2124,7 +2293,7 @@
             <a:fld id="{9898E65E-5E56-4F09-9AEE-13AF2F5B087E}" type="datetimeFigureOut">
               <a:rPr lang="en-US" smtClean="0"/>
               <a:pPr/>
-              <a:t>6/19/2018</a:t>
+              <a:t>10/22/2020</a:t>
             </a:fld>
             <a:endParaRPr lang="en-US"/>
           </a:p>
@@ -2132,7 +2301,7 @@
       </p:sp>
       <p:sp>
         <p:nvSpPr>
-          <p:cNvPr id="6" name="Footer Placeholder 5"/>
+          <p:cNvPr id="6" name="頁尾版面配置區 5"/>
           <p:cNvSpPr>
             <a:spLocks noGrp="1"/>
           </p:cNvSpPr>
@@ -2151,7 +2320,7 @@
       </p:sp>
       <p:sp>
         <p:nvSpPr>
-          <p:cNvPr id="7" name="Slide Number Placeholder 6"/>
+          <p:cNvPr id="7" name="投影片編號版面配置區 6"/>
           <p:cNvSpPr>
             <a:spLocks noGrp="1"/>
           </p:cNvSpPr>
@@ -2176,7 +2345,7 @@
     </p:spTree>
     <p:extLst>
       <p:ext uri="{BB962C8B-B14F-4D97-AF65-F5344CB8AC3E}">
-        <p14:creationId xmlns:p14="http://schemas.microsoft.com/office/powerpoint/2010/main" xmlns="" val="1120221539"/>
+        <p14:creationId xmlns:p14="http://schemas.microsoft.com/office/powerpoint/2010/main" val="3977837067"/>
       </p:ext>
     </p:extLst>
   </p:cSld>
@@ -2188,7 +2357,7 @@
 
 <file path=ppt/slideLayouts/slideLayout9.xml><?xml version="1.0" encoding="utf-8"?>
 <p:sldLayout xmlns:a="http://schemas.openxmlformats.org/drawingml/2006/main" xmlns:r="http://schemas.openxmlformats.org/officeDocument/2006/relationships" xmlns:p="http://schemas.openxmlformats.org/presentationml/2006/main" type="picTx" preserve="1">
-  <p:cSld name="Picture with Caption">
+  <p:cSld name="含標題的圖片">
     <p:spTree>
       <p:nvGrpSpPr>
         <p:cNvPr id="1" name=""/>
@@ -2205,7 +2374,7 @@
       </p:grpSpPr>
       <p:sp>
         <p:nvSpPr>
-          <p:cNvPr id="2" name="Title 1"/>
+          <p:cNvPr id="2" name="標題 1"/>
           <p:cNvSpPr>
             <a:spLocks noGrp="1"/>
           </p:cNvSpPr>
@@ -2215,94 +2384,94 @@
         </p:nvSpPr>
         <p:spPr>
           <a:xfrm>
-            <a:off x="629841" y="457200"/>
-            <a:ext cx="2949178" cy="1600200"/>
+            <a:off x="2389717" y="4800602"/>
+            <a:ext cx="7315200" cy="566739"/>
           </a:xfrm>
         </p:spPr>
         <p:txBody>
           <a:bodyPr anchor="b"/>
           <a:lstStyle>
-            <a:lvl1pPr>
+            <a:lvl1pPr algn="l">
+              <a:defRPr sz="2000" b="1"/>
+            </a:lvl1pPr>
+          </a:lstStyle>
+          <a:p>
+            <a:r>
+              <a:rPr lang="en-US" altLang="zh-TW" smtClean="0"/>
+              <a:t>Click to edit Master title style</a:t>
+            </a:r>
+            <a:endParaRPr lang="zh-TW" altLang="en-US"/>
+          </a:p>
+        </p:txBody>
+      </p:sp>
+      <p:sp>
+        <p:nvSpPr>
+          <p:cNvPr id="3" name="圖片版面配置區 2"/>
+          <p:cNvSpPr>
+            <a:spLocks noGrp="1"/>
+          </p:cNvSpPr>
+          <p:nvPr>
+            <p:ph type="pic" idx="1"/>
+          </p:nvPr>
+        </p:nvSpPr>
+        <p:spPr>
+          <a:xfrm>
+            <a:off x="2389717" y="612775"/>
+            <a:ext cx="7315200" cy="4114800"/>
+          </a:xfrm>
+        </p:spPr>
+        <p:txBody>
+          <a:bodyPr/>
+          <a:lstStyle>
+            <a:lvl1pPr marL="0" indent="0">
+              <a:buNone/>
               <a:defRPr sz="3200"/>
             </a:lvl1pPr>
-          </a:lstStyle>
-          <a:p>
-            <a:r>
-              <a:rPr lang="en-US" smtClean="0"/>
-              <a:t>Click to edit Master title style</a:t>
-            </a:r>
-            <a:endParaRPr lang="en-US" dirty="0"/>
-          </a:p>
-        </p:txBody>
-      </p:sp>
-      <p:sp>
-        <p:nvSpPr>
-          <p:cNvPr id="3" name="Picture Placeholder 2"/>
-          <p:cNvSpPr>
-            <a:spLocks noGrp="1" noChangeAspect="1"/>
-          </p:cNvSpPr>
-          <p:nvPr>
-            <p:ph type="pic" idx="1"/>
-          </p:nvPr>
-        </p:nvSpPr>
-        <p:spPr>
-          <a:xfrm>
-            <a:off x="3887391" y="987426"/>
-            <a:ext cx="4629150" cy="4873625"/>
-          </a:xfrm>
-        </p:spPr>
-        <p:txBody>
-          <a:bodyPr anchor="t"/>
-          <a:lstStyle>
-            <a:lvl1pPr marL="0" indent="0">
-              <a:buNone/>
-              <a:defRPr sz="3200"/>
-            </a:lvl1pPr>
-            <a:lvl2pPr marL="457200" indent="0">
+            <a:lvl2pPr marL="457189" indent="0">
               <a:buNone/>
               <a:defRPr sz="2800"/>
             </a:lvl2pPr>
-            <a:lvl3pPr marL="914400" indent="0">
+            <a:lvl3pPr marL="914378" indent="0">
               <a:buNone/>
               <a:defRPr sz="2400"/>
             </a:lvl3pPr>
-            <a:lvl4pPr marL="1371600" indent="0">
+            <a:lvl4pPr marL="1371566" indent="0">
               <a:buNone/>
               <a:defRPr sz="2000"/>
             </a:lvl4pPr>
-            <a:lvl5pPr marL="1828800" indent="0">
+            <a:lvl5pPr marL="1828754" indent="0">
               <a:buNone/>
               <a:defRPr sz="2000"/>
             </a:lvl5pPr>
-            <a:lvl6pPr marL="2286000" indent="0">
+            <a:lvl6pPr marL="2285943" indent="0">
               <a:buNone/>
               <a:defRPr sz="2000"/>
             </a:lvl6pPr>
-            <a:lvl7pPr marL="2743200" indent="0">
+            <a:lvl7pPr marL="2743132" indent="0">
               <a:buNone/>
               <a:defRPr sz="2000"/>
             </a:lvl7pPr>
-            <a:lvl8pPr marL="3200400" indent="0">
+            <a:lvl8pPr marL="3200320" indent="0">
               <a:buNone/>
               <a:defRPr sz="2000"/>
             </a:lvl8pPr>
-            <a:lvl9pPr marL="3657600" indent="0">
+            <a:lvl9pPr marL="3657509" indent="0">
               <a:buNone/>
               <a:defRPr sz="2000"/>
             </a:lvl9pPr>
           </a:lstStyle>
           <a:p>
             <a:r>
-              <a:rPr lang="en-US" smtClean="0"/>
+              <a:rPr lang="en-US" altLang="zh-TW" smtClean="0"/>
               <a:t>Click icon to add picture</a:t>
             </a:r>
-            <a:endParaRPr lang="en-US" dirty="0"/>
-          </a:p>
-        </p:txBody>
-      </p:sp>
-      <p:sp>
-        <p:nvSpPr>
-          <p:cNvPr id="4" name="Text Placeholder 3"/>
+            <a:endParaRPr lang="zh-TW" altLang="en-US"/>
+          </a:p>
+        </p:txBody>
+      </p:sp>
+      <p:sp>
+        <p:nvSpPr>
+          <p:cNvPr id="4" name="文字版面配置區 3"/>
           <p:cNvSpPr>
             <a:spLocks noGrp="1"/>
           </p:cNvSpPr>
@@ -2312,8 +2481,8 @@
         </p:nvSpPr>
         <p:spPr>
           <a:xfrm>
-            <a:off x="629841" y="2057400"/>
-            <a:ext cx="2949178" cy="3811588"/>
+            <a:off x="2389717" y="5367340"/>
+            <a:ext cx="7315200" cy="804863"/>
           </a:xfrm>
         </p:spPr>
         <p:txBody>
@@ -2321,45 +2490,45 @@
           <a:lstStyle>
             <a:lvl1pPr marL="0" indent="0">
               <a:buNone/>
-              <a:defRPr sz="1600"/>
+              <a:defRPr sz="1400"/>
             </a:lvl1pPr>
-            <a:lvl2pPr marL="457200" indent="0">
-              <a:buNone/>
-              <a:defRPr sz="1400"/>
+            <a:lvl2pPr marL="457189" indent="0">
+              <a:buNone/>
+              <a:defRPr sz="1200"/>
             </a:lvl2pPr>
-            <a:lvl3pPr marL="914400" indent="0">
-              <a:buNone/>
-              <a:defRPr sz="1200"/>
+            <a:lvl3pPr marL="914378" indent="0">
+              <a:buNone/>
+              <a:defRPr sz="1000"/>
             </a:lvl3pPr>
-            <a:lvl4pPr marL="1371600" indent="0">
-              <a:buNone/>
-              <a:defRPr sz="1000"/>
+            <a:lvl4pPr marL="1371566" indent="0">
+              <a:buNone/>
+              <a:defRPr sz="900"/>
             </a:lvl4pPr>
-            <a:lvl5pPr marL="1828800" indent="0">
-              <a:buNone/>
-              <a:defRPr sz="1000"/>
+            <a:lvl5pPr marL="1828754" indent="0">
+              <a:buNone/>
+              <a:defRPr sz="900"/>
             </a:lvl5pPr>
-            <a:lvl6pPr marL="2286000" indent="0">
-              <a:buNone/>
-              <a:defRPr sz="1000"/>
+            <a:lvl6pPr marL="2285943" indent="0">
+              <a:buNone/>
+              <a:defRPr sz="900"/>
             </a:lvl6pPr>
-            <a:lvl7pPr marL="2743200" indent="0">
-              <a:buNone/>
-              <a:defRPr sz="1000"/>
+            <a:lvl7pPr marL="2743132" indent="0">
+              <a:buNone/>
+              <a:defRPr sz="900"/>
             </a:lvl7pPr>
-            <a:lvl8pPr marL="3200400" indent="0">
-              <a:buNone/>
-              <a:defRPr sz="1000"/>
+            <a:lvl8pPr marL="3200320" indent="0">
+              <a:buNone/>
+              <a:defRPr sz="900"/>
             </a:lvl8pPr>
-            <a:lvl9pPr marL="3657600" indent="0">
-              <a:buNone/>
-              <a:defRPr sz="1000"/>
+            <a:lvl9pPr marL="3657509" indent="0">
+              <a:buNone/>
+              <a:defRPr sz="900"/>
             </a:lvl9pPr>
           </a:lstStyle>
           <a:p>
             <a:pPr lvl="0"/>
             <a:r>
-              <a:rPr lang="en-US" smtClean="0"/>
+              <a:rPr lang="en-US" altLang="zh-TW" smtClean="0"/>
               <a:t>Edit Master text styles</a:t>
             </a:r>
           </a:p>
@@ -2367,7 +2536,7 @@
       </p:sp>
       <p:sp>
         <p:nvSpPr>
-          <p:cNvPr id="5" name="Date Placeholder 4"/>
+          <p:cNvPr id="5" name="日期版面配置區 4"/>
           <p:cNvSpPr>
             <a:spLocks noGrp="1"/>
           </p:cNvSpPr>
@@ -2383,7 +2552,7 @@
             <a:fld id="{9898E65E-5E56-4F09-9AEE-13AF2F5B087E}" type="datetimeFigureOut">
               <a:rPr lang="en-US" smtClean="0"/>
               <a:pPr/>
-              <a:t>6/19/2018</a:t>
+              <a:t>10/22/2020</a:t>
             </a:fld>
             <a:endParaRPr lang="en-US"/>
           </a:p>
@@ -2391,7 +2560,7 @@
       </p:sp>
       <p:sp>
         <p:nvSpPr>
-          <p:cNvPr id="6" name="Footer Placeholder 5"/>
+          <p:cNvPr id="6" name="頁尾版面配置區 5"/>
           <p:cNvSpPr>
             <a:spLocks noGrp="1"/>
           </p:cNvSpPr>
@@ -2410,7 +2579,7 @@
       </p:sp>
       <p:sp>
         <p:nvSpPr>
-          <p:cNvPr id="7" name="Slide Number Placeholder 6"/>
+          <p:cNvPr id="7" name="投影片編號版面配置區 6"/>
           <p:cNvSpPr>
             <a:spLocks noGrp="1"/>
           </p:cNvSpPr>
@@ -2435,7 +2604,7 @@
     </p:spTree>
     <p:extLst>
       <p:ext uri="{BB962C8B-B14F-4D97-AF65-F5344CB8AC3E}">
-        <p14:creationId xmlns:p14="http://schemas.microsoft.com/office/powerpoint/2010/main" xmlns="" val="520591653"/>
+        <p14:creationId xmlns:p14="http://schemas.microsoft.com/office/powerpoint/2010/main" val="1547243493"/>
       </p:ext>
     </p:extLst>
   </p:cSld>
@@ -2449,9 +2618,14 @@
 <p:sldMaster xmlns:a="http://schemas.openxmlformats.org/drawingml/2006/main" xmlns:r="http://schemas.openxmlformats.org/officeDocument/2006/relationships" xmlns:p="http://schemas.openxmlformats.org/presentationml/2006/main">
   <p:cSld>
     <p:bg>
-      <p:bgRef idx="1001">
-        <a:schemeClr val="bg1"/>
-      </p:bgRef>
+      <p:bgPr>
+        <a:blipFill dpi="0" rotWithShape="1">
+          <a:blip r:embed="rId13"/>
+          <a:srcRect/>
+          <a:tile tx="0" ty="0" sx="100000" sy="100000" flip="none" algn="tl"/>
+        </a:blipFill>
+        <a:effectLst/>
+      </p:bgPr>
     </p:bg>
     <p:spTree>
       <p:nvGrpSpPr>
@@ -2469,7 +2643,7 @@
       </p:grpSpPr>
       <p:sp>
         <p:nvSpPr>
-          <p:cNvPr id="2" name="Title Placeholder 1"/>
+          <p:cNvPr id="2" name="標題版面配置區 1"/>
           <p:cNvSpPr>
             <a:spLocks noGrp="1"/>
           </p:cNvSpPr>
@@ -2479,8 +2653,8 @@
         </p:nvSpPr>
         <p:spPr>
           <a:xfrm>
-            <a:off x="628650" y="365126"/>
-            <a:ext cx="7886700" cy="1325563"/>
+            <a:off x="609600" y="274639"/>
+            <a:ext cx="10972800" cy="1143000"/>
           </a:xfrm>
           <a:prstGeom prst="rect">
             <a:avLst/>
@@ -2493,16 +2667,16 @@
           <a:lstStyle/>
           <a:p>
             <a:r>
-              <a:rPr lang="en-US" smtClean="0"/>
-              <a:t>Click to edit Master title style</a:t>
-            </a:r>
-            <a:endParaRPr lang="en-US" dirty="0"/>
-          </a:p>
-        </p:txBody>
-      </p:sp>
-      <p:sp>
-        <p:nvSpPr>
-          <p:cNvPr id="3" name="Text Placeholder 2"/>
+              <a:rPr lang="zh-TW" altLang="en-US" smtClean="0"/>
+              <a:t>按一下以編輯母片標題樣式</a:t>
+            </a:r>
+            <a:endParaRPr lang="zh-TW" altLang="en-US"/>
+          </a:p>
+        </p:txBody>
+      </p:sp>
+      <p:sp>
+        <p:nvSpPr>
+          <p:cNvPr id="3" name="文字版面配置區 2"/>
           <p:cNvSpPr>
             <a:spLocks noGrp="1"/>
           </p:cNvSpPr>
@@ -2512,8 +2686,8 @@
         </p:nvSpPr>
         <p:spPr>
           <a:xfrm>
-            <a:off x="628650" y="1825625"/>
-            <a:ext cx="7886700" cy="4351338"/>
+            <a:off x="609600" y="1600203"/>
+            <a:ext cx="10972800" cy="4525963"/>
           </a:xfrm>
           <a:prstGeom prst="rect">
             <a:avLst/>
@@ -2527,44 +2701,44 @@
           <a:p>
             <a:pPr lvl="0"/>
             <a:r>
-              <a:rPr lang="en-US" smtClean="0"/>
-              <a:t>Edit Master text styles</a:t>
+              <a:rPr lang="zh-TW" altLang="en-US" smtClean="0"/>
+              <a:t>按一下以編輯母片文字樣式</a:t>
             </a:r>
           </a:p>
           <a:p>
             <a:pPr lvl="1"/>
             <a:r>
-              <a:rPr lang="en-US" smtClean="0"/>
-              <a:t>Second level</a:t>
+              <a:rPr lang="zh-TW" altLang="en-US" smtClean="0"/>
+              <a:t>第二層</a:t>
             </a:r>
           </a:p>
           <a:p>
             <a:pPr lvl="2"/>
             <a:r>
-              <a:rPr lang="en-US" smtClean="0"/>
-              <a:t>Third level</a:t>
+              <a:rPr lang="zh-TW" altLang="en-US" smtClean="0"/>
+              <a:t>第三層</a:t>
             </a:r>
           </a:p>
           <a:p>
             <a:pPr lvl="3"/>
             <a:r>
-              <a:rPr lang="en-US" smtClean="0"/>
-              <a:t>Fourth level</a:t>
+              <a:rPr lang="zh-TW" altLang="en-US" smtClean="0"/>
+              <a:t>第四層</a:t>
             </a:r>
           </a:p>
           <a:p>
             <a:pPr lvl="4"/>
             <a:r>
-              <a:rPr lang="en-US" smtClean="0"/>
-              <a:t>Fifth level</a:t>
-            </a:r>
-            <a:endParaRPr lang="en-US" dirty="0"/>
-          </a:p>
-        </p:txBody>
-      </p:sp>
-      <p:sp>
-        <p:nvSpPr>
-          <p:cNvPr id="4" name="Date Placeholder 3"/>
+              <a:rPr lang="zh-TW" altLang="en-US" smtClean="0"/>
+              <a:t>第五層</a:t>
+            </a:r>
+            <a:endParaRPr lang="zh-TW" altLang="en-US"/>
+          </a:p>
+        </p:txBody>
+      </p:sp>
+      <p:sp>
+        <p:nvSpPr>
+          <p:cNvPr id="4" name="日期版面配置區 3"/>
           <p:cNvSpPr>
             <a:spLocks noGrp="1"/>
           </p:cNvSpPr>
@@ -2574,8 +2748,8 @@
         </p:nvSpPr>
         <p:spPr>
           <a:xfrm>
-            <a:off x="628650" y="6356351"/>
-            <a:ext cx="2057400" cy="365125"/>
+            <a:off x="609600" y="6356353"/>
+            <a:ext cx="2844800" cy="365125"/>
           </a:xfrm>
           <a:prstGeom prst="rect">
             <a:avLst/>
@@ -2598,7 +2772,7 @@
             <a:fld id="{9898E65E-5E56-4F09-9AEE-13AF2F5B087E}" type="datetimeFigureOut">
               <a:rPr lang="en-US" smtClean="0"/>
               <a:pPr/>
-              <a:t>6/19/2018</a:t>
+              <a:t>10/22/2020</a:t>
             </a:fld>
             <a:endParaRPr lang="en-US"/>
           </a:p>
@@ -2606,7 +2780,7 @@
       </p:sp>
       <p:sp>
         <p:nvSpPr>
-          <p:cNvPr id="5" name="Footer Placeholder 4"/>
+          <p:cNvPr id="5" name="頁尾版面配置區 4"/>
           <p:cNvSpPr>
             <a:spLocks noGrp="1"/>
           </p:cNvSpPr>
@@ -2616,8 +2790,8 @@
         </p:nvSpPr>
         <p:spPr>
           <a:xfrm>
-            <a:off x="3028950" y="6356351"/>
-            <a:ext cx="3086100" cy="365125"/>
+            <a:off x="4165600" y="6356353"/>
+            <a:ext cx="3860800" cy="365125"/>
           </a:xfrm>
           <a:prstGeom prst="rect">
             <a:avLst/>
@@ -2643,7 +2817,7 @@
       </p:sp>
       <p:sp>
         <p:nvSpPr>
-          <p:cNvPr id="6" name="Slide Number Placeholder 5"/>
+          <p:cNvPr id="6" name="投影片編號版面配置區 5"/>
           <p:cNvSpPr>
             <a:spLocks noGrp="1"/>
           </p:cNvSpPr>
@@ -2653,8 +2827,8 @@
         </p:nvSpPr>
         <p:spPr>
           <a:xfrm>
-            <a:off x="6457950" y="6356351"/>
-            <a:ext cx="2057400" cy="365125"/>
+            <a:off x="8737600" y="6356353"/>
+            <a:ext cx="2844800" cy="365125"/>
           </a:xfrm>
           <a:prstGeom prst="rect">
             <a:avLst/>
@@ -2686,30 +2860,27 @@
     </p:spTree>
     <p:extLst>
       <p:ext uri="{BB962C8B-B14F-4D97-AF65-F5344CB8AC3E}">
-        <p14:creationId xmlns:p14="http://schemas.microsoft.com/office/powerpoint/2010/main" xmlns="" val="3935639629"/>
+        <p14:creationId xmlns:p14="http://schemas.microsoft.com/office/powerpoint/2010/main" val="3627968997"/>
       </p:ext>
     </p:extLst>
   </p:cSld>
   <p:clrMap bg1="lt1" tx1="dk1" bg2="lt2" tx2="dk2" accent1="accent1" accent2="accent2" accent3="accent3" accent4="accent4" accent5="accent5" accent6="accent6" hlink="hlink" folHlink="folHlink"/>
   <p:sldLayoutIdLst>
-    <p:sldLayoutId id="2147483661" r:id="rId1"/>
-    <p:sldLayoutId id="2147483662" r:id="rId2"/>
-    <p:sldLayoutId id="2147483663" r:id="rId3"/>
-    <p:sldLayoutId id="2147483664" r:id="rId4"/>
-    <p:sldLayoutId id="2147483665" r:id="rId5"/>
-    <p:sldLayoutId id="2147483666" r:id="rId6"/>
-    <p:sldLayoutId id="2147483667" r:id="rId7"/>
-    <p:sldLayoutId id="2147483668" r:id="rId8"/>
-    <p:sldLayoutId id="2147483669" r:id="rId9"/>
-    <p:sldLayoutId id="2147483670" r:id="rId10"/>
-    <p:sldLayoutId id="2147483671" r:id="rId11"/>
+    <p:sldLayoutId id="2147483673" r:id="rId1"/>
+    <p:sldLayoutId id="2147483674" r:id="rId2"/>
+    <p:sldLayoutId id="2147483675" r:id="rId3"/>
+    <p:sldLayoutId id="2147483676" r:id="rId4"/>
+    <p:sldLayoutId id="2147483677" r:id="rId5"/>
+    <p:sldLayoutId id="2147483678" r:id="rId6"/>
+    <p:sldLayoutId id="2147483679" r:id="rId7"/>
+    <p:sldLayoutId id="2147483680" r:id="rId8"/>
+    <p:sldLayoutId id="2147483681" r:id="rId9"/>
+    <p:sldLayoutId id="2147483682" r:id="rId10"/>
+    <p:sldLayoutId id="2147483683" r:id="rId11"/>
   </p:sldLayoutIdLst>
   <p:txStyles>
     <p:titleStyle>
-      <a:lvl1pPr algn="l" defTabSz="914400" rtl="0" eaLnBrk="1" latinLnBrk="0" hangingPunct="1">
-        <a:lnSpc>
-          <a:spcPct val="90000"/>
-        </a:lnSpc>
+      <a:lvl1pPr algn="ctr" defTabSz="914378" rtl="0" eaLnBrk="1" latinLnBrk="0" hangingPunct="1">
         <a:spcBef>
           <a:spcPct val="0"/>
         </a:spcBef>
@@ -2725,15 +2896,27 @@
       </a:lvl1pPr>
     </p:titleStyle>
     <p:bodyStyle>
-      <a:lvl1pPr marL="228600" indent="-228600" algn="l" defTabSz="914400" rtl="0" eaLnBrk="1" latinLnBrk="0" hangingPunct="1">
-        <a:lnSpc>
-          <a:spcPct val="90000"/>
-        </a:lnSpc>
+      <a:lvl1pPr marL="342892" indent="-342892" algn="l" defTabSz="914378" rtl="0" eaLnBrk="1" latinLnBrk="0" hangingPunct="1">
         <a:spcBef>
-          <a:spcPts val="1000"/>
+          <a:spcPct val="20000"/>
         </a:spcBef>
-        <a:buFont typeface="Arial" panose="020B0604020202020204" pitchFamily="34" charset="0"/>
+        <a:buFont typeface="Arial" pitchFamily="34" charset="0"/>
         <a:buChar char="•"/>
+        <a:defRPr sz="3200" kern="1200">
+          <a:solidFill>
+            <a:schemeClr val="tx1"/>
+          </a:solidFill>
+          <a:latin typeface="+mn-lt"/>
+          <a:ea typeface="+mn-ea"/>
+          <a:cs typeface="+mn-cs"/>
+        </a:defRPr>
+      </a:lvl1pPr>
+      <a:lvl2pPr marL="742931" indent="-285743" algn="l" defTabSz="914378" rtl="0" eaLnBrk="1" latinLnBrk="0" hangingPunct="1">
+        <a:spcBef>
+          <a:spcPct val="20000"/>
+        </a:spcBef>
+        <a:buFont typeface="Arial" pitchFamily="34" charset="0"/>
+        <a:buChar char="–"/>
         <a:defRPr sz="2800" kern="1200">
           <a:solidFill>
             <a:schemeClr val="tx1"/>
@@ -2742,15 +2925,12 @@
           <a:ea typeface="+mn-ea"/>
           <a:cs typeface="+mn-cs"/>
         </a:defRPr>
-      </a:lvl1pPr>
-      <a:lvl2pPr marL="685800" indent="-228600" algn="l" defTabSz="914400" rtl="0" eaLnBrk="1" latinLnBrk="0" hangingPunct="1">
-        <a:lnSpc>
-          <a:spcPct val="90000"/>
-        </a:lnSpc>
+      </a:lvl2pPr>
+      <a:lvl3pPr marL="1142972" indent="-228594" algn="l" defTabSz="914378" rtl="0" eaLnBrk="1" latinLnBrk="0" hangingPunct="1">
         <a:spcBef>
-          <a:spcPts val="500"/>
+          <a:spcPct val="20000"/>
         </a:spcBef>
-        <a:buFont typeface="Arial" panose="020B0604020202020204" pitchFamily="34" charset="0"/>
+        <a:buFont typeface="Arial" pitchFamily="34" charset="0"/>
         <a:buChar char="•"/>
         <a:defRPr sz="2400" kern="1200">
           <a:solidFill>
@@ -2760,15 +2940,42 @@
           <a:ea typeface="+mn-ea"/>
           <a:cs typeface="+mn-cs"/>
         </a:defRPr>
-      </a:lvl2pPr>
-      <a:lvl3pPr marL="1143000" indent="-228600" algn="l" defTabSz="914400" rtl="0" eaLnBrk="1" latinLnBrk="0" hangingPunct="1">
-        <a:lnSpc>
-          <a:spcPct val="90000"/>
-        </a:lnSpc>
+      </a:lvl3pPr>
+      <a:lvl4pPr marL="1600160" indent="-228594" algn="l" defTabSz="914378" rtl="0" eaLnBrk="1" latinLnBrk="0" hangingPunct="1">
         <a:spcBef>
-          <a:spcPts val="500"/>
+          <a:spcPct val="20000"/>
         </a:spcBef>
-        <a:buFont typeface="Arial" panose="020B0604020202020204" pitchFamily="34" charset="0"/>
+        <a:buFont typeface="Arial" pitchFamily="34" charset="0"/>
+        <a:buChar char="–"/>
+        <a:defRPr sz="2000" kern="1200">
+          <a:solidFill>
+            <a:schemeClr val="tx1"/>
+          </a:solidFill>
+          <a:latin typeface="+mn-lt"/>
+          <a:ea typeface="+mn-ea"/>
+          <a:cs typeface="+mn-cs"/>
+        </a:defRPr>
+      </a:lvl4pPr>
+      <a:lvl5pPr marL="2057348" indent="-228594" algn="l" defTabSz="914378" rtl="0" eaLnBrk="1" latinLnBrk="0" hangingPunct="1">
+        <a:spcBef>
+          <a:spcPct val="20000"/>
+        </a:spcBef>
+        <a:buFont typeface="Arial" pitchFamily="34" charset="0"/>
+        <a:buChar char="»"/>
+        <a:defRPr sz="2000" kern="1200">
+          <a:solidFill>
+            <a:schemeClr val="tx1"/>
+          </a:solidFill>
+          <a:latin typeface="+mn-lt"/>
+          <a:ea typeface="+mn-ea"/>
+          <a:cs typeface="+mn-cs"/>
+        </a:defRPr>
+      </a:lvl5pPr>
+      <a:lvl6pPr marL="2514537" indent="-228594" algn="l" defTabSz="914378" rtl="0" eaLnBrk="1" latinLnBrk="0" hangingPunct="1">
+        <a:spcBef>
+          <a:spcPct val="20000"/>
+        </a:spcBef>
+        <a:buFont typeface="Arial" pitchFamily="34" charset="0"/>
         <a:buChar char="•"/>
         <a:defRPr sz="2000" kern="1200">
           <a:solidFill>
@@ -2778,71 +2985,14 @@
           <a:ea typeface="+mn-ea"/>
           <a:cs typeface="+mn-cs"/>
         </a:defRPr>
-      </a:lvl3pPr>
-      <a:lvl4pPr marL="1600200" indent="-228600" algn="l" defTabSz="914400" rtl="0" eaLnBrk="1" latinLnBrk="0" hangingPunct="1">
-        <a:lnSpc>
-          <a:spcPct val="90000"/>
-        </a:lnSpc>
+      </a:lvl6pPr>
+      <a:lvl7pPr marL="2971726" indent="-228594" algn="l" defTabSz="914378" rtl="0" eaLnBrk="1" latinLnBrk="0" hangingPunct="1">
         <a:spcBef>
-          <a:spcPts val="500"/>
+          <a:spcPct val="20000"/>
         </a:spcBef>
-        <a:buFont typeface="Arial" panose="020B0604020202020204" pitchFamily="34" charset="0"/>
+        <a:buFont typeface="Arial" pitchFamily="34" charset="0"/>
         <a:buChar char="•"/>
-        <a:defRPr sz="1800" kern="1200">
-          <a:solidFill>
-            <a:schemeClr val="tx1"/>
-          </a:solidFill>
-          <a:latin typeface="+mn-lt"/>
-          <a:ea typeface="+mn-ea"/>
-          <a:cs typeface="+mn-cs"/>
-        </a:defRPr>
-      </a:lvl4pPr>
-      <a:lvl5pPr marL="2057400" indent="-228600" algn="l" defTabSz="914400" rtl="0" eaLnBrk="1" latinLnBrk="0" hangingPunct="1">
-        <a:lnSpc>
-          <a:spcPct val="90000"/>
-        </a:lnSpc>
-        <a:spcBef>
-          <a:spcPts val="500"/>
-        </a:spcBef>
-        <a:buFont typeface="Arial" panose="020B0604020202020204" pitchFamily="34" charset="0"/>
-        <a:buChar char="•"/>
-        <a:defRPr sz="1800" kern="1200">
-          <a:solidFill>
-            <a:schemeClr val="tx1"/>
-          </a:solidFill>
-          <a:latin typeface="+mn-lt"/>
-          <a:ea typeface="+mn-ea"/>
-          <a:cs typeface="+mn-cs"/>
-        </a:defRPr>
-      </a:lvl5pPr>
-      <a:lvl6pPr marL="2514600" indent="-228600" algn="l" defTabSz="914400" rtl="0" eaLnBrk="1" latinLnBrk="0" hangingPunct="1">
-        <a:lnSpc>
-          <a:spcPct val="90000"/>
-        </a:lnSpc>
-        <a:spcBef>
-          <a:spcPts val="500"/>
-        </a:spcBef>
-        <a:buFont typeface="Arial" panose="020B0604020202020204" pitchFamily="34" charset="0"/>
-        <a:buChar char="•"/>
-        <a:defRPr sz="1800" kern="1200">
-          <a:solidFill>
-            <a:schemeClr val="tx1"/>
-          </a:solidFill>
-          <a:latin typeface="+mn-lt"/>
-          <a:ea typeface="+mn-ea"/>
-          <a:cs typeface="+mn-cs"/>
-        </a:defRPr>
-      </a:lvl6pPr>
-      <a:lvl7pPr marL="2971800" indent="-228600" algn="l" defTabSz="914400" rtl="0" eaLnBrk="1" latinLnBrk="0" hangingPunct="1">
-        <a:lnSpc>
-          <a:spcPct val="90000"/>
-        </a:lnSpc>
-        <a:spcBef>
-          <a:spcPts val="500"/>
-        </a:spcBef>
-        <a:buFont typeface="Arial" panose="020B0604020202020204" pitchFamily="34" charset="0"/>
-        <a:buChar char="•"/>
-        <a:defRPr sz="1800" kern="1200">
+        <a:defRPr sz="2000" kern="1200">
           <a:solidFill>
             <a:schemeClr val="tx1"/>
           </a:solidFill>
@@ -2851,16 +3001,13 @@
           <a:cs typeface="+mn-cs"/>
         </a:defRPr>
       </a:lvl7pPr>
-      <a:lvl8pPr marL="3429000" indent="-228600" algn="l" defTabSz="914400" rtl="0" eaLnBrk="1" latinLnBrk="0" hangingPunct="1">
-        <a:lnSpc>
-          <a:spcPct val="90000"/>
-        </a:lnSpc>
+      <a:lvl8pPr marL="3428915" indent="-228594" algn="l" defTabSz="914378" rtl="0" eaLnBrk="1" latinLnBrk="0" hangingPunct="1">
         <a:spcBef>
-          <a:spcPts val="500"/>
+          <a:spcPct val="20000"/>
         </a:spcBef>
-        <a:buFont typeface="Arial" panose="020B0604020202020204" pitchFamily="34" charset="0"/>
+        <a:buFont typeface="Arial" pitchFamily="34" charset="0"/>
         <a:buChar char="•"/>
-        <a:defRPr sz="1800" kern="1200">
+        <a:defRPr sz="2000" kern="1200">
           <a:solidFill>
             <a:schemeClr val="tx1"/>
           </a:solidFill>
@@ -2869,16 +3016,13 @@
           <a:cs typeface="+mn-cs"/>
         </a:defRPr>
       </a:lvl8pPr>
-      <a:lvl9pPr marL="3886200" indent="-228600" algn="l" defTabSz="914400" rtl="0" eaLnBrk="1" latinLnBrk="0" hangingPunct="1">
-        <a:lnSpc>
-          <a:spcPct val="90000"/>
-        </a:lnSpc>
+      <a:lvl9pPr marL="3886103" indent="-228594" algn="l" defTabSz="914378" rtl="0" eaLnBrk="1" latinLnBrk="0" hangingPunct="1">
         <a:spcBef>
-          <a:spcPts val="500"/>
+          <a:spcPct val="20000"/>
         </a:spcBef>
-        <a:buFont typeface="Arial" panose="020B0604020202020204" pitchFamily="34" charset="0"/>
+        <a:buFont typeface="Arial" pitchFamily="34" charset="0"/>
         <a:buChar char="•"/>
-        <a:defRPr sz="1800" kern="1200">
+        <a:defRPr sz="2000" kern="1200">
           <a:solidFill>
             <a:schemeClr val="tx1"/>
           </a:solidFill>
@@ -2890,9 +3034,9 @@
     </p:bodyStyle>
     <p:otherStyle>
       <a:defPPr>
-        <a:defRPr lang="en-US"/>
+        <a:defRPr lang="zh-TW"/>
       </a:defPPr>
-      <a:lvl1pPr marL="0" algn="l" defTabSz="914400" rtl="0" eaLnBrk="1" latinLnBrk="0" hangingPunct="1">
+      <a:lvl1pPr marL="0" algn="l" defTabSz="914378" rtl="0" eaLnBrk="1" latinLnBrk="0" hangingPunct="1">
         <a:defRPr sz="1800" kern="1200">
           <a:solidFill>
             <a:schemeClr val="tx1"/>
@@ -2902,7 +3046,7 @@
           <a:cs typeface="+mn-cs"/>
         </a:defRPr>
       </a:lvl1pPr>
-      <a:lvl2pPr marL="457200" algn="l" defTabSz="914400" rtl="0" eaLnBrk="1" latinLnBrk="0" hangingPunct="1">
+      <a:lvl2pPr marL="457189" algn="l" defTabSz="914378" rtl="0" eaLnBrk="1" latinLnBrk="0" hangingPunct="1">
         <a:defRPr sz="1800" kern="1200">
           <a:solidFill>
             <a:schemeClr val="tx1"/>
@@ -2912,7 +3056,7 @@
           <a:cs typeface="+mn-cs"/>
         </a:defRPr>
       </a:lvl2pPr>
-      <a:lvl3pPr marL="914400" algn="l" defTabSz="914400" rtl="0" eaLnBrk="1" latinLnBrk="0" hangingPunct="1">
+      <a:lvl3pPr marL="914378" algn="l" defTabSz="914378" rtl="0" eaLnBrk="1" latinLnBrk="0" hangingPunct="1">
         <a:defRPr sz="1800" kern="1200">
           <a:solidFill>
             <a:schemeClr val="tx1"/>
@@ -2922,7 +3066,7 @@
           <a:cs typeface="+mn-cs"/>
         </a:defRPr>
       </a:lvl3pPr>
-      <a:lvl4pPr marL="1371600" algn="l" defTabSz="914400" rtl="0" eaLnBrk="1" latinLnBrk="0" hangingPunct="1">
+      <a:lvl4pPr marL="1371566" algn="l" defTabSz="914378" rtl="0" eaLnBrk="1" latinLnBrk="0" hangingPunct="1">
         <a:defRPr sz="1800" kern="1200">
           <a:solidFill>
             <a:schemeClr val="tx1"/>
@@ -2932,7 +3076,7 @@
           <a:cs typeface="+mn-cs"/>
         </a:defRPr>
       </a:lvl4pPr>
-      <a:lvl5pPr marL="1828800" algn="l" defTabSz="914400" rtl="0" eaLnBrk="1" latinLnBrk="0" hangingPunct="1">
+      <a:lvl5pPr marL="1828754" algn="l" defTabSz="914378" rtl="0" eaLnBrk="1" latinLnBrk="0" hangingPunct="1">
         <a:defRPr sz="1800" kern="1200">
           <a:solidFill>
             <a:schemeClr val="tx1"/>
@@ -2942,7 +3086,7 @@
           <a:cs typeface="+mn-cs"/>
         </a:defRPr>
       </a:lvl5pPr>
-      <a:lvl6pPr marL="2286000" algn="l" defTabSz="914400" rtl="0" eaLnBrk="1" latinLnBrk="0" hangingPunct="1">
+      <a:lvl6pPr marL="2285943" algn="l" defTabSz="914378" rtl="0" eaLnBrk="1" latinLnBrk="0" hangingPunct="1">
         <a:defRPr sz="1800" kern="1200">
           <a:solidFill>
             <a:schemeClr val="tx1"/>
@@ -2952,7 +3096,7 @@
           <a:cs typeface="+mn-cs"/>
         </a:defRPr>
       </a:lvl6pPr>
-      <a:lvl7pPr marL="2743200" algn="l" defTabSz="914400" rtl="0" eaLnBrk="1" latinLnBrk="0" hangingPunct="1">
+      <a:lvl7pPr marL="2743132" algn="l" defTabSz="914378" rtl="0" eaLnBrk="1" latinLnBrk="0" hangingPunct="1">
         <a:defRPr sz="1800" kern="1200">
           <a:solidFill>
             <a:schemeClr val="tx1"/>
@@ -2962,7 +3106,7 @@
           <a:cs typeface="+mn-cs"/>
         </a:defRPr>
       </a:lvl7pPr>
-      <a:lvl8pPr marL="3200400" algn="l" defTabSz="914400" rtl="0" eaLnBrk="1" latinLnBrk="0" hangingPunct="1">
+      <a:lvl8pPr marL="3200320" algn="l" defTabSz="914378" rtl="0" eaLnBrk="1" latinLnBrk="0" hangingPunct="1">
         <a:defRPr sz="1800" kern="1200">
           <a:solidFill>
             <a:schemeClr val="tx1"/>
@@ -2972,7 +3116,7 @@
           <a:cs typeface="+mn-cs"/>
         </a:defRPr>
       </a:lvl8pPr>
-      <a:lvl9pPr marL="3657600" algn="l" defTabSz="914400" rtl="0" eaLnBrk="1" latinLnBrk="0" hangingPunct="1">
+      <a:lvl9pPr marL="3657509" algn="l" defTabSz="914378" rtl="0" eaLnBrk="1" latinLnBrk="0" hangingPunct="1">
         <a:defRPr sz="1800" kern="1200">
           <a:solidFill>
             <a:schemeClr val="tx1"/>
@@ -3006,7 +3150,7 @@
       </p:grpSpPr>
       <p:sp>
         <p:nvSpPr>
-          <p:cNvPr id="2" name="Title 1"/>
+          <p:cNvPr id="4" name="Title 3"/>
           <p:cNvSpPr>
             <a:spLocks noGrp="1"/>
           </p:cNvSpPr>
@@ -3016,25 +3160,25 @@
         </p:nvSpPr>
         <p:spPr/>
         <p:txBody>
-          <a:bodyPr/>
-          <a:lstStyle/>
-          <a:p>
-            <a:pPr algn="ctr"/>
-            <a:r>
-              <a:rPr lang="zh-TW" altLang="en-US" b="1" dirty="0">
-                <a:latin typeface="Microsoft JhengHei" panose="020B0604030504040204" pitchFamily="34" charset="-120"/>
-                <a:ea typeface="Microsoft JhengHei" panose="020B0604030504040204" pitchFamily="34" charset="-120"/>
-              </a:rPr>
-              <a:t>問我主恩有幾</a:t>
-            </a:r>
-            <a:r>
-              <a:rPr lang="zh-TW" altLang="en-US" b="1" dirty="0" smtClean="0">
-                <a:latin typeface="Microsoft JhengHei" panose="020B0604030504040204" pitchFamily="34" charset="-120"/>
-                <a:ea typeface="Microsoft JhengHei" panose="020B0604030504040204" pitchFamily="34" charset="-120"/>
-              </a:rPr>
-              <a:t>多</a:t>
-            </a:r>
-            <a:endParaRPr lang="en-US" b="1" dirty="0">
+          <a:bodyPr>
+            <a:normAutofit/>
+          </a:bodyPr>
+          <a:lstStyle/>
+          <a:p>
+            <a:r>
+              <a:rPr lang="zh-TW" altLang="en-US" sz="4800" b="1" dirty="0">
+                <a:solidFill>
+                  <a:srgbClr val="660033"/>
+                </a:solidFill>
+                <a:latin typeface="Microsoft JhengHei" panose="020B0604030504040204" pitchFamily="34" charset="-120"/>
+                <a:ea typeface="Microsoft JhengHei" panose="020B0604030504040204" pitchFamily="34" charset="-120"/>
+              </a:rPr>
+              <a:t>問我主恩有幾多</a:t>
+            </a:r>
+            <a:endParaRPr lang="en-US" altLang="zh-CN" sz="4800" b="1" dirty="0">
+              <a:solidFill>
+                <a:srgbClr val="660033"/>
+              </a:solidFill>
               <a:latin typeface="Microsoft JhengHei" panose="020B0604030504040204" pitchFamily="34" charset="-120"/>
               <a:ea typeface="Microsoft JhengHei" panose="020B0604030504040204" pitchFamily="34" charset="-120"/>
             </a:endParaRPr>
@@ -3043,7 +3187,7 @@
       </p:sp>
       <p:sp>
         <p:nvSpPr>
-          <p:cNvPr id="3" name="Content Placeholder 2"/>
+          <p:cNvPr id="5" name="Content Placeholder 4"/>
           <p:cNvSpPr>
             <a:spLocks noGrp="1"/>
           </p:cNvSpPr>
@@ -3051,12 +3195,7 @@
             <p:ph idx="1"/>
           </p:nvPr>
         </p:nvSpPr>
-        <p:spPr>
-          <a:xfrm>
-            <a:off x="0" y="1825625"/>
-            <a:ext cx="9144000" cy="4351338"/>
-          </a:xfrm>
-        </p:spPr>
+        <p:spPr/>
         <p:txBody>
           <a:bodyPr>
             <a:noAutofit/>
@@ -3068,19 +3207,18 @@
             </a:pPr>
             <a:r>
               <a:rPr lang="zh-TW" altLang="en-US" sz="5400" b="1" dirty="0">
-                <a:latin typeface="Microsoft JhengHei" panose="020B0604030504040204" pitchFamily="34" charset="-120"/>
-                <a:ea typeface="Microsoft JhengHei" panose="020B0604030504040204" pitchFamily="34" charset="-120"/>
-              </a:rPr>
-              <a:t>問我主恩典有幾</a:t>
-            </a:r>
-            <a:r>
-              <a:rPr lang="zh-TW" altLang="en-US" sz="5400" b="1" dirty="0" smtClean="0">
-                <a:latin typeface="Microsoft JhengHei" panose="020B0604030504040204" pitchFamily="34" charset="-120"/>
-                <a:ea typeface="Microsoft JhengHei" panose="020B0604030504040204" pitchFamily="34" charset="-120"/>
-              </a:rPr>
-              <a:t>多</a:t>
-            </a:r>
-            <a:endParaRPr lang="en-US" altLang="zh-TW" sz="5400" b="1" dirty="0" smtClean="0">
+                <a:solidFill>
+                  <a:srgbClr val="660033"/>
+                </a:solidFill>
+                <a:latin typeface="Microsoft JhengHei" panose="020B0604030504040204" pitchFamily="34" charset="-120"/>
+                <a:ea typeface="Microsoft JhengHei" panose="020B0604030504040204" pitchFamily="34" charset="-120"/>
+              </a:rPr>
+              <a:t>問我主恩典有幾多</a:t>
+            </a:r>
+            <a:endParaRPr lang="en-US" altLang="zh-TW" sz="5400" b="1" dirty="0">
+              <a:solidFill>
+                <a:srgbClr val="660033"/>
+              </a:solidFill>
               <a:latin typeface="Microsoft JhengHei" panose="020B0604030504040204" pitchFamily="34" charset="-120"/>
               <a:ea typeface="Microsoft JhengHei" panose="020B0604030504040204" pitchFamily="34" charset="-120"/>
             </a:endParaRPr>
@@ -3090,27 +3228,19 @@
               <a:buNone/>
             </a:pPr>
             <a:r>
-              <a:rPr lang="zh-TW" altLang="en-US" sz="5400" b="1" dirty="0" smtClean="0">
-                <a:latin typeface="Microsoft JhengHei" panose="020B0604030504040204" pitchFamily="34" charset="-120"/>
-                <a:ea typeface="Microsoft JhengHei" panose="020B0604030504040204" pitchFamily="34" charset="-120"/>
-              </a:rPr>
-              <a:t>究</a:t>
-            </a:r>
-            <a:r>
-              <a:rPr lang="zh-TW" altLang="en-US" sz="5400" b="1" dirty="0">
-                <a:latin typeface="Microsoft JhengHei" panose="020B0604030504040204" pitchFamily="34" charset="-120"/>
-                <a:ea typeface="Microsoft JhengHei" panose="020B0604030504040204" pitchFamily="34" charset="-120"/>
-              </a:rPr>
-              <a:t>竟主恩典有幾</a:t>
-            </a:r>
-            <a:r>
-              <a:rPr lang="zh-TW" altLang="en-US" sz="5400" b="1" dirty="0" smtClean="0">
-                <a:latin typeface="Microsoft JhengHei" panose="020B0604030504040204" pitchFamily="34" charset="-120"/>
-                <a:ea typeface="Microsoft JhengHei" panose="020B0604030504040204" pitchFamily="34" charset="-120"/>
-              </a:rPr>
-              <a:t>多</a:t>
-            </a:r>
-            <a:endParaRPr lang="en-US" altLang="zh-TW" sz="5400" b="1" dirty="0" smtClean="0">
+              <a:rPr lang="zh-TW" altLang="en-US" sz="5400" b="1" dirty="0">
+                <a:solidFill>
+                  <a:srgbClr val="660033"/>
+                </a:solidFill>
+                <a:latin typeface="Microsoft JhengHei" panose="020B0604030504040204" pitchFamily="34" charset="-120"/>
+                <a:ea typeface="Microsoft JhengHei" panose="020B0604030504040204" pitchFamily="34" charset="-120"/>
+              </a:rPr>
+              <a:t>究竟主恩典有幾多</a:t>
+            </a:r>
+            <a:endParaRPr lang="en-US" altLang="zh-TW" sz="5400" b="1" dirty="0">
+              <a:solidFill>
+                <a:srgbClr val="660033"/>
+              </a:solidFill>
               <a:latin typeface="Microsoft JhengHei" panose="020B0604030504040204" pitchFamily="34" charset="-120"/>
               <a:ea typeface="Microsoft JhengHei" panose="020B0604030504040204" pitchFamily="34" charset="-120"/>
             </a:endParaRPr>
@@ -3120,211 +3250,170 @@
               <a:buNone/>
             </a:pPr>
             <a:r>
-              <a:rPr lang="zh-TW" altLang="en-US" sz="5400" b="1" dirty="0" smtClean="0">
-                <a:latin typeface="Microsoft JhengHei" panose="020B0604030504040204" pitchFamily="34" charset="-120"/>
-                <a:ea typeface="Microsoft JhengHei" panose="020B0604030504040204" pitchFamily="34" charset="-120"/>
-              </a:rPr>
-              <a:t>我</a:t>
-            </a:r>
-            <a:r>
-              <a:rPr lang="zh-TW" altLang="en-US" sz="5400" b="1" dirty="0">
-                <a:latin typeface="Microsoft JhengHei" panose="020B0604030504040204" pitchFamily="34" charset="-120"/>
-                <a:ea typeface="Microsoft JhengHei" panose="020B0604030504040204" pitchFamily="34" charset="-120"/>
-              </a:rPr>
-              <a:t>如何能夠一一去數清</a:t>
-            </a:r>
-            <a:r>
-              <a:rPr lang="zh-TW" altLang="en-US" sz="5400" b="1" dirty="0" smtClean="0">
+              <a:rPr lang="zh-TW" altLang="en-US" sz="5400" b="1" dirty="0">
+                <a:solidFill>
+                  <a:srgbClr val="660033"/>
+                </a:solidFill>
+                <a:latin typeface="Microsoft JhengHei" panose="020B0604030504040204" pitchFamily="34" charset="-120"/>
+                <a:ea typeface="Microsoft JhengHei" panose="020B0604030504040204" pitchFamily="34" charset="-120"/>
+              </a:rPr>
+              <a:t>我如何能夠一一去數清</a:t>
+            </a:r>
+            <a:r>
+              <a:rPr lang="zh-TW" altLang="en-US" sz="5400" b="1" dirty="0">
+                <a:solidFill>
+                  <a:srgbClr val="660033"/>
+                </a:solidFill>
                 <a:latin typeface="Microsoft JhengHei" panose="020B0604030504040204" pitchFamily="34" charset="-120"/>
                 <a:ea typeface="Microsoft JhengHei" panose="020B0604030504040204" pitchFamily="34" charset="-120"/>
               </a:rPr>
               <a:t>楚</a:t>
             </a:r>
-            <a:endParaRPr lang="en-US" altLang="zh-TW" sz="5400" b="1" dirty="0" smtClean="0">
+            <a:endParaRPr lang="en-US" altLang="zh-TW" sz="5400" b="1" dirty="0">
+              <a:solidFill>
+                <a:srgbClr val="660033"/>
+              </a:solidFill>
               <a:latin typeface="Microsoft JhengHei" panose="020B0604030504040204" pitchFamily="34" charset="-120"/>
               <a:ea typeface="Microsoft JhengHei" panose="020B0604030504040204" pitchFamily="34" charset="-120"/>
             </a:endParaRPr>
           </a:p>
+          <a:p>
+            <a:pPr marL="0" indent="0" algn="ctr">
+              <a:buNone/>
+            </a:pPr>
+            <a:r>
+              <a:rPr lang="zh-TW" altLang="en-US" sz="5400" b="1" dirty="0">
+                <a:solidFill>
+                  <a:srgbClr val="660033"/>
+                </a:solidFill>
+                <a:latin typeface="Microsoft JhengHei" panose="020B0604030504040204" pitchFamily="34" charset="-120"/>
+                <a:ea typeface="Microsoft JhengHei" panose="020B0604030504040204" pitchFamily="34" charset="-120"/>
+              </a:rPr>
+              <a:t>問我點解會高</a:t>
+            </a:r>
+            <a:r>
+              <a:rPr lang="zh-TW" altLang="en-US" sz="5400" b="1" dirty="0">
+                <a:solidFill>
+                  <a:srgbClr val="660033"/>
+                </a:solidFill>
+                <a:latin typeface="Microsoft JhengHei" panose="020B0604030504040204" pitchFamily="34" charset="-120"/>
+                <a:ea typeface="Microsoft JhengHei" panose="020B0604030504040204" pitchFamily="34" charset="-120"/>
+              </a:rPr>
+              <a:t>興</a:t>
+            </a:r>
+            <a:r>
+              <a:rPr lang="en-US" altLang="zh-TW" sz="5400" b="1" dirty="0">
+                <a:solidFill>
+                  <a:srgbClr val="660033"/>
+                </a:solidFill>
+                <a:latin typeface="Microsoft JhengHei" panose="020B0604030504040204" pitchFamily="34" charset="-120"/>
+                <a:ea typeface="Microsoft JhengHei" panose="020B0604030504040204" pitchFamily="34" charset="-120"/>
+              </a:rPr>
+              <a:t>  </a:t>
+            </a:r>
+            <a:r>
+              <a:rPr lang="zh-TW" altLang="en-US" sz="5400" b="1" dirty="0">
+                <a:solidFill>
+                  <a:srgbClr val="660033"/>
+                </a:solidFill>
+                <a:latin typeface="Microsoft JhengHei" panose="020B0604030504040204" pitchFamily="34" charset="-120"/>
+                <a:ea typeface="Microsoft JhengHei" panose="020B0604030504040204" pitchFamily="34" charset="-120"/>
+              </a:rPr>
+              <a:t>究</a:t>
+            </a:r>
+            <a:r>
+              <a:rPr lang="zh-TW" altLang="en-US" sz="5400" b="1" dirty="0">
+                <a:solidFill>
+                  <a:srgbClr val="660033"/>
+                </a:solidFill>
+                <a:latin typeface="Microsoft JhengHei" panose="020B0604030504040204" pitchFamily="34" charset="-120"/>
+                <a:ea typeface="Microsoft JhengHei" panose="020B0604030504040204" pitchFamily="34" charset="-120"/>
+              </a:rPr>
+              <a:t>竟點解無苦楚</a:t>
+            </a:r>
+            <a:endParaRPr lang="en-US" altLang="zh-TW" sz="5400" b="1" dirty="0">
+              <a:solidFill>
+                <a:srgbClr val="660033"/>
+              </a:solidFill>
+              <a:latin typeface="Microsoft JhengHei" panose="020B0604030504040204" pitchFamily="34" charset="-120"/>
+              <a:ea typeface="Microsoft JhengHei" panose="020B0604030504040204" pitchFamily="34" charset="-120"/>
+            </a:endParaRPr>
+          </a:p>
+          <a:p>
+            <a:pPr marL="0" indent="0" algn="ctr">
+              <a:buNone/>
+            </a:pPr>
+            <a:r>
+              <a:rPr lang="zh-TW" altLang="en-US" sz="5400" b="1" dirty="0">
+                <a:solidFill>
+                  <a:srgbClr val="660033"/>
+                </a:solidFill>
+                <a:latin typeface="Microsoft JhengHei" panose="020B0604030504040204" pitchFamily="34" charset="-120"/>
+                <a:ea typeface="Microsoft JhengHei" panose="020B0604030504040204" pitchFamily="34" charset="-120"/>
+              </a:rPr>
+              <a:t>我笑住回答講一聲主</a:t>
+            </a:r>
+            <a:r>
+              <a:rPr lang="zh-TW" altLang="en-US" sz="5400" b="1" dirty="0">
+                <a:solidFill>
+                  <a:srgbClr val="660033"/>
+                </a:solidFill>
+                <a:latin typeface="Microsoft JhengHei" panose="020B0604030504040204" pitchFamily="34" charset="-120"/>
+                <a:ea typeface="Microsoft JhengHei" panose="020B0604030504040204" pitchFamily="34" charset="-120"/>
+              </a:rPr>
+              <a:t>愛我</a:t>
+            </a:r>
+          </a:p>
+        </p:txBody>
+      </p:sp>
+      <p:sp>
+        <p:nvSpPr>
+          <p:cNvPr id="6" name="Text Box 1"/>
+          <p:cNvSpPr txBox="1"/>
+          <p:nvPr/>
+        </p:nvSpPr>
+        <p:spPr>
+          <a:xfrm>
+            <a:off x="609600" y="1723668"/>
+            <a:ext cx="1055440" cy="923330"/>
+          </a:xfrm>
+          <a:prstGeom prst="rect">
+            <a:avLst/>
+          </a:prstGeom>
+          <a:noFill/>
+          <a:ln w="9525">
+            <a:noFill/>
+            <a:miter lim="800000"/>
+          </a:ln>
+        </p:spPr>
+        <p:txBody>
+          <a:bodyPr wrap="square">
+            <a:spAutoFit/>
+          </a:bodyPr>
+          <a:lstStyle/>
+          <a:p>
+            <a:pPr algn="ctr"/>
+            <a:r>
+              <a:rPr lang="en-US" sz="5400" b="1" dirty="0">
+                <a:solidFill>
+                  <a:srgbClr val="660033"/>
+                </a:solidFill>
+              </a:rPr>
+              <a:t>1.</a:t>
+            </a:r>
+          </a:p>
         </p:txBody>
       </p:sp>
     </p:spTree>
     <p:extLst>
       <p:ext uri="{BB962C8B-B14F-4D97-AF65-F5344CB8AC3E}">
-        <p14:creationId xmlns:p14="http://schemas.microsoft.com/office/powerpoint/2010/main" xmlns="" val="2421600346"/>
+        <p14:creationId xmlns:p14="http://schemas.microsoft.com/office/powerpoint/2010/main" val="2548024838"/>
       </p:ext>
     </p:extLst>
   </p:cSld>
   <p:clrMapOvr>
     <a:masterClrMapping/>
   </p:clrMapOvr>
-  <p:timing>
-    <p:tnLst>
-      <p:par>
-        <p:cTn id="1" dur="indefinite" restart="never" nodeType="tmRoot"/>
-      </p:par>
-    </p:tnLst>
-  </p:timing>
-</p:sld>
-</file>
-
-<file path=ppt/slides/slide10.xml><?xml version="1.0" encoding="utf-8"?>
-<p:sld xmlns:a="http://schemas.openxmlformats.org/drawingml/2006/main" xmlns:r="http://schemas.openxmlformats.org/officeDocument/2006/relationships" xmlns:p="http://schemas.openxmlformats.org/presentationml/2006/main">
-  <p:cSld>
-    <p:spTree>
-      <p:nvGrpSpPr>
-        <p:cNvPr id="1" name=""/>
-        <p:cNvGrpSpPr/>
-        <p:nvPr/>
-      </p:nvGrpSpPr>
-      <p:grpSpPr>
-        <a:xfrm>
-          <a:off x="0" y="0"/>
-          <a:ext cx="0" cy="0"/>
-          <a:chOff x="0" y="0"/>
-          <a:chExt cx="0" cy="0"/>
-        </a:xfrm>
-      </p:grpSpPr>
-      <p:sp>
-        <p:nvSpPr>
-          <p:cNvPr id="2" name="Title 1"/>
-          <p:cNvSpPr>
-            <a:spLocks noGrp="1"/>
-          </p:cNvSpPr>
-          <p:nvPr>
-            <p:ph type="title"/>
-          </p:nvPr>
-        </p:nvSpPr>
-        <p:spPr/>
-        <p:txBody>
-          <a:bodyPr/>
-          <a:lstStyle/>
-          <a:p>
-            <a:pPr algn="ctr"/>
-            <a:r>
-              <a:rPr lang="zh-TW" altLang="en-US" b="1" dirty="0">
-                <a:latin typeface="Microsoft JhengHei" panose="020B0604030504040204" pitchFamily="34" charset="-120"/>
-                <a:ea typeface="Microsoft JhengHei" panose="020B0604030504040204" pitchFamily="34" charset="-120"/>
-              </a:rPr>
-              <a:t>問我主恩有幾</a:t>
-            </a:r>
-            <a:r>
-              <a:rPr lang="zh-TW" altLang="en-US" b="1" dirty="0" smtClean="0">
-                <a:latin typeface="Microsoft JhengHei" panose="020B0604030504040204" pitchFamily="34" charset="-120"/>
-                <a:ea typeface="Microsoft JhengHei" panose="020B0604030504040204" pitchFamily="34" charset="-120"/>
-              </a:rPr>
-              <a:t>多</a:t>
-            </a:r>
-            <a:endParaRPr lang="en-US" b="1" dirty="0">
-              <a:latin typeface="Microsoft JhengHei" panose="020B0604030504040204" pitchFamily="34" charset="-120"/>
-              <a:ea typeface="Microsoft JhengHei" panose="020B0604030504040204" pitchFamily="34" charset="-120"/>
-            </a:endParaRPr>
-          </a:p>
-        </p:txBody>
-      </p:sp>
-      <p:sp>
-        <p:nvSpPr>
-          <p:cNvPr id="3" name="Content Placeholder 2"/>
-          <p:cNvSpPr>
-            <a:spLocks noGrp="1"/>
-          </p:cNvSpPr>
-          <p:nvPr>
-            <p:ph idx="1"/>
-          </p:nvPr>
-        </p:nvSpPr>
-        <p:spPr>
-          <a:xfrm>
-            <a:off x="0" y="1825625"/>
-            <a:ext cx="9144000" cy="4351338"/>
-          </a:xfrm>
-        </p:spPr>
-        <p:txBody>
-          <a:bodyPr>
-            <a:noAutofit/>
-          </a:bodyPr>
-          <a:lstStyle/>
-          <a:p>
-            <a:pPr marL="0" indent="0" algn="ctr">
-              <a:buNone/>
-            </a:pPr>
-            <a:r>
-              <a:rPr lang="zh-TW" altLang="en-US" sz="5400" b="1" dirty="0" smtClean="0">
-                <a:latin typeface="Microsoft JhengHei" panose="020B0604030504040204" pitchFamily="34" charset="-120"/>
-                <a:ea typeface="Microsoft JhengHei" panose="020B0604030504040204" pitchFamily="34" charset="-120"/>
-              </a:rPr>
-              <a:t>念記基督犧牲的愛</a:t>
-            </a:r>
-            <a:endParaRPr lang="en-US" altLang="zh-TW" sz="5400" b="1" dirty="0" smtClean="0">
-              <a:latin typeface="Microsoft JhengHei" panose="020B0604030504040204" pitchFamily="34" charset="-120"/>
-              <a:ea typeface="Microsoft JhengHei" panose="020B0604030504040204" pitchFamily="34" charset="-120"/>
-            </a:endParaRPr>
-          </a:p>
-          <a:p>
-            <a:pPr marL="0" indent="0" algn="ctr">
-              <a:buNone/>
-            </a:pPr>
-            <a:r>
-              <a:rPr lang="zh-TW" altLang="en-US" sz="5400" b="1" dirty="0" smtClean="0">
-                <a:latin typeface="Microsoft JhengHei" panose="020B0604030504040204" pitchFamily="34" charset="-120"/>
-                <a:ea typeface="Microsoft JhengHei" panose="020B0604030504040204" pitchFamily="34" charset="-120"/>
-              </a:rPr>
-              <a:t>十架釘身種種苦楚</a:t>
-            </a:r>
-            <a:endParaRPr lang="en-US" altLang="zh-TW" sz="5400" b="1" dirty="0" smtClean="0">
-              <a:latin typeface="Microsoft JhengHei" panose="020B0604030504040204" pitchFamily="34" charset="-120"/>
-              <a:ea typeface="Microsoft JhengHei" panose="020B0604030504040204" pitchFamily="34" charset="-120"/>
-            </a:endParaRPr>
-          </a:p>
-          <a:p>
-            <a:pPr marL="0" indent="0" algn="ctr">
-              <a:buNone/>
-            </a:pPr>
-            <a:r>
-              <a:rPr lang="zh-TW" altLang="en-US" sz="5400" b="1" dirty="0" smtClean="0">
-                <a:latin typeface="Microsoft JhengHei" panose="020B0604030504040204" pitchFamily="34" charset="-120"/>
-                <a:ea typeface="Microsoft JhengHei" panose="020B0604030504040204" pitchFamily="34" charset="-120"/>
-              </a:rPr>
-              <a:t>唱頌神大愛</a:t>
-            </a:r>
-            <a:endParaRPr lang="en-US" altLang="zh-TW" sz="5400" b="1" dirty="0" smtClean="0">
-              <a:latin typeface="Microsoft JhengHei" panose="020B0604030504040204" pitchFamily="34" charset="-120"/>
-              <a:ea typeface="Microsoft JhengHei" panose="020B0604030504040204" pitchFamily="34" charset="-120"/>
-            </a:endParaRPr>
-          </a:p>
-          <a:p>
-            <a:pPr marL="0" indent="0" algn="ctr">
-              <a:buNone/>
-            </a:pPr>
-            <a:r>
-              <a:rPr lang="zh-TW" altLang="en-US" sz="5400" b="1" dirty="0" smtClean="0">
-                <a:latin typeface="Microsoft JhengHei" panose="020B0604030504040204" pitchFamily="34" charset="-120"/>
-                <a:ea typeface="Microsoft JhengHei" panose="020B0604030504040204" pitchFamily="34" charset="-120"/>
-              </a:rPr>
-              <a:t>甘將一生獻奉上</a:t>
-            </a:r>
-            <a:endParaRPr lang="zh-TW" altLang="en-US" sz="5400" b="1" dirty="0">
-              <a:latin typeface="Microsoft JhengHei" panose="020B0604030504040204" pitchFamily="34" charset="-120"/>
-              <a:ea typeface="Microsoft JhengHei" panose="020B0604030504040204" pitchFamily="34" charset="-120"/>
-            </a:endParaRPr>
-          </a:p>
-        </p:txBody>
-      </p:sp>
-    </p:spTree>
-    <p:extLst>
-      <p:ext uri="{BB962C8B-B14F-4D97-AF65-F5344CB8AC3E}">
-        <p14:creationId xmlns:p14="http://schemas.microsoft.com/office/powerpoint/2010/main" xmlns="" val="2366457510"/>
-      </p:ext>
-    </p:extLst>
-  </p:cSld>
-  <p:clrMapOvr>
-    <a:masterClrMapping/>
-  </p:clrMapOvr>
-  <p:timing>
-    <p:tnLst>
-      <p:par>
-        <p:cTn id="1" dur="indefinite" restart="never" nodeType="tmRoot"/>
-      </p:par>
-    </p:tnLst>
-  </p:timing>
 </p:sld>
 </file>
 
@@ -3347,7 +3436,7 @@
       </p:grpSpPr>
       <p:sp>
         <p:nvSpPr>
-          <p:cNvPr id="2" name="Title 1"/>
+          <p:cNvPr id="4" name="Title 3"/>
           <p:cNvSpPr>
             <a:spLocks noGrp="1"/>
           </p:cNvSpPr>
@@ -3357,25 +3446,25 @@
         </p:nvSpPr>
         <p:spPr/>
         <p:txBody>
-          <a:bodyPr/>
-          <a:lstStyle/>
-          <a:p>
-            <a:pPr algn="ctr"/>
-            <a:r>
-              <a:rPr lang="zh-TW" altLang="en-US" b="1" dirty="0">
-                <a:latin typeface="Microsoft JhengHei" panose="020B0604030504040204" pitchFamily="34" charset="-120"/>
-                <a:ea typeface="Microsoft JhengHei" panose="020B0604030504040204" pitchFamily="34" charset="-120"/>
-              </a:rPr>
-              <a:t>問我主恩有幾</a:t>
-            </a:r>
-            <a:r>
-              <a:rPr lang="zh-TW" altLang="en-US" b="1" dirty="0" smtClean="0">
-                <a:latin typeface="Microsoft JhengHei" panose="020B0604030504040204" pitchFamily="34" charset="-120"/>
-                <a:ea typeface="Microsoft JhengHei" panose="020B0604030504040204" pitchFamily="34" charset="-120"/>
-              </a:rPr>
-              <a:t>多</a:t>
-            </a:r>
-            <a:endParaRPr lang="en-US" b="1" dirty="0">
+          <a:bodyPr>
+            <a:normAutofit/>
+          </a:bodyPr>
+          <a:lstStyle/>
+          <a:p>
+            <a:r>
+              <a:rPr lang="zh-TW" altLang="en-US" sz="4800" b="1" dirty="0">
+                <a:solidFill>
+                  <a:srgbClr val="660033"/>
+                </a:solidFill>
+                <a:latin typeface="Microsoft JhengHei" panose="020B0604030504040204" pitchFamily="34" charset="-120"/>
+                <a:ea typeface="Microsoft JhengHei" panose="020B0604030504040204" pitchFamily="34" charset="-120"/>
+              </a:rPr>
+              <a:t>問我主恩有幾多</a:t>
+            </a:r>
+            <a:endParaRPr lang="en-US" altLang="zh-CN" sz="4800" b="1" dirty="0">
+              <a:solidFill>
+                <a:srgbClr val="660033"/>
+              </a:solidFill>
               <a:latin typeface="Microsoft JhengHei" panose="020B0604030504040204" pitchFamily="34" charset="-120"/>
               <a:ea typeface="Microsoft JhengHei" panose="020B0604030504040204" pitchFamily="34" charset="-120"/>
             </a:endParaRPr>
@@ -3384,7 +3473,7 @@
       </p:sp>
       <p:sp>
         <p:nvSpPr>
-          <p:cNvPr id="3" name="Content Placeholder 2"/>
+          <p:cNvPr id="5" name="Content Placeholder 4"/>
           <p:cNvSpPr>
             <a:spLocks noGrp="1"/>
           </p:cNvSpPr>
@@ -3392,12 +3481,7 @@
             <p:ph idx="1"/>
           </p:nvPr>
         </p:nvSpPr>
-        <p:spPr>
-          <a:xfrm>
-            <a:off x="0" y="1825625"/>
-            <a:ext cx="9144000" cy="4351338"/>
-          </a:xfrm>
-        </p:spPr>
+        <p:spPr/>
         <p:txBody>
           <a:bodyPr>
             <a:noAutofit/>
@@ -3408,27 +3492,19 @@
               <a:buNone/>
             </a:pPr>
             <a:r>
-              <a:rPr lang="zh-TW" altLang="en-US" sz="5400" b="1" dirty="0" smtClean="0">
-                <a:latin typeface="Microsoft JhengHei" panose="020B0604030504040204" pitchFamily="34" charset="-120"/>
-                <a:ea typeface="Microsoft JhengHei" panose="020B0604030504040204" pitchFamily="34" charset="-120"/>
-              </a:rPr>
-              <a:t>問</a:t>
-            </a:r>
-            <a:r>
-              <a:rPr lang="zh-TW" altLang="en-US" sz="5400" b="1" dirty="0">
-                <a:latin typeface="Microsoft JhengHei" panose="020B0604030504040204" pitchFamily="34" charset="-120"/>
-                <a:ea typeface="Microsoft JhengHei" panose="020B0604030504040204" pitchFamily="34" charset="-120"/>
-              </a:rPr>
-              <a:t>我點解會高</a:t>
-            </a:r>
-            <a:r>
-              <a:rPr lang="zh-TW" altLang="en-US" sz="5400" b="1" dirty="0" smtClean="0">
-                <a:latin typeface="Microsoft JhengHei" panose="020B0604030504040204" pitchFamily="34" charset="-120"/>
-                <a:ea typeface="Microsoft JhengHei" panose="020B0604030504040204" pitchFamily="34" charset="-120"/>
-              </a:rPr>
-              <a:t>興</a:t>
-            </a:r>
-            <a:endParaRPr lang="en-US" altLang="zh-TW" sz="5400" b="1" dirty="0" smtClean="0">
+              <a:rPr lang="zh-TW" altLang="en-US" sz="5400" b="1" dirty="0">
+                <a:solidFill>
+                  <a:srgbClr val="660033"/>
+                </a:solidFill>
+                <a:latin typeface="Microsoft JhengHei" panose="020B0604030504040204" pitchFamily="34" charset="-120"/>
+                <a:ea typeface="Microsoft JhengHei" panose="020B0604030504040204" pitchFamily="34" charset="-120"/>
+              </a:rPr>
+              <a:t>無論我有百般對   </a:t>
+            </a:r>
+            <a:endParaRPr lang="en-US" altLang="zh-TW" sz="5400" b="1" dirty="0">
+              <a:solidFill>
+                <a:srgbClr val="660033"/>
+              </a:solidFill>
               <a:latin typeface="Microsoft JhengHei" panose="020B0604030504040204" pitchFamily="34" charset="-120"/>
               <a:ea typeface="Microsoft JhengHei" panose="020B0604030504040204" pitchFamily="34" charset="-120"/>
             </a:endParaRPr>
@@ -3438,27 +3514,59 @@
               <a:buNone/>
             </a:pPr>
             <a:r>
-              <a:rPr lang="zh-TW" altLang="en-US" sz="5400" b="1" dirty="0" smtClean="0">
-                <a:latin typeface="Microsoft JhengHei" panose="020B0604030504040204" pitchFamily="34" charset="-120"/>
-                <a:ea typeface="Microsoft JhengHei" panose="020B0604030504040204" pitchFamily="34" charset="-120"/>
-              </a:rPr>
-              <a:t>究</a:t>
-            </a:r>
-            <a:r>
-              <a:rPr lang="zh-TW" altLang="en-US" sz="5400" b="1" dirty="0">
-                <a:latin typeface="Microsoft JhengHei" panose="020B0604030504040204" pitchFamily="34" charset="-120"/>
-                <a:ea typeface="Microsoft JhengHei" panose="020B0604030504040204" pitchFamily="34" charset="-120"/>
-              </a:rPr>
-              <a:t>竟點解無苦</a:t>
-            </a:r>
-            <a:r>
-              <a:rPr lang="zh-TW" altLang="en-US" sz="5400" b="1" dirty="0" smtClean="0">
-                <a:latin typeface="Microsoft JhengHei" panose="020B0604030504040204" pitchFamily="34" charset="-120"/>
-                <a:ea typeface="Microsoft JhengHei" panose="020B0604030504040204" pitchFamily="34" charset="-120"/>
-              </a:rPr>
-              <a:t>楚</a:t>
-            </a:r>
-            <a:endParaRPr lang="en-US" altLang="zh-TW" sz="5400" b="1" dirty="0" smtClean="0">
+              <a:rPr lang="zh-TW" altLang="en-US" sz="5400" b="1" dirty="0">
+                <a:solidFill>
+                  <a:srgbClr val="660033"/>
+                </a:solidFill>
+                <a:latin typeface="Microsoft JhengHei" panose="020B0604030504040204" pitchFamily="34" charset="-120"/>
+                <a:ea typeface="Microsoft JhengHei" panose="020B0604030504040204" pitchFamily="34" charset="-120"/>
+              </a:rPr>
+              <a:t>或者千般錯</a:t>
+            </a:r>
+            <a:r>
+              <a:rPr lang="en-US" altLang="zh-TW" sz="5400" b="1" dirty="0">
+                <a:solidFill>
+                  <a:srgbClr val="660033"/>
+                </a:solidFill>
+                <a:latin typeface="Microsoft JhengHei" panose="020B0604030504040204" pitchFamily="34" charset="-120"/>
+                <a:ea typeface="Microsoft JhengHei" panose="020B0604030504040204" pitchFamily="34" charset="-120"/>
+              </a:rPr>
+              <a:t> </a:t>
+            </a:r>
+            <a:r>
+              <a:rPr lang="en-US" altLang="zh-TW" sz="5400" b="1" dirty="0">
+                <a:solidFill>
+                  <a:srgbClr val="660033"/>
+                </a:solidFill>
+                <a:latin typeface="Microsoft JhengHei" panose="020B0604030504040204" pitchFamily="34" charset="-120"/>
+                <a:ea typeface="Microsoft JhengHei" panose="020B0604030504040204" pitchFamily="34" charset="-120"/>
+              </a:rPr>
+              <a:t> </a:t>
+            </a:r>
+            <a:r>
+              <a:rPr lang="zh-TW" altLang="en-US" sz="5400" b="1" dirty="0">
+                <a:solidFill>
+                  <a:srgbClr val="660033"/>
+                </a:solidFill>
+                <a:latin typeface="Microsoft JhengHei" panose="020B0604030504040204" pitchFamily="34" charset="-120"/>
+                <a:ea typeface="Microsoft JhengHei" panose="020B0604030504040204" pitchFamily="34" charset="-120"/>
+              </a:rPr>
+              <a:t>耶</a:t>
+            </a:r>
+            <a:r>
+              <a:rPr lang="zh-TW" altLang="en-US" sz="5400" b="1" dirty="0">
+                <a:solidFill>
+                  <a:srgbClr val="660033"/>
+                </a:solidFill>
+                <a:latin typeface="Microsoft JhengHei" panose="020B0604030504040204" pitchFamily="34" charset="-120"/>
+                <a:ea typeface="Microsoft JhengHei" panose="020B0604030504040204" pitchFamily="34" charset="-120"/>
+              </a:rPr>
+              <a:t>穌已承受結果  </a:t>
+            </a:r>
+            <a:endParaRPr lang="en-US" altLang="zh-TW" sz="5400" b="1" dirty="0">
+              <a:solidFill>
+                <a:srgbClr val="660033"/>
+              </a:solidFill>
               <a:latin typeface="Microsoft JhengHei" panose="020B0604030504040204" pitchFamily="34" charset="-120"/>
               <a:ea typeface="Microsoft JhengHei" panose="020B0604030504040204" pitchFamily="34" charset="-120"/>
             </a:endParaRPr>
@@ -3468,50 +3576,111 @@
               <a:buNone/>
             </a:pPr>
             <a:r>
-              <a:rPr lang="zh-TW" altLang="en-US" sz="5400" b="1" dirty="0" smtClean="0">
-                <a:latin typeface="Microsoft JhengHei" panose="020B0604030504040204" pitchFamily="34" charset="-120"/>
-                <a:ea typeface="Microsoft JhengHei" panose="020B0604030504040204" pitchFamily="34" charset="-120"/>
-              </a:rPr>
-              <a:t>我</a:t>
-            </a:r>
-            <a:r>
-              <a:rPr lang="zh-TW" altLang="en-US" sz="5400" b="1" dirty="0">
-                <a:latin typeface="Microsoft JhengHei" panose="020B0604030504040204" pitchFamily="34" charset="-120"/>
-                <a:ea typeface="Microsoft JhengHei" panose="020B0604030504040204" pitchFamily="34" charset="-120"/>
-              </a:rPr>
-              <a:t>笑住回答講一聲主愛</a:t>
-            </a:r>
-            <a:r>
-              <a:rPr lang="zh-TW" altLang="en-US" sz="5400" b="1" dirty="0" smtClean="0">
-                <a:latin typeface="Microsoft JhengHei" panose="020B0604030504040204" pitchFamily="34" charset="-120"/>
-                <a:ea typeface="Microsoft JhengHei" panose="020B0604030504040204" pitchFamily="34" charset="-120"/>
-              </a:rPr>
-              <a:t>我</a:t>
-            </a:r>
-            <a:endParaRPr lang="en-US" sz="5400" b="1" dirty="0">
-              <a:latin typeface="Microsoft JhengHei" panose="020B0604030504040204" pitchFamily="34" charset="-120"/>
-              <a:ea typeface="Microsoft JhengHei" panose="020B0604030504040204" pitchFamily="34" charset="-120"/>
-            </a:endParaRPr>
+              <a:rPr lang="zh-TW" altLang="en-US" sz="5400" b="1" dirty="0">
+                <a:solidFill>
+                  <a:srgbClr val="660033"/>
+                </a:solidFill>
+                <a:latin typeface="Microsoft JhengHei" panose="020B0604030504040204" pitchFamily="34" charset="-120"/>
+                <a:ea typeface="Microsoft JhengHei" panose="020B0604030504040204" pitchFamily="34" charset="-120"/>
+              </a:rPr>
+              <a:t>面對世界一切</a:t>
+            </a:r>
+          </a:p>
+          <a:p>
+            <a:pPr marL="0" indent="0" algn="ctr">
+              <a:buNone/>
+            </a:pPr>
+            <a:r>
+              <a:rPr lang="zh-TW" altLang="en-US" sz="5400" b="1" dirty="0">
+                <a:solidFill>
+                  <a:srgbClr val="660033"/>
+                </a:solidFill>
+                <a:latin typeface="Microsoft JhengHei" panose="020B0604030504040204" pitchFamily="34" charset="-120"/>
+                <a:ea typeface="Microsoft JhengHei" panose="020B0604030504040204" pitchFamily="34" charset="-120"/>
+              </a:rPr>
+              <a:t>那</a:t>
+            </a:r>
+            <a:r>
+              <a:rPr lang="zh-TW" altLang="en-US" sz="5400" b="1" dirty="0">
+                <a:solidFill>
+                  <a:srgbClr val="660033"/>
+                </a:solidFill>
+                <a:latin typeface="Microsoft JhengHei" panose="020B0604030504040204" pitchFamily="34" charset="-120"/>
+                <a:ea typeface="Microsoft JhengHei" panose="020B0604030504040204" pitchFamily="34" charset="-120"/>
+              </a:rPr>
+              <a:t>怕會如</a:t>
+            </a:r>
+            <a:r>
+              <a:rPr lang="zh-TW" altLang="en-US" sz="5400" b="1" dirty="0">
+                <a:solidFill>
+                  <a:srgbClr val="660033"/>
+                </a:solidFill>
+                <a:latin typeface="Microsoft JhengHei" panose="020B0604030504040204" pitchFamily="34" charset="-120"/>
+                <a:ea typeface="Microsoft JhengHei" panose="020B0604030504040204" pitchFamily="34" charset="-120"/>
+              </a:rPr>
+              <a:t>何  全</a:t>
+            </a:r>
+            <a:r>
+              <a:rPr lang="zh-TW" altLang="en-US" sz="5400" b="1" dirty="0">
+                <a:solidFill>
+                  <a:srgbClr val="660033"/>
+                </a:solidFill>
+                <a:latin typeface="Microsoft JhengHei" panose="020B0604030504040204" pitchFamily="34" charset="-120"/>
+                <a:ea typeface="Microsoft JhengHei" panose="020B0604030504040204" pitchFamily="34" charset="-120"/>
+              </a:rPr>
+              <a:t>心靠耶穌經過</a:t>
+            </a:r>
+          </a:p>
+        </p:txBody>
+      </p:sp>
+      <p:sp>
+        <p:nvSpPr>
+          <p:cNvPr id="6" name="Text Box 1"/>
+          <p:cNvSpPr txBox="1"/>
+          <p:nvPr/>
+        </p:nvSpPr>
+        <p:spPr>
+          <a:xfrm>
+            <a:off x="609600" y="1723668"/>
+            <a:ext cx="1055440" cy="923330"/>
+          </a:xfrm>
+          <a:prstGeom prst="rect">
+            <a:avLst/>
+          </a:prstGeom>
+          <a:noFill/>
+          <a:ln w="9525">
+            <a:noFill/>
+            <a:miter lim="800000"/>
+          </a:ln>
+        </p:spPr>
+        <p:txBody>
+          <a:bodyPr wrap="square">
+            <a:spAutoFit/>
+          </a:bodyPr>
+          <a:lstStyle/>
+          <a:p>
+            <a:pPr algn="ctr"/>
+            <a:r>
+              <a:rPr lang="en-US" sz="5400" b="1" dirty="0">
+                <a:solidFill>
+                  <a:srgbClr val="660033"/>
+                </a:solidFill>
+              </a:rPr>
+              <a:t>1.</a:t>
+            </a:r>
           </a:p>
         </p:txBody>
       </p:sp>
     </p:spTree>
     <p:extLst>
       <p:ext uri="{BB962C8B-B14F-4D97-AF65-F5344CB8AC3E}">
-        <p14:creationId xmlns:p14="http://schemas.microsoft.com/office/powerpoint/2010/main" xmlns="" val="423072645"/>
+        <p14:creationId xmlns:p14="http://schemas.microsoft.com/office/powerpoint/2010/main" val="2996981356"/>
       </p:ext>
     </p:extLst>
   </p:cSld>
   <p:clrMapOvr>
     <a:masterClrMapping/>
   </p:clrMapOvr>
-  <p:timing>
-    <p:tnLst>
-      <p:par>
-        <p:cTn id="1" dur="indefinite" restart="never" nodeType="tmRoot"/>
-      </p:par>
-    </p:tnLst>
-  </p:timing>
 </p:sld>
 </file>
 
@@ -3534,7 +3703,7 @@
       </p:grpSpPr>
       <p:sp>
         <p:nvSpPr>
-          <p:cNvPr id="2" name="Title 1"/>
+          <p:cNvPr id="4" name="Title 3"/>
           <p:cNvSpPr>
             <a:spLocks noGrp="1"/>
           </p:cNvSpPr>
@@ -3544,25 +3713,25 @@
         </p:nvSpPr>
         <p:spPr/>
         <p:txBody>
-          <a:bodyPr/>
-          <a:lstStyle/>
-          <a:p>
-            <a:pPr algn="ctr"/>
-            <a:r>
-              <a:rPr lang="zh-TW" altLang="en-US" b="1" dirty="0">
-                <a:latin typeface="Microsoft JhengHei" panose="020B0604030504040204" pitchFamily="34" charset="-120"/>
-                <a:ea typeface="Microsoft JhengHei" panose="020B0604030504040204" pitchFamily="34" charset="-120"/>
-              </a:rPr>
-              <a:t>問我主恩有幾</a:t>
-            </a:r>
-            <a:r>
-              <a:rPr lang="zh-TW" altLang="en-US" b="1" dirty="0" smtClean="0">
-                <a:latin typeface="Microsoft JhengHei" panose="020B0604030504040204" pitchFamily="34" charset="-120"/>
-                <a:ea typeface="Microsoft JhengHei" panose="020B0604030504040204" pitchFamily="34" charset="-120"/>
-              </a:rPr>
-              <a:t>多</a:t>
-            </a:r>
-            <a:endParaRPr lang="en-US" b="1" dirty="0">
+          <a:bodyPr>
+            <a:normAutofit/>
+          </a:bodyPr>
+          <a:lstStyle/>
+          <a:p>
+            <a:r>
+              <a:rPr lang="zh-TW" altLang="en-US" sz="4800" b="1" dirty="0">
+                <a:solidFill>
+                  <a:srgbClr val="660033"/>
+                </a:solidFill>
+                <a:latin typeface="Microsoft JhengHei" panose="020B0604030504040204" pitchFamily="34" charset="-120"/>
+                <a:ea typeface="Microsoft JhengHei" panose="020B0604030504040204" pitchFamily="34" charset="-120"/>
+              </a:rPr>
+              <a:t>問我主恩有幾多</a:t>
+            </a:r>
+            <a:endParaRPr lang="en-US" altLang="zh-CN" sz="4800" b="1" dirty="0">
+              <a:solidFill>
+                <a:srgbClr val="660033"/>
+              </a:solidFill>
               <a:latin typeface="Microsoft JhengHei" panose="020B0604030504040204" pitchFamily="34" charset="-120"/>
               <a:ea typeface="Microsoft JhengHei" panose="020B0604030504040204" pitchFamily="34" charset="-120"/>
             </a:endParaRPr>
@@ -3571,7 +3740,7 @@
       </p:sp>
       <p:sp>
         <p:nvSpPr>
-          <p:cNvPr id="3" name="Content Placeholder 2"/>
+          <p:cNvPr id="5" name="Content Placeholder 4"/>
           <p:cNvSpPr>
             <a:spLocks noGrp="1"/>
           </p:cNvSpPr>
@@ -3581,8 +3750,8 @@
         </p:nvSpPr>
         <p:spPr>
           <a:xfrm>
-            <a:off x="0" y="1825625"/>
-            <a:ext cx="9144000" cy="4351338"/>
+            <a:off x="0" y="1600203"/>
+            <a:ext cx="12192000" cy="4525963"/>
           </a:xfrm>
         </p:spPr>
         <p:txBody>
@@ -3596,12 +3765,18 @@
             </a:pPr>
             <a:r>
               <a:rPr lang="zh-TW" altLang="en-US" sz="5400" b="1" dirty="0">
-                <a:latin typeface="Microsoft JhengHei" panose="020B0604030504040204" pitchFamily="34" charset="-120"/>
-                <a:ea typeface="Microsoft JhengHei" panose="020B0604030504040204" pitchFamily="34" charset="-120"/>
-              </a:rPr>
-              <a:t>無論我有百般對   </a:t>
-            </a:r>
-            <a:endParaRPr lang="en-US" altLang="zh-TW" sz="5400" b="1" dirty="0" smtClean="0">
+                <a:solidFill>
+                  <a:srgbClr val="660033"/>
+                </a:solidFill>
+                <a:latin typeface="Microsoft JhengHei" panose="020B0604030504040204" pitchFamily="34" charset="-120"/>
+                <a:ea typeface="Microsoft JhengHei" panose="020B0604030504040204" pitchFamily="34" charset="-120"/>
+              </a:rPr>
+              <a:t>問我當初信靠經過</a:t>
+            </a:r>
+            <a:endParaRPr lang="en-US" altLang="zh-TW" sz="5400" b="1" dirty="0">
+              <a:solidFill>
+                <a:srgbClr val="660033"/>
+              </a:solidFill>
               <a:latin typeface="Microsoft JhengHei" panose="020B0604030504040204" pitchFamily="34" charset="-120"/>
               <a:ea typeface="Microsoft JhengHei" panose="020B0604030504040204" pitchFamily="34" charset="-120"/>
             </a:endParaRPr>
@@ -3611,20 +3786,19 @@
               <a:buNone/>
             </a:pPr>
             <a:r>
-              <a:rPr lang="zh-TW" altLang="en-US" sz="5400" b="1" dirty="0" smtClean="0">
-                <a:latin typeface="Microsoft JhengHei" panose="020B0604030504040204" pitchFamily="34" charset="-120"/>
-                <a:ea typeface="Microsoft JhengHei" panose="020B0604030504040204" pitchFamily="34" charset="-120"/>
-              </a:rPr>
-              <a:t>或</a:t>
-            </a:r>
-            <a:r>
-              <a:rPr lang="zh-TW" altLang="en-US" sz="5400" b="1" dirty="0">
-                <a:latin typeface="Microsoft JhengHei" panose="020B0604030504040204" pitchFamily="34" charset="-120"/>
-                <a:ea typeface="Microsoft JhengHei" panose="020B0604030504040204" pitchFamily="34" charset="-120"/>
-              </a:rPr>
-              <a:t>者千般錯</a:t>
+              <a:rPr lang="zh-TW" altLang="en-US" sz="5400" b="1" dirty="0">
+                <a:solidFill>
+                  <a:srgbClr val="660033"/>
+                </a:solidFill>
+                <a:latin typeface="Microsoft JhengHei" panose="020B0604030504040204" pitchFamily="34" charset="-120"/>
+                <a:ea typeface="Microsoft JhengHei" panose="020B0604030504040204" pitchFamily="34" charset="-120"/>
+              </a:rPr>
+              <a:t>有主天天輕撫心窩</a:t>
             </a:r>
             <a:endParaRPr lang="en-US" altLang="zh-TW" sz="5400" b="1" dirty="0">
+              <a:solidFill>
+                <a:srgbClr val="660033"/>
+              </a:solidFill>
               <a:latin typeface="Microsoft JhengHei" panose="020B0604030504040204" pitchFamily="34" charset="-120"/>
               <a:ea typeface="Microsoft JhengHei" panose="020B0604030504040204" pitchFamily="34" charset="-120"/>
             </a:endParaRPr>
@@ -3635,12 +3809,68 @@
             </a:pPr>
             <a:r>
               <a:rPr lang="zh-TW" altLang="en-US" sz="5400" b="1" dirty="0">
-                <a:latin typeface="Microsoft JhengHei" panose="020B0604030504040204" pitchFamily="34" charset="-120"/>
-                <a:ea typeface="Microsoft JhengHei" panose="020B0604030504040204" pitchFamily="34" charset="-120"/>
-              </a:rPr>
-              <a:t>耶穌已承受結果  </a:t>
+                <a:solidFill>
+                  <a:srgbClr val="660033"/>
+                </a:solidFill>
+                <a:latin typeface="Microsoft JhengHei" panose="020B0604030504040204" pitchFamily="34" charset="-120"/>
+                <a:ea typeface="Microsoft JhengHei" panose="020B0604030504040204" pitchFamily="34" charset="-120"/>
+              </a:rPr>
+              <a:t>靠著神能</a:t>
+            </a:r>
+            <a:r>
+              <a:rPr lang="zh-TW" altLang="en-US" sz="5400" b="1" dirty="0">
+                <a:solidFill>
+                  <a:srgbClr val="660033"/>
+                </a:solidFill>
+                <a:latin typeface="Microsoft JhengHei" panose="020B0604030504040204" pitchFamily="34" charset="-120"/>
+                <a:ea typeface="Microsoft JhengHei" panose="020B0604030504040204" pitchFamily="34" charset="-120"/>
+              </a:rPr>
+              <a:t>夠</a:t>
+            </a:r>
+            <a:r>
+              <a:rPr lang="en-US" altLang="zh-TW" sz="5400" b="1" dirty="0">
+                <a:solidFill>
+                  <a:srgbClr val="660033"/>
+                </a:solidFill>
+                <a:latin typeface="Microsoft JhengHei" panose="020B0604030504040204" pitchFamily="34" charset="-120"/>
+                <a:ea typeface="Microsoft JhengHei" panose="020B0604030504040204" pitchFamily="34" charset="-120"/>
+              </a:rPr>
+              <a:t>  </a:t>
+            </a:r>
+            <a:r>
+              <a:rPr lang="zh-TW" altLang="en-US" sz="5400" b="1" dirty="0">
+                <a:solidFill>
+                  <a:srgbClr val="660033"/>
+                </a:solidFill>
+                <a:latin typeface="Microsoft JhengHei" panose="020B0604030504040204" pitchFamily="34" charset="-120"/>
+                <a:ea typeface="Microsoft JhengHei" panose="020B0604030504040204" pitchFamily="34" charset="-120"/>
+              </a:rPr>
+              <a:t>將</a:t>
+            </a:r>
+            <a:r>
+              <a:rPr lang="zh-TW" altLang="en-US" sz="5400" b="1" dirty="0">
+                <a:solidFill>
+                  <a:srgbClr val="660033"/>
+                </a:solidFill>
+                <a:latin typeface="Microsoft JhengHei" panose="020B0604030504040204" pitchFamily="34" charset="-120"/>
+                <a:ea typeface="Microsoft JhengHei" panose="020B0604030504040204" pitchFamily="34" charset="-120"/>
+              </a:rPr>
+              <a:t>抑鬱苦楚拋</a:t>
+            </a:r>
+            <a:r>
+              <a:rPr lang="zh-TW" altLang="en-US" sz="5400" b="1" dirty="0">
+                <a:solidFill>
+                  <a:srgbClr val="660033"/>
+                </a:solidFill>
+                <a:latin typeface="Microsoft JhengHei" panose="020B0604030504040204" pitchFamily="34" charset="-120"/>
+                <a:ea typeface="Microsoft JhengHei" panose="020B0604030504040204" pitchFamily="34" charset="-120"/>
+              </a:rPr>
+              <a:t>開</a:t>
             </a:r>
             <a:endParaRPr lang="en-US" altLang="zh-TW" sz="5400" b="1" dirty="0">
+              <a:solidFill>
+                <a:srgbClr val="660033"/>
+              </a:solidFill>
               <a:latin typeface="Microsoft JhengHei" panose="020B0604030504040204" pitchFamily="34" charset="-120"/>
               <a:ea typeface="Microsoft JhengHei" panose="020B0604030504040204" pitchFamily="34" charset="-120"/>
             </a:endParaRPr>
@@ -3650,51 +3880,231 @@
               <a:buNone/>
             </a:pPr>
             <a:r>
+              <a:rPr lang="zh-TW" altLang="en-US" sz="5400" b="1" dirty="0">
+                <a:solidFill>
+                  <a:srgbClr val="660033"/>
+                </a:solidFill>
+                <a:latin typeface="Microsoft JhengHei" panose="020B0604030504040204" pitchFamily="34" charset="-120"/>
+                <a:ea typeface="Microsoft JhengHei" panose="020B0604030504040204" pitchFamily="34" charset="-120"/>
+              </a:rPr>
+              <a:t>頌讚歌聲句句鏗</a:t>
+            </a:r>
+            <a:r>
+              <a:rPr lang="zh-TW" altLang="en-US" sz="5400" b="1" dirty="0">
+                <a:solidFill>
+                  <a:srgbClr val="660033"/>
+                </a:solidFill>
+                <a:latin typeface="Microsoft JhengHei" panose="020B0604030504040204" pitchFamily="34" charset="-120"/>
+                <a:ea typeface="Microsoft JhengHei" panose="020B0604030504040204" pitchFamily="34" charset="-120"/>
+              </a:rPr>
+              <a:t>鏘</a:t>
+            </a:r>
+            <a:r>
+              <a:rPr lang="en-US" altLang="zh-TW" sz="5400" b="1" dirty="0">
+                <a:solidFill>
+                  <a:srgbClr val="660033"/>
+                </a:solidFill>
+                <a:latin typeface="Microsoft JhengHei" panose="020B0604030504040204" pitchFamily="34" charset="-120"/>
+                <a:ea typeface="Microsoft JhengHei" panose="020B0604030504040204" pitchFamily="34" charset="-120"/>
+              </a:rPr>
+              <a:t> </a:t>
+            </a:r>
+            <a:r>
+              <a:rPr lang="en-US" altLang="zh-TW" sz="5400" b="1" dirty="0">
+                <a:solidFill>
+                  <a:srgbClr val="660033"/>
+                </a:solidFill>
+                <a:latin typeface="Microsoft JhengHei" panose="020B0604030504040204" pitchFamily="34" charset="-120"/>
+                <a:ea typeface="Microsoft JhengHei" panose="020B0604030504040204" pitchFamily="34" charset="-120"/>
+              </a:rPr>
+              <a:t> </a:t>
+            </a:r>
+            <a:r>
+              <a:rPr lang="zh-TW" altLang="en-US" sz="5400" b="1" dirty="0">
+                <a:solidFill>
+                  <a:srgbClr val="660033"/>
+                </a:solidFill>
+                <a:latin typeface="Microsoft JhengHei" panose="020B0604030504040204" pitchFamily="34" charset="-120"/>
+                <a:ea typeface="Microsoft JhengHei" panose="020B0604030504040204" pitchFamily="34" charset="-120"/>
+              </a:rPr>
+              <a:t>見證主恩天天分享</a:t>
+            </a:r>
+            <a:r>
+              <a:rPr lang="en-US" altLang="zh-TW" sz="5400" b="1" dirty="0">
+                <a:solidFill>
+                  <a:srgbClr val="660033"/>
+                </a:solidFill>
+                <a:latin typeface="Microsoft JhengHei" panose="020B0604030504040204" pitchFamily="34" charset="-120"/>
+                <a:ea typeface="Microsoft JhengHei" panose="020B0604030504040204" pitchFamily="34" charset="-120"/>
+              </a:rPr>
+              <a:t> </a:t>
+            </a:r>
+            <a:r>
+              <a:rPr lang="en-US" altLang="zh-TW" sz="5400" b="1" dirty="0">
+                <a:solidFill>
+                  <a:srgbClr val="660033"/>
+                </a:solidFill>
+                <a:latin typeface="Microsoft JhengHei" panose="020B0604030504040204" pitchFamily="34" charset="-120"/>
+                <a:ea typeface="Microsoft JhengHei" panose="020B0604030504040204" pitchFamily="34" charset="-120"/>
+              </a:rPr>
+              <a:t> </a:t>
+            </a:r>
+          </a:p>
+          <a:p>
+            <a:pPr marL="0" indent="0" algn="ctr">
+              <a:buNone/>
+            </a:pPr>
+            <a:r>
+              <a:rPr lang="zh-TW" altLang="en-US" sz="5400" b="1" dirty="0">
+                <a:solidFill>
+                  <a:srgbClr val="660033"/>
+                </a:solidFill>
+                <a:latin typeface="Microsoft JhengHei" panose="020B0604030504040204" pitchFamily="34" charset="-120"/>
+                <a:ea typeface="Microsoft JhengHei" panose="020B0604030504040204" pitchFamily="34" charset="-120"/>
+              </a:rPr>
+              <a:t>以</a:t>
+            </a:r>
+            <a:r>
+              <a:rPr lang="zh-TW" altLang="en-US" sz="5400" b="1" dirty="0">
+                <a:solidFill>
+                  <a:srgbClr val="660033"/>
+                </a:solidFill>
+                <a:latin typeface="Microsoft JhengHei" panose="020B0604030504040204" pitchFamily="34" charset="-120"/>
+                <a:ea typeface="Microsoft JhengHei" panose="020B0604030504040204" pitchFamily="34" charset="-120"/>
+              </a:rPr>
+              <a:t>熱誠熱</a:t>
+            </a:r>
+            <a:r>
+              <a:rPr lang="zh-TW" altLang="en-US" sz="5400" b="1" dirty="0">
+                <a:solidFill>
+                  <a:srgbClr val="660033"/>
+                </a:solidFill>
+                <a:latin typeface="Microsoft JhengHei" panose="020B0604030504040204" pitchFamily="34" charset="-120"/>
+                <a:ea typeface="Microsoft JhengHei" panose="020B0604030504040204" pitchFamily="34" charset="-120"/>
+              </a:rPr>
+              <a:t>愛</a:t>
+            </a:r>
+            <a:r>
+              <a:rPr lang="en-US" altLang="zh-TW" sz="5400" b="1" dirty="0">
+                <a:solidFill>
+                  <a:srgbClr val="660033"/>
+                </a:solidFill>
+                <a:latin typeface="Microsoft JhengHei" panose="020B0604030504040204" pitchFamily="34" charset="-120"/>
+                <a:ea typeface="Microsoft JhengHei" panose="020B0604030504040204" pitchFamily="34" charset="-120"/>
+              </a:rPr>
+              <a:t>  </a:t>
+            </a:r>
+            <a:r>
+              <a:rPr lang="zh-TW" altLang="en-US" sz="5400" b="1" dirty="0">
+                <a:solidFill>
+                  <a:srgbClr val="660033"/>
+                </a:solidFill>
+                <a:latin typeface="Microsoft JhengHei" panose="020B0604030504040204" pitchFamily="34" charset="-120"/>
+                <a:ea typeface="Microsoft JhengHei" panose="020B0604030504040204" pitchFamily="34" charset="-120"/>
+              </a:rPr>
+              <a:t>交</a:t>
+            </a:r>
+            <a:r>
+              <a:rPr lang="zh-TW" altLang="en-US" sz="5400" b="1" dirty="0">
+                <a:solidFill>
+                  <a:srgbClr val="660033"/>
+                </a:solidFill>
+                <a:latin typeface="Microsoft JhengHei" panose="020B0604030504040204" pitchFamily="34" charset="-120"/>
+                <a:ea typeface="Microsoft JhengHei" panose="020B0604030504040204" pitchFamily="34" charset="-120"/>
+              </a:rPr>
+              <a:t>出真心去</a:t>
+            </a:r>
+            <a:r>
+              <a:rPr lang="zh-TW" altLang="en-US" sz="5400" b="1" dirty="0">
+                <a:solidFill>
+                  <a:srgbClr val="660033"/>
+                </a:solidFill>
+                <a:latin typeface="Microsoft JhengHei" panose="020B0604030504040204" pitchFamily="34" charset="-120"/>
+                <a:ea typeface="Microsoft JhengHei" panose="020B0604030504040204" pitchFamily="34" charset="-120"/>
+              </a:rPr>
+              <a:t>和</a:t>
+            </a:r>
+            <a:r>
               <a:rPr lang="zh-TW" altLang="en-US" sz="5400" b="1" dirty="0" smtClean="0">
-                <a:latin typeface="Microsoft JhengHei" panose="020B0604030504040204" pitchFamily="34" charset="-120"/>
-                <a:ea typeface="Microsoft JhengHei" panose="020B0604030504040204" pitchFamily="34" charset="-120"/>
-              </a:rPr>
-              <a:t>面</a:t>
-            </a:r>
-            <a:r>
-              <a:rPr lang="zh-TW" altLang="en-US" sz="5400" b="1" dirty="0">
-                <a:latin typeface="Microsoft JhengHei" panose="020B0604030504040204" pitchFamily="34" charset="-120"/>
-                <a:ea typeface="Microsoft JhengHei" panose="020B0604030504040204" pitchFamily="34" charset="-120"/>
-              </a:rPr>
-              <a:t>對世界一切</a:t>
-            </a:r>
-          </a:p>
-          <a:p>
-            <a:pPr marL="0" indent="0" algn="ctr">
-              <a:buNone/>
-            </a:pPr>
-            <a:r>
-              <a:rPr lang="zh-TW" altLang="en-US" sz="5400" b="1" dirty="0">
-                <a:latin typeface="Microsoft JhengHei" panose="020B0604030504040204" pitchFamily="34" charset="-120"/>
-                <a:ea typeface="Microsoft JhengHei" panose="020B0604030504040204" pitchFamily="34" charset="-120"/>
-              </a:rPr>
-              <a:t>那怕會如何   全心靠耶穌經過</a:t>
-            </a:r>
+                <a:solidFill>
+                  <a:srgbClr val="660033"/>
+                </a:solidFill>
+                <a:latin typeface="Microsoft JhengHei" panose="020B0604030504040204" pitchFamily="34" charset="-120"/>
+                <a:ea typeface="Microsoft JhengHei" panose="020B0604030504040204" pitchFamily="34" charset="-120"/>
+              </a:rPr>
+              <a:t>唱</a:t>
+            </a:r>
+            <a:endParaRPr lang="zh-TW" altLang="en-US" sz="5400" b="1" dirty="0">
+              <a:solidFill>
+                <a:srgbClr val="660033"/>
+              </a:solidFill>
+              <a:latin typeface="Microsoft JhengHei" panose="020B0604030504040204" pitchFamily="34" charset="-120"/>
+              <a:ea typeface="Microsoft JhengHei" panose="020B0604030504040204" pitchFamily="34" charset="-120"/>
+            </a:endParaRPr>
+          </a:p>
+        </p:txBody>
+      </p:sp>
+      <p:sp>
+        <p:nvSpPr>
+          <p:cNvPr id="6" name="Text Box 1"/>
+          <p:cNvSpPr txBox="1"/>
+          <p:nvPr/>
+        </p:nvSpPr>
+        <p:spPr>
+          <a:xfrm>
+            <a:off x="609600" y="1723668"/>
+            <a:ext cx="1055440" cy="923330"/>
+          </a:xfrm>
+          <a:prstGeom prst="rect">
+            <a:avLst/>
+          </a:prstGeom>
+          <a:noFill/>
+          <a:ln w="9525">
+            <a:noFill/>
+            <a:miter lim="800000"/>
+          </a:ln>
+        </p:spPr>
+        <p:txBody>
+          <a:bodyPr wrap="square">
+            <a:spAutoFit/>
+          </a:bodyPr>
+          <a:lstStyle/>
+          <a:p>
+            <a:pPr algn="ctr"/>
+            <a:r>
+              <a:rPr lang="en-US" sz="5400" b="1" dirty="0">
+                <a:solidFill>
+                  <a:srgbClr val="660033"/>
+                </a:solidFill>
+              </a:rPr>
+              <a:t>2</a:t>
+            </a:r>
+            <a:r>
+              <a:rPr lang="en-US" sz="5400" b="1" dirty="0" smtClean="0">
+                <a:solidFill>
+                  <a:srgbClr val="660033"/>
+                </a:solidFill>
+              </a:rPr>
+              <a:t>.</a:t>
+            </a:r>
+            <a:endParaRPr lang="en-US" sz="5400" b="1" dirty="0">
+              <a:solidFill>
+                <a:srgbClr val="660033"/>
+              </a:solidFill>
+            </a:endParaRPr>
           </a:p>
         </p:txBody>
       </p:sp>
     </p:spTree>
     <p:extLst>
       <p:ext uri="{BB962C8B-B14F-4D97-AF65-F5344CB8AC3E}">
-        <p14:creationId xmlns:p14="http://schemas.microsoft.com/office/powerpoint/2010/main" xmlns="" val="2679238876"/>
+        <p14:creationId xmlns:p14="http://schemas.microsoft.com/office/powerpoint/2010/main" val="3447118689"/>
       </p:ext>
     </p:extLst>
   </p:cSld>
   <p:clrMapOvr>
     <a:masterClrMapping/>
   </p:clrMapOvr>
-  <p:timing>
-    <p:tnLst>
-      <p:par>
-        <p:cTn id="1" dur="indefinite" restart="never" nodeType="tmRoot"/>
-      </p:par>
-    </p:tnLst>
-  </p:timing>
 </p:sld>
 </file>
 
@@ -3717,7 +4127,7 @@
       </p:grpSpPr>
       <p:sp>
         <p:nvSpPr>
-          <p:cNvPr id="2" name="Title 1"/>
+          <p:cNvPr id="4" name="Title 3"/>
           <p:cNvSpPr>
             <a:spLocks noGrp="1"/>
           </p:cNvSpPr>
@@ -3727,25 +4137,25 @@
         </p:nvSpPr>
         <p:spPr/>
         <p:txBody>
-          <a:bodyPr/>
-          <a:lstStyle/>
-          <a:p>
-            <a:pPr algn="ctr"/>
-            <a:r>
-              <a:rPr lang="zh-TW" altLang="en-US" b="1" dirty="0">
-                <a:latin typeface="Microsoft JhengHei" panose="020B0604030504040204" pitchFamily="34" charset="-120"/>
-                <a:ea typeface="Microsoft JhengHei" panose="020B0604030504040204" pitchFamily="34" charset="-120"/>
-              </a:rPr>
-              <a:t>問我主恩有幾</a:t>
-            </a:r>
-            <a:r>
-              <a:rPr lang="zh-TW" altLang="en-US" b="1" dirty="0" smtClean="0">
-                <a:latin typeface="Microsoft JhengHei" panose="020B0604030504040204" pitchFamily="34" charset="-120"/>
-                <a:ea typeface="Microsoft JhengHei" panose="020B0604030504040204" pitchFamily="34" charset="-120"/>
-              </a:rPr>
-              <a:t>多</a:t>
-            </a:r>
-            <a:endParaRPr lang="en-US" b="1" dirty="0">
+          <a:bodyPr>
+            <a:normAutofit/>
+          </a:bodyPr>
+          <a:lstStyle/>
+          <a:p>
+            <a:r>
+              <a:rPr lang="zh-TW" altLang="en-US" sz="4800" b="1" dirty="0">
+                <a:solidFill>
+                  <a:srgbClr val="660033"/>
+                </a:solidFill>
+                <a:latin typeface="Microsoft JhengHei" panose="020B0604030504040204" pitchFamily="34" charset="-120"/>
+                <a:ea typeface="Microsoft JhengHei" panose="020B0604030504040204" pitchFamily="34" charset="-120"/>
+              </a:rPr>
+              <a:t>問我主恩有幾多</a:t>
+            </a:r>
+            <a:endParaRPr lang="en-US" altLang="zh-CN" sz="4800" b="1" dirty="0">
+              <a:solidFill>
+                <a:srgbClr val="660033"/>
+              </a:solidFill>
               <a:latin typeface="Microsoft JhengHei" panose="020B0604030504040204" pitchFamily="34" charset="-120"/>
               <a:ea typeface="Microsoft JhengHei" panose="020B0604030504040204" pitchFamily="34" charset="-120"/>
             </a:endParaRPr>
@@ -3754,7 +4164,7 @@
       </p:sp>
       <p:sp>
         <p:nvSpPr>
-          <p:cNvPr id="3" name="Content Placeholder 2"/>
+          <p:cNvPr id="5" name="Content Placeholder 4"/>
           <p:cNvSpPr>
             <a:spLocks noGrp="1"/>
           </p:cNvSpPr>
@@ -3764,8 +4174,8 @@
         </p:nvSpPr>
         <p:spPr>
           <a:xfrm>
-            <a:off x="0" y="1825625"/>
-            <a:ext cx="9144000" cy="4351338"/>
+            <a:off x="0" y="1600203"/>
+            <a:ext cx="12192000" cy="4525963"/>
           </a:xfrm>
         </p:spPr>
         <p:txBody>
@@ -3778,13 +4188,19 @@
               <a:buNone/>
             </a:pPr>
             <a:r>
-              <a:rPr lang="zh-TW" altLang="en-US" sz="5400" b="1" dirty="0" smtClean="0">
-                <a:latin typeface="Microsoft JhengHei" panose="020B0604030504040204" pitchFamily="34" charset="-120"/>
-                <a:ea typeface="Microsoft JhengHei" panose="020B0604030504040204" pitchFamily="34" charset="-120"/>
-              </a:rPr>
-              <a:t>現我天天敞開心窩</a:t>
-            </a:r>
-            <a:endParaRPr lang="en-US" altLang="zh-TW" sz="5400" b="1" dirty="0" smtClean="0">
+              <a:rPr lang="zh-TW" altLang="en-US" sz="5400" b="1" dirty="0">
+                <a:solidFill>
+                  <a:srgbClr val="660033"/>
+                </a:solidFill>
+                <a:latin typeface="Microsoft JhengHei" panose="020B0604030504040204" pitchFamily="34" charset="-120"/>
+                <a:ea typeface="Microsoft JhengHei" panose="020B0604030504040204" pitchFamily="34" charset="-120"/>
+              </a:rPr>
+              <a:t>回望已過去的我</a:t>
+            </a:r>
+            <a:endParaRPr lang="en-US" altLang="zh-TW" sz="5400" b="1" dirty="0">
+              <a:solidFill>
+                <a:srgbClr val="660033"/>
+              </a:solidFill>
               <a:latin typeface="Microsoft JhengHei" panose="020B0604030504040204" pitchFamily="34" charset="-120"/>
               <a:ea typeface="Microsoft JhengHei" panose="020B0604030504040204" pitchFamily="34" charset="-120"/>
             </a:endParaRPr>
@@ -3794,13 +4210,39 @@
               <a:buNone/>
             </a:pPr>
             <a:r>
-              <a:rPr lang="zh-TW" altLang="en-US" sz="5400" b="1" dirty="0" smtClean="0">
-                <a:latin typeface="Microsoft JhengHei" panose="020B0604030504040204" pitchFamily="34" charset="-120"/>
-                <a:ea typeface="Microsoft JhengHei" panose="020B0604030504040204" pitchFamily="34" charset="-120"/>
-              </a:rPr>
-              <a:t>放低心中千斤枷鎖</a:t>
-            </a:r>
-            <a:endParaRPr lang="en-US" altLang="zh-TW" sz="5400" b="1" dirty="0" smtClean="0">
+              <a:rPr lang="zh-TW" altLang="en-US" sz="5400" b="1" dirty="0">
+                <a:solidFill>
+                  <a:srgbClr val="660033"/>
+                </a:solidFill>
+                <a:latin typeface="Microsoft JhengHei" panose="020B0604030504040204" pitchFamily="34" charset="-120"/>
+                <a:ea typeface="Microsoft JhengHei" panose="020B0604030504040204" pitchFamily="34" charset="-120"/>
+              </a:rPr>
+              <a:t>像幽容走</a:t>
+            </a:r>
+            <a:r>
+              <a:rPr lang="zh-TW" altLang="en-US" sz="5400" b="1" dirty="0">
+                <a:solidFill>
+                  <a:srgbClr val="660033"/>
+                </a:solidFill>
+                <a:latin typeface="Microsoft JhengHei" panose="020B0604030504040204" pitchFamily="34" charset="-120"/>
+                <a:ea typeface="Microsoft JhengHei" panose="020B0604030504040204" pitchFamily="34" charset="-120"/>
+              </a:rPr>
+              <a:t>過  愁  憎  厭</a:t>
+            </a:r>
+            <a:r>
+              <a:rPr lang="zh-TW" altLang="en-US" sz="5400" b="1" dirty="0">
+                <a:solidFill>
+                  <a:srgbClr val="660033"/>
+                </a:solidFill>
+                <a:latin typeface="Microsoft JhengHei" panose="020B0604030504040204" pitchFamily="34" charset="-120"/>
+                <a:ea typeface="Microsoft JhengHei" panose="020B0604030504040204" pitchFamily="34" charset="-120"/>
+              </a:rPr>
+              <a:t>煩</a:t>
+            </a:r>
+            <a:endParaRPr lang="en-US" altLang="zh-TW" sz="5400" b="1" dirty="0">
+              <a:solidFill>
+                <a:srgbClr val="660033"/>
+              </a:solidFill>
               <a:latin typeface="Microsoft JhengHei" panose="020B0604030504040204" pitchFamily="34" charset="-120"/>
               <a:ea typeface="Microsoft JhengHei" panose="020B0604030504040204" pitchFamily="34" charset="-120"/>
             </a:endParaRPr>
@@ -3810,13 +4252,39 @@
               <a:buNone/>
             </a:pPr>
             <a:r>
-              <a:rPr lang="zh-TW" altLang="en-US" sz="5400" b="1" dirty="0" smtClean="0">
-                <a:latin typeface="Microsoft JhengHei" panose="020B0604030504040204" pitchFamily="34" charset="-120"/>
-                <a:ea typeface="Microsoft JhengHei" panose="020B0604030504040204" pitchFamily="34" charset="-120"/>
-              </a:rPr>
-              <a:t>細味神話語</a:t>
-            </a:r>
-            <a:endParaRPr lang="en-US" altLang="zh-TW" sz="5400" b="1" dirty="0" smtClean="0">
+              <a:rPr lang="zh-TW" altLang="en-US" sz="5400" b="1" dirty="0">
+                <a:solidFill>
+                  <a:srgbClr val="660033"/>
+                </a:solidFill>
+                <a:latin typeface="Microsoft JhengHei" panose="020B0604030504040204" pitchFamily="34" charset="-120"/>
+                <a:ea typeface="Microsoft JhengHei" panose="020B0604030504040204" pitchFamily="34" charset="-120"/>
+              </a:rPr>
+              <a:t>恨怨</a:t>
+            </a:r>
+            <a:r>
+              <a:rPr lang="zh-TW" altLang="en-US" sz="5400" b="1" dirty="0">
+                <a:solidFill>
+                  <a:srgbClr val="660033"/>
+                </a:solidFill>
+                <a:latin typeface="Microsoft JhengHei" panose="020B0604030504040204" pitchFamily="34" charset="-120"/>
+                <a:ea typeface="Microsoft JhengHei" panose="020B0604030504040204" pitchFamily="34" charset="-120"/>
+              </a:rPr>
+              <a:t>多  憑</a:t>
+            </a:r>
+            <a:r>
+              <a:rPr lang="zh-TW" altLang="en-US" sz="5400" b="1" dirty="0">
+                <a:solidFill>
+                  <a:srgbClr val="660033"/>
+                </a:solidFill>
+                <a:latin typeface="Microsoft JhengHei" panose="020B0604030504040204" pitchFamily="34" charset="-120"/>
+                <a:ea typeface="Microsoft JhengHei" panose="020B0604030504040204" pitchFamily="34" charset="-120"/>
+              </a:rPr>
+              <a:t>著信懊悔改過</a:t>
+            </a:r>
+            <a:endParaRPr lang="en-US" altLang="zh-TW" sz="5400" b="1" dirty="0">
+              <a:solidFill>
+                <a:srgbClr val="660033"/>
+              </a:solidFill>
               <a:latin typeface="Microsoft JhengHei" panose="020B0604030504040204" pitchFamily="34" charset="-120"/>
               <a:ea typeface="Microsoft JhengHei" panose="020B0604030504040204" pitchFamily="34" charset="-120"/>
             </a:endParaRPr>
@@ -3826,15 +4294,85 @@
               <a:buNone/>
             </a:pPr>
             <a:r>
-              <a:rPr lang="zh-TW" altLang="en-US" sz="5400" b="1" dirty="0" smtClean="0">
-                <a:latin typeface="Microsoft JhengHei" panose="020B0604030504040204" pitchFamily="34" charset="-120"/>
-                <a:ea typeface="Microsoft JhengHei" panose="020B0604030504040204" pitchFamily="34" charset="-120"/>
-              </a:rPr>
-              <a:t>謹遵教誨細意思想</a:t>
-            </a:r>
-            <a:endParaRPr lang="zh-TW" altLang="en-US" sz="5400" b="1" dirty="0">
-              <a:latin typeface="Microsoft JhengHei" panose="020B0604030504040204" pitchFamily="34" charset="-120"/>
-              <a:ea typeface="Microsoft JhengHei" panose="020B0604030504040204" pitchFamily="34" charset="-120"/>
+              <a:rPr lang="zh-TW" altLang="en-US" sz="5400" b="1" dirty="0">
+                <a:solidFill>
+                  <a:srgbClr val="660033"/>
+                </a:solidFill>
+                <a:latin typeface="Microsoft JhengHei" panose="020B0604030504040204" pitchFamily="34" charset="-120"/>
+                <a:ea typeface="Microsoft JhengHei" panose="020B0604030504040204" pitchFamily="34" charset="-120"/>
+              </a:rPr>
+              <a:t>天天開心</a:t>
+            </a:r>
+            <a:r>
+              <a:rPr lang="zh-TW" altLang="en-US" sz="5400" b="1" dirty="0">
+                <a:solidFill>
+                  <a:srgbClr val="660033"/>
+                </a:solidFill>
+                <a:latin typeface="Microsoft JhengHei" panose="020B0604030504040204" pitchFamily="34" charset="-120"/>
+                <a:ea typeface="Microsoft JhengHei" panose="020B0604030504040204" pitchFamily="34" charset="-120"/>
+              </a:rPr>
+              <a:t>過  求</a:t>
+            </a:r>
+            <a:r>
+              <a:rPr lang="zh-TW" altLang="en-US" sz="5400" b="1" dirty="0">
+                <a:solidFill>
+                  <a:srgbClr val="660033"/>
+                </a:solidFill>
+                <a:latin typeface="Microsoft JhengHei" panose="020B0604030504040204" pitchFamily="34" charset="-120"/>
+                <a:ea typeface="Microsoft JhengHei" panose="020B0604030504040204" pitchFamily="34" charset="-120"/>
+              </a:rPr>
+              <a:t>主聖靈更新我</a:t>
+            </a:r>
+          </a:p>
+        </p:txBody>
+      </p:sp>
+      <p:sp>
+        <p:nvSpPr>
+          <p:cNvPr id="6" name="Text Box 1"/>
+          <p:cNvSpPr txBox="1"/>
+          <p:nvPr/>
+        </p:nvSpPr>
+        <p:spPr>
+          <a:xfrm>
+            <a:off x="609600" y="1723668"/>
+            <a:ext cx="1055440" cy="923330"/>
+          </a:xfrm>
+          <a:prstGeom prst="rect">
+            <a:avLst/>
+          </a:prstGeom>
+          <a:noFill/>
+          <a:ln w="9525">
+            <a:noFill/>
+            <a:miter lim="800000"/>
+          </a:ln>
+        </p:spPr>
+        <p:txBody>
+          <a:bodyPr wrap="square">
+            <a:spAutoFit/>
+          </a:bodyPr>
+          <a:lstStyle/>
+          <a:p>
+            <a:pPr algn="ctr"/>
+            <a:r>
+              <a:rPr lang="en-US" sz="5400" b="1" dirty="0">
+                <a:solidFill>
+                  <a:srgbClr val="660033"/>
+                </a:solidFill>
+              </a:rPr>
+              <a:t>2</a:t>
+            </a:r>
+            <a:r>
+              <a:rPr lang="en-US" sz="5400" b="1" dirty="0" smtClean="0">
+                <a:solidFill>
+                  <a:srgbClr val="660033"/>
+                </a:solidFill>
+              </a:rPr>
+              <a:t>.</a:t>
+            </a:r>
+            <a:endParaRPr lang="en-US" sz="5400" b="1" dirty="0">
+              <a:solidFill>
+                <a:srgbClr val="660033"/>
+              </a:solidFill>
             </a:endParaRPr>
           </a:p>
         </p:txBody>
@@ -3842,20 +4380,13 @@
     </p:spTree>
     <p:extLst>
       <p:ext uri="{BB962C8B-B14F-4D97-AF65-F5344CB8AC3E}">
-        <p14:creationId xmlns:p14="http://schemas.microsoft.com/office/powerpoint/2010/main" xmlns="" val="2679238876"/>
+        <p14:creationId xmlns:p14="http://schemas.microsoft.com/office/powerpoint/2010/main" val="2774881694"/>
       </p:ext>
     </p:extLst>
   </p:cSld>
   <p:clrMapOvr>
     <a:masterClrMapping/>
   </p:clrMapOvr>
-  <p:timing>
-    <p:tnLst>
-      <p:par>
-        <p:cTn id="1" dur="indefinite" restart="never" nodeType="tmRoot"/>
-      </p:par>
-    </p:tnLst>
-  </p:timing>
 </p:sld>
 </file>
 
@@ -3878,7 +4409,7 @@
       </p:grpSpPr>
       <p:sp>
         <p:nvSpPr>
-          <p:cNvPr id="2" name="Title 1"/>
+          <p:cNvPr id="4" name="Title 3"/>
           <p:cNvSpPr>
             <a:spLocks noGrp="1"/>
           </p:cNvSpPr>
@@ -3888,25 +4419,25 @@
         </p:nvSpPr>
         <p:spPr/>
         <p:txBody>
-          <a:bodyPr/>
-          <a:lstStyle/>
-          <a:p>
-            <a:pPr algn="ctr"/>
-            <a:r>
-              <a:rPr lang="zh-TW" altLang="en-US" b="1" dirty="0">
-                <a:latin typeface="Microsoft JhengHei" panose="020B0604030504040204" pitchFamily="34" charset="-120"/>
-                <a:ea typeface="Microsoft JhengHei" panose="020B0604030504040204" pitchFamily="34" charset="-120"/>
-              </a:rPr>
-              <a:t>問我主恩有幾</a:t>
-            </a:r>
-            <a:r>
-              <a:rPr lang="zh-TW" altLang="en-US" b="1" dirty="0" smtClean="0">
-                <a:latin typeface="Microsoft JhengHei" panose="020B0604030504040204" pitchFamily="34" charset="-120"/>
-                <a:ea typeface="Microsoft JhengHei" panose="020B0604030504040204" pitchFamily="34" charset="-120"/>
-              </a:rPr>
-              <a:t>多</a:t>
-            </a:r>
-            <a:endParaRPr lang="en-US" b="1" dirty="0">
+          <a:bodyPr>
+            <a:normAutofit/>
+          </a:bodyPr>
+          <a:lstStyle/>
+          <a:p>
+            <a:r>
+              <a:rPr lang="zh-TW" altLang="en-US" sz="4800" b="1" dirty="0">
+                <a:solidFill>
+                  <a:srgbClr val="660033"/>
+                </a:solidFill>
+                <a:latin typeface="Microsoft JhengHei" panose="020B0604030504040204" pitchFamily="34" charset="-120"/>
+                <a:ea typeface="Microsoft JhengHei" panose="020B0604030504040204" pitchFamily="34" charset="-120"/>
+              </a:rPr>
+              <a:t>問我主恩有幾多</a:t>
+            </a:r>
+            <a:endParaRPr lang="en-US" altLang="zh-CN" sz="4800" b="1" dirty="0">
+              <a:solidFill>
+                <a:srgbClr val="660033"/>
+              </a:solidFill>
               <a:latin typeface="Microsoft JhengHei" panose="020B0604030504040204" pitchFamily="34" charset="-120"/>
               <a:ea typeface="Microsoft JhengHei" panose="020B0604030504040204" pitchFamily="34" charset="-120"/>
             </a:endParaRPr>
@@ -3915,7 +4446,7 @@
       </p:sp>
       <p:sp>
         <p:nvSpPr>
-          <p:cNvPr id="3" name="Content Placeholder 2"/>
+          <p:cNvPr id="5" name="Content Placeholder 4"/>
           <p:cNvSpPr>
             <a:spLocks noGrp="1"/>
           </p:cNvSpPr>
@@ -3925,8 +4456,8 @@
         </p:nvSpPr>
         <p:spPr>
           <a:xfrm>
-            <a:off x="0" y="1825625"/>
-            <a:ext cx="9144000" cy="4351338"/>
+            <a:off x="0" y="1600203"/>
+            <a:ext cx="12192000" cy="4525963"/>
           </a:xfrm>
         </p:spPr>
         <p:txBody>
@@ -3939,13 +4470,19 @@
               <a:buNone/>
             </a:pPr>
             <a:r>
-              <a:rPr lang="zh-TW" altLang="en-US" sz="5400" b="1" dirty="0" smtClean="0">
-                <a:latin typeface="Microsoft JhengHei" panose="020B0604030504040204" pitchFamily="34" charset="-120"/>
-                <a:ea typeface="Microsoft JhengHei" panose="020B0604030504040204" pitchFamily="34" charset="-120"/>
-              </a:rPr>
-              <a:t>念記基督犧牲的愛</a:t>
-            </a:r>
-            <a:endParaRPr lang="en-US" altLang="zh-TW" sz="5400" b="1" dirty="0" smtClean="0">
+              <a:rPr lang="zh-TW" altLang="en-US" sz="5400" b="1" dirty="0">
+                <a:solidFill>
+                  <a:srgbClr val="660033"/>
+                </a:solidFill>
+                <a:latin typeface="Microsoft JhengHei" panose="020B0604030504040204" pitchFamily="34" charset="-120"/>
+                <a:ea typeface="Microsoft JhengHei" panose="020B0604030504040204" pitchFamily="34" charset="-120"/>
+              </a:rPr>
+              <a:t>現我天天敞開心窩</a:t>
+            </a:r>
+            <a:endParaRPr lang="en-US" altLang="zh-TW" sz="5400" b="1" dirty="0">
+              <a:solidFill>
+                <a:srgbClr val="660033"/>
+              </a:solidFill>
               <a:latin typeface="Microsoft JhengHei" panose="020B0604030504040204" pitchFamily="34" charset="-120"/>
               <a:ea typeface="Microsoft JhengHei" panose="020B0604030504040204" pitchFamily="34" charset="-120"/>
             </a:endParaRPr>
@@ -3955,13 +4492,19 @@
               <a:buNone/>
             </a:pPr>
             <a:r>
-              <a:rPr lang="zh-TW" altLang="en-US" sz="5400" b="1" dirty="0" smtClean="0">
-                <a:latin typeface="Microsoft JhengHei" panose="020B0604030504040204" pitchFamily="34" charset="-120"/>
-                <a:ea typeface="Microsoft JhengHei" panose="020B0604030504040204" pitchFamily="34" charset="-120"/>
-              </a:rPr>
-              <a:t>十架釘身種種苦楚</a:t>
-            </a:r>
-            <a:endParaRPr lang="en-US" altLang="zh-TW" sz="5400" b="1" dirty="0" smtClean="0">
+              <a:rPr lang="zh-TW" altLang="en-US" sz="5400" b="1" dirty="0">
+                <a:solidFill>
+                  <a:srgbClr val="660033"/>
+                </a:solidFill>
+                <a:latin typeface="Microsoft JhengHei" panose="020B0604030504040204" pitchFamily="34" charset="-120"/>
+                <a:ea typeface="Microsoft JhengHei" panose="020B0604030504040204" pitchFamily="34" charset="-120"/>
+              </a:rPr>
+              <a:t>放低心中千斤枷鎖</a:t>
+            </a:r>
+            <a:endParaRPr lang="en-US" altLang="zh-TW" sz="5400" b="1" dirty="0">
+              <a:solidFill>
+                <a:srgbClr val="660033"/>
+              </a:solidFill>
               <a:latin typeface="Microsoft JhengHei" panose="020B0604030504040204" pitchFamily="34" charset="-120"/>
               <a:ea typeface="Microsoft JhengHei" panose="020B0604030504040204" pitchFamily="34" charset="-120"/>
             </a:endParaRPr>
@@ -3971,13 +4514,69 @@
               <a:buNone/>
             </a:pPr>
             <a:r>
-              <a:rPr lang="zh-TW" altLang="en-US" sz="5400" b="1" dirty="0" smtClean="0">
-                <a:latin typeface="Microsoft JhengHei" panose="020B0604030504040204" pitchFamily="34" charset="-120"/>
-                <a:ea typeface="Microsoft JhengHei" panose="020B0604030504040204" pitchFamily="34" charset="-120"/>
-              </a:rPr>
-              <a:t>唱頌神大愛</a:t>
-            </a:r>
-            <a:endParaRPr lang="en-US" altLang="zh-TW" sz="5400" b="1" dirty="0" smtClean="0">
+              <a:rPr lang="zh-TW" altLang="en-US" sz="5400" b="1" dirty="0">
+                <a:solidFill>
+                  <a:srgbClr val="660033"/>
+                </a:solidFill>
+                <a:latin typeface="Microsoft JhengHei" panose="020B0604030504040204" pitchFamily="34" charset="-120"/>
+                <a:ea typeface="Microsoft JhengHei" panose="020B0604030504040204" pitchFamily="34" charset="-120"/>
+              </a:rPr>
+              <a:t>細味神話</a:t>
+            </a:r>
+            <a:r>
+              <a:rPr lang="zh-TW" altLang="en-US" sz="5400" b="1" dirty="0">
+                <a:solidFill>
+                  <a:srgbClr val="660033"/>
+                </a:solidFill>
+                <a:latin typeface="Microsoft JhengHei" panose="020B0604030504040204" pitchFamily="34" charset="-120"/>
+                <a:ea typeface="Microsoft JhengHei" panose="020B0604030504040204" pitchFamily="34" charset="-120"/>
+              </a:rPr>
+              <a:t>語</a:t>
+            </a:r>
+            <a:r>
+              <a:rPr lang="en-US" altLang="zh-TW" sz="5400" b="1" dirty="0">
+                <a:solidFill>
+                  <a:srgbClr val="660033"/>
+                </a:solidFill>
+                <a:latin typeface="Microsoft JhengHei" panose="020B0604030504040204" pitchFamily="34" charset="-120"/>
+                <a:ea typeface="Microsoft JhengHei" panose="020B0604030504040204" pitchFamily="34" charset="-120"/>
+              </a:rPr>
+              <a:t>  </a:t>
+            </a:r>
+            <a:r>
+              <a:rPr lang="zh-TW" altLang="en-US" sz="5400" b="1" dirty="0">
+                <a:solidFill>
+                  <a:srgbClr val="660033"/>
+                </a:solidFill>
+                <a:latin typeface="Microsoft JhengHei" panose="020B0604030504040204" pitchFamily="34" charset="-120"/>
+                <a:ea typeface="Microsoft JhengHei" panose="020B0604030504040204" pitchFamily="34" charset="-120"/>
+              </a:rPr>
+              <a:t>謹</a:t>
+            </a:r>
+            <a:r>
+              <a:rPr lang="zh-TW" altLang="en-US" sz="5400" b="1" dirty="0">
+                <a:solidFill>
+                  <a:srgbClr val="660033"/>
+                </a:solidFill>
+                <a:latin typeface="Microsoft JhengHei" panose="020B0604030504040204" pitchFamily="34" charset="-120"/>
+                <a:ea typeface="Microsoft JhengHei" panose="020B0604030504040204" pitchFamily="34" charset="-120"/>
+              </a:rPr>
+              <a:t>遵教誨細意思</a:t>
+            </a:r>
+            <a:r>
+              <a:rPr lang="zh-TW" altLang="en-US" sz="5400" b="1" dirty="0">
+                <a:solidFill>
+                  <a:srgbClr val="660033"/>
+                </a:solidFill>
+                <a:latin typeface="Microsoft JhengHei" panose="020B0604030504040204" pitchFamily="34" charset="-120"/>
+                <a:ea typeface="Microsoft JhengHei" panose="020B0604030504040204" pitchFamily="34" charset="-120"/>
+              </a:rPr>
+              <a:t>想</a:t>
+            </a:r>
+            <a:endParaRPr lang="en-US" altLang="zh-TW" sz="5400" b="1" dirty="0">
+              <a:solidFill>
+                <a:srgbClr val="660033"/>
+              </a:solidFill>
               <a:latin typeface="Microsoft JhengHei" panose="020B0604030504040204" pitchFamily="34" charset="-120"/>
               <a:ea typeface="Microsoft JhengHei" panose="020B0604030504040204" pitchFamily="34" charset="-120"/>
             </a:endParaRPr>
@@ -3987,687 +4586,205 @@
               <a:buNone/>
             </a:pPr>
             <a:r>
-              <a:rPr lang="zh-TW" altLang="en-US" sz="5400" b="1" dirty="0" smtClean="0">
-                <a:latin typeface="Microsoft JhengHei" panose="020B0604030504040204" pitchFamily="34" charset="-120"/>
-                <a:ea typeface="Microsoft JhengHei" panose="020B0604030504040204" pitchFamily="34" charset="-120"/>
-              </a:rPr>
-              <a:t>甘將一生獻奉上</a:t>
-            </a:r>
-            <a:endParaRPr lang="zh-TW" altLang="en-US" sz="5400" b="1" dirty="0">
+              <a:rPr lang="zh-TW" altLang="en-US" sz="5400" b="1" dirty="0">
+                <a:solidFill>
+                  <a:srgbClr val="660033"/>
+                </a:solidFill>
+                <a:latin typeface="Microsoft JhengHei" panose="020B0604030504040204" pitchFamily="34" charset="-120"/>
+                <a:ea typeface="Microsoft JhengHei" panose="020B0604030504040204" pitchFamily="34" charset="-120"/>
+              </a:rPr>
+              <a:t>念記基督犧牲的</a:t>
+            </a:r>
+            <a:r>
+              <a:rPr lang="zh-TW" altLang="en-US" sz="5400" b="1" dirty="0">
+                <a:solidFill>
+                  <a:srgbClr val="660033"/>
+                </a:solidFill>
+                <a:latin typeface="Microsoft JhengHei" panose="020B0604030504040204" pitchFamily="34" charset="-120"/>
+                <a:ea typeface="Microsoft JhengHei" panose="020B0604030504040204" pitchFamily="34" charset="-120"/>
+              </a:rPr>
+              <a:t>愛</a:t>
+            </a:r>
+            <a:r>
+              <a:rPr lang="en-US" altLang="zh-TW" sz="5400" b="1" dirty="0">
+                <a:solidFill>
+                  <a:srgbClr val="660033"/>
+                </a:solidFill>
+                <a:latin typeface="Microsoft JhengHei" panose="020B0604030504040204" pitchFamily="34" charset="-120"/>
+                <a:ea typeface="Microsoft JhengHei" panose="020B0604030504040204" pitchFamily="34" charset="-120"/>
+              </a:rPr>
+              <a:t>  </a:t>
+            </a:r>
+            <a:r>
+              <a:rPr lang="zh-TW" altLang="en-US" sz="5400" b="1" dirty="0">
+                <a:solidFill>
+                  <a:srgbClr val="660033"/>
+                </a:solidFill>
+                <a:latin typeface="Microsoft JhengHei" panose="020B0604030504040204" pitchFamily="34" charset="-120"/>
+                <a:ea typeface="Microsoft JhengHei" panose="020B0604030504040204" pitchFamily="34" charset="-120"/>
+              </a:rPr>
+              <a:t>十</a:t>
+            </a:r>
+            <a:r>
+              <a:rPr lang="zh-TW" altLang="en-US" sz="5400" b="1" dirty="0">
+                <a:solidFill>
+                  <a:srgbClr val="660033"/>
+                </a:solidFill>
+                <a:latin typeface="Microsoft JhengHei" panose="020B0604030504040204" pitchFamily="34" charset="-120"/>
+                <a:ea typeface="Microsoft JhengHei" panose="020B0604030504040204" pitchFamily="34" charset="-120"/>
+              </a:rPr>
+              <a:t>架釘身種種苦楚</a:t>
+            </a:r>
+            <a:endParaRPr lang="en-US" altLang="zh-TW" sz="5400" b="1" dirty="0">
+              <a:solidFill>
+                <a:srgbClr val="660033"/>
+              </a:solidFill>
               <a:latin typeface="Microsoft JhengHei" panose="020B0604030504040204" pitchFamily="34" charset="-120"/>
               <a:ea typeface="Microsoft JhengHei" panose="020B0604030504040204" pitchFamily="34" charset="-120"/>
             </a:endParaRPr>
           </a:p>
+          <a:p>
+            <a:pPr marL="0" indent="0" algn="ctr">
+              <a:buNone/>
+            </a:pPr>
+            <a:r>
+              <a:rPr lang="zh-TW" altLang="en-US" sz="5400" b="1" dirty="0">
+                <a:solidFill>
+                  <a:srgbClr val="660033"/>
+                </a:solidFill>
+                <a:latin typeface="Microsoft JhengHei" panose="020B0604030504040204" pitchFamily="34" charset="-120"/>
+                <a:ea typeface="Microsoft JhengHei" panose="020B0604030504040204" pitchFamily="34" charset="-120"/>
+              </a:rPr>
+              <a:t>唱頌神大</a:t>
+            </a:r>
+            <a:r>
+              <a:rPr lang="zh-TW" altLang="en-US" sz="5400" b="1" dirty="0">
+                <a:solidFill>
+                  <a:srgbClr val="660033"/>
+                </a:solidFill>
+                <a:latin typeface="Microsoft JhengHei" panose="020B0604030504040204" pitchFamily="34" charset="-120"/>
+                <a:ea typeface="Microsoft JhengHei" panose="020B0604030504040204" pitchFamily="34" charset="-120"/>
+              </a:rPr>
+              <a:t>愛</a:t>
+            </a:r>
+            <a:r>
+              <a:rPr lang="en-US" altLang="zh-TW" sz="5400" b="1" dirty="0">
+                <a:solidFill>
+                  <a:srgbClr val="660033"/>
+                </a:solidFill>
+                <a:latin typeface="Microsoft JhengHei" panose="020B0604030504040204" pitchFamily="34" charset="-120"/>
+                <a:ea typeface="Microsoft JhengHei" panose="020B0604030504040204" pitchFamily="34" charset="-120"/>
+              </a:rPr>
+              <a:t>  </a:t>
+            </a:r>
+            <a:r>
+              <a:rPr lang="zh-TW" altLang="en-US" sz="5400" b="1" dirty="0">
+                <a:solidFill>
+                  <a:srgbClr val="660033"/>
+                </a:solidFill>
+                <a:latin typeface="Microsoft JhengHei" panose="020B0604030504040204" pitchFamily="34" charset="-120"/>
+                <a:ea typeface="Microsoft JhengHei" panose="020B0604030504040204" pitchFamily="34" charset="-120"/>
+              </a:rPr>
+              <a:t>甘</a:t>
+            </a:r>
+            <a:r>
+              <a:rPr lang="zh-TW" altLang="en-US" sz="5400" b="1" dirty="0">
+                <a:solidFill>
+                  <a:srgbClr val="660033"/>
+                </a:solidFill>
+                <a:latin typeface="Microsoft JhengHei" panose="020B0604030504040204" pitchFamily="34" charset="-120"/>
+                <a:ea typeface="Microsoft JhengHei" panose="020B0604030504040204" pitchFamily="34" charset="-120"/>
+              </a:rPr>
+              <a:t>將一生獻奉</a:t>
+            </a:r>
+            <a:r>
+              <a:rPr lang="zh-TW" altLang="en-US" sz="5400" b="1" dirty="0">
+                <a:solidFill>
+                  <a:srgbClr val="660033"/>
+                </a:solidFill>
+                <a:latin typeface="Microsoft JhengHei" panose="020B0604030504040204" pitchFamily="34" charset="-120"/>
+                <a:ea typeface="Microsoft JhengHei" panose="020B0604030504040204" pitchFamily="34" charset="-120"/>
+              </a:rPr>
+              <a:t>上</a:t>
+            </a:r>
+            <a:endParaRPr lang="zh-TW" altLang="en-US" sz="5400" b="1" dirty="0">
+              <a:solidFill>
+                <a:srgbClr val="660033"/>
+              </a:solidFill>
+              <a:latin typeface="Microsoft JhengHei" panose="020B0604030504040204" pitchFamily="34" charset="-120"/>
+              <a:ea typeface="Microsoft JhengHei" panose="020B0604030504040204" pitchFamily="34" charset="-120"/>
+            </a:endParaRPr>
+          </a:p>
+        </p:txBody>
+      </p:sp>
+      <p:sp>
+        <p:nvSpPr>
+          <p:cNvPr id="6" name="Text Box 1"/>
+          <p:cNvSpPr txBox="1"/>
+          <p:nvPr/>
+        </p:nvSpPr>
+        <p:spPr>
+          <a:xfrm>
+            <a:off x="609600" y="1723668"/>
+            <a:ext cx="1055440" cy="923330"/>
+          </a:xfrm>
+          <a:prstGeom prst="rect">
+            <a:avLst/>
+          </a:prstGeom>
+          <a:noFill/>
+          <a:ln w="9525">
+            <a:noFill/>
+            <a:miter lim="800000"/>
+          </a:ln>
+        </p:spPr>
+        <p:txBody>
+          <a:bodyPr wrap="square">
+            <a:spAutoFit/>
+          </a:bodyPr>
+          <a:lstStyle/>
+          <a:p>
+            <a:pPr algn="ctr"/>
+            <a:r>
+              <a:rPr lang="en-US" sz="5400" b="1" dirty="0">
+                <a:solidFill>
+                  <a:srgbClr val="660033"/>
+                </a:solidFill>
+              </a:rPr>
+              <a:t>3</a:t>
+            </a:r>
+            <a:r>
+              <a:rPr lang="en-US" sz="5400" b="1" dirty="0" smtClean="0">
+                <a:solidFill>
+                  <a:srgbClr val="660033"/>
+                </a:solidFill>
+              </a:rPr>
+              <a:t>.</a:t>
+            </a:r>
+            <a:endParaRPr lang="en-US" sz="5400" b="1" dirty="0">
+              <a:solidFill>
+                <a:srgbClr val="660033"/>
+              </a:solidFill>
+            </a:endParaRPr>
+          </a:p>
         </p:txBody>
       </p:sp>
     </p:spTree>
     <p:extLst>
       <p:ext uri="{BB962C8B-B14F-4D97-AF65-F5344CB8AC3E}">
-        <p14:creationId xmlns:p14="http://schemas.microsoft.com/office/powerpoint/2010/main" xmlns="" val="2679238876"/>
+        <p14:creationId xmlns:p14="http://schemas.microsoft.com/office/powerpoint/2010/main" val="4280544855"/>
       </p:ext>
     </p:extLst>
   </p:cSld>
   <p:clrMapOvr>
     <a:masterClrMapping/>
   </p:clrMapOvr>
-  <p:timing>
-    <p:tnLst>
-      <p:par>
-        <p:cTn id="1" dur="indefinite" restart="never" nodeType="tmRoot"/>
-      </p:par>
-    </p:tnLst>
-  </p:timing>
-</p:sld>
-</file>
-
-<file path=ppt/slides/slide6.xml><?xml version="1.0" encoding="utf-8"?>
-<p:sld xmlns:a="http://schemas.openxmlformats.org/drawingml/2006/main" xmlns:r="http://schemas.openxmlformats.org/officeDocument/2006/relationships" xmlns:p="http://schemas.openxmlformats.org/presentationml/2006/main">
-  <p:cSld>
-    <p:spTree>
-      <p:nvGrpSpPr>
-        <p:cNvPr id="1" name=""/>
-        <p:cNvGrpSpPr/>
-        <p:nvPr/>
-      </p:nvGrpSpPr>
-      <p:grpSpPr>
-        <a:xfrm>
-          <a:off x="0" y="0"/>
-          <a:ext cx="0" cy="0"/>
-          <a:chOff x="0" y="0"/>
-          <a:chExt cx="0" cy="0"/>
-        </a:xfrm>
-      </p:grpSpPr>
-      <p:sp>
-        <p:nvSpPr>
-          <p:cNvPr id="2" name="Title 1"/>
-          <p:cNvSpPr>
-            <a:spLocks noGrp="1"/>
-          </p:cNvSpPr>
-          <p:nvPr>
-            <p:ph type="title"/>
-          </p:nvPr>
-        </p:nvSpPr>
-        <p:spPr/>
-        <p:txBody>
-          <a:bodyPr/>
-          <a:lstStyle/>
-          <a:p>
-            <a:pPr algn="ctr"/>
-            <a:r>
-              <a:rPr lang="zh-TW" altLang="en-US" b="1" dirty="0">
-                <a:latin typeface="Microsoft JhengHei" panose="020B0604030504040204" pitchFamily="34" charset="-120"/>
-                <a:ea typeface="Microsoft JhengHei" panose="020B0604030504040204" pitchFamily="34" charset="-120"/>
-              </a:rPr>
-              <a:t>問我主恩有幾</a:t>
-            </a:r>
-            <a:r>
-              <a:rPr lang="zh-TW" altLang="en-US" b="1" dirty="0" smtClean="0">
-                <a:latin typeface="Microsoft JhengHei" panose="020B0604030504040204" pitchFamily="34" charset="-120"/>
-                <a:ea typeface="Microsoft JhengHei" panose="020B0604030504040204" pitchFamily="34" charset="-120"/>
-              </a:rPr>
-              <a:t>多</a:t>
-            </a:r>
-            <a:endParaRPr lang="en-US" b="1" dirty="0">
-              <a:latin typeface="Microsoft JhengHei" panose="020B0604030504040204" pitchFamily="34" charset="-120"/>
-              <a:ea typeface="Microsoft JhengHei" panose="020B0604030504040204" pitchFamily="34" charset="-120"/>
-            </a:endParaRPr>
-          </a:p>
-        </p:txBody>
-      </p:sp>
-      <p:sp>
-        <p:nvSpPr>
-          <p:cNvPr id="3" name="Content Placeholder 2"/>
-          <p:cNvSpPr>
-            <a:spLocks noGrp="1"/>
-          </p:cNvSpPr>
-          <p:nvPr>
-            <p:ph idx="1"/>
-          </p:nvPr>
-        </p:nvSpPr>
-        <p:spPr>
-          <a:xfrm>
-            <a:off x="0" y="1825625"/>
-            <a:ext cx="9144000" cy="4351338"/>
-          </a:xfrm>
-        </p:spPr>
-        <p:txBody>
-          <a:bodyPr>
-            <a:noAutofit/>
-          </a:bodyPr>
-          <a:lstStyle/>
-          <a:p>
-            <a:pPr marL="0" indent="0" algn="ctr">
-              <a:buNone/>
-            </a:pPr>
-            <a:r>
-              <a:rPr lang="zh-TW" altLang="en-US" sz="5400" b="1" dirty="0" smtClean="0">
-                <a:latin typeface="Microsoft JhengHei" panose="020B0604030504040204" pitchFamily="34" charset="-120"/>
-                <a:ea typeface="Microsoft JhengHei" panose="020B0604030504040204" pitchFamily="34" charset="-120"/>
-              </a:rPr>
-              <a:t>問我當初信靠經過</a:t>
-            </a:r>
-            <a:endParaRPr lang="en-US" altLang="zh-TW" sz="5400" b="1" dirty="0" smtClean="0">
-              <a:latin typeface="Microsoft JhengHei" panose="020B0604030504040204" pitchFamily="34" charset="-120"/>
-              <a:ea typeface="Microsoft JhengHei" panose="020B0604030504040204" pitchFamily="34" charset="-120"/>
-            </a:endParaRPr>
-          </a:p>
-          <a:p>
-            <a:pPr marL="0" indent="0" algn="ctr">
-              <a:buNone/>
-            </a:pPr>
-            <a:r>
-              <a:rPr lang="zh-TW" altLang="en-US" sz="5400" b="1" dirty="0" smtClean="0">
-                <a:latin typeface="Microsoft JhengHei" panose="020B0604030504040204" pitchFamily="34" charset="-120"/>
-                <a:ea typeface="Microsoft JhengHei" panose="020B0604030504040204" pitchFamily="34" charset="-120"/>
-              </a:rPr>
-              <a:t>有主天天輕撫心窩</a:t>
-            </a:r>
-            <a:endParaRPr lang="en-US" altLang="zh-TW" sz="5400" b="1" dirty="0" smtClean="0">
-              <a:latin typeface="Microsoft JhengHei" panose="020B0604030504040204" pitchFamily="34" charset="-120"/>
-              <a:ea typeface="Microsoft JhengHei" panose="020B0604030504040204" pitchFamily="34" charset="-120"/>
-            </a:endParaRPr>
-          </a:p>
-          <a:p>
-            <a:pPr marL="0" indent="0" algn="ctr">
-              <a:buNone/>
-            </a:pPr>
-            <a:r>
-              <a:rPr lang="zh-TW" altLang="en-US" sz="5400" b="1" dirty="0" smtClean="0">
-                <a:latin typeface="Microsoft JhengHei" panose="020B0604030504040204" pitchFamily="34" charset="-120"/>
-                <a:ea typeface="Microsoft JhengHei" panose="020B0604030504040204" pitchFamily="34" charset="-120"/>
-              </a:rPr>
-              <a:t>靠著神能夠</a:t>
-            </a:r>
-            <a:endParaRPr lang="en-US" altLang="zh-TW" sz="5400" b="1" dirty="0" smtClean="0">
-              <a:latin typeface="Microsoft JhengHei" panose="020B0604030504040204" pitchFamily="34" charset="-120"/>
-              <a:ea typeface="Microsoft JhengHei" panose="020B0604030504040204" pitchFamily="34" charset="-120"/>
-            </a:endParaRPr>
-          </a:p>
-          <a:p>
-            <a:pPr marL="0" indent="0" algn="ctr">
-              <a:buNone/>
-            </a:pPr>
-            <a:r>
-              <a:rPr lang="zh-TW" altLang="en-US" sz="5400" b="1" dirty="0" smtClean="0">
-                <a:latin typeface="Microsoft JhengHei" panose="020B0604030504040204" pitchFamily="34" charset="-120"/>
-                <a:ea typeface="Microsoft JhengHei" panose="020B0604030504040204" pitchFamily="34" charset="-120"/>
-              </a:rPr>
-              <a:t>將抑鬱苦楚拋開</a:t>
-            </a:r>
-            <a:endParaRPr lang="zh-TW" altLang="en-US" sz="5400" b="1" dirty="0">
-              <a:latin typeface="Microsoft JhengHei" panose="020B0604030504040204" pitchFamily="34" charset="-120"/>
-              <a:ea typeface="Microsoft JhengHei" panose="020B0604030504040204" pitchFamily="34" charset="-120"/>
-            </a:endParaRPr>
-          </a:p>
-        </p:txBody>
-      </p:sp>
-    </p:spTree>
-    <p:extLst>
-      <p:ext uri="{BB962C8B-B14F-4D97-AF65-F5344CB8AC3E}">
-        <p14:creationId xmlns:p14="http://schemas.microsoft.com/office/powerpoint/2010/main" xmlns="" val="2679238876"/>
-      </p:ext>
-    </p:extLst>
-  </p:cSld>
-  <p:clrMapOvr>
-    <a:masterClrMapping/>
-  </p:clrMapOvr>
-  <p:timing>
-    <p:tnLst>
-      <p:par>
-        <p:cTn id="1" dur="indefinite" restart="never" nodeType="tmRoot"/>
-      </p:par>
-    </p:tnLst>
-  </p:timing>
-</p:sld>
-</file>
-
-<file path=ppt/slides/slide7.xml><?xml version="1.0" encoding="utf-8"?>
-<p:sld xmlns:a="http://schemas.openxmlformats.org/drawingml/2006/main" xmlns:r="http://schemas.openxmlformats.org/officeDocument/2006/relationships" xmlns:p="http://schemas.openxmlformats.org/presentationml/2006/main">
-  <p:cSld>
-    <p:spTree>
-      <p:nvGrpSpPr>
-        <p:cNvPr id="1" name=""/>
-        <p:cNvGrpSpPr/>
-        <p:nvPr/>
-      </p:nvGrpSpPr>
-      <p:grpSpPr>
-        <a:xfrm>
-          <a:off x="0" y="0"/>
-          <a:ext cx="0" cy="0"/>
-          <a:chOff x="0" y="0"/>
-          <a:chExt cx="0" cy="0"/>
-        </a:xfrm>
-      </p:grpSpPr>
-      <p:sp>
-        <p:nvSpPr>
-          <p:cNvPr id="2" name="Title 1"/>
-          <p:cNvSpPr>
-            <a:spLocks noGrp="1"/>
-          </p:cNvSpPr>
-          <p:nvPr>
-            <p:ph type="title"/>
-          </p:nvPr>
-        </p:nvSpPr>
-        <p:spPr/>
-        <p:txBody>
-          <a:bodyPr/>
-          <a:lstStyle/>
-          <a:p>
-            <a:pPr algn="ctr"/>
-            <a:r>
-              <a:rPr lang="zh-TW" altLang="en-US" b="1" dirty="0">
-                <a:latin typeface="Microsoft JhengHei" panose="020B0604030504040204" pitchFamily="34" charset="-120"/>
-                <a:ea typeface="Microsoft JhengHei" panose="020B0604030504040204" pitchFamily="34" charset="-120"/>
-              </a:rPr>
-              <a:t>問我主恩有幾</a:t>
-            </a:r>
-            <a:r>
-              <a:rPr lang="zh-TW" altLang="en-US" b="1" dirty="0" smtClean="0">
-                <a:latin typeface="Microsoft JhengHei" panose="020B0604030504040204" pitchFamily="34" charset="-120"/>
-                <a:ea typeface="Microsoft JhengHei" panose="020B0604030504040204" pitchFamily="34" charset="-120"/>
-              </a:rPr>
-              <a:t>多</a:t>
-            </a:r>
-            <a:endParaRPr lang="en-US" b="1" dirty="0">
-              <a:latin typeface="Microsoft JhengHei" panose="020B0604030504040204" pitchFamily="34" charset="-120"/>
-              <a:ea typeface="Microsoft JhengHei" panose="020B0604030504040204" pitchFamily="34" charset="-120"/>
-            </a:endParaRPr>
-          </a:p>
-        </p:txBody>
-      </p:sp>
-      <p:sp>
-        <p:nvSpPr>
-          <p:cNvPr id="3" name="Content Placeholder 2"/>
-          <p:cNvSpPr>
-            <a:spLocks noGrp="1"/>
-          </p:cNvSpPr>
-          <p:nvPr>
-            <p:ph idx="1"/>
-          </p:nvPr>
-        </p:nvSpPr>
-        <p:spPr>
-          <a:xfrm>
-            <a:off x="0" y="1825625"/>
-            <a:ext cx="9144000" cy="4351338"/>
-          </a:xfrm>
-        </p:spPr>
-        <p:txBody>
-          <a:bodyPr>
-            <a:noAutofit/>
-          </a:bodyPr>
-          <a:lstStyle/>
-          <a:p>
-            <a:pPr marL="0" indent="0" algn="ctr">
-              <a:buNone/>
-            </a:pPr>
-            <a:r>
-              <a:rPr lang="zh-TW" altLang="en-US" sz="5400" b="1" dirty="0" smtClean="0">
-                <a:latin typeface="Microsoft JhengHei" panose="020B0604030504040204" pitchFamily="34" charset="-120"/>
-                <a:ea typeface="Microsoft JhengHei" panose="020B0604030504040204" pitchFamily="34" charset="-120"/>
-              </a:rPr>
-              <a:t>頌讚歌聲句句鏗鏘</a:t>
-            </a:r>
-            <a:endParaRPr lang="en-US" altLang="zh-TW" sz="5400" b="1" dirty="0" smtClean="0">
-              <a:latin typeface="Microsoft JhengHei" panose="020B0604030504040204" pitchFamily="34" charset="-120"/>
-              <a:ea typeface="Microsoft JhengHei" panose="020B0604030504040204" pitchFamily="34" charset="-120"/>
-            </a:endParaRPr>
-          </a:p>
-          <a:p>
-            <a:pPr marL="0" indent="0" algn="ctr">
-              <a:buNone/>
-            </a:pPr>
-            <a:r>
-              <a:rPr lang="zh-TW" altLang="en-US" sz="5400" b="1" dirty="0" smtClean="0">
-                <a:latin typeface="Microsoft JhengHei" panose="020B0604030504040204" pitchFamily="34" charset="-120"/>
-                <a:ea typeface="Microsoft JhengHei" panose="020B0604030504040204" pitchFamily="34" charset="-120"/>
-              </a:rPr>
-              <a:t>見證主恩天天分享</a:t>
-            </a:r>
-            <a:endParaRPr lang="en-US" altLang="zh-TW" sz="5400" b="1" dirty="0" smtClean="0">
-              <a:latin typeface="Microsoft JhengHei" panose="020B0604030504040204" pitchFamily="34" charset="-120"/>
-              <a:ea typeface="Microsoft JhengHei" panose="020B0604030504040204" pitchFamily="34" charset="-120"/>
-            </a:endParaRPr>
-          </a:p>
-          <a:p>
-            <a:pPr marL="0" indent="0" algn="ctr">
-              <a:buNone/>
-            </a:pPr>
-            <a:r>
-              <a:rPr lang="zh-TW" altLang="en-US" sz="5400" b="1" dirty="0" smtClean="0">
-                <a:latin typeface="Microsoft JhengHei" panose="020B0604030504040204" pitchFamily="34" charset="-120"/>
-                <a:ea typeface="Microsoft JhengHei" panose="020B0604030504040204" pitchFamily="34" charset="-120"/>
-              </a:rPr>
-              <a:t>以熱誠熱愛</a:t>
-            </a:r>
-            <a:endParaRPr lang="en-US" altLang="zh-TW" sz="5400" b="1" dirty="0" smtClean="0">
-              <a:latin typeface="Microsoft JhengHei" panose="020B0604030504040204" pitchFamily="34" charset="-120"/>
-              <a:ea typeface="Microsoft JhengHei" panose="020B0604030504040204" pitchFamily="34" charset="-120"/>
-            </a:endParaRPr>
-          </a:p>
-          <a:p>
-            <a:pPr marL="0" indent="0" algn="ctr">
-              <a:buNone/>
-            </a:pPr>
-            <a:r>
-              <a:rPr lang="zh-TW" altLang="en-US" sz="5400" b="1" dirty="0" smtClean="0">
-                <a:latin typeface="Microsoft JhengHei" panose="020B0604030504040204" pitchFamily="34" charset="-120"/>
-                <a:ea typeface="Microsoft JhengHei" panose="020B0604030504040204" pitchFamily="34" charset="-120"/>
-              </a:rPr>
-              <a:t>交出真心去和唱</a:t>
-            </a:r>
-            <a:endParaRPr lang="zh-TW" altLang="en-US" sz="5400" b="1" dirty="0">
-              <a:latin typeface="Microsoft JhengHei" panose="020B0604030504040204" pitchFamily="34" charset="-120"/>
-              <a:ea typeface="Microsoft JhengHei" panose="020B0604030504040204" pitchFamily="34" charset="-120"/>
-            </a:endParaRPr>
-          </a:p>
-        </p:txBody>
-      </p:sp>
-    </p:spTree>
-    <p:extLst>
-      <p:ext uri="{BB962C8B-B14F-4D97-AF65-F5344CB8AC3E}">
-        <p14:creationId xmlns:p14="http://schemas.microsoft.com/office/powerpoint/2010/main" xmlns="" val="2679238876"/>
-      </p:ext>
-    </p:extLst>
-  </p:cSld>
-  <p:clrMapOvr>
-    <a:masterClrMapping/>
-  </p:clrMapOvr>
-  <p:timing>
-    <p:tnLst>
-      <p:par>
-        <p:cTn id="1" dur="indefinite" restart="never" nodeType="tmRoot"/>
-      </p:par>
-    </p:tnLst>
-  </p:timing>
-</p:sld>
-</file>
-
-<file path=ppt/slides/slide8.xml><?xml version="1.0" encoding="utf-8"?>
-<p:sld xmlns:a="http://schemas.openxmlformats.org/drawingml/2006/main" xmlns:r="http://schemas.openxmlformats.org/officeDocument/2006/relationships" xmlns:p="http://schemas.openxmlformats.org/presentationml/2006/main">
-  <p:cSld>
-    <p:spTree>
-      <p:nvGrpSpPr>
-        <p:cNvPr id="1" name=""/>
-        <p:cNvGrpSpPr/>
-        <p:nvPr/>
-      </p:nvGrpSpPr>
-      <p:grpSpPr>
-        <a:xfrm>
-          <a:off x="0" y="0"/>
-          <a:ext cx="0" cy="0"/>
-          <a:chOff x="0" y="0"/>
-          <a:chExt cx="0" cy="0"/>
-        </a:xfrm>
-      </p:grpSpPr>
-      <p:sp>
-        <p:nvSpPr>
-          <p:cNvPr id="2" name="Title 1"/>
-          <p:cNvSpPr>
-            <a:spLocks noGrp="1"/>
-          </p:cNvSpPr>
-          <p:nvPr>
-            <p:ph type="title"/>
-          </p:nvPr>
-        </p:nvSpPr>
-        <p:spPr/>
-        <p:txBody>
-          <a:bodyPr/>
-          <a:lstStyle/>
-          <a:p>
-            <a:pPr algn="ctr"/>
-            <a:r>
-              <a:rPr lang="zh-TW" altLang="en-US" b="1" dirty="0">
-                <a:latin typeface="Microsoft JhengHei" panose="020B0604030504040204" pitchFamily="34" charset="-120"/>
-                <a:ea typeface="Microsoft JhengHei" panose="020B0604030504040204" pitchFamily="34" charset="-120"/>
-              </a:rPr>
-              <a:t>問我主恩有幾</a:t>
-            </a:r>
-            <a:r>
-              <a:rPr lang="zh-TW" altLang="en-US" b="1" dirty="0" smtClean="0">
-                <a:latin typeface="Microsoft JhengHei" panose="020B0604030504040204" pitchFamily="34" charset="-120"/>
-                <a:ea typeface="Microsoft JhengHei" panose="020B0604030504040204" pitchFamily="34" charset="-120"/>
-              </a:rPr>
-              <a:t>多</a:t>
-            </a:r>
-            <a:endParaRPr lang="en-US" b="1" dirty="0">
-              <a:latin typeface="Microsoft JhengHei" panose="020B0604030504040204" pitchFamily="34" charset="-120"/>
-              <a:ea typeface="Microsoft JhengHei" panose="020B0604030504040204" pitchFamily="34" charset="-120"/>
-            </a:endParaRPr>
-          </a:p>
-        </p:txBody>
-      </p:sp>
-      <p:sp>
-        <p:nvSpPr>
-          <p:cNvPr id="3" name="Content Placeholder 2"/>
-          <p:cNvSpPr>
-            <a:spLocks noGrp="1"/>
-          </p:cNvSpPr>
-          <p:nvPr>
-            <p:ph idx="1"/>
-          </p:nvPr>
-        </p:nvSpPr>
-        <p:spPr>
-          <a:xfrm>
-            <a:off x="0" y="1825625"/>
-            <a:ext cx="9144000" cy="4351338"/>
-          </a:xfrm>
-        </p:spPr>
-        <p:txBody>
-          <a:bodyPr>
-            <a:noAutofit/>
-          </a:bodyPr>
-          <a:lstStyle/>
-          <a:p>
-            <a:pPr marL="0" indent="0" algn="ctr">
-              <a:buNone/>
-            </a:pPr>
-            <a:r>
-              <a:rPr lang="zh-TW" altLang="en-US" sz="5400" b="1" dirty="0" smtClean="0">
-                <a:latin typeface="Microsoft JhengHei" panose="020B0604030504040204" pitchFamily="34" charset="-120"/>
-                <a:ea typeface="Microsoft JhengHei" panose="020B0604030504040204" pitchFamily="34" charset="-120"/>
-              </a:rPr>
-              <a:t>回望已過去的我</a:t>
-            </a:r>
-            <a:endParaRPr lang="en-US" altLang="zh-TW" sz="5400" b="1" dirty="0" smtClean="0">
-              <a:latin typeface="Microsoft JhengHei" panose="020B0604030504040204" pitchFamily="34" charset="-120"/>
-              <a:ea typeface="Microsoft JhengHei" panose="020B0604030504040204" pitchFamily="34" charset="-120"/>
-            </a:endParaRPr>
-          </a:p>
-          <a:p>
-            <a:pPr marL="0" indent="0" algn="ctr">
-              <a:buNone/>
-            </a:pPr>
-            <a:r>
-              <a:rPr lang="zh-TW" altLang="en-US" sz="5400" b="1" dirty="0" smtClean="0">
-                <a:latin typeface="Microsoft JhengHei" panose="020B0604030504040204" pitchFamily="34" charset="-120"/>
-                <a:ea typeface="Microsoft JhengHei" panose="020B0604030504040204" pitchFamily="34" charset="-120"/>
-              </a:rPr>
-              <a:t>像幽容走過   愁   憎   厭煩</a:t>
-            </a:r>
-            <a:endParaRPr lang="en-US" altLang="zh-TW" sz="5400" b="1" dirty="0" smtClean="0">
-              <a:latin typeface="Microsoft JhengHei" panose="020B0604030504040204" pitchFamily="34" charset="-120"/>
-              <a:ea typeface="Microsoft JhengHei" panose="020B0604030504040204" pitchFamily="34" charset="-120"/>
-            </a:endParaRPr>
-          </a:p>
-          <a:p>
-            <a:pPr marL="0" indent="0" algn="ctr">
-              <a:buNone/>
-            </a:pPr>
-            <a:r>
-              <a:rPr lang="zh-TW" altLang="en-US" sz="5400" b="1" dirty="0" smtClean="0">
-                <a:latin typeface="Microsoft JhengHei" panose="020B0604030504040204" pitchFamily="34" charset="-120"/>
-                <a:ea typeface="Microsoft JhengHei" panose="020B0604030504040204" pitchFamily="34" charset="-120"/>
-              </a:rPr>
-              <a:t>恨怨多   憑著信懊悔改過</a:t>
-            </a:r>
-            <a:endParaRPr lang="en-US" altLang="zh-TW" sz="5400" b="1" dirty="0" smtClean="0">
-              <a:latin typeface="Microsoft JhengHei" panose="020B0604030504040204" pitchFamily="34" charset="-120"/>
-              <a:ea typeface="Microsoft JhengHei" panose="020B0604030504040204" pitchFamily="34" charset="-120"/>
-            </a:endParaRPr>
-          </a:p>
-          <a:p>
-            <a:pPr marL="0" indent="0" algn="ctr">
-              <a:buNone/>
-            </a:pPr>
-            <a:r>
-              <a:rPr lang="zh-TW" altLang="en-US" sz="5400" b="1" dirty="0" smtClean="0">
-                <a:latin typeface="Microsoft JhengHei" panose="020B0604030504040204" pitchFamily="34" charset="-120"/>
-                <a:ea typeface="Microsoft JhengHei" panose="020B0604030504040204" pitchFamily="34" charset="-120"/>
-              </a:rPr>
-              <a:t>天天開心過  求主聖靈更新我</a:t>
-            </a:r>
-            <a:endParaRPr lang="zh-TW" altLang="en-US" sz="5400" b="1" dirty="0">
-              <a:latin typeface="Microsoft JhengHei" panose="020B0604030504040204" pitchFamily="34" charset="-120"/>
-              <a:ea typeface="Microsoft JhengHei" panose="020B0604030504040204" pitchFamily="34" charset="-120"/>
-            </a:endParaRPr>
-          </a:p>
-        </p:txBody>
-      </p:sp>
-    </p:spTree>
-    <p:extLst>
-      <p:ext uri="{BB962C8B-B14F-4D97-AF65-F5344CB8AC3E}">
-        <p14:creationId xmlns:p14="http://schemas.microsoft.com/office/powerpoint/2010/main" xmlns="" val="1428699914"/>
-      </p:ext>
-    </p:extLst>
-  </p:cSld>
-  <p:clrMapOvr>
-    <a:masterClrMapping/>
-  </p:clrMapOvr>
-  <p:timing>
-    <p:tnLst>
-      <p:par>
-        <p:cTn id="1" dur="indefinite" restart="never" nodeType="tmRoot"/>
-      </p:par>
-    </p:tnLst>
-  </p:timing>
-</p:sld>
-</file>
-
-<file path=ppt/slides/slide9.xml><?xml version="1.0" encoding="utf-8"?>
-<p:sld xmlns:a="http://schemas.openxmlformats.org/drawingml/2006/main" xmlns:r="http://schemas.openxmlformats.org/officeDocument/2006/relationships" xmlns:p="http://schemas.openxmlformats.org/presentationml/2006/main">
-  <p:cSld>
-    <p:spTree>
-      <p:nvGrpSpPr>
-        <p:cNvPr id="1" name=""/>
-        <p:cNvGrpSpPr/>
-        <p:nvPr/>
-      </p:nvGrpSpPr>
-      <p:grpSpPr>
-        <a:xfrm>
-          <a:off x="0" y="0"/>
-          <a:ext cx="0" cy="0"/>
-          <a:chOff x="0" y="0"/>
-          <a:chExt cx="0" cy="0"/>
-        </a:xfrm>
-      </p:grpSpPr>
-      <p:sp>
-        <p:nvSpPr>
-          <p:cNvPr id="2" name="Title 1"/>
-          <p:cNvSpPr>
-            <a:spLocks noGrp="1"/>
-          </p:cNvSpPr>
-          <p:nvPr>
-            <p:ph type="title"/>
-          </p:nvPr>
-        </p:nvSpPr>
-        <p:spPr/>
-        <p:txBody>
-          <a:bodyPr/>
-          <a:lstStyle/>
-          <a:p>
-            <a:pPr algn="ctr"/>
-            <a:r>
-              <a:rPr lang="zh-TW" altLang="en-US" b="1" dirty="0">
-                <a:latin typeface="Microsoft JhengHei" panose="020B0604030504040204" pitchFamily="34" charset="-120"/>
-                <a:ea typeface="Microsoft JhengHei" panose="020B0604030504040204" pitchFamily="34" charset="-120"/>
-              </a:rPr>
-              <a:t>問我主恩有幾</a:t>
-            </a:r>
-            <a:r>
-              <a:rPr lang="zh-TW" altLang="en-US" b="1" dirty="0" smtClean="0">
-                <a:latin typeface="Microsoft JhengHei" panose="020B0604030504040204" pitchFamily="34" charset="-120"/>
-                <a:ea typeface="Microsoft JhengHei" panose="020B0604030504040204" pitchFamily="34" charset="-120"/>
-              </a:rPr>
-              <a:t>多</a:t>
-            </a:r>
-            <a:endParaRPr lang="en-US" b="1" dirty="0">
-              <a:latin typeface="Microsoft JhengHei" panose="020B0604030504040204" pitchFamily="34" charset="-120"/>
-              <a:ea typeface="Microsoft JhengHei" panose="020B0604030504040204" pitchFamily="34" charset="-120"/>
-            </a:endParaRPr>
-          </a:p>
-        </p:txBody>
-      </p:sp>
-      <p:sp>
-        <p:nvSpPr>
-          <p:cNvPr id="3" name="Content Placeholder 2"/>
-          <p:cNvSpPr>
-            <a:spLocks noGrp="1"/>
-          </p:cNvSpPr>
-          <p:nvPr>
-            <p:ph idx="1"/>
-          </p:nvPr>
-        </p:nvSpPr>
-        <p:spPr>
-          <a:xfrm>
-            <a:off x="0" y="1825625"/>
-            <a:ext cx="9144000" cy="4351338"/>
-          </a:xfrm>
-        </p:spPr>
-        <p:txBody>
-          <a:bodyPr>
-            <a:noAutofit/>
-          </a:bodyPr>
-          <a:lstStyle/>
-          <a:p>
-            <a:pPr marL="0" indent="0" algn="ctr">
-              <a:buNone/>
-            </a:pPr>
-            <a:r>
-              <a:rPr lang="zh-TW" altLang="en-US" sz="5400" b="1" dirty="0" smtClean="0">
-                <a:latin typeface="Microsoft JhengHei" panose="020B0604030504040204" pitchFamily="34" charset="-120"/>
-                <a:ea typeface="Microsoft JhengHei" panose="020B0604030504040204" pitchFamily="34" charset="-120"/>
-              </a:rPr>
-              <a:t>現我天天敞開心窩</a:t>
-            </a:r>
-            <a:endParaRPr lang="en-US" altLang="zh-TW" sz="5400" b="1" dirty="0" smtClean="0">
-              <a:latin typeface="Microsoft JhengHei" panose="020B0604030504040204" pitchFamily="34" charset="-120"/>
-              <a:ea typeface="Microsoft JhengHei" panose="020B0604030504040204" pitchFamily="34" charset="-120"/>
-            </a:endParaRPr>
-          </a:p>
-          <a:p>
-            <a:pPr marL="0" indent="0" algn="ctr">
-              <a:buNone/>
-            </a:pPr>
-            <a:r>
-              <a:rPr lang="zh-TW" altLang="en-US" sz="5400" b="1" dirty="0" smtClean="0">
-                <a:latin typeface="Microsoft JhengHei" panose="020B0604030504040204" pitchFamily="34" charset="-120"/>
-                <a:ea typeface="Microsoft JhengHei" panose="020B0604030504040204" pitchFamily="34" charset="-120"/>
-              </a:rPr>
-              <a:t>放低心中千斤枷鎖</a:t>
-            </a:r>
-            <a:endParaRPr lang="en-US" altLang="zh-TW" sz="5400" b="1" dirty="0" smtClean="0">
-              <a:latin typeface="Microsoft JhengHei" panose="020B0604030504040204" pitchFamily="34" charset="-120"/>
-              <a:ea typeface="Microsoft JhengHei" panose="020B0604030504040204" pitchFamily="34" charset="-120"/>
-            </a:endParaRPr>
-          </a:p>
-          <a:p>
-            <a:pPr marL="0" indent="0" algn="ctr">
-              <a:buNone/>
-            </a:pPr>
-            <a:r>
-              <a:rPr lang="zh-TW" altLang="en-US" sz="5400" b="1" dirty="0" smtClean="0">
-                <a:latin typeface="Microsoft JhengHei" panose="020B0604030504040204" pitchFamily="34" charset="-120"/>
-                <a:ea typeface="Microsoft JhengHei" panose="020B0604030504040204" pitchFamily="34" charset="-120"/>
-              </a:rPr>
-              <a:t>細味神話語</a:t>
-            </a:r>
-            <a:endParaRPr lang="en-US" altLang="zh-TW" sz="5400" b="1" dirty="0" smtClean="0">
-              <a:latin typeface="Microsoft JhengHei" panose="020B0604030504040204" pitchFamily="34" charset="-120"/>
-              <a:ea typeface="Microsoft JhengHei" panose="020B0604030504040204" pitchFamily="34" charset="-120"/>
-            </a:endParaRPr>
-          </a:p>
-          <a:p>
-            <a:pPr marL="0" indent="0" algn="ctr">
-              <a:buNone/>
-            </a:pPr>
-            <a:r>
-              <a:rPr lang="zh-TW" altLang="en-US" sz="5400" b="1" dirty="0" smtClean="0">
-                <a:latin typeface="Microsoft JhengHei" panose="020B0604030504040204" pitchFamily="34" charset="-120"/>
-                <a:ea typeface="Microsoft JhengHei" panose="020B0604030504040204" pitchFamily="34" charset="-120"/>
-              </a:rPr>
-              <a:t>謹遵教誨細意思想</a:t>
-            </a:r>
-            <a:endParaRPr lang="zh-TW" altLang="en-US" sz="5400" b="1" dirty="0">
-              <a:latin typeface="Microsoft JhengHei" panose="020B0604030504040204" pitchFamily="34" charset="-120"/>
-              <a:ea typeface="Microsoft JhengHei" panose="020B0604030504040204" pitchFamily="34" charset="-120"/>
-            </a:endParaRPr>
-          </a:p>
-        </p:txBody>
-      </p:sp>
-    </p:spTree>
-    <p:extLst>
-      <p:ext uri="{BB962C8B-B14F-4D97-AF65-F5344CB8AC3E}">
-        <p14:creationId xmlns:p14="http://schemas.microsoft.com/office/powerpoint/2010/main" xmlns="" val="3981325392"/>
-      </p:ext>
-    </p:extLst>
-  </p:cSld>
-  <p:clrMapOvr>
-    <a:masterClrMapping/>
-  </p:clrMapOvr>
-  <p:timing>
-    <p:tnLst>
-      <p:par>
-        <p:cTn id="1" dur="indefinite" restart="never" nodeType="tmRoot"/>
-      </p:par>
-    </p:tnLst>
-  </p:timing>
 </p:sld>
 </file>
 
 <file path=ppt/theme/theme1.xml><?xml version="1.0" encoding="utf-8"?>
-<a:theme xmlns:a="http://schemas.openxmlformats.org/drawingml/2006/main" name="Office Theme">
+<a:theme xmlns:a="http://schemas.openxmlformats.org/drawingml/2006/main" name="Theme1">
   <a:themeElements>
-    <a:clrScheme name="Office Theme">
+    <a:clrScheme name="Office">
       <a:dk1>
         <a:sysClr val="windowText" lastClr="000000"/>
       </a:dk1>
@@ -4675,44 +4792,44 @@
         <a:sysClr val="window" lastClr="FFFFFF"/>
       </a:lt1>
       <a:dk2>
-        <a:srgbClr val="44546A"/>
+        <a:srgbClr val="1F497D"/>
       </a:dk2>
       <a:lt2>
-        <a:srgbClr val="E7E6E6"/>
+        <a:srgbClr val="EEECE1"/>
       </a:lt2>
       <a:accent1>
-        <a:srgbClr val="5B9BD5"/>
+        <a:srgbClr val="4F81BD"/>
       </a:accent1>
       <a:accent2>
-        <a:srgbClr val="ED7D31"/>
+        <a:srgbClr val="C0504D"/>
       </a:accent2>
       <a:accent3>
-        <a:srgbClr val="A5A5A5"/>
+        <a:srgbClr val="9BBB59"/>
       </a:accent3>
       <a:accent4>
-        <a:srgbClr val="FFC000"/>
+        <a:srgbClr val="8064A2"/>
       </a:accent4>
       <a:accent5>
-        <a:srgbClr val="4472C4"/>
+        <a:srgbClr val="4BACC6"/>
       </a:accent5>
       <a:accent6>
-        <a:srgbClr val="70AD47"/>
+        <a:srgbClr val="F79646"/>
       </a:accent6>
       <a:hlink>
-        <a:srgbClr val="0563C1"/>
+        <a:srgbClr val="0000FF"/>
       </a:hlink>
       <a:folHlink>
-        <a:srgbClr val="954F72"/>
+        <a:srgbClr val="800080"/>
       </a:folHlink>
     </a:clrScheme>
-    <a:fontScheme name="Office Theme">
+    <a:fontScheme name="Office">
       <a:majorFont>
-        <a:latin typeface="Calibri Light"/>
+        <a:latin typeface="Calibri"/>
         <a:ea typeface=""/>
         <a:cs typeface=""/>
-        <a:font script="Jpan" typeface="游ゴシック Light"/>
+        <a:font script="Jpan" typeface="ＭＳ Ｐゴシック"/>
         <a:font script="Hang" typeface="맑은 고딕"/>
-        <a:font script="Hans" typeface="等线 Light"/>
+        <a:font script="Hans" typeface="宋体"/>
         <a:font script="Hant" typeface="新細明體"/>
         <a:font script="Arab" typeface="Times New Roman"/>
         <a:font script="Hebr" typeface="Times New Roman"/>
@@ -4739,15 +4856,14 @@
         <a:font script="Mong" typeface="Mongolian Baiti"/>
         <a:font script="Viet" typeface="Times New Roman"/>
         <a:font script="Uigh" typeface="Microsoft Uighur"/>
-        <a:font script="Geor" typeface="Sylfaen"/>
       </a:majorFont>
       <a:minorFont>
         <a:latin typeface="Calibri"/>
         <a:ea typeface=""/>
         <a:cs typeface=""/>
-        <a:font script="Jpan" typeface="游ゴシック"/>
+        <a:font script="Jpan" typeface="ＭＳ Ｐゴシック"/>
         <a:font script="Hang" typeface="맑은 고딕"/>
-        <a:font script="Hans" typeface="等线"/>
+        <a:font script="Hans" typeface="宋体"/>
         <a:font script="Hant" typeface="新細明體"/>
         <a:font script="Arab" typeface="Arial"/>
         <a:font script="Hebr" typeface="Arial"/>
@@ -4774,10 +4890,9 @@
         <a:font script="Mong" typeface="Mongolian Baiti"/>
         <a:font script="Viet" typeface="Arial"/>
         <a:font script="Uigh" typeface="Microsoft Uighur"/>
-        <a:font script="Geor" typeface="Sylfaen"/>
       </a:minorFont>
     </a:fontScheme>
-    <a:fmtScheme name="Office Theme">
+    <a:fmtScheme name="Office">
       <a:fillStyleLst>
         <a:solidFill>
           <a:schemeClr val="phClr"/>
@@ -4786,131 +4901,160 @@
           <a:gsLst>
             <a:gs pos="0">
               <a:schemeClr val="phClr">
-                <a:lumMod val="110000"/>
-                <a:satMod val="105000"/>
-                <a:tint val="67000"/>
+                <a:tint val="50000"/>
+                <a:satMod val="300000"/>
               </a:schemeClr>
             </a:gs>
-            <a:gs pos="50000">
+            <a:gs pos="35000">
               <a:schemeClr val="phClr">
-                <a:lumMod val="105000"/>
-                <a:satMod val="103000"/>
-                <a:tint val="73000"/>
+                <a:tint val="37000"/>
+                <a:satMod val="300000"/>
               </a:schemeClr>
             </a:gs>
             <a:gs pos="100000">
               <a:schemeClr val="phClr">
-                <a:lumMod val="105000"/>
-                <a:satMod val="109000"/>
-                <a:tint val="81000"/>
+                <a:tint val="15000"/>
+                <a:satMod val="350000"/>
               </a:schemeClr>
             </a:gs>
           </a:gsLst>
-          <a:lin ang="5400000" scaled="0"/>
+          <a:lin ang="16200000" scaled="1"/>
         </a:gradFill>
         <a:gradFill rotWithShape="1">
           <a:gsLst>
             <a:gs pos="0">
               <a:schemeClr val="phClr">
-                <a:satMod val="103000"/>
-                <a:lumMod val="102000"/>
-                <a:tint val="94000"/>
+                <a:shade val="51000"/>
+                <a:satMod val="130000"/>
               </a:schemeClr>
             </a:gs>
-            <a:gs pos="50000">
+            <a:gs pos="80000">
               <a:schemeClr val="phClr">
-                <a:satMod val="110000"/>
-                <a:lumMod val="100000"/>
-                <a:shade val="100000"/>
+                <a:shade val="93000"/>
+                <a:satMod val="130000"/>
               </a:schemeClr>
             </a:gs>
             <a:gs pos="100000">
               <a:schemeClr val="phClr">
-                <a:lumMod val="99000"/>
-                <a:satMod val="120000"/>
-                <a:shade val="78000"/>
+                <a:shade val="94000"/>
+                <a:satMod val="135000"/>
               </a:schemeClr>
             </a:gs>
           </a:gsLst>
-          <a:lin ang="5400000" scaled="0"/>
+          <a:lin ang="16200000" scaled="0"/>
         </a:gradFill>
       </a:fillStyleLst>
       <a:lnStyleLst>
-        <a:ln w="6350" cap="flat" cmpd="sng" algn="ctr">
+        <a:ln w="9525" cap="flat" cmpd="sng" algn="ctr">
+          <a:solidFill>
+            <a:schemeClr val="phClr">
+              <a:shade val="95000"/>
+              <a:satMod val="105000"/>
+            </a:schemeClr>
+          </a:solidFill>
+          <a:prstDash val="solid"/>
+        </a:ln>
+        <a:ln w="25400" cap="flat" cmpd="sng" algn="ctr">
           <a:solidFill>
             <a:schemeClr val="phClr"/>
           </a:solidFill>
           <a:prstDash val="solid"/>
-          <a:miter lim="800000"/>
         </a:ln>
-        <a:ln w="12700" cap="flat" cmpd="sng" algn="ctr">
+        <a:ln w="38100" cap="flat" cmpd="sng" algn="ctr">
           <a:solidFill>
             <a:schemeClr val="phClr"/>
           </a:solidFill>
           <a:prstDash val="solid"/>
-          <a:miter lim="800000"/>
-        </a:ln>
-        <a:ln w="19050" cap="flat" cmpd="sng" algn="ctr">
-          <a:solidFill>
-            <a:schemeClr val="phClr"/>
-          </a:solidFill>
-          <a:prstDash val="solid"/>
-          <a:miter lim="800000"/>
         </a:ln>
       </a:lnStyleLst>
       <a:effectStyleLst>
         <a:effectStyle>
-          <a:effectLst/>
-        </a:effectStyle>
-        <a:effectStyle>
-          <a:effectLst/>
+          <a:effectLst>
+            <a:outerShdw blurRad="40000" dist="20000" dir="5400000" rotWithShape="0">
+              <a:srgbClr val="000000">
+                <a:alpha val="38000"/>
+              </a:srgbClr>
+            </a:outerShdw>
+          </a:effectLst>
         </a:effectStyle>
         <a:effectStyle>
           <a:effectLst>
-            <a:outerShdw blurRad="57150" dist="19050" dir="5400000" algn="ctr" rotWithShape="0">
+            <a:outerShdw blurRad="40000" dist="23000" dir="5400000" rotWithShape="0">
               <a:srgbClr val="000000">
-                <a:alpha val="63000"/>
+                <a:alpha val="35000"/>
               </a:srgbClr>
             </a:outerShdw>
           </a:effectLst>
+        </a:effectStyle>
+        <a:effectStyle>
+          <a:effectLst>
+            <a:outerShdw blurRad="40000" dist="23000" dir="5400000" rotWithShape="0">
+              <a:srgbClr val="000000">
+                <a:alpha val="35000"/>
+              </a:srgbClr>
+            </a:outerShdw>
+          </a:effectLst>
+          <a:scene3d>
+            <a:camera prst="orthographicFront">
+              <a:rot lat="0" lon="0" rev="0"/>
+            </a:camera>
+            <a:lightRig rig="threePt" dir="t">
+              <a:rot lat="0" lon="0" rev="1200000"/>
+            </a:lightRig>
+          </a:scene3d>
+          <a:sp3d>
+            <a:bevelT w="63500" h="25400"/>
+          </a:sp3d>
         </a:effectStyle>
       </a:effectStyleLst>
       <a:bgFillStyleLst>
         <a:solidFill>
           <a:schemeClr val="phClr"/>
         </a:solidFill>
-        <a:solidFill>
-          <a:schemeClr val="phClr">
-            <a:tint val="95000"/>
-            <a:satMod val="170000"/>
-          </a:schemeClr>
-        </a:solidFill>
         <a:gradFill rotWithShape="1">
           <a:gsLst>
             <a:gs pos="0">
               <a:schemeClr val="phClr">
-                <a:tint val="93000"/>
-                <a:satMod val="150000"/>
-                <a:shade val="98000"/>
-                <a:lumMod val="102000"/>
+                <a:tint val="40000"/>
+                <a:satMod val="350000"/>
               </a:schemeClr>
             </a:gs>
-            <a:gs pos="50000">
+            <a:gs pos="40000">
               <a:schemeClr val="phClr">
-                <a:tint val="98000"/>
-                <a:satMod val="130000"/>
-                <a:shade val="90000"/>
-                <a:lumMod val="103000"/>
+                <a:tint val="45000"/>
+                <a:shade val="99000"/>
+                <a:satMod val="350000"/>
               </a:schemeClr>
             </a:gs>
             <a:gs pos="100000">
               <a:schemeClr val="phClr">
-                <a:shade val="63000"/>
-                <a:satMod val="120000"/>
+                <a:shade val="20000"/>
+                <a:satMod val="255000"/>
               </a:schemeClr>
             </a:gs>
           </a:gsLst>
-          <a:lin ang="5400000" scaled="0"/>
+          <a:path path="circle">
+            <a:fillToRect l="50000" t="-80000" r="50000" b="180000"/>
+          </a:path>
+        </a:gradFill>
+        <a:gradFill rotWithShape="1">
+          <a:gsLst>
+            <a:gs pos="0">
+              <a:schemeClr val="phClr">
+                <a:tint val="80000"/>
+                <a:satMod val="300000"/>
+              </a:schemeClr>
+            </a:gs>
+            <a:gs pos="100000">
+              <a:schemeClr val="phClr">
+                <a:shade val="30000"/>
+                <a:satMod val="200000"/>
+              </a:schemeClr>
+            </a:gs>
+          </a:gsLst>
+          <a:path path="circle">
+            <a:fillToRect l="50000" t="50000" r="50000" b="50000"/>
+          </a:path>
         </a:gradFill>
       </a:bgFillStyleLst>
     </a:fmtScheme>
@@ -4919,7 +5063,7 @@
   <a:extraClrSchemeLst/>
   <a:extLst>
     <a:ext uri="{05A4C25C-085E-4340-85A3-A5531E510DB2}">
-      <thm15:themeFamily xmlns:thm15="http://schemas.microsoft.com/office/thememl/2012/main" xmlns="" name="Office Theme" id="{62F939B6-93AF-4DB8-9C6B-D6C7DFDC589F}" vid="{4A3C46E8-61CC-4603-A589-7422A47A8E4A}"/>
+      <thm15:themeFamily xmlns:thm15="http://schemas.microsoft.com/office/thememl/2012/main" name="Theme1" id="{1A8DE197-990E-4893-BF04-3823FBB50F9A}" vid="{430B7048-5A04-4BDB-939A-C7E865DB887B}"/>
     </a:ext>
   </a:extLst>
 </a:theme>

--- a/問我主恩有幾多.pptx
+++ b/問我主恩有幾多.pptx
@@ -5,11 +5,21 @@
     <p:sldMasterId id="2147483672" r:id="rId1"/>
   </p:sldMasterIdLst>
   <p:sldIdLst>
-    <p:sldId id="267" r:id="rId2"/>
-    <p:sldId id="268" r:id="rId3"/>
-    <p:sldId id="269" r:id="rId4"/>
-    <p:sldId id="270" r:id="rId5"/>
-    <p:sldId id="271" r:id="rId6"/>
+    <p:sldId id="256" r:id="rId2"/>
+    <p:sldId id="257" r:id="rId3"/>
+    <p:sldId id="258" r:id="rId4"/>
+    <p:sldId id="259" r:id="rId5"/>
+    <p:sldId id="260" r:id="rId6"/>
+    <p:sldId id="261" r:id="rId7"/>
+    <p:sldId id="262" r:id="rId8"/>
+    <p:sldId id="263" r:id="rId9"/>
+    <p:sldId id="264" r:id="rId10"/>
+    <p:sldId id="265" r:id="rId11"/>
+    <p:sldId id="266" r:id="rId12"/>
+    <p:sldId id="267" r:id="rId13"/>
+    <p:sldId id="268" r:id="rId14"/>
+    <p:sldId id="269" r:id="rId15"/>
+    <p:sldId id="270" r:id="rId16"/>
   </p:sldIdLst>
   <p:sldSz cx="12192000" cy="6858000"/>
   <p:notesSz cx="6858000" cy="9144000"/>
@@ -309,7 +319,7 @@
             <a:fld id="{9898E65E-5E56-4F09-9AEE-13AF2F5B087E}" type="datetimeFigureOut">
               <a:rPr lang="en-US" smtClean="0"/>
               <a:pPr/>
-              <a:t>10/22/2020</a:t>
+              <a:t>12/30/2020</a:t>
             </a:fld>
             <a:endParaRPr lang="en-US"/>
           </a:p>
@@ -481,7 +491,7 @@
             <a:fld id="{9898E65E-5E56-4F09-9AEE-13AF2F5B087E}" type="datetimeFigureOut">
               <a:rPr lang="en-US" smtClean="0"/>
               <a:pPr/>
-              <a:t>10/22/2020</a:t>
+              <a:t>12/30/2020</a:t>
             </a:fld>
             <a:endParaRPr lang="en-US"/>
           </a:p>
@@ -663,7 +673,7 @@
             <a:fld id="{9898E65E-5E56-4F09-9AEE-13AF2F5B087E}" type="datetimeFigureOut">
               <a:rPr lang="en-US" smtClean="0"/>
               <a:pPr/>
-              <a:t>10/22/2020</a:t>
+              <a:t>12/30/2020</a:t>
             </a:fld>
             <a:endParaRPr lang="en-US"/>
           </a:p>
@@ -835,7 +845,7 @@
             <a:fld id="{9898E65E-5E56-4F09-9AEE-13AF2F5B087E}" type="datetimeFigureOut">
               <a:rPr lang="en-US" smtClean="0"/>
               <a:pPr/>
-              <a:t>10/22/2020</a:t>
+              <a:t>12/30/2020</a:t>
             </a:fld>
             <a:endParaRPr lang="en-US"/>
           </a:p>
@@ -1083,7 +1093,7 @@
             <a:fld id="{9898E65E-5E56-4F09-9AEE-13AF2F5B087E}" type="datetimeFigureOut">
               <a:rPr lang="en-US" smtClean="0"/>
               <a:pPr/>
-              <a:t>10/22/2020</a:t>
+              <a:t>12/30/2020</a:t>
             </a:fld>
             <a:endParaRPr lang="en-US"/>
           </a:p>
@@ -1373,7 +1383,7 @@
             <a:fld id="{9898E65E-5E56-4F09-9AEE-13AF2F5B087E}" type="datetimeFigureOut">
               <a:rPr lang="en-US" smtClean="0"/>
               <a:pPr/>
-              <a:t>10/22/2020</a:t>
+              <a:t>12/30/2020</a:t>
             </a:fld>
             <a:endParaRPr lang="en-US"/>
           </a:p>
@@ -1797,7 +1807,7 @@
             <a:fld id="{9898E65E-5E56-4F09-9AEE-13AF2F5B087E}" type="datetimeFigureOut">
               <a:rPr lang="en-US" smtClean="0"/>
               <a:pPr/>
-              <a:t>10/22/2020</a:t>
+              <a:t>12/30/2020</a:t>
             </a:fld>
             <a:endParaRPr lang="en-US"/>
           </a:p>
@@ -1917,7 +1927,7 @@
             <a:fld id="{9898E65E-5E56-4F09-9AEE-13AF2F5B087E}" type="datetimeFigureOut">
               <a:rPr lang="en-US" smtClean="0"/>
               <a:pPr/>
-              <a:t>10/22/2020</a:t>
+              <a:t>12/30/2020</a:t>
             </a:fld>
             <a:endParaRPr lang="en-US"/>
           </a:p>
@@ -2014,7 +2024,7 @@
             <a:fld id="{9898E65E-5E56-4F09-9AEE-13AF2F5B087E}" type="datetimeFigureOut">
               <a:rPr lang="en-US" smtClean="0"/>
               <a:pPr/>
-              <a:t>10/22/2020</a:t>
+              <a:t>12/30/2020</a:t>
             </a:fld>
             <a:endParaRPr lang="en-US"/>
           </a:p>
@@ -2293,7 +2303,7 @@
             <a:fld id="{9898E65E-5E56-4F09-9AEE-13AF2F5B087E}" type="datetimeFigureOut">
               <a:rPr lang="en-US" smtClean="0"/>
               <a:pPr/>
-              <a:t>10/22/2020</a:t>
+              <a:t>12/30/2020</a:t>
             </a:fld>
             <a:endParaRPr lang="en-US"/>
           </a:p>
@@ -2552,7 +2562,7 @@
             <a:fld id="{9898E65E-5E56-4F09-9AEE-13AF2F5B087E}" type="datetimeFigureOut">
               <a:rPr lang="en-US" smtClean="0"/>
               <a:pPr/>
-              <a:t>10/22/2020</a:t>
+              <a:t>12/30/2020</a:t>
             </a:fld>
             <a:endParaRPr lang="en-US"/>
           </a:p>
@@ -2772,7 +2782,7 @@
             <a:fld id="{9898E65E-5E56-4F09-9AEE-13AF2F5B087E}" type="datetimeFigureOut">
               <a:rPr lang="en-US" smtClean="0"/>
               <a:pPr/>
-              <a:t>10/22/2020</a:t>
+              <a:t>12/30/2020</a:t>
             </a:fld>
             <a:endParaRPr lang="en-US"/>
           </a:p>
@@ -3150,7 +3160,7 @@
       </p:grpSpPr>
       <p:sp>
         <p:nvSpPr>
-          <p:cNvPr id="4" name="Title 3"/>
+          <p:cNvPr id="4" name="標題 3"/>
           <p:cNvSpPr>
             <a:spLocks noGrp="1"/>
           </p:cNvSpPr>
@@ -3158,24 +3168,121 @@
             <p:ph type="title"/>
           </p:nvPr>
         </p:nvSpPr>
-        <p:spPr/>
+        <p:spPr>
+          <a:xfrm>
+            <a:off x="0" y="2857513"/>
+            <a:ext cx="12192000" cy="1143000"/>
+          </a:xfrm>
+        </p:spPr>
         <p:txBody>
           <a:bodyPr>
+            <a:noAutofit/>
+          </a:bodyPr>
+          <a:lstStyle/>
+          <a:p>
+            <a:r>
+              <a:rPr lang="zh-TW" altLang="en-US" sz="7200" b="1" i="1" dirty="0" smtClean="0">
+                <a:solidFill>
+                  <a:srgbClr val="660033"/>
+                </a:solidFill>
+                <a:effectLst>
+                  <a:outerShdw blurRad="38100" dist="38100" dir="2700000" algn="tl">
+                    <a:srgbClr val="000000">
+                      <a:alpha val="43137"/>
+                    </a:srgbClr>
+                  </a:outerShdw>
+                </a:effectLst>
+                <a:latin typeface="微軟正黑體" pitchFamily="34" charset="-120"/>
+                <a:ea typeface="微軟正黑體" pitchFamily="34" charset="-120"/>
+              </a:rPr>
+              <a:t>問</a:t>
+            </a:r>
+            <a:r>
+              <a:rPr lang="zh-TW" altLang="en-US" sz="7200" b="1" i="1" dirty="0">
+                <a:solidFill>
+                  <a:srgbClr val="660033"/>
+                </a:solidFill>
+                <a:effectLst>
+                  <a:outerShdw blurRad="38100" dist="38100" dir="2700000" algn="tl">
+                    <a:srgbClr val="000000">
+                      <a:alpha val="43137"/>
+                    </a:srgbClr>
+                  </a:outerShdw>
+                </a:effectLst>
+                <a:latin typeface="微軟正黑體" pitchFamily="34" charset="-120"/>
+                <a:ea typeface="微軟正黑體" pitchFamily="34" charset="-120"/>
+              </a:rPr>
+              <a:t>我主恩有幾多</a:t>
+            </a:r>
+          </a:p>
+        </p:txBody>
+      </p:sp>
+    </p:spTree>
+    <p:extLst>
+      <p:ext uri="{BB962C8B-B14F-4D97-AF65-F5344CB8AC3E}">
+        <p14:creationId xmlns:p14="http://schemas.microsoft.com/office/powerpoint/2010/main" val="2396901167"/>
+      </p:ext>
+    </p:extLst>
+  </p:cSld>
+  <p:clrMapOvr>
+    <a:masterClrMapping/>
+  </p:clrMapOvr>
+</p:sld>
+</file>
+
+<file path=ppt/slides/slide10.xml><?xml version="1.0" encoding="utf-8"?>
+<p:sld xmlns:a="http://schemas.openxmlformats.org/drawingml/2006/main" xmlns:r="http://schemas.openxmlformats.org/officeDocument/2006/relationships" xmlns:p="http://schemas.openxmlformats.org/presentationml/2006/main">
+  <p:cSld>
+    <p:spTree>
+      <p:nvGrpSpPr>
+        <p:cNvPr id="1" name=""/>
+        <p:cNvGrpSpPr/>
+        <p:nvPr/>
+      </p:nvGrpSpPr>
+      <p:grpSpPr>
+        <a:xfrm>
+          <a:off x="0" y="0"/>
+          <a:ext cx="0" cy="0"/>
+          <a:chOff x="0" y="0"/>
+          <a:chExt cx="0" cy="0"/>
+        </a:xfrm>
+      </p:grpSpPr>
+      <p:sp>
+        <p:nvSpPr>
+          <p:cNvPr id="5" name="內容版面配置區 4"/>
+          <p:cNvSpPr>
+            <a:spLocks noGrp="1"/>
+          </p:cNvSpPr>
+          <p:nvPr>
+            <p:ph idx="1"/>
+          </p:nvPr>
+        </p:nvSpPr>
+        <p:spPr>
+          <a:xfrm>
+            <a:off x="0" y="2084851"/>
+            <a:ext cx="12192000" cy="2404863"/>
+          </a:xfrm>
+        </p:spPr>
+        <p:txBody>
+          <a:bodyPr anchor="ctr">
             <a:normAutofit/>
           </a:bodyPr>
           <a:lstStyle/>
           <a:p>
-            <a:r>
-              <a:rPr lang="zh-TW" altLang="en-US" sz="4800" b="1" dirty="0">
+            <a:pPr marL="0" indent="0" algn="ctr">
+              <a:buNone/>
+            </a:pPr>
+            <a:r>
+              <a:rPr lang="zh-TW" altLang="en-US" sz="6400" b="1" dirty="0">
                 <a:solidFill>
                   <a:srgbClr val="660033"/>
                 </a:solidFill>
                 <a:latin typeface="Microsoft JhengHei" panose="020B0604030504040204" pitchFamily="34" charset="-120"/>
                 <a:ea typeface="Microsoft JhengHei" panose="020B0604030504040204" pitchFamily="34" charset="-120"/>
               </a:rPr>
-              <a:t>問我主恩有幾多</a:t>
-            </a:r>
-            <a:endParaRPr lang="en-US" altLang="zh-CN" sz="4800" b="1" dirty="0">
+              <a:t>回望已過去的我</a:t>
+            </a:r>
+            <a:endParaRPr lang="en-US" altLang="zh-TW" sz="6400" b="1" dirty="0">
               <a:solidFill>
                 <a:srgbClr val="660033"/>
               </a:solidFill>
@@ -3183,39 +3290,21 @@
               <a:ea typeface="Microsoft JhengHei" panose="020B0604030504040204" pitchFamily="34" charset="-120"/>
             </a:endParaRPr>
           </a:p>
-        </p:txBody>
-      </p:sp>
-      <p:sp>
-        <p:nvSpPr>
-          <p:cNvPr id="5" name="Content Placeholder 4"/>
-          <p:cNvSpPr>
-            <a:spLocks noGrp="1"/>
-          </p:cNvSpPr>
-          <p:nvPr>
-            <p:ph idx="1"/>
-          </p:nvPr>
-        </p:nvSpPr>
-        <p:spPr/>
-        <p:txBody>
-          <a:bodyPr>
-            <a:noAutofit/>
-          </a:bodyPr>
-          <a:lstStyle/>
           <a:p>
             <a:pPr marL="0" indent="0" algn="ctr">
               <a:buNone/>
             </a:pPr>
             <a:r>
-              <a:rPr lang="zh-TW" altLang="en-US" sz="5400" b="1" dirty="0">
+              <a:rPr lang="zh-TW" altLang="en-US" sz="6400" b="1" dirty="0">
                 <a:solidFill>
                   <a:srgbClr val="660033"/>
                 </a:solidFill>
                 <a:latin typeface="Microsoft JhengHei" panose="020B0604030504040204" pitchFamily="34" charset="-120"/>
                 <a:ea typeface="Microsoft JhengHei" panose="020B0604030504040204" pitchFamily="34" charset="-120"/>
               </a:rPr>
-              <a:t>問我主恩典有幾多</a:t>
-            </a:r>
-            <a:endParaRPr lang="en-US" altLang="zh-TW" sz="5400" b="1" dirty="0">
+              <a:t>像幽容走過  愁  憎  厭煩</a:t>
+            </a:r>
+            <a:endParaRPr lang="en-US" altLang="zh-TW" sz="6400" b="1" dirty="0">
               <a:solidFill>
                 <a:srgbClr val="660033"/>
               </a:solidFill>
@@ -3223,21 +3312,120 @@
               <a:ea typeface="Microsoft JhengHei" panose="020B0604030504040204" pitchFamily="34" charset="-120"/>
             </a:endParaRPr>
           </a:p>
+        </p:txBody>
+      </p:sp>
+      <p:sp>
+        <p:nvSpPr>
+          <p:cNvPr id="2" name="TextBox 1"/>
+          <p:cNvSpPr txBox="1"/>
+          <p:nvPr/>
+        </p:nvSpPr>
+        <p:spPr>
+          <a:xfrm>
+            <a:off x="144379" y="2303702"/>
+            <a:ext cx="1042737" cy="1107996"/>
+          </a:xfrm>
+          <a:prstGeom prst="rect">
+            <a:avLst/>
+          </a:prstGeom>
+          <a:noFill/>
+        </p:spPr>
+        <p:txBody>
+          <a:bodyPr wrap="square" rtlCol="0">
+            <a:spAutoFit/>
+          </a:bodyPr>
+          <a:lstStyle/>
+          <a:p>
+            <a:r>
+              <a:rPr lang="en-US" sz="6600" b="1" dirty="0">
+                <a:solidFill>
+                  <a:srgbClr val="660033"/>
+                </a:solidFill>
+              </a:rPr>
+              <a:t>2</a:t>
+            </a:r>
+            <a:r>
+              <a:rPr lang="en-US" sz="6600" b="1" dirty="0" smtClean="0">
+                <a:solidFill>
+                  <a:srgbClr val="660033"/>
+                </a:solidFill>
+              </a:rPr>
+              <a:t>.</a:t>
+            </a:r>
+            <a:endParaRPr lang="vi-VN" sz="6600" b="1" dirty="0">
+              <a:solidFill>
+                <a:srgbClr val="660033"/>
+              </a:solidFill>
+            </a:endParaRPr>
+          </a:p>
+        </p:txBody>
+      </p:sp>
+    </p:spTree>
+    <p:extLst>
+      <p:ext uri="{BB962C8B-B14F-4D97-AF65-F5344CB8AC3E}">
+        <p14:creationId xmlns:p14="http://schemas.microsoft.com/office/powerpoint/2010/main" val="3286451263"/>
+      </p:ext>
+    </p:extLst>
+  </p:cSld>
+  <p:clrMapOvr>
+    <a:masterClrMapping/>
+  </p:clrMapOvr>
+</p:sld>
+</file>
+
+<file path=ppt/slides/slide11.xml><?xml version="1.0" encoding="utf-8"?>
+<p:sld xmlns:a="http://schemas.openxmlformats.org/drawingml/2006/main" xmlns:r="http://schemas.openxmlformats.org/officeDocument/2006/relationships" xmlns:p="http://schemas.openxmlformats.org/presentationml/2006/main">
+  <p:cSld>
+    <p:spTree>
+      <p:nvGrpSpPr>
+        <p:cNvPr id="1" name=""/>
+        <p:cNvGrpSpPr/>
+        <p:nvPr/>
+      </p:nvGrpSpPr>
+      <p:grpSpPr>
+        <a:xfrm>
+          <a:off x="0" y="0"/>
+          <a:ext cx="0" cy="0"/>
+          <a:chOff x="0" y="0"/>
+          <a:chExt cx="0" cy="0"/>
+        </a:xfrm>
+      </p:grpSpPr>
+      <p:sp>
+        <p:nvSpPr>
+          <p:cNvPr id="5" name="內容版面配置區 4"/>
+          <p:cNvSpPr>
+            <a:spLocks noGrp="1"/>
+          </p:cNvSpPr>
+          <p:nvPr>
+            <p:ph idx="1"/>
+          </p:nvPr>
+        </p:nvSpPr>
+        <p:spPr>
+          <a:xfrm>
+            <a:off x="0" y="2084851"/>
+            <a:ext cx="12192000" cy="2404863"/>
+          </a:xfrm>
+        </p:spPr>
+        <p:txBody>
+          <a:bodyPr anchor="ctr">
+            <a:normAutofit/>
+          </a:bodyPr>
+          <a:lstStyle/>
           <a:p>
             <a:pPr marL="0" indent="0" algn="ctr">
               <a:buNone/>
             </a:pPr>
             <a:r>
-              <a:rPr lang="zh-TW" altLang="en-US" sz="5400" b="1" dirty="0">
+              <a:rPr lang="zh-TW" altLang="en-US" sz="6400" b="1" dirty="0">
                 <a:solidFill>
                   <a:srgbClr val="660033"/>
                 </a:solidFill>
                 <a:latin typeface="Microsoft JhengHei" panose="020B0604030504040204" pitchFamily="34" charset="-120"/>
                 <a:ea typeface="Microsoft JhengHei" panose="020B0604030504040204" pitchFamily="34" charset="-120"/>
               </a:rPr>
-              <a:t>究竟主恩典有幾多</a:t>
-            </a:r>
-            <a:endParaRPr lang="en-US" altLang="zh-TW" sz="5400" b="1" dirty="0">
+              <a:t>恨怨多  憑著信懊悔改過</a:t>
+            </a:r>
+            <a:endParaRPr lang="en-US" altLang="zh-TW" sz="6400" b="1" dirty="0">
               <a:solidFill>
                 <a:srgbClr val="660033"/>
               </a:solidFill>
@@ -3250,26 +3438,130 @@
               <a:buNone/>
             </a:pPr>
             <a:r>
-              <a:rPr lang="zh-TW" altLang="en-US" sz="5400" b="1" dirty="0">
+              <a:rPr lang="zh-TW" altLang="en-US" sz="6400" b="1" dirty="0">
                 <a:solidFill>
                   <a:srgbClr val="660033"/>
                 </a:solidFill>
                 <a:latin typeface="Microsoft JhengHei" panose="020B0604030504040204" pitchFamily="34" charset="-120"/>
                 <a:ea typeface="Microsoft JhengHei" panose="020B0604030504040204" pitchFamily="34" charset="-120"/>
               </a:rPr>
-              <a:t>我如何能夠一一去數清</a:t>
-            </a:r>
-            <a:r>
-              <a:rPr lang="zh-TW" altLang="en-US" sz="5400" b="1" dirty="0">
+              <a:t>天天開心過  求主聖靈更新我</a:t>
+            </a:r>
+          </a:p>
+        </p:txBody>
+      </p:sp>
+      <p:sp>
+        <p:nvSpPr>
+          <p:cNvPr id="2" name="TextBox 1"/>
+          <p:cNvSpPr txBox="1"/>
+          <p:nvPr/>
+        </p:nvSpPr>
+        <p:spPr>
+          <a:xfrm>
+            <a:off x="144379" y="2303702"/>
+            <a:ext cx="1042737" cy="1107996"/>
+          </a:xfrm>
+          <a:prstGeom prst="rect">
+            <a:avLst/>
+          </a:prstGeom>
+          <a:noFill/>
+        </p:spPr>
+        <p:txBody>
+          <a:bodyPr wrap="square" rtlCol="0">
+            <a:spAutoFit/>
+          </a:bodyPr>
+          <a:lstStyle/>
+          <a:p>
+            <a:r>
+              <a:rPr lang="en-US" sz="6600" b="1" dirty="0">
+                <a:solidFill>
+                  <a:srgbClr val="660033"/>
+                </a:solidFill>
+              </a:rPr>
+              <a:t>2</a:t>
+            </a:r>
+            <a:r>
+              <a:rPr lang="en-US" sz="6600" b="1" dirty="0" smtClean="0">
+                <a:solidFill>
+                  <a:srgbClr val="660033"/>
+                </a:solidFill>
+              </a:rPr>
+              <a:t>.</a:t>
+            </a:r>
+            <a:endParaRPr lang="vi-VN" sz="6600" b="1" dirty="0">
+              <a:solidFill>
+                <a:srgbClr val="660033"/>
+              </a:solidFill>
+            </a:endParaRPr>
+          </a:p>
+        </p:txBody>
+      </p:sp>
+    </p:spTree>
+    <p:extLst>
+      <p:ext uri="{BB962C8B-B14F-4D97-AF65-F5344CB8AC3E}">
+        <p14:creationId xmlns:p14="http://schemas.microsoft.com/office/powerpoint/2010/main" val="2543180607"/>
+      </p:ext>
+    </p:extLst>
+  </p:cSld>
+  <p:clrMapOvr>
+    <a:masterClrMapping/>
+  </p:clrMapOvr>
+</p:sld>
+</file>
+
+<file path=ppt/slides/slide12.xml><?xml version="1.0" encoding="utf-8"?>
+<p:sld xmlns:a="http://schemas.openxmlformats.org/drawingml/2006/main" xmlns:r="http://schemas.openxmlformats.org/officeDocument/2006/relationships" xmlns:p="http://schemas.openxmlformats.org/presentationml/2006/main">
+  <p:cSld>
+    <p:spTree>
+      <p:nvGrpSpPr>
+        <p:cNvPr id="1" name=""/>
+        <p:cNvGrpSpPr/>
+        <p:nvPr/>
+      </p:nvGrpSpPr>
+      <p:grpSpPr>
+        <a:xfrm>
+          <a:off x="0" y="0"/>
+          <a:ext cx="0" cy="0"/>
+          <a:chOff x="0" y="0"/>
+          <a:chExt cx="0" cy="0"/>
+        </a:xfrm>
+      </p:grpSpPr>
+      <p:sp>
+        <p:nvSpPr>
+          <p:cNvPr id="5" name="內容版面配置區 4"/>
+          <p:cNvSpPr>
+            <a:spLocks noGrp="1"/>
+          </p:cNvSpPr>
+          <p:nvPr>
+            <p:ph idx="1"/>
+          </p:nvPr>
+        </p:nvSpPr>
+        <p:spPr>
+          <a:xfrm>
+            <a:off x="0" y="2084851"/>
+            <a:ext cx="12192000" cy="2404863"/>
+          </a:xfrm>
+        </p:spPr>
+        <p:txBody>
+          <a:bodyPr anchor="ctr">
+            <a:normAutofit/>
+          </a:bodyPr>
+          <a:lstStyle/>
+          <a:p>
+            <a:pPr marL="0" indent="0" algn="ctr">
+              <a:buNone/>
+            </a:pPr>
+            <a:r>
+              <a:rPr lang="zh-TW" altLang="en-US" sz="6400" b="1" dirty="0">
                 <a:solidFill>
                   <a:srgbClr val="660033"/>
                 </a:solidFill>
                 <a:latin typeface="Microsoft JhengHei" panose="020B0604030504040204" pitchFamily="34" charset="-120"/>
                 <a:ea typeface="Microsoft JhengHei" panose="020B0604030504040204" pitchFamily="34" charset="-120"/>
               </a:rPr>
-              <a:t>楚</a:t>
-            </a:r>
-            <a:endParaRPr lang="en-US" altLang="zh-TW" sz="5400" b="1" dirty="0">
+              <a:t>現我天天敞開心窩</a:t>
+            </a:r>
+            <a:endParaRPr lang="en-US" altLang="zh-TW" sz="6400" b="1" dirty="0">
               <a:solidFill>
                 <a:srgbClr val="660033"/>
               </a:solidFill>
@@ -3282,56 +3574,16 @@
               <a:buNone/>
             </a:pPr>
             <a:r>
-              <a:rPr lang="zh-TW" altLang="en-US" sz="5400" b="1" dirty="0">
+              <a:rPr lang="zh-TW" altLang="en-US" sz="6400" b="1" dirty="0">
                 <a:solidFill>
                   <a:srgbClr val="660033"/>
                 </a:solidFill>
                 <a:latin typeface="Microsoft JhengHei" panose="020B0604030504040204" pitchFamily="34" charset="-120"/>
                 <a:ea typeface="Microsoft JhengHei" panose="020B0604030504040204" pitchFamily="34" charset="-120"/>
               </a:rPr>
-              <a:t>問我點解會高</a:t>
-            </a:r>
-            <a:r>
-              <a:rPr lang="zh-TW" altLang="en-US" sz="5400" b="1" dirty="0">
-                <a:solidFill>
-                  <a:srgbClr val="660033"/>
-                </a:solidFill>
-                <a:latin typeface="Microsoft JhengHei" panose="020B0604030504040204" pitchFamily="34" charset="-120"/>
-                <a:ea typeface="Microsoft JhengHei" panose="020B0604030504040204" pitchFamily="34" charset="-120"/>
-              </a:rPr>
-              <a:t>興</a:t>
-            </a:r>
-            <a:r>
-              <a:rPr lang="en-US" altLang="zh-TW" sz="5400" b="1" dirty="0">
-                <a:solidFill>
-                  <a:srgbClr val="660033"/>
-                </a:solidFill>
-                <a:latin typeface="Microsoft JhengHei" panose="020B0604030504040204" pitchFamily="34" charset="-120"/>
-                <a:ea typeface="Microsoft JhengHei" panose="020B0604030504040204" pitchFamily="34" charset="-120"/>
-              </a:rPr>
-              <a:t>  </a:t>
-            </a:r>
-            <a:r>
-              <a:rPr lang="zh-TW" altLang="en-US" sz="5400" b="1" dirty="0">
-                <a:solidFill>
-                  <a:srgbClr val="660033"/>
-                </a:solidFill>
-                <a:latin typeface="Microsoft JhengHei" panose="020B0604030504040204" pitchFamily="34" charset="-120"/>
-                <a:ea typeface="Microsoft JhengHei" panose="020B0604030504040204" pitchFamily="34" charset="-120"/>
-              </a:rPr>
-              <a:t>究</a:t>
-            </a:r>
-            <a:r>
-              <a:rPr lang="zh-TW" altLang="en-US" sz="5400" b="1" dirty="0">
-                <a:solidFill>
-                  <a:srgbClr val="660033"/>
-                </a:solidFill>
-                <a:latin typeface="Microsoft JhengHei" panose="020B0604030504040204" pitchFamily="34" charset="-120"/>
-                <a:ea typeface="Microsoft JhengHei" panose="020B0604030504040204" pitchFamily="34" charset="-120"/>
-              </a:rPr>
-              <a:t>竟點解無苦楚</a:t>
-            </a:r>
-            <a:endParaRPr lang="en-US" altLang="zh-TW" sz="5400" b="1" dirty="0">
+              <a:t>放低心中千斤枷鎖</a:t>
+            </a:r>
+            <a:endParaRPr lang="en-US" altLang="zh-TW" sz="6400" b="1" dirty="0">
               <a:solidFill>
                 <a:srgbClr val="660033"/>
               </a:solidFill>
@@ -3339,75 +3591,518 @@
               <a:ea typeface="Microsoft JhengHei" panose="020B0604030504040204" pitchFamily="34" charset="-120"/>
             </a:endParaRPr>
           </a:p>
-          <a:p>
-            <a:pPr marL="0" indent="0" algn="ctr">
-              <a:buNone/>
-            </a:pPr>
-            <a:r>
-              <a:rPr lang="zh-TW" altLang="en-US" sz="5400" b="1" dirty="0">
-                <a:solidFill>
-                  <a:srgbClr val="660033"/>
-                </a:solidFill>
-                <a:latin typeface="Microsoft JhengHei" panose="020B0604030504040204" pitchFamily="34" charset="-120"/>
-                <a:ea typeface="Microsoft JhengHei" panose="020B0604030504040204" pitchFamily="34" charset="-120"/>
-              </a:rPr>
-              <a:t>我笑住回答講一聲主</a:t>
-            </a:r>
-            <a:r>
-              <a:rPr lang="zh-TW" altLang="en-US" sz="5400" b="1" dirty="0">
-                <a:solidFill>
-                  <a:srgbClr val="660033"/>
-                </a:solidFill>
-                <a:latin typeface="Microsoft JhengHei" panose="020B0604030504040204" pitchFamily="34" charset="-120"/>
-                <a:ea typeface="Microsoft JhengHei" panose="020B0604030504040204" pitchFamily="34" charset="-120"/>
-              </a:rPr>
-              <a:t>愛我</a:t>
-            </a:r>
-          </a:p>
-        </p:txBody>
-      </p:sp>
-      <p:sp>
-        <p:nvSpPr>
-          <p:cNvPr id="6" name="Text Box 1"/>
+        </p:txBody>
+      </p:sp>
+      <p:sp>
+        <p:nvSpPr>
+          <p:cNvPr id="2" name="TextBox 1"/>
           <p:cNvSpPr txBox="1"/>
           <p:nvPr/>
         </p:nvSpPr>
         <p:spPr>
           <a:xfrm>
-            <a:off x="609600" y="1723668"/>
-            <a:ext cx="1055440" cy="923330"/>
+            <a:off x="144379" y="2303702"/>
+            <a:ext cx="1042737" cy="1107996"/>
           </a:xfrm>
           <a:prstGeom prst="rect">
             <a:avLst/>
           </a:prstGeom>
           <a:noFill/>
-          <a:ln w="9525">
-            <a:noFill/>
-            <a:miter lim="800000"/>
-          </a:ln>
         </p:spPr>
         <p:txBody>
-          <a:bodyPr wrap="square">
+          <a:bodyPr wrap="square" rtlCol="0">
             <a:spAutoFit/>
           </a:bodyPr>
           <a:lstStyle/>
           <a:p>
-            <a:pPr algn="ctr"/>
-            <a:r>
-              <a:rPr lang="en-US" sz="5400" b="1" dirty="0">
-                <a:solidFill>
-                  <a:srgbClr val="660033"/>
-                </a:solidFill>
-              </a:rPr>
-              <a:t>1.</a:t>
-            </a:r>
+            <a:r>
+              <a:rPr lang="en-US" sz="6600" b="1" dirty="0" smtClean="0">
+                <a:solidFill>
+                  <a:srgbClr val="660033"/>
+                </a:solidFill>
+              </a:rPr>
+              <a:t>3.</a:t>
+            </a:r>
+            <a:endParaRPr lang="vi-VN" sz="6600" b="1" dirty="0">
+              <a:solidFill>
+                <a:srgbClr val="660033"/>
+              </a:solidFill>
+            </a:endParaRPr>
           </a:p>
         </p:txBody>
       </p:sp>
     </p:spTree>
     <p:extLst>
       <p:ext uri="{BB962C8B-B14F-4D97-AF65-F5344CB8AC3E}">
-        <p14:creationId xmlns:p14="http://schemas.microsoft.com/office/powerpoint/2010/main" val="2548024838"/>
+        <p14:creationId xmlns:p14="http://schemas.microsoft.com/office/powerpoint/2010/main" val="2906025053"/>
+      </p:ext>
+    </p:extLst>
+  </p:cSld>
+  <p:clrMapOvr>
+    <a:masterClrMapping/>
+  </p:clrMapOvr>
+</p:sld>
+</file>
+
+<file path=ppt/slides/slide13.xml><?xml version="1.0" encoding="utf-8"?>
+<p:sld xmlns:a="http://schemas.openxmlformats.org/drawingml/2006/main" xmlns:r="http://schemas.openxmlformats.org/officeDocument/2006/relationships" xmlns:p="http://schemas.openxmlformats.org/presentationml/2006/main">
+  <p:cSld>
+    <p:spTree>
+      <p:nvGrpSpPr>
+        <p:cNvPr id="1" name=""/>
+        <p:cNvGrpSpPr/>
+        <p:nvPr/>
+      </p:nvGrpSpPr>
+      <p:grpSpPr>
+        <a:xfrm>
+          <a:off x="0" y="0"/>
+          <a:ext cx="0" cy="0"/>
+          <a:chOff x="0" y="0"/>
+          <a:chExt cx="0" cy="0"/>
+        </a:xfrm>
+      </p:grpSpPr>
+      <p:sp>
+        <p:nvSpPr>
+          <p:cNvPr id="5" name="內容版面配置區 4"/>
+          <p:cNvSpPr>
+            <a:spLocks noGrp="1"/>
+          </p:cNvSpPr>
+          <p:nvPr>
+            <p:ph idx="1"/>
+          </p:nvPr>
+        </p:nvSpPr>
+        <p:spPr>
+          <a:xfrm>
+            <a:off x="0" y="2084851"/>
+            <a:ext cx="12192000" cy="2404863"/>
+          </a:xfrm>
+        </p:spPr>
+        <p:txBody>
+          <a:bodyPr anchor="ctr">
+            <a:normAutofit/>
+          </a:bodyPr>
+          <a:lstStyle/>
+          <a:p>
+            <a:pPr marL="0" indent="0" algn="ctr">
+              <a:buNone/>
+            </a:pPr>
+            <a:r>
+              <a:rPr lang="zh-TW" altLang="en-US" sz="6400" b="1" dirty="0">
+                <a:solidFill>
+                  <a:srgbClr val="660033"/>
+                </a:solidFill>
+                <a:latin typeface="Microsoft JhengHei" panose="020B0604030504040204" pitchFamily="34" charset="-120"/>
+                <a:ea typeface="Microsoft JhengHei" panose="020B0604030504040204" pitchFamily="34" charset="-120"/>
+              </a:rPr>
+              <a:t>細味神話</a:t>
+            </a:r>
+            <a:r>
+              <a:rPr lang="zh-TW" altLang="en-US" sz="6400" b="1" dirty="0">
+                <a:solidFill>
+                  <a:srgbClr val="660033"/>
+                </a:solidFill>
+                <a:latin typeface="Microsoft JhengHei" panose="020B0604030504040204" pitchFamily="34" charset="-120"/>
+                <a:ea typeface="Microsoft JhengHei" panose="020B0604030504040204" pitchFamily="34" charset="-120"/>
+              </a:rPr>
+              <a:t>語</a:t>
+            </a:r>
+            <a:endParaRPr lang="en-US" altLang="zh-TW" sz="6400" b="1" dirty="0">
+              <a:solidFill>
+                <a:srgbClr val="660033"/>
+              </a:solidFill>
+              <a:latin typeface="Microsoft JhengHei" panose="020B0604030504040204" pitchFamily="34" charset="-120"/>
+              <a:ea typeface="Microsoft JhengHei" panose="020B0604030504040204" pitchFamily="34" charset="-120"/>
+            </a:endParaRPr>
+          </a:p>
+          <a:p>
+            <a:pPr marL="0" indent="0" algn="ctr">
+              <a:buNone/>
+            </a:pPr>
+            <a:r>
+              <a:rPr lang="zh-TW" altLang="en-US" sz="6400" b="1" dirty="0">
+                <a:solidFill>
+                  <a:srgbClr val="660033"/>
+                </a:solidFill>
+                <a:latin typeface="Microsoft JhengHei" panose="020B0604030504040204" pitchFamily="34" charset="-120"/>
+                <a:ea typeface="Microsoft JhengHei" panose="020B0604030504040204" pitchFamily="34" charset="-120"/>
+              </a:rPr>
+              <a:t>謹</a:t>
+            </a:r>
+            <a:r>
+              <a:rPr lang="zh-TW" altLang="en-US" sz="6400" b="1" dirty="0">
+                <a:solidFill>
+                  <a:srgbClr val="660033"/>
+                </a:solidFill>
+                <a:latin typeface="Microsoft JhengHei" panose="020B0604030504040204" pitchFamily="34" charset="-120"/>
+                <a:ea typeface="Microsoft JhengHei" panose="020B0604030504040204" pitchFamily="34" charset="-120"/>
+              </a:rPr>
+              <a:t>遵教誨細意思</a:t>
+            </a:r>
+            <a:r>
+              <a:rPr lang="zh-TW" altLang="en-US" sz="6400" b="1" dirty="0">
+                <a:solidFill>
+                  <a:srgbClr val="660033"/>
+                </a:solidFill>
+                <a:latin typeface="Microsoft JhengHei" panose="020B0604030504040204" pitchFamily="34" charset="-120"/>
+                <a:ea typeface="Microsoft JhengHei" panose="020B0604030504040204" pitchFamily="34" charset="-120"/>
+              </a:rPr>
+              <a:t>想</a:t>
+            </a:r>
+            <a:endParaRPr lang="en-US" altLang="zh-TW" sz="6400" b="1" dirty="0">
+              <a:solidFill>
+                <a:srgbClr val="660033"/>
+              </a:solidFill>
+              <a:latin typeface="Microsoft JhengHei" panose="020B0604030504040204" pitchFamily="34" charset="-120"/>
+              <a:ea typeface="Microsoft JhengHei" panose="020B0604030504040204" pitchFamily="34" charset="-120"/>
+            </a:endParaRPr>
+          </a:p>
+        </p:txBody>
+      </p:sp>
+      <p:sp>
+        <p:nvSpPr>
+          <p:cNvPr id="2" name="TextBox 1"/>
+          <p:cNvSpPr txBox="1"/>
+          <p:nvPr/>
+        </p:nvSpPr>
+        <p:spPr>
+          <a:xfrm>
+            <a:off x="144379" y="2303702"/>
+            <a:ext cx="1042737" cy="1107996"/>
+          </a:xfrm>
+          <a:prstGeom prst="rect">
+            <a:avLst/>
+          </a:prstGeom>
+          <a:noFill/>
+        </p:spPr>
+        <p:txBody>
+          <a:bodyPr wrap="square" rtlCol="0">
+            <a:spAutoFit/>
+          </a:bodyPr>
+          <a:lstStyle/>
+          <a:p>
+            <a:r>
+              <a:rPr lang="en-US" sz="6600" b="1" dirty="0" smtClean="0">
+                <a:solidFill>
+                  <a:srgbClr val="660033"/>
+                </a:solidFill>
+              </a:rPr>
+              <a:t>3.</a:t>
+            </a:r>
+            <a:endParaRPr lang="vi-VN" sz="6600" b="1" dirty="0">
+              <a:solidFill>
+                <a:srgbClr val="660033"/>
+              </a:solidFill>
+            </a:endParaRPr>
+          </a:p>
+        </p:txBody>
+      </p:sp>
+    </p:spTree>
+    <p:extLst>
+      <p:ext uri="{BB962C8B-B14F-4D97-AF65-F5344CB8AC3E}">
+        <p14:creationId xmlns:p14="http://schemas.microsoft.com/office/powerpoint/2010/main" val="2026142368"/>
+      </p:ext>
+    </p:extLst>
+  </p:cSld>
+  <p:clrMapOvr>
+    <a:masterClrMapping/>
+  </p:clrMapOvr>
+</p:sld>
+</file>
+
+<file path=ppt/slides/slide14.xml><?xml version="1.0" encoding="utf-8"?>
+<p:sld xmlns:a="http://schemas.openxmlformats.org/drawingml/2006/main" xmlns:r="http://schemas.openxmlformats.org/officeDocument/2006/relationships" xmlns:p="http://schemas.openxmlformats.org/presentationml/2006/main">
+  <p:cSld>
+    <p:spTree>
+      <p:nvGrpSpPr>
+        <p:cNvPr id="1" name=""/>
+        <p:cNvGrpSpPr/>
+        <p:nvPr/>
+      </p:nvGrpSpPr>
+      <p:grpSpPr>
+        <a:xfrm>
+          <a:off x="0" y="0"/>
+          <a:ext cx="0" cy="0"/>
+          <a:chOff x="0" y="0"/>
+          <a:chExt cx="0" cy="0"/>
+        </a:xfrm>
+      </p:grpSpPr>
+      <p:sp>
+        <p:nvSpPr>
+          <p:cNvPr id="5" name="內容版面配置區 4"/>
+          <p:cNvSpPr>
+            <a:spLocks noGrp="1"/>
+          </p:cNvSpPr>
+          <p:nvPr>
+            <p:ph idx="1"/>
+          </p:nvPr>
+        </p:nvSpPr>
+        <p:spPr>
+          <a:xfrm>
+            <a:off x="0" y="2084851"/>
+            <a:ext cx="12192000" cy="2404863"/>
+          </a:xfrm>
+        </p:spPr>
+        <p:txBody>
+          <a:bodyPr anchor="ctr">
+            <a:normAutofit/>
+          </a:bodyPr>
+          <a:lstStyle/>
+          <a:p>
+            <a:pPr marL="0" indent="0" algn="ctr">
+              <a:buNone/>
+            </a:pPr>
+            <a:r>
+              <a:rPr lang="zh-TW" altLang="en-US" sz="6400" b="1" dirty="0">
+                <a:solidFill>
+                  <a:srgbClr val="660033"/>
+                </a:solidFill>
+                <a:latin typeface="Microsoft JhengHei" panose="020B0604030504040204" pitchFamily="34" charset="-120"/>
+                <a:ea typeface="Microsoft JhengHei" panose="020B0604030504040204" pitchFamily="34" charset="-120"/>
+              </a:rPr>
+              <a:t>念記基督犧牲的</a:t>
+            </a:r>
+            <a:r>
+              <a:rPr lang="zh-TW" altLang="en-US" sz="6400" b="1" dirty="0">
+                <a:solidFill>
+                  <a:srgbClr val="660033"/>
+                </a:solidFill>
+                <a:latin typeface="Microsoft JhengHei" panose="020B0604030504040204" pitchFamily="34" charset="-120"/>
+                <a:ea typeface="Microsoft JhengHei" panose="020B0604030504040204" pitchFamily="34" charset="-120"/>
+              </a:rPr>
+              <a:t>愛</a:t>
+            </a:r>
+            <a:endParaRPr lang="en-US" altLang="zh-TW" sz="6400" b="1" dirty="0">
+              <a:solidFill>
+                <a:srgbClr val="660033"/>
+              </a:solidFill>
+              <a:latin typeface="Microsoft JhengHei" panose="020B0604030504040204" pitchFamily="34" charset="-120"/>
+              <a:ea typeface="Microsoft JhengHei" panose="020B0604030504040204" pitchFamily="34" charset="-120"/>
+            </a:endParaRPr>
+          </a:p>
+          <a:p>
+            <a:pPr marL="0" indent="0" algn="ctr">
+              <a:buNone/>
+            </a:pPr>
+            <a:r>
+              <a:rPr lang="zh-TW" altLang="en-US" sz="6400" b="1" dirty="0">
+                <a:solidFill>
+                  <a:srgbClr val="660033"/>
+                </a:solidFill>
+                <a:latin typeface="Microsoft JhengHei" panose="020B0604030504040204" pitchFamily="34" charset="-120"/>
+                <a:ea typeface="Microsoft JhengHei" panose="020B0604030504040204" pitchFamily="34" charset="-120"/>
+              </a:rPr>
+              <a:t>十</a:t>
+            </a:r>
+            <a:r>
+              <a:rPr lang="zh-TW" altLang="en-US" sz="6400" b="1" dirty="0">
+                <a:solidFill>
+                  <a:srgbClr val="660033"/>
+                </a:solidFill>
+                <a:latin typeface="Microsoft JhengHei" panose="020B0604030504040204" pitchFamily="34" charset="-120"/>
+                <a:ea typeface="Microsoft JhengHei" panose="020B0604030504040204" pitchFamily="34" charset="-120"/>
+              </a:rPr>
+              <a:t>架釘身種種苦楚</a:t>
+            </a:r>
+            <a:endParaRPr lang="en-US" altLang="zh-TW" sz="6400" b="1" dirty="0">
+              <a:solidFill>
+                <a:srgbClr val="660033"/>
+              </a:solidFill>
+              <a:latin typeface="Microsoft JhengHei" panose="020B0604030504040204" pitchFamily="34" charset="-120"/>
+              <a:ea typeface="Microsoft JhengHei" panose="020B0604030504040204" pitchFamily="34" charset="-120"/>
+            </a:endParaRPr>
+          </a:p>
+        </p:txBody>
+      </p:sp>
+      <p:sp>
+        <p:nvSpPr>
+          <p:cNvPr id="2" name="TextBox 1"/>
+          <p:cNvSpPr txBox="1"/>
+          <p:nvPr/>
+        </p:nvSpPr>
+        <p:spPr>
+          <a:xfrm>
+            <a:off x="144379" y="2303702"/>
+            <a:ext cx="1042737" cy="1107996"/>
+          </a:xfrm>
+          <a:prstGeom prst="rect">
+            <a:avLst/>
+          </a:prstGeom>
+          <a:noFill/>
+        </p:spPr>
+        <p:txBody>
+          <a:bodyPr wrap="square" rtlCol="0">
+            <a:spAutoFit/>
+          </a:bodyPr>
+          <a:lstStyle/>
+          <a:p>
+            <a:r>
+              <a:rPr lang="en-US" sz="6600" b="1" dirty="0" smtClean="0">
+                <a:solidFill>
+                  <a:srgbClr val="660033"/>
+                </a:solidFill>
+              </a:rPr>
+              <a:t>3.</a:t>
+            </a:r>
+            <a:endParaRPr lang="vi-VN" sz="6600" b="1" dirty="0">
+              <a:solidFill>
+                <a:srgbClr val="660033"/>
+              </a:solidFill>
+            </a:endParaRPr>
+          </a:p>
+        </p:txBody>
+      </p:sp>
+    </p:spTree>
+    <p:extLst>
+      <p:ext uri="{BB962C8B-B14F-4D97-AF65-F5344CB8AC3E}">
+        <p14:creationId xmlns:p14="http://schemas.microsoft.com/office/powerpoint/2010/main" val="22346328"/>
+      </p:ext>
+    </p:extLst>
+  </p:cSld>
+  <p:clrMapOvr>
+    <a:masterClrMapping/>
+  </p:clrMapOvr>
+</p:sld>
+</file>
+
+<file path=ppt/slides/slide15.xml><?xml version="1.0" encoding="utf-8"?>
+<p:sld xmlns:a="http://schemas.openxmlformats.org/drawingml/2006/main" xmlns:r="http://schemas.openxmlformats.org/officeDocument/2006/relationships" xmlns:p="http://schemas.openxmlformats.org/presentationml/2006/main">
+  <p:cSld>
+    <p:spTree>
+      <p:nvGrpSpPr>
+        <p:cNvPr id="1" name=""/>
+        <p:cNvGrpSpPr/>
+        <p:nvPr/>
+      </p:nvGrpSpPr>
+      <p:grpSpPr>
+        <a:xfrm>
+          <a:off x="0" y="0"/>
+          <a:ext cx="0" cy="0"/>
+          <a:chOff x="0" y="0"/>
+          <a:chExt cx="0" cy="0"/>
+        </a:xfrm>
+      </p:grpSpPr>
+      <p:sp>
+        <p:nvSpPr>
+          <p:cNvPr id="5" name="內容版面配置區 4"/>
+          <p:cNvSpPr>
+            <a:spLocks noGrp="1"/>
+          </p:cNvSpPr>
+          <p:nvPr>
+            <p:ph idx="1"/>
+          </p:nvPr>
+        </p:nvSpPr>
+        <p:spPr>
+          <a:xfrm>
+            <a:off x="0" y="2084851"/>
+            <a:ext cx="12192000" cy="2404863"/>
+          </a:xfrm>
+        </p:spPr>
+        <p:txBody>
+          <a:bodyPr anchor="ctr">
+            <a:normAutofit/>
+          </a:bodyPr>
+          <a:lstStyle/>
+          <a:p>
+            <a:pPr marL="0" indent="0" algn="ctr">
+              <a:buNone/>
+            </a:pPr>
+            <a:r>
+              <a:rPr lang="zh-TW" altLang="en-US" sz="6400" b="1" dirty="0">
+                <a:solidFill>
+                  <a:srgbClr val="660033"/>
+                </a:solidFill>
+                <a:latin typeface="Microsoft JhengHei" panose="020B0604030504040204" pitchFamily="34" charset="-120"/>
+                <a:ea typeface="Microsoft JhengHei" panose="020B0604030504040204" pitchFamily="34" charset="-120"/>
+              </a:rPr>
+              <a:t>唱頌神大</a:t>
+            </a:r>
+            <a:r>
+              <a:rPr lang="zh-TW" altLang="en-US" sz="6400" b="1" dirty="0">
+                <a:solidFill>
+                  <a:srgbClr val="660033"/>
+                </a:solidFill>
+                <a:latin typeface="Microsoft JhengHei" panose="020B0604030504040204" pitchFamily="34" charset="-120"/>
+                <a:ea typeface="Microsoft JhengHei" panose="020B0604030504040204" pitchFamily="34" charset="-120"/>
+              </a:rPr>
+              <a:t>愛</a:t>
+            </a:r>
+            <a:endParaRPr lang="en-US" altLang="zh-TW" sz="6400" b="1" dirty="0">
+              <a:solidFill>
+                <a:srgbClr val="660033"/>
+              </a:solidFill>
+              <a:latin typeface="Microsoft JhengHei" panose="020B0604030504040204" pitchFamily="34" charset="-120"/>
+              <a:ea typeface="Microsoft JhengHei" panose="020B0604030504040204" pitchFamily="34" charset="-120"/>
+            </a:endParaRPr>
+          </a:p>
+          <a:p>
+            <a:pPr marL="0" indent="0" algn="ctr">
+              <a:buNone/>
+            </a:pPr>
+            <a:r>
+              <a:rPr lang="zh-TW" altLang="en-US" sz="6400" b="1" dirty="0">
+                <a:solidFill>
+                  <a:srgbClr val="660033"/>
+                </a:solidFill>
+                <a:latin typeface="Microsoft JhengHei" panose="020B0604030504040204" pitchFamily="34" charset="-120"/>
+                <a:ea typeface="Microsoft JhengHei" panose="020B0604030504040204" pitchFamily="34" charset="-120"/>
+              </a:rPr>
+              <a:t>甘</a:t>
+            </a:r>
+            <a:r>
+              <a:rPr lang="zh-TW" altLang="en-US" sz="6400" b="1" dirty="0">
+                <a:solidFill>
+                  <a:srgbClr val="660033"/>
+                </a:solidFill>
+                <a:latin typeface="Microsoft JhengHei" panose="020B0604030504040204" pitchFamily="34" charset="-120"/>
+                <a:ea typeface="Microsoft JhengHei" panose="020B0604030504040204" pitchFamily="34" charset="-120"/>
+              </a:rPr>
+              <a:t>將一生獻奉上</a:t>
+            </a:r>
+          </a:p>
+        </p:txBody>
+      </p:sp>
+      <p:sp>
+        <p:nvSpPr>
+          <p:cNvPr id="2" name="TextBox 1"/>
+          <p:cNvSpPr txBox="1"/>
+          <p:nvPr/>
+        </p:nvSpPr>
+        <p:spPr>
+          <a:xfrm>
+            <a:off x="144379" y="2303702"/>
+            <a:ext cx="1042737" cy="1107996"/>
+          </a:xfrm>
+          <a:prstGeom prst="rect">
+            <a:avLst/>
+          </a:prstGeom>
+          <a:noFill/>
+        </p:spPr>
+        <p:txBody>
+          <a:bodyPr wrap="square" rtlCol="0">
+            <a:spAutoFit/>
+          </a:bodyPr>
+          <a:lstStyle/>
+          <a:p>
+            <a:r>
+              <a:rPr lang="en-US" sz="6600" b="1" dirty="0" smtClean="0">
+                <a:solidFill>
+                  <a:srgbClr val="660033"/>
+                </a:solidFill>
+              </a:rPr>
+              <a:t>3.</a:t>
+            </a:r>
+            <a:endParaRPr lang="vi-VN" sz="6600" b="1" dirty="0">
+              <a:solidFill>
+                <a:srgbClr val="660033"/>
+              </a:solidFill>
+            </a:endParaRPr>
+          </a:p>
+        </p:txBody>
+      </p:sp>
+    </p:spTree>
+    <p:extLst>
+      <p:ext uri="{BB962C8B-B14F-4D97-AF65-F5344CB8AC3E}">
+        <p14:creationId xmlns:p14="http://schemas.microsoft.com/office/powerpoint/2010/main" val="3346704718"/>
       </p:ext>
     </p:extLst>
   </p:cSld>
@@ -3436,32 +4131,40 @@
       </p:grpSpPr>
       <p:sp>
         <p:nvSpPr>
-          <p:cNvPr id="4" name="Title 3"/>
-          <p:cNvSpPr>
-            <a:spLocks noGrp="1"/>
-          </p:cNvSpPr>
-          <p:nvPr>
-            <p:ph type="title"/>
-          </p:nvPr>
-        </p:nvSpPr>
-        <p:spPr/>
-        <p:txBody>
-          <a:bodyPr>
-            <a:normAutofit/>
+          <p:cNvPr id="5" name="內容版面配置區 4"/>
+          <p:cNvSpPr>
+            <a:spLocks noGrp="1"/>
+          </p:cNvSpPr>
+          <p:nvPr>
+            <p:ph idx="1"/>
+          </p:nvPr>
+        </p:nvSpPr>
+        <p:spPr>
+          <a:xfrm>
+            <a:off x="0" y="2084851"/>
+            <a:ext cx="12192000" cy="2404863"/>
+          </a:xfrm>
+        </p:spPr>
+        <p:txBody>
+          <a:bodyPr anchor="ctr">
+            <a:noAutofit/>
           </a:bodyPr>
           <a:lstStyle/>
           <a:p>
-            <a:r>
-              <a:rPr lang="zh-TW" altLang="en-US" sz="4800" b="1" dirty="0">
+            <a:pPr marL="0" indent="0" algn="ctr">
+              <a:buNone/>
+            </a:pPr>
+            <a:r>
+              <a:rPr lang="zh-TW" altLang="en-US" sz="6400" b="1" dirty="0">
                 <a:solidFill>
                   <a:srgbClr val="660033"/>
                 </a:solidFill>
                 <a:latin typeface="Microsoft JhengHei" panose="020B0604030504040204" pitchFamily="34" charset="-120"/>
                 <a:ea typeface="Microsoft JhengHei" panose="020B0604030504040204" pitchFamily="34" charset="-120"/>
               </a:rPr>
-              <a:t>問我主恩有幾多</a:t>
-            </a:r>
-            <a:endParaRPr lang="en-US" altLang="zh-CN" sz="4800" b="1" dirty="0">
+              <a:t>問我主恩典有幾多</a:t>
+            </a:r>
+            <a:endParaRPr lang="en-US" altLang="zh-TW" sz="6400" b="1" dirty="0">
               <a:solidFill>
                 <a:srgbClr val="660033"/>
               </a:solidFill>
@@ -3469,39 +4172,21 @@
               <a:ea typeface="Microsoft JhengHei" panose="020B0604030504040204" pitchFamily="34" charset="-120"/>
             </a:endParaRPr>
           </a:p>
-        </p:txBody>
-      </p:sp>
-      <p:sp>
-        <p:nvSpPr>
-          <p:cNvPr id="5" name="Content Placeholder 4"/>
-          <p:cNvSpPr>
-            <a:spLocks noGrp="1"/>
-          </p:cNvSpPr>
-          <p:nvPr>
-            <p:ph idx="1"/>
-          </p:nvPr>
-        </p:nvSpPr>
-        <p:spPr/>
-        <p:txBody>
-          <a:bodyPr>
-            <a:noAutofit/>
-          </a:bodyPr>
-          <a:lstStyle/>
           <a:p>
             <a:pPr marL="0" indent="0" algn="ctr">
               <a:buNone/>
             </a:pPr>
             <a:r>
-              <a:rPr lang="zh-TW" altLang="en-US" sz="5400" b="1" dirty="0">
+              <a:rPr lang="zh-TW" altLang="en-US" sz="6400" b="1" dirty="0">
                 <a:solidFill>
                   <a:srgbClr val="660033"/>
                 </a:solidFill>
                 <a:latin typeface="Microsoft JhengHei" panose="020B0604030504040204" pitchFamily="34" charset="-120"/>
                 <a:ea typeface="Microsoft JhengHei" panose="020B0604030504040204" pitchFamily="34" charset="-120"/>
               </a:rPr>
-              <a:t>無論我有百般對   </a:t>
-            </a:r>
-            <a:endParaRPr lang="en-US" altLang="zh-TW" sz="5400" b="1" dirty="0">
+              <a:t>究竟主恩典有幾多</a:t>
+            </a:r>
+            <a:endParaRPr lang="en-US" altLang="zh-TW" sz="6400" b="1" dirty="0">
               <a:solidFill>
                 <a:srgbClr val="660033"/>
               </a:solidFill>
@@ -3509,172 +4194,50 @@
               <a:ea typeface="Microsoft JhengHei" panose="020B0604030504040204" pitchFamily="34" charset="-120"/>
             </a:endParaRPr>
           </a:p>
-          <a:p>
-            <a:pPr marL="0" indent="0" algn="ctr">
-              <a:buNone/>
-            </a:pPr>
-            <a:r>
-              <a:rPr lang="zh-TW" altLang="en-US" sz="5400" b="1" dirty="0">
-                <a:solidFill>
-                  <a:srgbClr val="660033"/>
-                </a:solidFill>
-                <a:latin typeface="Microsoft JhengHei" panose="020B0604030504040204" pitchFamily="34" charset="-120"/>
-                <a:ea typeface="Microsoft JhengHei" panose="020B0604030504040204" pitchFamily="34" charset="-120"/>
-              </a:rPr>
-              <a:t>或者千般錯</a:t>
-            </a:r>
-            <a:r>
-              <a:rPr lang="en-US" altLang="zh-TW" sz="5400" b="1" dirty="0">
-                <a:solidFill>
-                  <a:srgbClr val="660033"/>
-                </a:solidFill>
-                <a:latin typeface="Microsoft JhengHei" panose="020B0604030504040204" pitchFamily="34" charset="-120"/>
-                <a:ea typeface="Microsoft JhengHei" panose="020B0604030504040204" pitchFamily="34" charset="-120"/>
-              </a:rPr>
-              <a:t> </a:t>
-            </a:r>
-            <a:r>
-              <a:rPr lang="en-US" altLang="zh-TW" sz="5400" b="1" dirty="0">
-                <a:solidFill>
-                  <a:srgbClr val="660033"/>
-                </a:solidFill>
-                <a:latin typeface="Microsoft JhengHei" panose="020B0604030504040204" pitchFamily="34" charset="-120"/>
-                <a:ea typeface="Microsoft JhengHei" panose="020B0604030504040204" pitchFamily="34" charset="-120"/>
-              </a:rPr>
-              <a:t> </a:t>
-            </a:r>
-            <a:r>
-              <a:rPr lang="zh-TW" altLang="en-US" sz="5400" b="1" dirty="0">
-                <a:solidFill>
-                  <a:srgbClr val="660033"/>
-                </a:solidFill>
-                <a:latin typeface="Microsoft JhengHei" panose="020B0604030504040204" pitchFamily="34" charset="-120"/>
-                <a:ea typeface="Microsoft JhengHei" panose="020B0604030504040204" pitchFamily="34" charset="-120"/>
-              </a:rPr>
-              <a:t>耶</a:t>
-            </a:r>
-            <a:r>
-              <a:rPr lang="zh-TW" altLang="en-US" sz="5400" b="1" dirty="0">
-                <a:solidFill>
-                  <a:srgbClr val="660033"/>
-                </a:solidFill>
-                <a:latin typeface="Microsoft JhengHei" panose="020B0604030504040204" pitchFamily="34" charset="-120"/>
-                <a:ea typeface="Microsoft JhengHei" panose="020B0604030504040204" pitchFamily="34" charset="-120"/>
-              </a:rPr>
-              <a:t>穌已承受結果  </a:t>
-            </a:r>
-            <a:endParaRPr lang="en-US" altLang="zh-TW" sz="5400" b="1" dirty="0">
-              <a:solidFill>
-                <a:srgbClr val="660033"/>
-              </a:solidFill>
-              <a:latin typeface="Microsoft JhengHei" panose="020B0604030504040204" pitchFamily="34" charset="-120"/>
-              <a:ea typeface="Microsoft JhengHei" panose="020B0604030504040204" pitchFamily="34" charset="-120"/>
-            </a:endParaRPr>
-          </a:p>
-          <a:p>
-            <a:pPr marL="0" indent="0" algn="ctr">
-              <a:buNone/>
-            </a:pPr>
-            <a:r>
-              <a:rPr lang="zh-TW" altLang="en-US" sz="5400" b="1" dirty="0">
-                <a:solidFill>
-                  <a:srgbClr val="660033"/>
-                </a:solidFill>
-                <a:latin typeface="Microsoft JhengHei" panose="020B0604030504040204" pitchFamily="34" charset="-120"/>
-                <a:ea typeface="Microsoft JhengHei" panose="020B0604030504040204" pitchFamily="34" charset="-120"/>
-              </a:rPr>
-              <a:t>面對世界一切</a:t>
-            </a:r>
-          </a:p>
-          <a:p>
-            <a:pPr marL="0" indent="0" algn="ctr">
-              <a:buNone/>
-            </a:pPr>
-            <a:r>
-              <a:rPr lang="zh-TW" altLang="en-US" sz="5400" b="1" dirty="0">
-                <a:solidFill>
-                  <a:srgbClr val="660033"/>
-                </a:solidFill>
-                <a:latin typeface="Microsoft JhengHei" panose="020B0604030504040204" pitchFamily="34" charset="-120"/>
-                <a:ea typeface="Microsoft JhengHei" panose="020B0604030504040204" pitchFamily="34" charset="-120"/>
-              </a:rPr>
-              <a:t>那</a:t>
-            </a:r>
-            <a:r>
-              <a:rPr lang="zh-TW" altLang="en-US" sz="5400" b="1" dirty="0">
-                <a:solidFill>
-                  <a:srgbClr val="660033"/>
-                </a:solidFill>
-                <a:latin typeface="Microsoft JhengHei" panose="020B0604030504040204" pitchFamily="34" charset="-120"/>
-                <a:ea typeface="Microsoft JhengHei" panose="020B0604030504040204" pitchFamily="34" charset="-120"/>
-              </a:rPr>
-              <a:t>怕會如</a:t>
-            </a:r>
-            <a:r>
-              <a:rPr lang="zh-TW" altLang="en-US" sz="5400" b="1" dirty="0">
-                <a:solidFill>
-                  <a:srgbClr val="660033"/>
-                </a:solidFill>
-                <a:latin typeface="Microsoft JhengHei" panose="020B0604030504040204" pitchFamily="34" charset="-120"/>
-                <a:ea typeface="Microsoft JhengHei" panose="020B0604030504040204" pitchFamily="34" charset="-120"/>
-              </a:rPr>
-              <a:t>何  全</a:t>
-            </a:r>
-            <a:r>
-              <a:rPr lang="zh-TW" altLang="en-US" sz="5400" b="1" dirty="0">
-                <a:solidFill>
-                  <a:srgbClr val="660033"/>
-                </a:solidFill>
-                <a:latin typeface="Microsoft JhengHei" panose="020B0604030504040204" pitchFamily="34" charset="-120"/>
-                <a:ea typeface="Microsoft JhengHei" panose="020B0604030504040204" pitchFamily="34" charset="-120"/>
-              </a:rPr>
-              <a:t>心靠耶穌經過</a:t>
-            </a:r>
-          </a:p>
-        </p:txBody>
-      </p:sp>
-      <p:sp>
-        <p:nvSpPr>
-          <p:cNvPr id="6" name="Text Box 1"/>
+        </p:txBody>
+      </p:sp>
+      <p:sp>
+        <p:nvSpPr>
+          <p:cNvPr id="4" name="TextBox 3"/>
           <p:cNvSpPr txBox="1"/>
           <p:nvPr/>
         </p:nvSpPr>
         <p:spPr>
           <a:xfrm>
-            <a:off x="609600" y="1723668"/>
-            <a:ext cx="1055440" cy="923330"/>
+            <a:off x="144379" y="2303702"/>
+            <a:ext cx="1042737" cy="1107996"/>
           </a:xfrm>
           <a:prstGeom prst="rect">
             <a:avLst/>
           </a:prstGeom>
           <a:noFill/>
-          <a:ln w="9525">
-            <a:noFill/>
-            <a:miter lim="800000"/>
-          </a:ln>
         </p:spPr>
         <p:txBody>
-          <a:bodyPr wrap="square">
+          <a:bodyPr wrap="square" rtlCol="0">
             <a:spAutoFit/>
           </a:bodyPr>
           <a:lstStyle/>
           <a:p>
-            <a:pPr algn="ctr"/>
-            <a:r>
-              <a:rPr lang="en-US" sz="5400" b="1" dirty="0">
+            <a:r>
+              <a:rPr lang="en-US" sz="6600" b="1" dirty="0" smtClean="0">
                 <a:solidFill>
                   <a:srgbClr val="660033"/>
                 </a:solidFill>
               </a:rPr>
               <a:t>1.</a:t>
             </a:r>
+            <a:endParaRPr lang="vi-VN" sz="6600" b="1" dirty="0">
+              <a:solidFill>
+                <a:srgbClr val="660033"/>
+              </a:solidFill>
+            </a:endParaRPr>
           </a:p>
         </p:txBody>
       </p:sp>
     </p:spTree>
     <p:extLst>
       <p:ext uri="{BB962C8B-B14F-4D97-AF65-F5344CB8AC3E}">
-        <p14:creationId xmlns:p14="http://schemas.microsoft.com/office/powerpoint/2010/main" val="2996981356"/>
+        <p14:creationId xmlns:p14="http://schemas.microsoft.com/office/powerpoint/2010/main" val="2083498301"/>
       </p:ext>
     </p:extLst>
   </p:cSld>
@@ -3703,32 +4266,40 @@
       </p:grpSpPr>
       <p:sp>
         <p:nvSpPr>
-          <p:cNvPr id="4" name="Title 3"/>
-          <p:cNvSpPr>
-            <a:spLocks noGrp="1"/>
-          </p:cNvSpPr>
-          <p:nvPr>
-            <p:ph type="title"/>
-          </p:nvPr>
-        </p:nvSpPr>
-        <p:spPr/>
-        <p:txBody>
-          <a:bodyPr>
+          <p:cNvPr id="5" name="內容版面配置區 4"/>
+          <p:cNvSpPr>
+            <a:spLocks noGrp="1"/>
+          </p:cNvSpPr>
+          <p:nvPr>
+            <p:ph idx="1"/>
+          </p:nvPr>
+        </p:nvSpPr>
+        <p:spPr>
+          <a:xfrm>
+            <a:off x="0" y="2084851"/>
+            <a:ext cx="12192000" cy="2404863"/>
+          </a:xfrm>
+        </p:spPr>
+        <p:txBody>
+          <a:bodyPr anchor="ctr">
             <a:normAutofit/>
           </a:bodyPr>
           <a:lstStyle/>
           <a:p>
-            <a:r>
-              <a:rPr lang="zh-TW" altLang="en-US" sz="4800" b="1" dirty="0">
+            <a:pPr marL="0" indent="0" algn="ctr">
+              <a:buNone/>
+            </a:pPr>
+            <a:r>
+              <a:rPr lang="zh-TW" altLang="en-US" sz="6400" b="1" dirty="0">
                 <a:solidFill>
                   <a:srgbClr val="660033"/>
                 </a:solidFill>
                 <a:latin typeface="Microsoft JhengHei" panose="020B0604030504040204" pitchFamily="34" charset="-120"/>
                 <a:ea typeface="Microsoft JhengHei" panose="020B0604030504040204" pitchFamily="34" charset="-120"/>
               </a:rPr>
-              <a:t>問我主恩有幾多</a:t>
-            </a:r>
-            <a:endParaRPr lang="en-US" altLang="zh-CN" sz="4800" b="1" dirty="0">
+              <a:t>我如何能夠一一去數清楚</a:t>
+            </a:r>
+            <a:endParaRPr lang="en-US" altLang="zh-TW" sz="6400" b="1" dirty="0">
               <a:solidFill>
                 <a:srgbClr val="660033"/>
               </a:solidFill>
@@ -3736,44 +4307,21 @@
               <a:ea typeface="Microsoft JhengHei" panose="020B0604030504040204" pitchFamily="34" charset="-120"/>
             </a:endParaRPr>
           </a:p>
-        </p:txBody>
-      </p:sp>
-      <p:sp>
-        <p:nvSpPr>
-          <p:cNvPr id="5" name="Content Placeholder 4"/>
-          <p:cNvSpPr>
-            <a:spLocks noGrp="1"/>
-          </p:cNvSpPr>
-          <p:nvPr>
-            <p:ph idx="1"/>
-          </p:nvPr>
-        </p:nvSpPr>
-        <p:spPr>
-          <a:xfrm>
-            <a:off x="0" y="1600203"/>
-            <a:ext cx="12192000" cy="4525963"/>
-          </a:xfrm>
-        </p:spPr>
-        <p:txBody>
-          <a:bodyPr>
-            <a:noAutofit/>
-          </a:bodyPr>
-          <a:lstStyle/>
           <a:p>
             <a:pPr marL="0" indent="0" algn="ctr">
               <a:buNone/>
             </a:pPr>
             <a:r>
-              <a:rPr lang="zh-TW" altLang="en-US" sz="5400" b="1" dirty="0">
+              <a:rPr lang="zh-TW" altLang="en-US" sz="6400" b="1" dirty="0">
                 <a:solidFill>
                   <a:srgbClr val="660033"/>
                 </a:solidFill>
                 <a:latin typeface="Microsoft JhengHei" panose="020B0604030504040204" pitchFamily="34" charset="-120"/>
                 <a:ea typeface="Microsoft JhengHei" panose="020B0604030504040204" pitchFamily="34" charset="-120"/>
               </a:rPr>
-              <a:t>問我當初信靠經過</a:t>
-            </a:r>
-            <a:endParaRPr lang="en-US" altLang="zh-TW" sz="5400" b="1" dirty="0">
+              <a:t>問我點解會高興</a:t>
+            </a:r>
+            <a:endParaRPr lang="en-US" altLang="zh-TW" sz="6400" b="1" dirty="0">
               <a:solidFill>
                 <a:srgbClr val="660033"/>
               </a:solidFill>
@@ -3781,313 +4329,39 @@
               <a:ea typeface="Microsoft JhengHei" panose="020B0604030504040204" pitchFamily="34" charset="-120"/>
             </a:endParaRPr>
           </a:p>
-          <a:p>
-            <a:pPr marL="0" indent="0" algn="ctr">
-              <a:buNone/>
-            </a:pPr>
-            <a:r>
-              <a:rPr lang="zh-TW" altLang="en-US" sz="5400" b="1" dirty="0">
-                <a:solidFill>
-                  <a:srgbClr val="660033"/>
-                </a:solidFill>
-                <a:latin typeface="Microsoft JhengHei" panose="020B0604030504040204" pitchFamily="34" charset="-120"/>
-                <a:ea typeface="Microsoft JhengHei" panose="020B0604030504040204" pitchFamily="34" charset="-120"/>
-              </a:rPr>
-              <a:t>有主天天輕撫心窩</a:t>
-            </a:r>
-            <a:endParaRPr lang="en-US" altLang="zh-TW" sz="5400" b="1" dirty="0">
-              <a:solidFill>
-                <a:srgbClr val="660033"/>
-              </a:solidFill>
-              <a:latin typeface="Microsoft JhengHei" panose="020B0604030504040204" pitchFamily="34" charset="-120"/>
-              <a:ea typeface="Microsoft JhengHei" panose="020B0604030504040204" pitchFamily="34" charset="-120"/>
-            </a:endParaRPr>
-          </a:p>
-          <a:p>
-            <a:pPr marL="0" indent="0" algn="ctr">
-              <a:buNone/>
-            </a:pPr>
-            <a:r>
-              <a:rPr lang="zh-TW" altLang="en-US" sz="5400" b="1" dirty="0">
-                <a:solidFill>
-                  <a:srgbClr val="660033"/>
-                </a:solidFill>
-                <a:latin typeface="Microsoft JhengHei" panose="020B0604030504040204" pitchFamily="34" charset="-120"/>
-                <a:ea typeface="Microsoft JhengHei" panose="020B0604030504040204" pitchFamily="34" charset="-120"/>
-              </a:rPr>
-              <a:t>靠著神能</a:t>
-            </a:r>
-            <a:r>
-              <a:rPr lang="zh-TW" altLang="en-US" sz="5400" b="1" dirty="0">
-                <a:solidFill>
-                  <a:srgbClr val="660033"/>
-                </a:solidFill>
-                <a:latin typeface="Microsoft JhengHei" panose="020B0604030504040204" pitchFamily="34" charset="-120"/>
-                <a:ea typeface="Microsoft JhengHei" panose="020B0604030504040204" pitchFamily="34" charset="-120"/>
-              </a:rPr>
-              <a:t>夠</a:t>
-            </a:r>
-            <a:r>
-              <a:rPr lang="en-US" altLang="zh-TW" sz="5400" b="1" dirty="0">
-                <a:solidFill>
-                  <a:srgbClr val="660033"/>
-                </a:solidFill>
-                <a:latin typeface="Microsoft JhengHei" panose="020B0604030504040204" pitchFamily="34" charset="-120"/>
-                <a:ea typeface="Microsoft JhengHei" panose="020B0604030504040204" pitchFamily="34" charset="-120"/>
-              </a:rPr>
-              <a:t>  </a:t>
-            </a:r>
-            <a:r>
-              <a:rPr lang="zh-TW" altLang="en-US" sz="5400" b="1" dirty="0">
-                <a:solidFill>
-                  <a:srgbClr val="660033"/>
-                </a:solidFill>
-                <a:latin typeface="Microsoft JhengHei" panose="020B0604030504040204" pitchFamily="34" charset="-120"/>
-                <a:ea typeface="Microsoft JhengHei" panose="020B0604030504040204" pitchFamily="34" charset="-120"/>
-              </a:rPr>
-              <a:t>將</a:t>
-            </a:r>
-            <a:r>
-              <a:rPr lang="zh-TW" altLang="en-US" sz="5400" b="1" dirty="0">
-                <a:solidFill>
-                  <a:srgbClr val="660033"/>
-                </a:solidFill>
-                <a:latin typeface="Microsoft JhengHei" panose="020B0604030504040204" pitchFamily="34" charset="-120"/>
-                <a:ea typeface="Microsoft JhengHei" panose="020B0604030504040204" pitchFamily="34" charset="-120"/>
-              </a:rPr>
-              <a:t>抑鬱苦楚拋</a:t>
-            </a:r>
-            <a:r>
-              <a:rPr lang="zh-TW" altLang="en-US" sz="5400" b="1" dirty="0">
-                <a:solidFill>
-                  <a:srgbClr val="660033"/>
-                </a:solidFill>
-                <a:latin typeface="Microsoft JhengHei" panose="020B0604030504040204" pitchFamily="34" charset="-120"/>
-                <a:ea typeface="Microsoft JhengHei" panose="020B0604030504040204" pitchFamily="34" charset="-120"/>
-              </a:rPr>
-              <a:t>開</a:t>
-            </a:r>
-            <a:endParaRPr lang="en-US" altLang="zh-TW" sz="5400" b="1" dirty="0">
-              <a:solidFill>
-                <a:srgbClr val="660033"/>
-              </a:solidFill>
-              <a:latin typeface="Microsoft JhengHei" panose="020B0604030504040204" pitchFamily="34" charset="-120"/>
-              <a:ea typeface="Microsoft JhengHei" panose="020B0604030504040204" pitchFamily="34" charset="-120"/>
-            </a:endParaRPr>
-          </a:p>
-          <a:p>
-            <a:pPr marL="0" indent="0" algn="ctr">
-              <a:buNone/>
-            </a:pPr>
-            <a:r>
-              <a:rPr lang="zh-TW" altLang="en-US" sz="5400" b="1" dirty="0">
-                <a:solidFill>
-                  <a:srgbClr val="660033"/>
-                </a:solidFill>
-                <a:latin typeface="Microsoft JhengHei" panose="020B0604030504040204" pitchFamily="34" charset="-120"/>
-                <a:ea typeface="Microsoft JhengHei" panose="020B0604030504040204" pitchFamily="34" charset="-120"/>
-              </a:rPr>
-              <a:t>頌讚歌聲句句鏗</a:t>
-            </a:r>
-            <a:r>
-              <a:rPr lang="zh-TW" altLang="en-US" sz="5400" b="1" dirty="0">
-                <a:solidFill>
-                  <a:srgbClr val="660033"/>
-                </a:solidFill>
-                <a:latin typeface="Microsoft JhengHei" panose="020B0604030504040204" pitchFamily="34" charset="-120"/>
-                <a:ea typeface="Microsoft JhengHei" panose="020B0604030504040204" pitchFamily="34" charset="-120"/>
-              </a:rPr>
-              <a:t>鏘</a:t>
-            </a:r>
-            <a:r>
-              <a:rPr lang="en-US" altLang="zh-TW" sz="5400" b="1" dirty="0">
-                <a:solidFill>
-                  <a:srgbClr val="660033"/>
-                </a:solidFill>
-                <a:latin typeface="Microsoft JhengHei" panose="020B0604030504040204" pitchFamily="34" charset="-120"/>
-                <a:ea typeface="Microsoft JhengHei" panose="020B0604030504040204" pitchFamily="34" charset="-120"/>
-              </a:rPr>
-              <a:t> </a:t>
-            </a:r>
-            <a:r>
-              <a:rPr lang="en-US" altLang="zh-TW" sz="5400" b="1" dirty="0">
-                <a:solidFill>
-                  <a:srgbClr val="660033"/>
-                </a:solidFill>
-                <a:latin typeface="Microsoft JhengHei" panose="020B0604030504040204" pitchFamily="34" charset="-120"/>
-                <a:ea typeface="Microsoft JhengHei" panose="020B0604030504040204" pitchFamily="34" charset="-120"/>
-              </a:rPr>
-              <a:t> </a:t>
-            </a:r>
-            <a:r>
-              <a:rPr lang="zh-TW" altLang="en-US" sz="5400" b="1" dirty="0">
-                <a:solidFill>
-                  <a:srgbClr val="660033"/>
-                </a:solidFill>
-                <a:latin typeface="Microsoft JhengHei" panose="020B0604030504040204" pitchFamily="34" charset="-120"/>
-                <a:ea typeface="Microsoft JhengHei" panose="020B0604030504040204" pitchFamily="34" charset="-120"/>
-              </a:rPr>
-              <a:t>見證主恩天天分享</a:t>
-            </a:r>
-            <a:r>
-              <a:rPr lang="en-US" altLang="zh-TW" sz="5400" b="1" dirty="0">
-                <a:solidFill>
-                  <a:srgbClr val="660033"/>
-                </a:solidFill>
-                <a:latin typeface="Microsoft JhengHei" panose="020B0604030504040204" pitchFamily="34" charset="-120"/>
-                <a:ea typeface="Microsoft JhengHei" panose="020B0604030504040204" pitchFamily="34" charset="-120"/>
-              </a:rPr>
-              <a:t> </a:t>
-            </a:r>
-            <a:r>
-              <a:rPr lang="en-US" altLang="zh-TW" sz="5400" b="1" dirty="0">
-                <a:solidFill>
-                  <a:srgbClr val="660033"/>
-                </a:solidFill>
-                <a:latin typeface="Microsoft JhengHei" panose="020B0604030504040204" pitchFamily="34" charset="-120"/>
-                <a:ea typeface="Microsoft JhengHei" panose="020B0604030504040204" pitchFamily="34" charset="-120"/>
-              </a:rPr>
-              <a:t> </a:t>
-            </a:r>
-          </a:p>
-          <a:p>
-            <a:pPr marL="0" indent="0" algn="ctr">
-              <a:buNone/>
-            </a:pPr>
-            <a:r>
-              <a:rPr lang="zh-TW" altLang="en-US" sz="5400" b="1" dirty="0">
-                <a:solidFill>
-                  <a:srgbClr val="660033"/>
-                </a:solidFill>
-                <a:latin typeface="Microsoft JhengHei" panose="020B0604030504040204" pitchFamily="34" charset="-120"/>
-                <a:ea typeface="Microsoft JhengHei" panose="020B0604030504040204" pitchFamily="34" charset="-120"/>
-              </a:rPr>
-              <a:t>以</a:t>
-            </a:r>
-            <a:r>
-              <a:rPr lang="zh-TW" altLang="en-US" sz="5400" b="1" dirty="0">
-                <a:solidFill>
-                  <a:srgbClr val="660033"/>
-                </a:solidFill>
-                <a:latin typeface="Microsoft JhengHei" panose="020B0604030504040204" pitchFamily="34" charset="-120"/>
-                <a:ea typeface="Microsoft JhengHei" panose="020B0604030504040204" pitchFamily="34" charset="-120"/>
-              </a:rPr>
-              <a:t>熱誠熱</a:t>
-            </a:r>
-            <a:r>
-              <a:rPr lang="zh-TW" altLang="en-US" sz="5400" b="1" dirty="0">
-                <a:solidFill>
-                  <a:srgbClr val="660033"/>
-                </a:solidFill>
-                <a:latin typeface="Microsoft JhengHei" panose="020B0604030504040204" pitchFamily="34" charset="-120"/>
-                <a:ea typeface="Microsoft JhengHei" panose="020B0604030504040204" pitchFamily="34" charset="-120"/>
-              </a:rPr>
-              <a:t>愛</a:t>
-            </a:r>
-            <a:r>
-              <a:rPr lang="en-US" altLang="zh-TW" sz="5400" b="1" dirty="0">
-                <a:solidFill>
-                  <a:srgbClr val="660033"/>
-                </a:solidFill>
-                <a:latin typeface="Microsoft JhengHei" panose="020B0604030504040204" pitchFamily="34" charset="-120"/>
-                <a:ea typeface="Microsoft JhengHei" panose="020B0604030504040204" pitchFamily="34" charset="-120"/>
-              </a:rPr>
-              <a:t>  </a:t>
-            </a:r>
-            <a:r>
-              <a:rPr lang="zh-TW" altLang="en-US" sz="5400" b="1" dirty="0">
-                <a:solidFill>
-                  <a:srgbClr val="660033"/>
-                </a:solidFill>
-                <a:latin typeface="Microsoft JhengHei" panose="020B0604030504040204" pitchFamily="34" charset="-120"/>
-                <a:ea typeface="Microsoft JhengHei" panose="020B0604030504040204" pitchFamily="34" charset="-120"/>
-              </a:rPr>
-              <a:t>交</a:t>
-            </a:r>
-            <a:r>
-              <a:rPr lang="zh-TW" altLang="en-US" sz="5400" b="1" dirty="0">
-                <a:solidFill>
-                  <a:srgbClr val="660033"/>
-                </a:solidFill>
-                <a:latin typeface="Microsoft JhengHei" panose="020B0604030504040204" pitchFamily="34" charset="-120"/>
-                <a:ea typeface="Microsoft JhengHei" panose="020B0604030504040204" pitchFamily="34" charset="-120"/>
-              </a:rPr>
-              <a:t>出真心去</a:t>
-            </a:r>
-            <a:r>
-              <a:rPr lang="zh-TW" altLang="en-US" sz="5400" b="1" dirty="0">
-                <a:solidFill>
-                  <a:srgbClr val="660033"/>
-                </a:solidFill>
-                <a:latin typeface="Microsoft JhengHei" panose="020B0604030504040204" pitchFamily="34" charset="-120"/>
-                <a:ea typeface="Microsoft JhengHei" panose="020B0604030504040204" pitchFamily="34" charset="-120"/>
-              </a:rPr>
-              <a:t>和</a:t>
-            </a:r>
-            <a:r>
-              <a:rPr lang="zh-TW" altLang="en-US" sz="5400" b="1" dirty="0" smtClean="0">
-                <a:solidFill>
-                  <a:srgbClr val="660033"/>
-                </a:solidFill>
-                <a:latin typeface="Microsoft JhengHei" panose="020B0604030504040204" pitchFamily="34" charset="-120"/>
-                <a:ea typeface="Microsoft JhengHei" panose="020B0604030504040204" pitchFamily="34" charset="-120"/>
-              </a:rPr>
-              <a:t>唱</a:t>
-            </a:r>
-            <a:endParaRPr lang="zh-TW" altLang="en-US" sz="5400" b="1" dirty="0">
-              <a:solidFill>
-                <a:srgbClr val="660033"/>
-              </a:solidFill>
-              <a:latin typeface="Microsoft JhengHei" panose="020B0604030504040204" pitchFamily="34" charset="-120"/>
-              <a:ea typeface="Microsoft JhengHei" panose="020B0604030504040204" pitchFamily="34" charset="-120"/>
-            </a:endParaRPr>
-          </a:p>
-        </p:txBody>
-      </p:sp>
-      <p:sp>
-        <p:nvSpPr>
-          <p:cNvPr id="6" name="Text Box 1"/>
+        </p:txBody>
+      </p:sp>
+      <p:sp>
+        <p:nvSpPr>
+          <p:cNvPr id="2" name="TextBox 1"/>
           <p:cNvSpPr txBox="1"/>
           <p:nvPr/>
         </p:nvSpPr>
         <p:spPr>
           <a:xfrm>
-            <a:off x="609600" y="1723668"/>
-            <a:ext cx="1055440" cy="923330"/>
+            <a:off x="144379" y="2303702"/>
+            <a:ext cx="1042737" cy="1107996"/>
           </a:xfrm>
           <a:prstGeom prst="rect">
             <a:avLst/>
           </a:prstGeom>
           <a:noFill/>
-          <a:ln w="9525">
-            <a:noFill/>
-            <a:miter lim="800000"/>
-          </a:ln>
         </p:spPr>
         <p:txBody>
-          <a:bodyPr wrap="square">
+          <a:bodyPr wrap="square" rtlCol="0">
             <a:spAutoFit/>
           </a:bodyPr>
           <a:lstStyle/>
           <a:p>
-            <a:pPr algn="ctr"/>
-            <a:r>
-              <a:rPr lang="en-US" sz="5400" b="1" dirty="0">
-                <a:solidFill>
-                  <a:srgbClr val="660033"/>
-                </a:solidFill>
-              </a:rPr>
-              <a:t>2</a:t>
-            </a:r>
-            <a:r>
-              <a:rPr lang="en-US" sz="5400" b="1" dirty="0" smtClean="0">
-                <a:solidFill>
-                  <a:srgbClr val="660033"/>
-                </a:solidFill>
-              </a:rPr>
-              <a:t>.</a:t>
-            </a:r>
-            <a:endParaRPr lang="en-US" sz="5400" b="1" dirty="0">
+            <a:r>
+              <a:rPr lang="en-US" sz="6600" b="1" dirty="0" smtClean="0">
+                <a:solidFill>
+                  <a:srgbClr val="660033"/>
+                </a:solidFill>
+              </a:rPr>
+              <a:t>1.</a:t>
+            </a:r>
+            <a:endParaRPr lang="vi-VN" sz="6600" b="1" dirty="0">
               <a:solidFill>
                 <a:srgbClr val="660033"/>
               </a:solidFill>
@@ -4098,7 +4372,7 @@
     </p:spTree>
     <p:extLst>
       <p:ext uri="{BB962C8B-B14F-4D97-AF65-F5344CB8AC3E}">
-        <p14:creationId xmlns:p14="http://schemas.microsoft.com/office/powerpoint/2010/main" val="3447118689"/>
+        <p14:creationId xmlns:p14="http://schemas.microsoft.com/office/powerpoint/2010/main" val="1739407854"/>
       </p:ext>
     </p:extLst>
   </p:cSld>
@@ -4127,32 +4401,40 @@
       </p:grpSpPr>
       <p:sp>
         <p:nvSpPr>
-          <p:cNvPr id="4" name="Title 3"/>
-          <p:cNvSpPr>
-            <a:spLocks noGrp="1"/>
-          </p:cNvSpPr>
-          <p:nvPr>
-            <p:ph type="title"/>
-          </p:nvPr>
-        </p:nvSpPr>
-        <p:spPr/>
-        <p:txBody>
-          <a:bodyPr>
+          <p:cNvPr id="5" name="內容版面配置區 4"/>
+          <p:cNvSpPr>
+            <a:spLocks noGrp="1"/>
+          </p:cNvSpPr>
+          <p:nvPr>
+            <p:ph idx="1"/>
+          </p:nvPr>
+        </p:nvSpPr>
+        <p:spPr>
+          <a:xfrm>
+            <a:off x="0" y="2084851"/>
+            <a:ext cx="12192000" cy="2404863"/>
+          </a:xfrm>
+        </p:spPr>
+        <p:txBody>
+          <a:bodyPr anchor="ctr">
             <a:normAutofit/>
           </a:bodyPr>
           <a:lstStyle/>
           <a:p>
-            <a:r>
-              <a:rPr lang="zh-TW" altLang="en-US" sz="4800" b="1" dirty="0">
+            <a:pPr marL="0" indent="0" algn="ctr">
+              <a:buNone/>
+            </a:pPr>
+            <a:r>
+              <a:rPr lang="zh-TW" altLang="en-US" sz="6400" b="1" dirty="0">
                 <a:solidFill>
                   <a:srgbClr val="660033"/>
                 </a:solidFill>
                 <a:latin typeface="Microsoft JhengHei" panose="020B0604030504040204" pitchFamily="34" charset="-120"/>
                 <a:ea typeface="Microsoft JhengHei" panose="020B0604030504040204" pitchFamily="34" charset="-120"/>
               </a:rPr>
-              <a:t>問我主恩有幾多</a:t>
-            </a:r>
-            <a:endParaRPr lang="en-US" altLang="zh-CN" sz="4800" b="1" dirty="0">
+              <a:t>究竟點解無苦楚</a:t>
+            </a:r>
+            <a:endParaRPr lang="en-US" altLang="zh-TW" sz="6400" b="1" dirty="0">
               <a:solidFill>
                 <a:srgbClr val="660033"/>
               </a:solidFill>
@@ -4160,44 +4442,21 @@
               <a:ea typeface="Microsoft JhengHei" panose="020B0604030504040204" pitchFamily="34" charset="-120"/>
             </a:endParaRPr>
           </a:p>
-        </p:txBody>
-      </p:sp>
-      <p:sp>
-        <p:nvSpPr>
-          <p:cNvPr id="5" name="Content Placeholder 4"/>
-          <p:cNvSpPr>
-            <a:spLocks noGrp="1"/>
-          </p:cNvSpPr>
-          <p:nvPr>
-            <p:ph idx="1"/>
-          </p:nvPr>
-        </p:nvSpPr>
-        <p:spPr>
-          <a:xfrm>
-            <a:off x="0" y="1600203"/>
-            <a:ext cx="12192000" cy="4525963"/>
-          </a:xfrm>
-        </p:spPr>
-        <p:txBody>
-          <a:bodyPr>
-            <a:noAutofit/>
-          </a:bodyPr>
-          <a:lstStyle/>
           <a:p>
             <a:pPr marL="0" indent="0" algn="ctr">
               <a:buNone/>
             </a:pPr>
             <a:r>
-              <a:rPr lang="zh-TW" altLang="en-US" sz="5400" b="1" dirty="0">
+              <a:rPr lang="zh-TW" altLang="en-US" sz="6400" b="1" dirty="0">
                 <a:solidFill>
                   <a:srgbClr val="660033"/>
                 </a:solidFill>
                 <a:latin typeface="Microsoft JhengHei" panose="020B0604030504040204" pitchFamily="34" charset="-120"/>
                 <a:ea typeface="Microsoft JhengHei" panose="020B0604030504040204" pitchFamily="34" charset="-120"/>
               </a:rPr>
-              <a:t>回望已過去的我</a:t>
-            </a:r>
-            <a:endParaRPr lang="en-US" altLang="zh-TW" sz="5400" b="1" dirty="0">
+              <a:t>我笑住回答講一聲主愛我</a:t>
+            </a:r>
+            <a:endParaRPr lang="zh-TW" altLang="en-US" sz="6400" b="1" dirty="0">
               <a:solidFill>
                 <a:srgbClr val="660033"/>
               </a:solidFill>
@@ -4205,171 +4464,39 @@
               <a:ea typeface="Microsoft JhengHei" panose="020B0604030504040204" pitchFamily="34" charset="-120"/>
             </a:endParaRPr>
           </a:p>
-          <a:p>
-            <a:pPr marL="0" indent="0" algn="ctr">
-              <a:buNone/>
-            </a:pPr>
-            <a:r>
-              <a:rPr lang="zh-TW" altLang="en-US" sz="5400" b="1" dirty="0">
-                <a:solidFill>
-                  <a:srgbClr val="660033"/>
-                </a:solidFill>
-                <a:latin typeface="Microsoft JhengHei" panose="020B0604030504040204" pitchFamily="34" charset="-120"/>
-                <a:ea typeface="Microsoft JhengHei" panose="020B0604030504040204" pitchFamily="34" charset="-120"/>
-              </a:rPr>
-              <a:t>像幽容走</a:t>
-            </a:r>
-            <a:r>
-              <a:rPr lang="zh-TW" altLang="en-US" sz="5400" b="1" dirty="0">
-                <a:solidFill>
-                  <a:srgbClr val="660033"/>
-                </a:solidFill>
-                <a:latin typeface="Microsoft JhengHei" panose="020B0604030504040204" pitchFamily="34" charset="-120"/>
-                <a:ea typeface="Microsoft JhengHei" panose="020B0604030504040204" pitchFamily="34" charset="-120"/>
-              </a:rPr>
-              <a:t>過  愁  憎  厭</a:t>
-            </a:r>
-            <a:r>
-              <a:rPr lang="zh-TW" altLang="en-US" sz="5400" b="1" dirty="0">
-                <a:solidFill>
-                  <a:srgbClr val="660033"/>
-                </a:solidFill>
-                <a:latin typeface="Microsoft JhengHei" panose="020B0604030504040204" pitchFamily="34" charset="-120"/>
-                <a:ea typeface="Microsoft JhengHei" panose="020B0604030504040204" pitchFamily="34" charset="-120"/>
-              </a:rPr>
-              <a:t>煩</a:t>
-            </a:r>
-            <a:endParaRPr lang="en-US" altLang="zh-TW" sz="5400" b="1" dirty="0">
-              <a:solidFill>
-                <a:srgbClr val="660033"/>
-              </a:solidFill>
-              <a:latin typeface="Microsoft JhengHei" panose="020B0604030504040204" pitchFamily="34" charset="-120"/>
-              <a:ea typeface="Microsoft JhengHei" panose="020B0604030504040204" pitchFamily="34" charset="-120"/>
-            </a:endParaRPr>
-          </a:p>
-          <a:p>
-            <a:pPr marL="0" indent="0" algn="ctr">
-              <a:buNone/>
-            </a:pPr>
-            <a:r>
-              <a:rPr lang="zh-TW" altLang="en-US" sz="5400" b="1" dirty="0">
-                <a:solidFill>
-                  <a:srgbClr val="660033"/>
-                </a:solidFill>
-                <a:latin typeface="Microsoft JhengHei" panose="020B0604030504040204" pitchFamily="34" charset="-120"/>
-                <a:ea typeface="Microsoft JhengHei" panose="020B0604030504040204" pitchFamily="34" charset="-120"/>
-              </a:rPr>
-              <a:t>恨怨</a:t>
-            </a:r>
-            <a:r>
-              <a:rPr lang="zh-TW" altLang="en-US" sz="5400" b="1" dirty="0">
-                <a:solidFill>
-                  <a:srgbClr val="660033"/>
-                </a:solidFill>
-                <a:latin typeface="Microsoft JhengHei" panose="020B0604030504040204" pitchFamily="34" charset="-120"/>
-                <a:ea typeface="Microsoft JhengHei" panose="020B0604030504040204" pitchFamily="34" charset="-120"/>
-              </a:rPr>
-              <a:t>多  憑</a:t>
-            </a:r>
-            <a:r>
-              <a:rPr lang="zh-TW" altLang="en-US" sz="5400" b="1" dirty="0">
-                <a:solidFill>
-                  <a:srgbClr val="660033"/>
-                </a:solidFill>
-                <a:latin typeface="Microsoft JhengHei" panose="020B0604030504040204" pitchFamily="34" charset="-120"/>
-                <a:ea typeface="Microsoft JhengHei" panose="020B0604030504040204" pitchFamily="34" charset="-120"/>
-              </a:rPr>
-              <a:t>著信懊悔改過</a:t>
-            </a:r>
-            <a:endParaRPr lang="en-US" altLang="zh-TW" sz="5400" b="1" dirty="0">
-              <a:solidFill>
-                <a:srgbClr val="660033"/>
-              </a:solidFill>
-              <a:latin typeface="Microsoft JhengHei" panose="020B0604030504040204" pitchFamily="34" charset="-120"/>
-              <a:ea typeface="Microsoft JhengHei" panose="020B0604030504040204" pitchFamily="34" charset="-120"/>
-            </a:endParaRPr>
-          </a:p>
-          <a:p>
-            <a:pPr marL="0" indent="0" algn="ctr">
-              <a:buNone/>
-            </a:pPr>
-            <a:r>
-              <a:rPr lang="zh-TW" altLang="en-US" sz="5400" b="1" dirty="0">
-                <a:solidFill>
-                  <a:srgbClr val="660033"/>
-                </a:solidFill>
-                <a:latin typeface="Microsoft JhengHei" panose="020B0604030504040204" pitchFamily="34" charset="-120"/>
-                <a:ea typeface="Microsoft JhengHei" panose="020B0604030504040204" pitchFamily="34" charset="-120"/>
-              </a:rPr>
-              <a:t>天天開心</a:t>
-            </a:r>
-            <a:r>
-              <a:rPr lang="zh-TW" altLang="en-US" sz="5400" b="1" dirty="0">
-                <a:solidFill>
-                  <a:srgbClr val="660033"/>
-                </a:solidFill>
-                <a:latin typeface="Microsoft JhengHei" panose="020B0604030504040204" pitchFamily="34" charset="-120"/>
-                <a:ea typeface="Microsoft JhengHei" panose="020B0604030504040204" pitchFamily="34" charset="-120"/>
-              </a:rPr>
-              <a:t>過  求</a:t>
-            </a:r>
-            <a:r>
-              <a:rPr lang="zh-TW" altLang="en-US" sz="5400" b="1" dirty="0">
-                <a:solidFill>
-                  <a:srgbClr val="660033"/>
-                </a:solidFill>
-                <a:latin typeface="Microsoft JhengHei" panose="020B0604030504040204" pitchFamily="34" charset="-120"/>
-                <a:ea typeface="Microsoft JhengHei" panose="020B0604030504040204" pitchFamily="34" charset="-120"/>
-              </a:rPr>
-              <a:t>主聖靈更新我</a:t>
-            </a:r>
-          </a:p>
-        </p:txBody>
-      </p:sp>
-      <p:sp>
-        <p:nvSpPr>
-          <p:cNvPr id="6" name="Text Box 1"/>
+        </p:txBody>
+      </p:sp>
+      <p:sp>
+        <p:nvSpPr>
+          <p:cNvPr id="2" name="TextBox 1"/>
           <p:cNvSpPr txBox="1"/>
           <p:nvPr/>
         </p:nvSpPr>
         <p:spPr>
           <a:xfrm>
-            <a:off x="609600" y="1723668"/>
-            <a:ext cx="1055440" cy="923330"/>
+            <a:off x="144379" y="2303702"/>
+            <a:ext cx="1042737" cy="1107996"/>
           </a:xfrm>
           <a:prstGeom prst="rect">
             <a:avLst/>
           </a:prstGeom>
           <a:noFill/>
-          <a:ln w="9525">
-            <a:noFill/>
-            <a:miter lim="800000"/>
-          </a:ln>
         </p:spPr>
         <p:txBody>
-          <a:bodyPr wrap="square">
+          <a:bodyPr wrap="square" rtlCol="0">
             <a:spAutoFit/>
           </a:bodyPr>
           <a:lstStyle/>
           <a:p>
-            <a:pPr algn="ctr"/>
-            <a:r>
-              <a:rPr lang="en-US" sz="5400" b="1" dirty="0">
-                <a:solidFill>
-                  <a:srgbClr val="660033"/>
-                </a:solidFill>
-              </a:rPr>
-              <a:t>2</a:t>
-            </a:r>
-            <a:r>
-              <a:rPr lang="en-US" sz="5400" b="1" dirty="0" smtClean="0">
-                <a:solidFill>
-                  <a:srgbClr val="660033"/>
-                </a:solidFill>
-              </a:rPr>
-              <a:t>.</a:t>
-            </a:r>
-            <a:endParaRPr lang="en-US" sz="5400" b="1" dirty="0">
+            <a:r>
+              <a:rPr lang="en-US" sz="6600" b="1" dirty="0" smtClean="0">
+                <a:solidFill>
+                  <a:srgbClr val="660033"/>
+                </a:solidFill>
+              </a:rPr>
+              <a:t>1.</a:t>
+            </a:r>
+            <a:endParaRPr lang="vi-VN" sz="6600" b="1" dirty="0">
               <a:solidFill>
                 <a:srgbClr val="660033"/>
               </a:solidFill>
@@ -4380,7 +4507,7 @@
     </p:spTree>
     <p:extLst>
       <p:ext uri="{BB962C8B-B14F-4D97-AF65-F5344CB8AC3E}">
-        <p14:creationId xmlns:p14="http://schemas.microsoft.com/office/powerpoint/2010/main" val="2774881694"/>
+        <p14:creationId xmlns:p14="http://schemas.microsoft.com/office/powerpoint/2010/main" val="264463034"/>
       </p:ext>
     </p:extLst>
   </p:cSld>
@@ -4409,32 +4536,40 @@
       </p:grpSpPr>
       <p:sp>
         <p:nvSpPr>
-          <p:cNvPr id="4" name="Title 3"/>
-          <p:cNvSpPr>
-            <a:spLocks noGrp="1"/>
-          </p:cNvSpPr>
-          <p:nvPr>
-            <p:ph type="title"/>
-          </p:nvPr>
-        </p:nvSpPr>
-        <p:spPr/>
-        <p:txBody>
-          <a:bodyPr>
+          <p:cNvPr id="5" name="內容版面配置區 4"/>
+          <p:cNvSpPr>
+            <a:spLocks noGrp="1"/>
+          </p:cNvSpPr>
+          <p:nvPr>
+            <p:ph idx="1"/>
+          </p:nvPr>
+        </p:nvSpPr>
+        <p:spPr>
+          <a:xfrm>
+            <a:off x="0" y="2084851"/>
+            <a:ext cx="12192000" cy="2404863"/>
+          </a:xfrm>
+        </p:spPr>
+        <p:txBody>
+          <a:bodyPr anchor="ctr">
             <a:normAutofit/>
           </a:bodyPr>
           <a:lstStyle/>
           <a:p>
-            <a:r>
-              <a:rPr lang="zh-TW" altLang="en-US" sz="4800" b="1" dirty="0">
+            <a:pPr marL="0" indent="0" algn="ctr">
+              <a:buNone/>
+            </a:pPr>
+            <a:r>
+              <a:rPr lang="zh-TW" altLang="en-US" sz="6400" b="1" dirty="0">
                 <a:solidFill>
                   <a:srgbClr val="660033"/>
                 </a:solidFill>
                 <a:latin typeface="Microsoft JhengHei" panose="020B0604030504040204" pitchFamily="34" charset="-120"/>
                 <a:ea typeface="Microsoft JhengHei" panose="020B0604030504040204" pitchFamily="34" charset="-120"/>
               </a:rPr>
-              <a:t>問我主恩有幾多</a:t>
-            </a:r>
-            <a:endParaRPr lang="en-US" altLang="zh-CN" sz="4800" b="1" dirty="0">
+              <a:t>無論我有百般對   </a:t>
+            </a:r>
+            <a:endParaRPr lang="en-US" altLang="zh-TW" sz="6400" b="1" dirty="0">
               <a:solidFill>
                 <a:srgbClr val="660033"/>
               </a:solidFill>
@@ -4442,44 +4577,41 @@
               <a:ea typeface="Microsoft JhengHei" panose="020B0604030504040204" pitchFamily="34" charset="-120"/>
             </a:endParaRPr>
           </a:p>
-        </p:txBody>
-      </p:sp>
-      <p:sp>
-        <p:nvSpPr>
-          <p:cNvPr id="5" name="Content Placeholder 4"/>
-          <p:cNvSpPr>
-            <a:spLocks noGrp="1"/>
-          </p:cNvSpPr>
-          <p:nvPr>
-            <p:ph idx="1"/>
-          </p:nvPr>
-        </p:nvSpPr>
-        <p:spPr>
-          <a:xfrm>
-            <a:off x="0" y="1600203"/>
-            <a:ext cx="12192000" cy="4525963"/>
-          </a:xfrm>
-        </p:spPr>
-        <p:txBody>
-          <a:bodyPr>
-            <a:noAutofit/>
-          </a:bodyPr>
-          <a:lstStyle/>
           <a:p>
             <a:pPr marL="0" indent="0" algn="ctr">
               <a:buNone/>
             </a:pPr>
             <a:r>
-              <a:rPr lang="zh-TW" altLang="en-US" sz="5400" b="1" dirty="0">
+              <a:rPr lang="zh-TW" altLang="en-US" sz="6400" b="1" dirty="0">
                 <a:solidFill>
                   <a:srgbClr val="660033"/>
                 </a:solidFill>
                 <a:latin typeface="Microsoft JhengHei" panose="020B0604030504040204" pitchFamily="34" charset="-120"/>
                 <a:ea typeface="Microsoft JhengHei" panose="020B0604030504040204" pitchFamily="34" charset="-120"/>
               </a:rPr>
-              <a:t>現我天天敞開心窩</a:t>
-            </a:r>
-            <a:endParaRPr lang="en-US" altLang="zh-TW" sz="5400" b="1" dirty="0">
+              <a:t>或者千般錯</a:t>
+            </a:r>
+            <a:r>
+              <a:rPr lang="en-US" altLang="zh-TW" sz="6400" b="1" dirty="0">
+                <a:solidFill>
+                  <a:srgbClr val="660033"/>
+                </a:solidFill>
+                <a:latin typeface="Microsoft JhengHei" panose="020B0604030504040204" pitchFamily="34" charset="-120"/>
+                <a:ea typeface="Microsoft JhengHei" panose="020B0604030504040204" pitchFamily="34" charset="-120"/>
+              </a:rPr>
+              <a:t>  </a:t>
+            </a:r>
+            <a:r>
+              <a:rPr lang="zh-TW" altLang="en-US" sz="6400" b="1" dirty="0">
+                <a:solidFill>
+                  <a:srgbClr val="660033"/>
+                </a:solidFill>
+                <a:latin typeface="Microsoft JhengHei" panose="020B0604030504040204" pitchFamily="34" charset="-120"/>
+                <a:ea typeface="Microsoft JhengHei" panose="020B0604030504040204" pitchFamily="34" charset="-120"/>
+              </a:rPr>
+              <a:t>耶穌已承受結果</a:t>
+            </a:r>
+            <a:endParaRPr lang="zh-TW" altLang="en-US" sz="6400" b="1" dirty="0">
               <a:solidFill>
                 <a:srgbClr val="660033"/>
               </a:solidFill>
@@ -4487,21 +4619,127 @@
               <a:ea typeface="Microsoft JhengHei" panose="020B0604030504040204" pitchFamily="34" charset="-120"/>
             </a:endParaRPr>
           </a:p>
+        </p:txBody>
+      </p:sp>
+      <p:sp>
+        <p:nvSpPr>
+          <p:cNvPr id="2" name="TextBox 1"/>
+          <p:cNvSpPr txBox="1"/>
+          <p:nvPr/>
+        </p:nvSpPr>
+        <p:spPr>
+          <a:xfrm>
+            <a:off x="144379" y="2303702"/>
+            <a:ext cx="1042737" cy="1107996"/>
+          </a:xfrm>
+          <a:prstGeom prst="rect">
+            <a:avLst/>
+          </a:prstGeom>
+          <a:noFill/>
+        </p:spPr>
+        <p:txBody>
+          <a:bodyPr wrap="square" rtlCol="0">
+            <a:spAutoFit/>
+          </a:bodyPr>
+          <a:lstStyle/>
+          <a:p>
+            <a:r>
+              <a:rPr lang="en-US" sz="6600" b="1" dirty="0" smtClean="0">
+                <a:solidFill>
+                  <a:srgbClr val="660033"/>
+                </a:solidFill>
+              </a:rPr>
+              <a:t>1.</a:t>
+            </a:r>
+            <a:endParaRPr lang="vi-VN" sz="6600" b="1" dirty="0">
+              <a:solidFill>
+                <a:srgbClr val="660033"/>
+              </a:solidFill>
+            </a:endParaRPr>
+          </a:p>
+        </p:txBody>
+      </p:sp>
+    </p:spTree>
+    <p:extLst>
+      <p:ext uri="{BB962C8B-B14F-4D97-AF65-F5344CB8AC3E}">
+        <p14:creationId xmlns:p14="http://schemas.microsoft.com/office/powerpoint/2010/main" val="912152432"/>
+      </p:ext>
+    </p:extLst>
+  </p:cSld>
+  <p:clrMapOvr>
+    <a:masterClrMapping/>
+  </p:clrMapOvr>
+</p:sld>
+</file>
+
+<file path=ppt/slides/slide6.xml><?xml version="1.0" encoding="utf-8"?>
+<p:sld xmlns:a="http://schemas.openxmlformats.org/drawingml/2006/main" xmlns:r="http://schemas.openxmlformats.org/officeDocument/2006/relationships" xmlns:p="http://schemas.openxmlformats.org/presentationml/2006/main">
+  <p:cSld>
+    <p:spTree>
+      <p:nvGrpSpPr>
+        <p:cNvPr id="1" name=""/>
+        <p:cNvGrpSpPr/>
+        <p:nvPr/>
+      </p:nvGrpSpPr>
+      <p:grpSpPr>
+        <a:xfrm>
+          <a:off x="0" y="0"/>
+          <a:ext cx="0" cy="0"/>
+          <a:chOff x="0" y="0"/>
+          <a:chExt cx="0" cy="0"/>
+        </a:xfrm>
+      </p:grpSpPr>
+      <p:sp>
+        <p:nvSpPr>
+          <p:cNvPr id="5" name="內容版面配置區 4"/>
+          <p:cNvSpPr>
+            <a:spLocks noGrp="1"/>
+          </p:cNvSpPr>
+          <p:nvPr>
+            <p:ph idx="1"/>
+          </p:nvPr>
+        </p:nvSpPr>
+        <p:spPr>
+          <a:xfrm>
+            <a:off x="0" y="2084851"/>
+            <a:ext cx="12192000" cy="2404863"/>
+          </a:xfrm>
+        </p:spPr>
+        <p:txBody>
+          <a:bodyPr anchor="ctr">
+            <a:normAutofit/>
+          </a:bodyPr>
+          <a:lstStyle/>
           <a:p>
             <a:pPr marL="0" indent="0" algn="ctr">
               <a:buNone/>
             </a:pPr>
             <a:r>
-              <a:rPr lang="zh-TW" altLang="en-US" sz="5400" b="1" dirty="0">
+              <a:rPr lang="zh-TW" altLang="en-US" sz="6400" b="1" dirty="0">
                 <a:solidFill>
                   <a:srgbClr val="660033"/>
                 </a:solidFill>
                 <a:latin typeface="Microsoft JhengHei" panose="020B0604030504040204" pitchFamily="34" charset="-120"/>
                 <a:ea typeface="Microsoft JhengHei" panose="020B0604030504040204" pitchFamily="34" charset="-120"/>
               </a:rPr>
-              <a:t>放低心中千斤枷鎖</a:t>
-            </a:r>
-            <a:endParaRPr lang="en-US" altLang="zh-TW" sz="5400" b="1" dirty="0">
+              <a:t>面對世界一切</a:t>
+            </a:r>
+          </a:p>
+          <a:p>
+            <a:pPr marL="0" indent="0" algn="ctr">
+              <a:buNone/>
+            </a:pPr>
+            <a:r>
+              <a:rPr lang="zh-TW" altLang="en-US" sz="6400" b="1" dirty="0">
+                <a:solidFill>
+                  <a:srgbClr val="660033"/>
+                </a:solidFill>
+                <a:latin typeface="Microsoft JhengHei" panose="020B0604030504040204" pitchFamily="34" charset="-120"/>
+                <a:ea typeface="Microsoft JhengHei" panose="020B0604030504040204" pitchFamily="34" charset="-120"/>
+              </a:rPr>
+              <a:t>那怕會如何  全心靠耶穌經過</a:t>
+            </a:r>
+            <a:endParaRPr lang="zh-TW" altLang="en-US" sz="6400" b="1" dirty="0">
               <a:solidFill>
                 <a:srgbClr val="660033"/>
               </a:solidFill>
@@ -4509,71 +4747,112 @@
               <a:ea typeface="Microsoft JhengHei" panose="020B0604030504040204" pitchFamily="34" charset="-120"/>
             </a:endParaRPr>
           </a:p>
+        </p:txBody>
+      </p:sp>
+      <p:sp>
+        <p:nvSpPr>
+          <p:cNvPr id="2" name="TextBox 1"/>
+          <p:cNvSpPr txBox="1"/>
+          <p:nvPr/>
+        </p:nvSpPr>
+        <p:spPr>
+          <a:xfrm>
+            <a:off x="144379" y="2303702"/>
+            <a:ext cx="1042737" cy="1107996"/>
+          </a:xfrm>
+          <a:prstGeom prst="rect">
+            <a:avLst/>
+          </a:prstGeom>
+          <a:noFill/>
+        </p:spPr>
+        <p:txBody>
+          <a:bodyPr wrap="square" rtlCol="0">
+            <a:spAutoFit/>
+          </a:bodyPr>
+          <a:lstStyle/>
+          <a:p>
+            <a:r>
+              <a:rPr lang="en-US" sz="6600" b="1" dirty="0" smtClean="0">
+                <a:solidFill>
+                  <a:srgbClr val="660033"/>
+                </a:solidFill>
+              </a:rPr>
+              <a:t>1.</a:t>
+            </a:r>
+            <a:endParaRPr lang="vi-VN" sz="6600" b="1" dirty="0">
+              <a:solidFill>
+                <a:srgbClr val="660033"/>
+              </a:solidFill>
+            </a:endParaRPr>
+          </a:p>
+        </p:txBody>
+      </p:sp>
+    </p:spTree>
+    <p:extLst>
+      <p:ext uri="{BB962C8B-B14F-4D97-AF65-F5344CB8AC3E}">
+        <p14:creationId xmlns:p14="http://schemas.microsoft.com/office/powerpoint/2010/main" val="461255025"/>
+      </p:ext>
+    </p:extLst>
+  </p:cSld>
+  <p:clrMapOvr>
+    <a:masterClrMapping/>
+  </p:clrMapOvr>
+</p:sld>
+</file>
+
+<file path=ppt/slides/slide7.xml><?xml version="1.0" encoding="utf-8"?>
+<p:sld xmlns:a="http://schemas.openxmlformats.org/drawingml/2006/main" xmlns:r="http://schemas.openxmlformats.org/officeDocument/2006/relationships" xmlns:p="http://schemas.openxmlformats.org/presentationml/2006/main">
+  <p:cSld>
+    <p:spTree>
+      <p:nvGrpSpPr>
+        <p:cNvPr id="1" name=""/>
+        <p:cNvGrpSpPr/>
+        <p:nvPr/>
+      </p:nvGrpSpPr>
+      <p:grpSpPr>
+        <a:xfrm>
+          <a:off x="0" y="0"/>
+          <a:ext cx="0" cy="0"/>
+          <a:chOff x="0" y="0"/>
+          <a:chExt cx="0" cy="0"/>
+        </a:xfrm>
+      </p:grpSpPr>
+      <p:sp>
+        <p:nvSpPr>
+          <p:cNvPr id="5" name="內容版面配置區 4"/>
+          <p:cNvSpPr>
+            <a:spLocks noGrp="1"/>
+          </p:cNvSpPr>
+          <p:nvPr>
+            <p:ph idx="1"/>
+          </p:nvPr>
+        </p:nvSpPr>
+        <p:spPr>
+          <a:xfrm>
+            <a:off x="0" y="2084851"/>
+            <a:ext cx="12192000" cy="2404863"/>
+          </a:xfrm>
+        </p:spPr>
+        <p:txBody>
+          <a:bodyPr anchor="ctr">
+            <a:normAutofit/>
+          </a:bodyPr>
+          <a:lstStyle/>
           <a:p>
             <a:pPr marL="0" indent="0" algn="ctr">
               <a:buNone/>
             </a:pPr>
             <a:r>
-              <a:rPr lang="zh-TW" altLang="en-US" sz="5400" b="1" dirty="0">
+              <a:rPr lang="zh-TW" altLang="en-US" sz="6400" b="1" dirty="0">
                 <a:solidFill>
                   <a:srgbClr val="660033"/>
                 </a:solidFill>
                 <a:latin typeface="Microsoft JhengHei" panose="020B0604030504040204" pitchFamily="34" charset="-120"/>
                 <a:ea typeface="Microsoft JhengHei" panose="020B0604030504040204" pitchFamily="34" charset="-120"/>
               </a:rPr>
-              <a:t>細味神話</a:t>
-            </a:r>
-            <a:r>
-              <a:rPr lang="zh-TW" altLang="en-US" sz="5400" b="1" dirty="0">
-                <a:solidFill>
-                  <a:srgbClr val="660033"/>
-                </a:solidFill>
-                <a:latin typeface="Microsoft JhengHei" panose="020B0604030504040204" pitchFamily="34" charset="-120"/>
-                <a:ea typeface="Microsoft JhengHei" panose="020B0604030504040204" pitchFamily="34" charset="-120"/>
-              </a:rPr>
-              <a:t>語</a:t>
-            </a:r>
-            <a:r>
-              <a:rPr lang="en-US" altLang="zh-TW" sz="5400" b="1" dirty="0">
-                <a:solidFill>
-                  <a:srgbClr val="660033"/>
-                </a:solidFill>
-                <a:latin typeface="Microsoft JhengHei" panose="020B0604030504040204" pitchFamily="34" charset="-120"/>
-                <a:ea typeface="Microsoft JhengHei" panose="020B0604030504040204" pitchFamily="34" charset="-120"/>
-              </a:rPr>
-              <a:t>  </a:t>
-            </a:r>
-            <a:r>
-              <a:rPr lang="zh-TW" altLang="en-US" sz="5400" b="1" dirty="0">
-                <a:solidFill>
-                  <a:srgbClr val="660033"/>
-                </a:solidFill>
-                <a:latin typeface="Microsoft JhengHei" panose="020B0604030504040204" pitchFamily="34" charset="-120"/>
-                <a:ea typeface="Microsoft JhengHei" panose="020B0604030504040204" pitchFamily="34" charset="-120"/>
-              </a:rPr>
-              <a:t>謹</a:t>
-            </a:r>
-            <a:r>
-              <a:rPr lang="zh-TW" altLang="en-US" sz="5400" b="1" dirty="0">
-                <a:solidFill>
-                  <a:srgbClr val="660033"/>
-                </a:solidFill>
-                <a:latin typeface="Microsoft JhengHei" panose="020B0604030504040204" pitchFamily="34" charset="-120"/>
-                <a:ea typeface="Microsoft JhengHei" panose="020B0604030504040204" pitchFamily="34" charset="-120"/>
-              </a:rPr>
-              <a:t>遵教誨細意思</a:t>
-            </a:r>
-            <a:r>
-              <a:rPr lang="zh-TW" altLang="en-US" sz="5400" b="1" dirty="0">
-                <a:solidFill>
-                  <a:srgbClr val="660033"/>
-                </a:solidFill>
-                <a:latin typeface="Microsoft JhengHei" panose="020B0604030504040204" pitchFamily="34" charset="-120"/>
-                <a:ea typeface="Microsoft JhengHei" panose="020B0604030504040204" pitchFamily="34" charset="-120"/>
-              </a:rPr>
-              <a:t>想</a:t>
-            </a:r>
-            <a:endParaRPr lang="en-US" altLang="zh-TW" sz="5400" b="1" dirty="0">
+              <a:t>問我當初信靠經過</a:t>
+            </a:r>
+            <a:endParaRPr lang="en-US" altLang="zh-TW" sz="6400" b="1" dirty="0">
               <a:solidFill>
                 <a:srgbClr val="660033"/>
               </a:solidFill>
@@ -4586,56 +4865,16 @@
               <a:buNone/>
             </a:pPr>
             <a:r>
-              <a:rPr lang="zh-TW" altLang="en-US" sz="5400" b="1" dirty="0">
+              <a:rPr lang="zh-TW" altLang="en-US" sz="6400" b="1" dirty="0">
                 <a:solidFill>
                   <a:srgbClr val="660033"/>
                 </a:solidFill>
                 <a:latin typeface="Microsoft JhengHei" panose="020B0604030504040204" pitchFamily="34" charset="-120"/>
                 <a:ea typeface="Microsoft JhengHei" panose="020B0604030504040204" pitchFamily="34" charset="-120"/>
               </a:rPr>
-              <a:t>念記基督犧牲的</a:t>
-            </a:r>
-            <a:r>
-              <a:rPr lang="zh-TW" altLang="en-US" sz="5400" b="1" dirty="0">
-                <a:solidFill>
-                  <a:srgbClr val="660033"/>
-                </a:solidFill>
-                <a:latin typeface="Microsoft JhengHei" panose="020B0604030504040204" pitchFamily="34" charset="-120"/>
-                <a:ea typeface="Microsoft JhengHei" panose="020B0604030504040204" pitchFamily="34" charset="-120"/>
-              </a:rPr>
-              <a:t>愛</a:t>
-            </a:r>
-            <a:r>
-              <a:rPr lang="en-US" altLang="zh-TW" sz="5400" b="1" dirty="0">
-                <a:solidFill>
-                  <a:srgbClr val="660033"/>
-                </a:solidFill>
-                <a:latin typeface="Microsoft JhengHei" panose="020B0604030504040204" pitchFamily="34" charset="-120"/>
-                <a:ea typeface="Microsoft JhengHei" panose="020B0604030504040204" pitchFamily="34" charset="-120"/>
-              </a:rPr>
-              <a:t>  </a:t>
-            </a:r>
-            <a:r>
-              <a:rPr lang="zh-TW" altLang="en-US" sz="5400" b="1" dirty="0">
-                <a:solidFill>
-                  <a:srgbClr val="660033"/>
-                </a:solidFill>
-                <a:latin typeface="Microsoft JhengHei" panose="020B0604030504040204" pitchFamily="34" charset="-120"/>
-                <a:ea typeface="Microsoft JhengHei" panose="020B0604030504040204" pitchFamily="34" charset="-120"/>
-              </a:rPr>
-              <a:t>十</a:t>
-            </a:r>
-            <a:r>
-              <a:rPr lang="zh-TW" altLang="en-US" sz="5400" b="1" dirty="0">
-                <a:solidFill>
-                  <a:srgbClr val="660033"/>
-                </a:solidFill>
-                <a:latin typeface="Microsoft JhengHei" panose="020B0604030504040204" pitchFamily="34" charset="-120"/>
-                <a:ea typeface="Microsoft JhengHei" panose="020B0604030504040204" pitchFamily="34" charset="-120"/>
-              </a:rPr>
-              <a:t>架釘身種種苦楚</a:t>
-            </a:r>
-            <a:endParaRPr lang="en-US" altLang="zh-TW" sz="5400" b="1" dirty="0">
+              <a:t>有主天天輕撫心窩</a:t>
+            </a:r>
+            <a:endParaRPr lang="en-US" altLang="zh-TW" sz="6400" b="1" dirty="0">
               <a:solidFill>
                 <a:srgbClr val="660033"/>
               </a:solidFill>
@@ -4643,71 +4882,140 @@
               <a:ea typeface="Microsoft JhengHei" panose="020B0604030504040204" pitchFamily="34" charset="-120"/>
             </a:endParaRPr>
           </a:p>
+        </p:txBody>
+      </p:sp>
+      <p:sp>
+        <p:nvSpPr>
+          <p:cNvPr id="2" name="TextBox 1"/>
+          <p:cNvSpPr txBox="1"/>
+          <p:nvPr/>
+        </p:nvSpPr>
+        <p:spPr>
+          <a:xfrm>
+            <a:off x="144379" y="2303702"/>
+            <a:ext cx="1042737" cy="1107996"/>
+          </a:xfrm>
+          <a:prstGeom prst="rect">
+            <a:avLst/>
+          </a:prstGeom>
+          <a:noFill/>
+        </p:spPr>
+        <p:txBody>
+          <a:bodyPr wrap="square" rtlCol="0">
+            <a:spAutoFit/>
+          </a:bodyPr>
+          <a:lstStyle/>
+          <a:p>
+            <a:r>
+              <a:rPr lang="en-US" sz="6600" b="1" dirty="0">
+                <a:solidFill>
+                  <a:srgbClr val="660033"/>
+                </a:solidFill>
+              </a:rPr>
+              <a:t>2</a:t>
+            </a:r>
+            <a:r>
+              <a:rPr lang="en-US" sz="6600" b="1" dirty="0" smtClean="0">
+                <a:solidFill>
+                  <a:srgbClr val="660033"/>
+                </a:solidFill>
+              </a:rPr>
+              <a:t>.</a:t>
+            </a:r>
+            <a:endParaRPr lang="vi-VN" sz="6600" b="1" dirty="0">
+              <a:solidFill>
+                <a:srgbClr val="660033"/>
+              </a:solidFill>
+            </a:endParaRPr>
+          </a:p>
+        </p:txBody>
+      </p:sp>
+    </p:spTree>
+    <p:extLst>
+      <p:ext uri="{BB962C8B-B14F-4D97-AF65-F5344CB8AC3E}">
+        <p14:creationId xmlns:p14="http://schemas.microsoft.com/office/powerpoint/2010/main" val="2696999186"/>
+      </p:ext>
+    </p:extLst>
+  </p:cSld>
+  <p:clrMapOvr>
+    <a:masterClrMapping/>
+  </p:clrMapOvr>
+</p:sld>
+</file>
+
+<file path=ppt/slides/slide8.xml><?xml version="1.0" encoding="utf-8"?>
+<p:sld xmlns:a="http://schemas.openxmlformats.org/drawingml/2006/main" xmlns:r="http://schemas.openxmlformats.org/officeDocument/2006/relationships" xmlns:p="http://schemas.openxmlformats.org/presentationml/2006/main">
+  <p:cSld>
+    <p:spTree>
+      <p:nvGrpSpPr>
+        <p:cNvPr id="1" name=""/>
+        <p:cNvGrpSpPr/>
+        <p:nvPr/>
+      </p:nvGrpSpPr>
+      <p:grpSpPr>
+        <a:xfrm>
+          <a:off x="0" y="0"/>
+          <a:ext cx="0" cy="0"/>
+          <a:chOff x="0" y="0"/>
+          <a:chExt cx="0" cy="0"/>
+        </a:xfrm>
+      </p:grpSpPr>
+      <p:sp>
+        <p:nvSpPr>
+          <p:cNvPr id="5" name="內容版面配置區 4"/>
+          <p:cNvSpPr>
+            <a:spLocks noGrp="1"/>
+          </p:cNvSpPr>
+          <p:nvPr>
+            <p:ph idx="1"/>
+          </p:nvPr>
+        </p:nvSpPr>
+        <p:spPr>
+          <a:xfrm>
+            <a:off x="0" y="2084851"/>
+            <a:ext cx="12192000" cy="2404863"/>
+          </a:xfrm>
+        </p:spPr>
+        <p:txBody>
+          <a:bodyPr anchor="ctr">
+            <a:normAutofit/>
+          </a:bodyPr>
+          <a:lstStyle/>
           <a:p>
             <a:pPr marL="0" indent="0" algn="ctr">
               <a:buNone/>
             </a:pPr>
             <a:r>
-              <a:rPr lang="zh-TW" altLang="en-US" sz="5400" b="1" dirty="0">
+              <a:rPr lang="zh-TW" altLang="en-US" sz="6400" b="1" dirty="0">
                 <a:solidFill>
                   <a:srgbClr val="660033"/>
                 </a:solidFill>
                 <a:latin typeface="Microsoft JhengHei" panose="020B0604030504040204" pitchFamily="34" charset="-120"/>
                 <a:ea typeface="Microsoft JhengHei" panose="020B0604030504040204" pitchFamily="34" charset="-120"/>
               </a:rPr>
-              <a:t>唱頌神大</a:t>
-            </a:r>
-            <a:r>
-              <a:rPr lang="zh-TW" altLang="en-US" sz="5400" b="1" dirty="0">
+              <a:t>靠著神能夠</a:t>
+            </a:r>
+            <a:r>
+              <a:rPr lang="en-US" altLang="zh-TW" sz="6400" b="1" dirty="0">
                 <a:solidFill>
                   <a:srgbClr val="660033"/>
                 </a:solidFill>
                 <a:latin typeface="Microsoft JhengHei" panose="020B0604030504040204" pitchFamily="34" charset="-120"/>
                 <a:ea typeface="Microsoft JhengHei" panose="020B0604030504040204" pitchFamily="34" charset="-120"/>
               </a:rPr>
-              <a:t>愛</a:t>
-            </a:r>
-            <a:r>
-              <a:rPr lang="en-US" altLang="zh-TW" sz="5400" b="1" dirty="0">
+              <a:t>  </a:t>
+            </a:r>
+            <a:r>
+              <a:rPr lang="zh-TW" altLang="en-US" sz="6400" b="1" dirty="0">
                 <a:solidFill>
                   <a:srgbClr val="660033"/>
                 </a:solidFill>
                 <a:latin typeface="Microsoft JhengHei" panose="020B0604030504040204" pitchFamily="34" charset="-120"/>
                 <a:ea typeface="Microsoft JhengHei" panose="020B0604030504040204" pitchFamily="34" charset="-120"/>
               </a:rPr>
-              <a:t>  </a:t>
-            </a:r>
-            <a:r>
-              <a:rPr lang="zh-TW" altLang="en-US" sz="5400" b="1" dirty="0">
-                <a:solidFill>
-                  <a:srgbClr val="660033"/>
-                </a:solidFill>
-                <a:latin typeface="Microsoft JhengHei" panose="020B0604030504040204" pitchFamily="34" charset="-120"/>
-                <a:ea typeface="Microsoft JhengHei" panose="020B0604030504040204" pitchFamily="34" charset="-120"/>
-              </a:rPr>
-              <a:t>甘</a:t>
-            </a:r>
-            <a:r>
-              <a:rPr lang="zh-TW" altLang="en-US" sz="5400" b="1" dirty="0">
-                <a:solidFill>
-                  <a:srgbClr val="660033"/>
-                </a:solidFill>
-                <a:latin typeface="Microsoft JhengHei" panose="020B0604030504040204" pitchFamily="34" charset="-120"/>
-                <a:ea typeface="Microsoft JhengHei" panose="020B0604030504040204" pitchFamily="34" charset="-120"/>
-              </a:rPr>
-              <a:t>將一生獻奉</a:t>
-            </a:r>
-            <a:r>
-              <a:rPr lang="zh-TW" altLang="en-US" sz="5400" b="1" dirty="0">
-                <a:solidFill>
-                  <a:srgbClr val="660033"/>
-                </a:solidFill>
-                <a:latin typeface="Microsoft JhengHei" panose="020B0604030504040204" pitchFamily="34" charset="-120"/>
-                <a:ea typeface="Microsoft JhengHei" panose="020B0604030504040204" pitchFamily="34" charset="-120"/>
-              </a:rPr>
-              <a:t>上</a:t>
-            </a:r>
-            <a:endParaRPr lang="zh-TW" altLang="en-US" sz="5400" b="1" dirty="0">
+              <a:t>將抑鬱苦楚拋開</a:t>
+            </a:r>
+            <a:endParaRPr lang="en-US" altLang="zh-TW" sz="6400" b="1" dirty="0">
               <a:solidFill>
                 <a:srgbClr val="660033"/>
               </a:solidFill>
@@ -4715,52 +5023,69 @@
               <a:ea typeface="Microsoft JhengHei" panose="020B0604030504040204" pitchFamily="34" charset="-120"/>
             </a:endParaRPr>
           </a:p>
-        </p:txBody>
-      </p:sp>
-      <p:sp>
-        <p:nvSpPr>
-          <p:cNvPr id="6" name="Text Box 1"/>
+          <a:p>
+            <a:pPr marL="0" indent="0" algn="ctr">
+              <a:buNone/>
+            </a:pPr>
+            <a:r>
+              <a:rPr lang="zh-TW" altLang="en-US" sz="6400" b="1" dirty="0">
+                <a:solidFill>
+                  <a:srgbClr val="660033"/>
+                </a:solidFill>
+                <a:latin typeface="Microsoft JhengHei" panose="020B0604030504040204" pitchFamily="34" charset="-120"/>
+                <a:ea typeface="Microsoft JhengHei" panose="020B0604030504040204" pitchFamily="34" charset="-120"/>
+              </a:rPr>
+              <a:t>頌讚歌聲句句鏗鏘</a:t>
+            </a:r>
+            <a:endParaRPr lang="en-US" altLang="zh-TW" sz="6400" b="1" dirty="0">
+              <a:solidFill>
+                <a:srgbClr val="660033"/>
+              </a:solidFill>
+              <a:latin typeface="Microsoft JhengHei" panose="020B0604030504040204" pitchFamily="34" charset="-120"/>
+              <a:ea typeface="Microsoft JhengHei" panose="020B0604030504040204" pitchFamily="34" charset="-120"/>
+            </a:endParaRPr>
+          </a:p>
+        </p:txBody>
+      </p:sp>
+      <p:sp>
+        <p:nvSpPr>
+          <p:cNvPr id="2" name="TextBox 1"/>
           <p:cNvSpPr txBox="1"/>
           <p:nvPr/>
         </p:nvSpPr>
         <p:spPr>
           <a:xfrm>
-            <a:off x="609600" y="1723668"/>
-            <a:ext cx="1055440" cy="923330"/>
+            <a:off x="144379" y="2303702"/>
+            <a:ext cx="1042737" cy="1107996"/>
           </a:xfrm>
           <a:prstGeom prst="rect">
             <a:avLst/>
           </a:prstGeom>
           <a:noFill/>
-          <a:ln w="9525">
-            <a:noFill/>
-            <a:miter lim="800000"/>
-          </a:ln>
         </p:spPr>
         <p:txBody>
-          <a:bodyPr wrap="square">
+          <a:bodyPr wrap="square" rtlCol="0">
             <a:spAutoFit/>
           </a:bodyPr>
           <a:lstStyle/>
           <a:p>
-            <a:pPr algn="ctr"/>
-            <a:r>
-              <a:rPr lang="en-US" sz="5400" b="1" dirty="0">
-                <a:solidFill>
-                  <a:srgbClr val="660033"/>
-                </a:solidFill>
-              </a:rPr>
-              <a:t>3</a:t>
-            </a:r>
-            <a:r>
-              <a:rPr lang="en-US" sz="5400" b="1" dirty="0" smtClean="0">
+            <a:r>
+              <a:rPr lang="en-US" sz="6600" b="1" dirty="0">
+                <a:solidFill>
+                  <a:srgbClr val="660033"/>
+                </a:solidFill>
+              </a:rPr>
+              <a:t>2</a:t>
+            </a:r>
+            <a:r>
+              <a:rPr lang="en-US" sz="6600" b="1" dirty="0" smtClean="0">
                 <a:solidFill>
                   <a:srgbClr val="660033"/>
                 </a:solidFill>
               </a:rPr>
               <a:t>.</a:t>
             </a:r>
-            <a:endParaRPr lang="en-US" sz="5400" b="1" dirty="0">
+            <a:endParaRPr lang="vi-VN" sz="6600" b="1" dirty="0">
               <a:solidFill>
                 <a:srgbClr val="660033"/>
               </a:solidFill>
@@ -4771,7 +5096,166 @@
     </p:spTree>
     <p:extLst>
       <p:ext uri="{BB962C8B-B14F-4D97-AF65-F5344CB8AC3E}">
-        <p14:creationId xmlns:p14="http://schemas.microsoft.com/office/powerpoint/2010/main" val="4280544855"/>
+        <p14:creationId xmlns:p14="http://schemas.microsoft.com/office/powerpoint/2010/main" val="1422142822"/>
+      </p:ext>
+    </p:extLst>
+  </p:cSld>
+  <p:clrMapOvr>
+    <a:masterClrMapping/>
+  </p:clrMapOvr>
+</p:sld>
+</file>
+
+<file path=ppt/slides/slide9.xml><?xml version="1.0" encoding="utf-8"?>
+<p:sld xmlns:a="http://schemas.openxmlformats.org/drawingml/2006/main" xmlns:r="http://schemas.openxmlformats.org/officeDocument/2006/relationships" xmlns:p="http://schemas.openxmlformats.org/presentationml/2006/main">
+  <p:cSld>
+    <p:spTree>
+      <p:nvGrpSpPr>
+        <p:cNvPr id="1" name=""/>
+        <p:cNvGrpSpPr/>
+        <p:nvPr/>
+      </p:nvGrpSpPr>
+      <p:grpSpPr>
+        <a:xfrm>
+          <a:off x="0" y="0"/>
+          <a:ext cx="0" cy="0"/>
+          <a:chOff x="0" y="0"/>
+          <a:chExt cx="0" cy="0"/>
+        </a:xfrm>
+      </p:grpSpPr>
+      <p:sp>
+        <p:nvSpPr>
+          <p:cNvPr id="5" name="內容版面配置區 4"/>
+          <p:cNvSpPr>
+            <a:spLocks noGrp="1"/>
+          </p:cNvSpPr>
+          <p:nvPr>
+            <p:ph idx="1"/>
+          </p:nvPr>
+        </p:nvSpPr>
+        <p:spPr>
+          <a:xfrm>
+            <a:off x="0" y="2084851"/>
+            <a:ext cx="12192000" cy="2404863"/>
+          </a:xfrm>
+        </p:spPr>
+        <p:txBody>
+          <a:bodyPr anchor="ctr">
+            <a:normAutofit/>
+          </a:bodyPr>
+          <a:lstStyle/>
+          <a:p>
+            <a:pPr marL="0" indent="0" algn="ctr">
+              <a:buNone/>
+            </a:pPr>
+            <a:r>
+              <a:rPr lang="zh-TW" altLang="en-US" sz="6400" b="1" dirty="0">
+                <a:solidFill>
+                  <a:srgbClr val="660033"/>
+                </a:solidFill>
+                <a:latin typeface="Microsoft JhengHei" panose="020B0604030504040204" pitchFamily="34" charset="-120"/>
+                <a:ea typeface="Microsoft JhengHei" panose="020B0604030504040204" pitchFamily="34" charset="-120"/>
+              </a:rPr>
+              <a:t>見證主恩天天分享</a:t>
+            </a:r>
+            <a:r>
+              <a:rPr lang="en-US" altLang="zh-TW" sz="6400" b="1" dirty="0">
+                <a:solidFill>
+                  <a:srgbClr val="660033"/>
+                </a:solidFill>
+                <a:latin typeface="Microsoft JhengHei" panose="020B0604030504040204" pitchFamily="34" charset="-120"/>
+                <a:ea typeface="Microsoft JhengHei" panose="020B0604030504040204" pitchFamily="34" charset="-120"/>
+              </a:rPr>
+              <a:t>  </a:t>
+            </a:r>
+          </a:p>
+          <a:p>
+            <a:pPr marL="0" indent="0" algn="ctr">
+              <a:buNone/>
+            </a:pPr>
+            <a:r>
+              <a:rPr lang="zh-TW" altLang="en-US" sz="6400" b="1" dirty="0">
+                <a:solidFill>
+                  <a:srgbClr val="660033"/>
+                </a:solidFill>
+                <a:latin typeface="Microsoft JhengHei" panose="020B0604030504040204" pitchFamily="34" charset="-120"/>
+                <a:ea typeface="Microsoft JhengHei" panose="020B0604030504040204" pitchFamily="34" charset="-120"/>
+              </a:rPr>
+              <a:t>以熱誠熱愛</a:t>
+            </a:r>
+            <a:r>
+              <a:rPr lang="en-US" altLang="zh-TW" sz="6400" b="1" dirty="0">
+                <a:solidFill>
+                  <a:srgbClr val="660033"/>
+                </a:solidFill>
+                <a:latin typeface="Microsoft JhengHei" panose="020B0604030504040204" pitchFamily="34" charset="-120"/>
+                <a:ea typeface="Microsoft JhengHei" panose="020B0604030504040204" pitchFamily="34" charset="-120"/>
+              </a:rPr>
+              <a:t>  </a:t>
+            </a:r>
+            <a:r>
+              <a:rPr lang="zh-TW" altLang="en-US" sz="6400" b="1" dirty="0">
+                <a:solidFill>
+                  <a:srgbClr val="660033"/>
+                </a:solidFill>
+                <a:latin typeface="Microsoft JhengHei" panose="020B0604030504040204" pitchFamily="34" charset="-120"/>
+                <a:ea typeface="Microsoft JhengHei" panose="020B0604030504040204" pitchFamily="34" charset="-120"/>
+              </a:rPr>
+              <a:t>交出真心去和唱</a:t>
+            </a:r>
+          </a:p>
+        </p:txBody>
+      </p:sp>
+      <p:sp>
+        <p:nvSpPr>
+          <p:cNvPr id="2" name="TextBox 1"/>
+          <p:cNvSpPr txBox="1"/>
+          <p:nvPr/>
+        </p:nvSpPr>
+        <p:spPr>
+          <a:xfrm>
+            <a:off x="144379" y="2303702"/>
+            <a:ext cx="1042737" cy="1107996"/>
+          </a:xfrm>
+          <a:prstGeom prst="rect">
+            <a:avLst/>
+          </a:prstGeom>
+          <a:noFill/>
+        </p:spPr>
+        <p:txBody>
+          <a:bodyPr wrap="square" rtlCol="0">
+            <a:spAutoFit/>
+          </a:bodyPr>
+          <a:lstStyle/>
+          <a:p>
+            <a:r>
+              <a:rPr lang="en-US" sz="6600" b="1" dirty="0">
+                <a:solidFill>
+                  <a:srgbClr val="660033"/>
+                </a:solidFill>
+              </a:rPr>
+              <a:t>2</a:t>
+            </a:r>
+            <a:r>
+              <a:rPr lang="en-US" sz="6600" b="1" dirty="0" smtClean="0">
+                <a:solidFill>
+                  <a:srgbClr val="660033"/>
+                </a:solidFill>
+              </a:rPr>
+              <a:t>.</a:t>
+            </a:r>
+            <a:endParaRPr lang="vi-VN" sz="6600" b="1" dirty="0">
+              <a:solidFill>
+                <a:srgbClr val="660033"/>
+              </a:solidFill>
+            </a:endParaRPr>
+          </a:p>
+        </p:txBody>
+      </p:sp>
+    </p:spTree>
+    <p:extLst>
+      <p:ext uri="{BB962C8B-B14F-4D97-AF65-F5344CB8AC3E}">
+        <p14:creationId xmlns:p14="http://schemas.microsoft.com/office/powerpoint/2010/main" val="2480461521"/>
       </p:ext>
     </p:extLst>
   </p:cSld>

--- a/問我主恩有幾多.pptx
+++ b/問我主恩有幾多.pptx
@@ -120,7 +120,7 @@
   </p:defaultTextStyle>
   <p:extLst>
     <p:ext uri="{EFAFB233-063F-42B5-8137-9DF3F51BA10A}">
-      <p15:sldGuideLst xmlns:p15="http://schemas.microsoft.com/office/powerpoint/2012/main">
+      <p15:sldGuideLst xmlns:p15="http://schemas.microsoft.com/office/powerpoint/2012/main" xmlns="">
         <p15:guide id="1" orient="horz" pos="2160" userDrawn="1">
           <p15:clr>
             <a:srgbClr val="A4A3A4"/>
@@ -319,7 +319,7 @@
             <a:fld id="{9898E65E-5E56-4F09-9AEE-13AF2F5B087E}" type="datetimeFigureOut">
               <a:rPr lang="en-US" smtClean="0"/>
               <a:pPr/>
-              <a:t>12/30/2020</a:t>
+              <a:t>7/31/2022</a:t>
             </a:fld>
             <a:endParaRPr lang="en-US"/>
           </a:p>
@@ -371,7 +371,7 @@
     </p:spTree>
     <p:extLst>
       <p:ext uri="{BB962C8B-B14F-4D97-AF65-F5344CB8AC3E}">
-        <p14:creationId xmlns:p14="http://schemas.microsoft.com/office/powerpoint/2010/main" val="1237235060"/>
+        <p14:creationId xmlns:p14="http://schemas.microsoft.com/office/powerpoint/2010/main" xmlns="" val="1237235060"/>
       </p:ext>
     </p:extLst>
   </p:cSld>
@@ -491,7 +491,7 @@
             <a:fld id="{9898E65E-5E56-4F09-9AEE-13AF2F5B087E}" type="datetimeFigureOut">
               <a:rPr lang="en-US" smtClean="0"/>
               <a:pPr/>
-              <a:t>12/30/2020</a:t>
+              <a:t>7/31/2022</a:t>
             </a:fld>
             <a:endParaRPr lang="en-US"/>
           </a:p>
@@ -543,7 +543,7 @@
     </p:spTree>
     <p:extLst>
       <p:ext uri="{BB962C8B-B14F-4D97-AF65-F5344CB8AC3E}">
-        <p14:creationId xmlns:p14="http://schemas.microsoft.com/office/powerpoint/2010/main" val="868814406"/>
+        <p14:creationId xmlns:p14="http://schemas.microsoft.com/office/powerpoint/2010/main" xmlns="" val="868814406"/>
       </p:ext>
     </p:extLst>
   </p:cSld>
@@ -673,7 +673,7 @@
             <a:fld id="{9898E65E-5E56-4F09-9AEE-13AF2F5B087E}" type="datetimeFigureOut">
               <a:rPr lang="en-US" smtClean="0"/>
               <a:pPr/>
-              <a:t>12/30/2020</a:t>
+              <a:t>7/31/2022</a:t>
             </a:fld>
             <a:endParaRPr lang="en-US"/>
           </a:p>
@@ -725,7 +725,7 @@
     </p:spTree>
     <p:extLst>
       <p:ext uri="{BB962C8B-B14F-4D97-AF65-F5344CB8AC3E}">
-        <p14:creationId xmlns:p14="http://schemas.microsoft.com/office/powerpoint/2010/main" val="3819331520"/>
+        <p14:creationId xmlns:p14="http://schemas.microsoft.com/office/powerpoint/2010/main" xmlns="" val="3819331520"/>
       </p:ext>
     </p:extLst>
   </p:cSld>
@@ -845,7 +845,7 @@
             <a:fld id="{9898E65E-5E56-4F09-9AEE-13AF2F5B087E}" type="datetimeFigureOut">
               <a:rPr lang="en-US" smtClean="0"/>
               <a:pPr/>
-              <a:t>12/30/2020</a:t>
+              <a:t>7/31/2022</a:t>
             </a:fld>
             <a:endParaRPr lang="en-US"/>
           </a:p>
@@ -897,7 +897,7 @@
     </p:spTree>
     <p:extLst>
       <p:ext uri="{BB962C8B-B14F-4D97-AF65-F5344CB8AC3E}">
-        <p14:creationId xmlns:p14="http://schemas.microsoft.com/office/powerpoint/2010/main" val="3125015903"/>
+        <p14:creationId xmlns:p14="http://schemas.microsoft.com/office/powerpoint/2010/main" xmlns="" val="3125015903"/>
       </p:ext>
     </p:extLst>
   </p:cSld>
@@ -1093,7 +1093,7 @@
             <a:fld id="{9898E65E-5E56-4F09-9AEE-13AF2F5B087E}" type="datetimeFigureOut">
               <a:rPr lang="en-US" smtClean="0"/>
               <a:pPr/>
-              <a:t>12/30/2020</a:t>
+              <a:t>7/31/2022</a:t>
             </a:fld>
             <a:endParaRPr lang="en-US"/>
           </a:p>
@@ -1145,7 +1145,7 @@
     </p:spTree>
     <p:extLst>
       <p:ext uri="{BB962C8B-B14F-4D97-AF65-F5344CB8AC3E}">
-        <p14:creationId xmlns:p14="http://schemas.microsoft.com/office/powerpoint/2010/main" val="1393276183"/>
+        <p14:creationId xmlns:p14="http://schemas.microsoft.com/office/powerpoint/2010/main" xmlns="" val="1393276183"/>
       </p:ext>
     </p:extLst>
   </p:cSld>
@@ -1383,7 +1383,7 @@
             <a:fld id="{9898E65E-5E56-4F09-9AEE-13AF2F5B087E}" type="datetimeFigureOut">
               <a:rPr lang="en-US" smtClean="0"/>
               <a:pPr/>
-              <a:t>12/30/2020</a:t>
+              <a:t>7/31/2022</a:t>
             </a:fld>
             <a:endParaRPr lang="en-US"/>
           </a:p>
@@ -1435,7 +1435,7 @@
     </p:spTree>
     <p:extLst>
       <p:ext uri="{BB962C8B-B14F-4D97-AF65-F5344CB8AC3E}">
-        <p14:creationId xmlns:p14="http://schemas.microsoft.com/office/powerpoint/2010/main" val="1093476163"/>
+        <p14:creationId xmlns:p14="http://schemas.microsoft.com/office/powerpoint/2010/main" xmlns="" val="1093476163"/>
       </p:ext>
     </p:extLst>
   </p:cSld>
@@ -1807,7 +1807,7 @@
             <a:fld id="{9898E65E-5E56-4F09-9AEE-13AF2F5B087E}" type="datetimeFigureOut">
               <a:rPr lang="en-US" smtClean="0"/>
               <a:pPr/>
-              <a:t>12/30/2020</a:t>
+              <a:t>7/31/2022</a:t>
             </a:fld>
             <a:endParaRPr lang="en-US"/>
           </a:p>
@@ -1859,7 +1859,7 @@
     </p:spTree>
     <p:extLst>
       <p:ext uri="{BB962C8B-B14F-4D97-AF65-F5344CB8AC3E}">
-        <p14:creationId xmlns:p14="http://schemas.microsoft.com/office/powerpoint/2010/main" val="3606438667"/>
+        <p14:creationId xmlns:p14="http://schemas.microsoft.com/office/powerpoint/2010/main" xmlns="" val="3606438667"/>
       </p:ext>
     </p:extLst>
   </p:cSld>
@@ -1927,7 +1927,7 @@
             <a:fld id="{9898E65E-5E56-4F09-9AEE-13AF2F5B087E}" type="datetimeFigureOut">
               <a:rPr lang="en-US" smtClean="0"/>
               <a:pPr/>
-              <a:t>12/30/2020</a:t>
+              <a:t>7/31/2022</a:t>
             </a:fld>
             <a:endParaRPr lang="en-US"/>
           </a:p>
@@ -1979,7 +1979,7 @@
     </p:spTree>
     <p:extLst>
       <p:ext uri="{BB962C8B-B14F-4D97-AF65-F5344CB8AC3E}">
-        <p14:creationId xmlns:p14="http://schemas.microsoft.com/office/powerpoint/2010/main" val="708751718"/>
+        <p14:creationId xmlns:p14="http://schemas.microsoft.com/office/powerpoint/2010/main" xmlns="" val="708751718"/>
       </p:ext>
     </p:extLst>
   </p:cSld>
@@ -2024,7 +2024,7 @@
             <a:fld id="{9898E65E-5E56-4F09-9AEE-13AF2F5B087E}" type="datetimeFigureOut">
               <a:rPr lang="en-US" smtClean="0"/>
               <a:pPr/>
-              <a:t>12/30/2020</a:t>
+              <a:t>7/31/2022</a:t>
             </a:fld>
             <a:endParaRPr lang="en-US"/>
           </a:p>
@@ -2076,7 +2076,7 @@
     </p:spTree>
     <p:extLst>
       <p:ext uri="{BB962C8B-B14F-4D97-AF65-F5344CB8AC3E}">
-        <p14:creationId xmlns:p14="http://schemas.microsoft.com/office/powerpoint/2010/main" val="2810944537"/>
+        <p14:creationId xmlns:p14="http://schemas.microsoft.com/office/powerpoint/2010/main" xmlns="" val="2810944537"/>
       </p:ext>
     </p:extLst>
   </p:cSld>
@@ -2303,7 +2303,7 @@
             <a:fld id="{9898E65E-5E56-4F09-9AEE-13AF2F5B087E}" type="datetimeFigureOut">
               <a:rPr lang="en-US" smtClean="0"/>
               <a:pPr/>
-              <a:t>12/30/2020</a:t>
+              <a:t>7/31/2022</a:t>
             </a:fld>
             <a:endParaRPr lang="en-US"/>
           </a:p>
@@ -2355,7 +2355,7 @@
     </p:spTree>
     <p:extLst>
       <p:ext uri="{BB962C8B-B14F-4D97-AF65-F5344CB8AC3E}">
-        <p14:creationId xmlns:p14="http://schemas.microsoft.com/office/powerpoint/2010/main" val="3977837067"/>
+        <p14:creationId xmlns:p14="http://schemas.microsoft.com/office/powerpoint/2010/main" xmlns="" val="3977837067"/>
       </p:ext>
     </p:extLst>
   </p:cSld>
@@ -2562,7 +2562,7 @@
             <a:fld id="{9898E65E-5E56-4F09-9AEE-13AF2F5B087E}" type="datetimeFigureOut">
               <a:rPr lang="en-US" smtClean="0"/>
               <a:pPr/>
-              <a:t>12/30/2020</a:t>
+              <a:t>7/31/2022</a:t>
             </a:fld>
             <a:endParaRPr lang="en-US"/>
           </a:p>
@@ -2614,7 +2614,7 @@
     </p:spTree>
     <p:extLst>
       <p:ext uri="{BB962C8B-B14F-4D97-AF65-F5344CB8AC3E}">
-        <p14:creationId xmlns:p14="http://schemas.microsoft.com/office/powerpoint/2010/main" val="1547243493"/>
+        <p14:creationId xmlns:p14="http://schemas.microsoft.com/office/powerpoint/2010/main" xmlns="" val="1547243493"/>
       </p:ext>
     </p:extLst>
   </p:cSld>
@@ -2782,7 +2782,7 @@
             <a:fld id="{9898E65E-5E56-4F09-9AEE-13AF2F5B087E}" type="datetimeFigureOut">
               <a:rPr lang="en-US" smtClean="0"/>
               <a:pPr/>
-              <a:t>12/30/2020</a:t>
+              <a:t>7/31/2022</a:t>
             </a:fld>
             <a:endParaRPr lang="en-US"/>
           </a:p>
@@ -2870,7 +2870,7 @@
     </p:spTree>
     <p:extLst>
       <p:ext uri="{BB962C8B-B14F-4D97-AF65-F5344CB8AC3E}">
-        <p14:creationId xmlns:p14="http://schemas.microsoft.com/office/powerpoint/2010/main" val="3627968997"/>
+        <p14:creationId xmlns:p14="http://schemas.microsoft.com/office/powerpoint/2010/main" xmlns="" val="3627968997"/>
       </p:ext>
     </p:extLst>
   </p:cSld>
@@ -3220,13 +3220,20 @@
     </p:spTree>
     <p:extLst>
       <p:ext uri="{BB962C8B-B14F-4D97-AF65-F5344CB8AC3E}">
-        <p14:creationId xmlns:p14="http://schemas.microsoft.com/office/powerpoint/2010/main" val="2396901167"/>
+        <p14:creationId xmlns:p14="http://schemas.microsoft.com/office/powerpoint/2010/main" xmlns="" val="2396901167"/>
       </p:ext>
     </p:extLst>
   </p:cSld>
   <p:clrMapOvr>
     <a:masterClrMapping/>
   </p:clrMapOvr>
+  <p:timing>
+    <p:tnLst>
+      <p:par>
+        <p:cTn id="1" dur="indefinite" restart="never" nodeType="tmRoot"/>
+      </p:par>
+    </p:tnLst>
+  </p:timing>
 </p:sld>
 </file>
 
@@ -3295,14 +3302,54 @@
               <a:buNone/>
             </a:pPr>
             <a:r>
-              <a:rPr lang="zh-TW" altLang="en-US" sz="6400" b="1" dirty="0">
+              <a:rPr lang="zh-TW" altLang="en-US" sz="6400" b="1">
                 <a:solidFill>
                   <a:srgbClr val="660033"/>
                 </a:solidFill>
                 <a:latin typeface="Microsoft JhengHei" panose="020B0604030504040204" pitchFamily="34" charset="-120"/>
                 <a:ea typeface="Microsoft JhengHei" panose="020B0604030504040204" pitchFamily="34" charset="-120"/>
               </a:rPr>
-              <a:t>像幽容走過  愁  憎  厭煩</a:t>
+              <a:t>像</a:t>
+            </a:r>
+            <a:r>
+              <a:rPr lang="zh-TW" altLang="en-US" sz="6400" b="1" smtClean="0">
+                <a:solidFill>
+                  <a:srgbClr val="660033"/>
+                </a:solidFill>
+                <a:latin typeface="Microsoft JhengHei" panose="020B0604030504040204" pitchFamily="34" charset="-120"/>
+                <a:ea typeface="Microsoft JhengHei" panose="020B0604030504040204" pitchFamily="34" charset="-120"/>
+              </a:rPr>
+              <a:t>幽</a:t>
+            </a:r>
+            <a:r>
+              <a:rPr lang="zh-CN" altLang="en-US" sz="6400" b="1" smtClean="0">
+                <a:solidFill>
+                  <a:srgbClr val="660033"/>
+                </a:solidFill>
+                <a:latin typeface="Microsoft JhengHei" panose="020B0604030504040204" pitchFamily="34" charset="-120"/>
+                <a:ea typeface="Microsoft JhengHei" panose="020B0604030504040204" pitchFamily="34" charset="-120"/>
+              </a:rPr>
+              <a:t>谷</a:t>
+            </a:r>
+            <a:r>
+              <a:rPr lang="zh-TW" altLang="en-US" sz="6400" b="1" dirty="0" smtClean="0">
+                <a:solidFill>
+                  <a:srgbClr val="660033"/>
+                </a:solidFill>
+                <a:latin typeface="Microsoft JhengHei" panose="020B0604030504040204" pitchFamily="34" charset="-120"/>
+                <a:ea typeface="Microsoft JhengHei" panose="020B0604030504040204" pitchFamily="34" charset="-120"/>
+              </a:rPr>
+              <a:t>走</a:t>
+            </a:r>
+            <a:r>
+              <a:rPr lang="zh-TW" altLang="en-US" sz="6400" b="1" dirty="0">
+                <a:solidFill>
+                  <a:srgbClr val="660033"/>
+                </a:solidFill>
+                <a:latin typeface="Microsoft JhengHei" panose="020B0604030504040204" pitchFamily="34" charset="-120"/>
+                <a:ea typeface="Microsoft JhengHei" panose="020B0604030504040204" pitchFamily="34" charset="-120"/>
+              </a:rPr>
+              <a:t>過  愁  憎  厭煩</a:t>
             </a:r>
             <a:endParaRPr lang="en-US" altLang="zh-TW" sz="6400" b="1" dirty="0">
               <a:solidFill>
@@ -3363,13 +3410,20 @@
     </p:spTree>
     <p:extLst>
       <p:ext uri="{BB962C8B-B14F-4D97-AF65-F5344CB8AC3E}">
-        <p14:creationId xmlns:p14="http://schemas.microsoft.com/office/powerpoint/2010/main" val="3286451263"/>
+        <p14:creationId xmlns:p14="http://schemas.microsoft.com/office/powerpoint/2010/main" xmlns="" val="3286451263"/>
       </p:ext>
     </p:extLst>
   </p:cSld>
   <p:clrMapOvr>
     <a:masterClrMapping/>
   </p:clrMapOvr>
+  <p:timing>
+    <p:tnLst>
+      <p:par>
+        <p:cTn id="1" dur="indefinite" restart="never" nodeType="tmRoot"/>
+      </p:par>
+    </p:tnLst>
+  </p:timing>
 </p:sld>
 </file>
 
@@ -3499,13 +3553,20 @@
     </p:spTree>
     <p:extLst>
       <p:ext uri="{BB962C8B-B14F-4D97-AF65-F5344CB8AC3E}">
-        <p14:creationId xmlns:p14="http://schemas.microsoft.com/office/powerpoint/2010/main" val="2543180607"/>
+        <p14:creationId xmlns:p14="http://schemas.microsoft.com/office/powerpoint/2010/main" xmlns="" val="2543180607"/>
       </p:ext>
     </p:extLst>
   </p:cSld>
   <p:clrMapOvr>
     <a:masterClrMapping/>
   </p:clrMapOvr>
+  <p:timing>
+    <p:tnLst>
+      <p:par>
+        <p:cTn id="1" dur="indefinite" restart="never" nodeType="tmRoot"/>
+      </p:par>
+    </p:tnLst>
+  </p:timing>
 </p:sld>
 </file>
 
@@ -3634,13 +3695,20 @@
     </p:spTree>
     <p:extLst>
       <p:ext uri="{BB962C8B-B14F-4D97-AF65-F5344CB8AC3E}">
-        <p14:creationId xmlns:p14="http://schemas.microsoft.com/office/powerpoint/2010/main" val="2906025053"/>
+        <p14:creationId xmlns:p14="http://schemas.microsoft.com/office/powerpoint/2010/main" xmlns="" val="2906025053"/>
       </p:ext>
     </p:extLst>
   </p:cSld>
   <p:clrMapOvr>
     <a:masterClrMapping/>
   </p:clrMapOvr>
+  <p:timing>
+    <p:tnLst>
+      <p:par>
+        <p:cTn id="1" dur="indefinite" restart="never" nodeType="tmRoot"/>
+      </p:par>
+    </p:tnLst>
+  </p:timing>
 </p:sld>
 </file>
 
@@ -3694,17 +3762,7 @@
                 <a:latin typeface="Microsoft JhengHei" panose="020B0604030504040204" pitchFamily="34" charset="-120"/>
                 <a:ea typeface="Microsoft JhengHei" panose="020B0604030504040204" pitchFamily="34" charset="-120"/>
               </a:rPr>
-              <a:t>細味神話</a:t>
-            </a:r>
-            <a:r>
-              <a:rPr lang="zh-TW" altLang="en-US" sz="6400" b="1" dirty="0">
-                <a:solidFill>
-                  <a:srgbClr val="660033"/>
-                </a:solidFill>
-                <a:latin typeface="Microsoft JhengHei" panose="020B0604030504040204" pitchFamily="34" charset="-120"/>
-                <a:ea typeface="Microsoft JhengHei" panose="020B0604030504040204" pitchFamily="34" charset="-120"/>
-              </a:rPr>
-              <a:t>語</a:t>
+              <a:t>細味神話語</a:t>
             </a:r>
             <a:endParaRPr lang="en-US" altLang="zh-TW" sz="6400" b="1" dirty="0">
               <a:solidFill>
@@ -3726,27 +3784,7 @@
                 <a:latin typeface="Microsoft JhengHei" panose="020B0604030504040204" pitchFamily="34" charset="-120"/>
                 <a:ea typeface="Microsoft JhengHei" panose="020B0604030504040204" pitchFamily="34" charset="-120"/>
               </a:rPr>
-              <a:t>謹</a:t>
-            </a:r>
-            <a:r>
-              <a:rPr lang="zh-TW" altLang="en-US" sz="6400" b="1" dirty="0">
-                <a:solidFill>
-                  <a:srgbClr val="660033"/>
-                </a:solidFill>
-                <a:latin typeface="Microsoft JhengHei" panose="020B0604030504040204" pitchFamily="34" charset="-120"/>
-                <a:ea typeface="Microsoft JhengHei" panose="020B0604030504040204" pitchFamily="34" charset="-120"/>
-              </a:rPr>
-              <a:t>遵教誨細意思</a:t>
-            </a:r>
-            <a:r>
-              <a:rPr lang="zh-TW" altLang="en-US" sz="6400" b="1" dirty="0">
-                <a:solidFill>
-                  <a:srgbClr val="660033"/>
-                </a:solidFill>
-                <a:latin typeface="Microsoft JhengHei" panose="020B0604030504040204" pitchFamily="34" charset="-120"/>
-                <a:ea typeface="Microsoft JhengHei" panose="020B0604030504040204" pitchFamily="34" charset="-120"/>
-              </a:rPr>
-              <a:t>想</a:t>
+              <a:t>謹遵教誨細意思想</a:t>
             </a:r>
             <a:endParaRPr lang="en-US" altLang="zh-TW" sz="6400" b="1" dirty="0">
               <a:solidFill>
@@ -3799,13 +3837,20 @@
     </p:spTree>
     <p:extLst>
       <p:ext uri="{BB962C8B-B14F-4D97-AF65-F5344CB8AC3E}">
-        <p14:creationId xmlns:p14="http://schemas.microsoft.com/office/powerpoint/2010/main" val="2026142368"/>
+        <p14:creationId xmlns:p14="http://schemas.microsoft.com/office/powerpoint/2010/main" xmlns="" val="2026142368"/>
       </p:ext>
     </p:extLst>
   </p:cSld>
   <p:clrMapOvr>
     <a:masterClrMapping/>
   </p:clrMapOvr>
+  <p:timing>
+    <p:tnLst>
+      <p:par>
+        <p:cTn id="1" dur="indefinite" restart="never" nodeType="tmRoot"/>
+      </p:par>
+    </p:tnLst>
+  </p:timing>
 </p:sld>
 </file>
 
@@ -3859,17 +3904,7 @@
                 <a:latin typeface="Microsoft JhengHei" panose="020B0604030504040204" pitchFamily="34" charset="-120"/>
                 <a:ea typeface="Microsoft JhengHei" panose="020B0604030504040204" pitchFamily="34" charset="-120"/>
               </a:rPr>
-              <a:t>念記基督犧牲的</a:t>
-            </a:r>
-            <a:r>
-              <a:rPr lang="zh-TW" altLang="en-US" sz="6400" b="1" dirty="0">
-                <a:solidFill>
-                  <a:srgbClr val="660033"/>
-                </a:solidFill>
-                <a:latin typeface="Microsoft JhengHei" panose="020B0604030504040204" pitchFamily="34" charset="-120"/>
-                <a:ea typeface="Microsoft JhengHei" panose="020B0604030504040204" pitchFamily="34" charset="-120"/>
-              </a:rPr>
-              <a:t>愛</a:t>
+              <a:t>念記基督犧牲的愛</a:t>
             </a:r>
             <a:endParaRPr lang="en-US" altLang="zh-TW" sz="6400" b="1" dirty="0">
               <a:solidFill>
@@ -3891,17 +3926,7 @@
                 <a:latin typeface="Microsoft JhengHei" panose="020B0604030504040204" pitchFamily="34" charset="-120"/>
                 <a:ea typeface="Microsoft JhengHei" panose="020B0604030504040204" pitchFamily="34" charset="-120"/>
               </a:rPr>
-              <a:t>十</a:t>
-            </a:r>
-            <a:r>
-              <a:rPr lang="zh-TW" altLang="en-US" sz="6400" b="1" dirty="0">
-                <a:solidFill>
-                  <a:srgbClr val="660033"/>
-                </a:solidFill>
-                <a:latin typeface="Microsoft JhengHei" panose="020B0604030504040204" pitchFamily="34" charset="-120"/>
-                <a:ea typeface="Microsoft JhengHei" panose="020B0604030504040204" pitchFamily="34" charset="-120"/>
-              </a:rPr>
-              <a:t>架釘身種種苦楚</a:t>
+              <a:t>十架釘身種種苦楚</a:t>
             </a:r>
             <a:endParaRPr lang="en-US" altLang="zh-TW" sz="6400" b="1" dirty="0">
               <a:solidFill>
@@ -3954,13 +3979,20 @@
     </p:spTree>
     <p:extLst>
       <p:ext uri="{BB962C8B-B14F-4D97-AF65-F5344CB8AC3E}">
-        <p14:creationId xmlns:p14="http://schemas.microsoft.com/office/powerpoint/2010/main" val="22346328"/>
+        <p14:creationId xmlns:p14="http://schemas.microsoft.com/office/powerpoint/2010/main" xmlns="" val="22346328"/>
       </p:ext>
     </p:extLst>
   </p:cSld>
   <p:clrMapOvr>
     <a:masterClrMapping/>
   </p:clrMapOvr>
+  <p:timing>
+    <p:tnLst>
+      <p:par>
+        <p:cTn id="1" dur="indefinite" restart="never" nodeType="tmRoot"/>
+      </p:par>
+    </p:tnLst>
+  </p:timing>
 </p:sld>
 </file>
 
@@ -4014,17 +4046,7 @@
                 <a:latin typeface="Microsoft JhengHei" panose="020B0604030504040204" pitchFamily="34" charset="-120"/>
                 <a:ea typeface="Microsoft JhengHei" panose="020B0604030504040204" pitchFamily="34" charset="-120"/>
               </a:rPr>
-              <a:t>唱頌神大</a:t>
-            </a:r>
-            <a:r>
-              <a:rPr lang="zh-TW" altLang="en-US" sz="6400" b="1" dirty="0">
-                <a:solidFill>
-                  <a:srgbClr val="660033"/>
-                </a:solidFill>
-                <a:latin typeface="Microsoft JhengHei" panose="020B0604030504040204" pitchFamily="34" charset="-120"/>
-                <a:ea typeface="Microsoft JhengHei" panose="020B0604030504040204" pitchFamily="34" charset="-120"/>
-              </a:rPr>
-              <a:t>愛</a:t>
+              <a:t>唱頌神大愛</a:t>
             </a:r>
             <a:endParaRPr lang="en-US" altLang="zh-TW" sz="6400" b="1" dirty="0">
               <a:solidFill>
@@ -4046,17 +4068,7 @@
                 <a:latin typeface="Microsoft JhengHei" panose="020B0604030504040204" pitchFamily="34" charset="-120"/>
                 <a:ea typeface="Microsoft JhengHei" panose="020B0604030504040204" pitchFamily="34" charset="-120"/>
               </a:rPr>
-              <a:t>甘</a:t>
-            </a:r>
-            <a:r>
-              <a:rPr lang="zh-TW" altLang="en-US" sz="6400" b="1" dirty="0">
-                <a:solidFill>
-                  <a:srgbClr val="660033"/>
-                </a:solidFill>
-                <a:latin typeface="Microsoft JhengHei" panose="020B0604030504040204" pitchFamily="34" charset="-120"/>
-                <a:ea typeface="Microsoft JhengHei" panose="020B0604030504040204" pitchFamily="34" charset="-120"/>
-              </a:rPr>
-              <a:t>將一生獻奉上</a:t>
+              <a:t>甘將一生獻奉上</a:t>
             </a:r>
           </a:p>
         </p:txBody>
@@ -4102,13 +4114,20 @@
     </p:spTree>
     <p:extLst>
       <p:ext uri="{BB962C8B-B14F-4D97-AF65-F5344CB8AC3E}">
-        <p14:creationId xmlns:p14="http://schemas.microsoft.com/office/powerpoint/2010/main" val="3346704718"/>
+        <p14:creationId xmlns:p14="http://schemas.microsoft.com/office/powerpoint/2010/main" xmlns="" val="3346704718"/>
       </p:ext>
     </p:extLst>
   </p:cSld>
   <p:clrMapOvr>
     <a:masterClrMapping/>
   </p:clrMapOvr>
+  <p:timing>
+    <p:tnLst>
+      <p:par>
+        <p:cTn id="1" dur="indefinite" restart="never" nodeType="tmRoot"/>
+      </p:par>
+    </p:tnLst>
+  </p:timing>
 </p:sld>
 </file>
 
@@ -4237,13 +4256,20 @@
     </p:spTree>
     <p:extLst>
       <p:ext uri="{BB962C8B-B14F-4D97-AF65-F5344CB8AC3E}">
-        <p14:creationId xmlns:p14="http://schemas.microsoft.com/office/powerpoint/2010/main" val="2083498301"/>
+        <p14:creationId xmlns:p14="http://schemas.microsoft.com/office/powerpoint/2010/main" xmlns="" val="2083498301"/>
       </p:ext>
     </p:extLst>
   </p:cSld>
   <p:clrMapOvr>
     <a:masterClrMapping/>
   </p:clrMapOvr>
+  <p:timing>
+    <p:tnLst>
+      <p:par>
+        <p:cTn id="1" dur="indefinite" restart="never" nodeType="tmRoot"/>
+      </p:par>
+    </p:tnLst>
+  </p:timing>
 </p:sld>
 </file>
 
@@ -4372,13 +4398,20 @@
     </p:spTree>
     <p:extLst>
       <p:ext uri="{BB962C8B-B14F-4D97-AF65-F5344CB8AC3E}">
-        <p14:creationId xmlns:p14="http://schemas.microsoft.com/office/powerpoint/2010/main" val="1739407854"/>
+        <p14:creationId xmlns:p14="http://schemas.microsoft.com/office/powerpoint/2010/main" xmlns="" val="1739407854"/>
       </p:ext>
     </p:extLst>
   </p:cSld>
   <p:clrMapOvr>
     <a:masterClrMapping/>
   </p:clrMapOvr>
+  <p:timing>
+    <p:tnLst>
+      <p:par>
+        <p:cTn id="1" dur="indefinite" restart="never" nodeType="tmRoot"/>
+      </p:par>
+    </p:tnLst>
+  </p:timing>
 </p:sld>
 </file>
 
@@ -4456,13 +4489,6 @@
               </a:rPr>
               <a:t>我笑住回答講一聲主愛我</a:t>
             </a:r>
-            <a:endParaRPr lang="zh-TW" altLang="en-US" sz="6400" b="1" dirty="0">
-              <a:solidFill>
-                <a:srgbClr val="660033"/>
-              </a:solidFill>
-              <a:latin typeface="Microsoft JhengHei" panose="020B0604030504040204" pitchFamily="34" charset="-120"/>
-              <a:ea typeface="Microsoft JhengHei" panose="020B0604030504040204" pitchFamily="34" charset="-120"/>
-            </a:endParaRPr>
           </a:p>
         </p:txBody>
       </p:sp>
@@ -4507,13 +4533,20 @@
     </p:spTree>
     <p:extLst>
       <p:ext uri="{BB962C8B-B14F-4D97-AF65-F5344CB8AC3E}">
-        <p14:creationId xmlns:p14="http://schemas.microsoft.com/office/powerpoint/2010/main" val="264463034"/>
+        <p14:creationId xmlns:p14="http://schemas.microsoft.com/office/powerpoint/2010/main" xmlns="" val="264463034"/>
       </p:ext>
     </p:extLst>
   </p:cSld>
   <p:clrMapOvr>
     <a:masterClrMapping/>
   </p:clrMapOvr>
+  <p:timing>
+    <p:tnLst>
+      <p:par>
+        <p:cTn id="1" dur="indefinite" restart="never" nodeType="tmRoot"/>
+      </p:par>
+    </p:tnLst>
+  </p:timing>
 </p:sld>
 </file>
 
@@ -4611,13 +4644,6 @@
               </a:rPr>
               <a:t>耶穌已承受結果</a:t>
             </a:r>
-            <a:endParaRPr lang="zh-TW" altLang="en-US" sz="6400" b="1" dirty="0">
-              <a:solidFill>
-                <a:srgbClr val="660033"/>
-              </a:solidFill>
-              <a:latin typeface="Microsoft JhengHei" panose="020B0604030504040204" pitchFamily="34" charset="-120"/>
-              <a:ea typeface="Microsoft JhengHei" panose="020B0604030504040204" pitchFamily="34" charset="-120"/>
-            </a:endParaRPr>
           </a:p>
         </p:txBody>
       </p:sp>
@@ -4662,13 +4688,20 @@
     </p:spTree>
     <p:extLst>
       <p:ext uri="{BB962C8B-B14F-4D97-AF65-F5344CB8AC3E}">
-        <p14:creationId xmlns:p14="http://schemas.microsoft.com/office/powerpoint/2010/main" val="912152432"/>
+        <p14:creationId xmlns:p14="http://schemas.microsoft.com/office/powerpoint/2010/main" xmlns="" val="912152432"/>
       </p:ext>
     </p:extLst>
   </p:cSld>
   <p:clrMapOvr>
     <a:masterClrMapping/>
   </p:clrMapOvr>
+  <p:timing>
+    <p:tnLst>
+      <p:par>
+        <p:cTn id="1" dur="indefinite" restart="never" nodeType="tmRoot"/>
+      </p:par>
+    </p:tnLst>
+  </p:timing>
 </p:sld>
 </file>
 
@@ -4739,13 +4772,6 @@
               </a:rPr>
               <a:t>那怕會如何  全心靠耶穌經過</a:t>
             </a:r>
-            <a:endParaRPr lang="zh-TW" altLang="en-US" sz="6400" b="1" dirty="0">
-              <a:solidFill>
-                <a:srgbClr val="660033"/>
-              </a:solidFill>
-              <a:latin typeface="Microsoft JhengHei" panose="020B0604030504040204" pitchFamily="34" charset="-120"/>
-              <a:ea typeface="Microsoft JhengHei" panose="020B0604030504040204" pitchFamily="34" charset="-120"/>
-            </a:endParaRPr>
           </a:p>
         </p:txBody>
       </p:sp>
@@ -4790,13 +4816,20 @@
     </p:spTree>
     <p:extLst>
       <p:ext uri="{BB962C8B-B14F-4D97-AF65-F5344CB8AC3E}">
-        <p14:creationId xmlns:p14="http://schemas.microsoft.com/office/powerpoint/2010/main" val="461255025"/>
+        <p14:creationId xmlns:p14="http://schemas.microsoft.com/office/powerpoint/2010/main" xmlns="" val="461255025"/>
       </p:ext>
     </p:extLst>
   </p:cSld>
   <p:clrMapOvr>
     <a:masterClrMapping/>
   </p:clrMapOvr>
+  <p:timing>
+    <p:tnLst>
+      <p:par>
+        <p:cTn id="1" dur="indefinite" restart="never" nodeType="tmRoot"/>
+      </p:par>
+    </p:tnLst>
+  </p:timing>
 </p:sld>
 </file>
 
@@ -4933,13 +4966,20 @@
     </p:spTree>
     <p:extLst>
       <p:ext uri="{BB962C8B-B14F-4D97-AF65-F5344CB8AC3E}">
-        <p14:creationId xmlns:p14="http://schemas.microsoft.com/office/powerpoint/2010/main" val="2696999186"/>
+        <p14:creationId xmlns:p14="http://schemas.microsoft.com/office/powerpoint/2010/main" xmlns="" val="2696999186"/>
       </p:ext>
     </p:extLst>
   </p:cSld>
   <p:clrMapOvr>
     <a:masterClrMapping/>
   </p:clrMapOvr>
+  <p:timing>
+    <p:tnLst>
+      <p:par>
+        <p:cTn id="1" dur="indefinite" restart="never" nodeType="tmRoot"/>
+      </p:par>
+    </p:tnLst>
+  </p:timing>
 </p:sld>
 </file>
 
@@ -5096,13 +5136,20 @@
     </p:spTree>
     <p:extLst>
       <p:ext uri="{BB962C8B-B14F-4D97-AF65-F5344CB8AC3E}">
-        <p14:creationId xmlns:p14="http://schemas.microsoft.com/office/powerpoint/2010/main" val="1422142822"/>
+        <p14:creationId xmlns:p14="http://schemas.microsoft.com/office/powerpoint/2010/main" xmlns="" val="1422142822"/>
       </p:ext>
     </p:extLst>
   </p:cSld>
   <p:clrMapOvr>
     <a:masterClrMapping/>
   </p:clrMapOvr>
+  <p:timing>
+    <p:tnLst>
+      <p:par>
+        <p:cTn id="1" dur="indefinite" restart="never" nodeType="tmRoot"/>
+      </p:par>
+    </p:tnLst>
+  </p:timing>
 </p:sld>
 </file>
 
@@ -5255,13 +5302,20 @@
     </p:spTree>
     <p:extLst>
       <p:ext uri="{BB962C8B-B14F-4D97-AF65-F5344CB8AC3E}">
-        <p14:creationId xmlns:p14="http://schemas.microsoft.com/office/powerpoint/2010/main" val="2480461521"/>
+        <p14:creationId xmlns:p14="http://schemas.microsoft.com/office/powerpoint/2010/main" xmlns="" val="2480461521"/>
       </p:ext>
     </p:extLst>
   </p:cSld>
   <p:clrMapOvr>
     <a:masterClrMapping/>
   </p:clrMapOvr>
+  <p:timing>
+    <p:tnLst>
+      <p:par>
+        <p:cTn id="1" dur="indefinite" restart="never" nodeType="tmRoot"/>
+      </p:par>
+    </p:tnLst>
+  </p:timing>
 </p:sld>
 </file>
 
@@ -5547,7 +5601,7 @@
   <a:extraClrSchemeLst/>
   <a:extLst>
     <a:ext uri="{05A4C25C-085E-4340-85A3-A5531E510DB2}">
-      <thm15:themeFamily xmlns:thm15="http://schemas.microsoft.com/office/thememl/2012/main" name="Theme1" id="{1A8DE197-990E-4893-BF04-3823FBB50F9A}" vid="{430B7048-5A04-4BDB-939A-C7E865DB887B}"/>
+      <thm15:themeFamily xmlns:thm15="http://schemas.microsoft.com/office/thememl/2012/main" xmlns="" name="Theme1" id="{1A8DE197-990E-4893-BF04-3823FBB50F9A}" vid="{430B7048-5A04-4BDB-939A-C7E865DB887B}"/>
     </a:ext>
   </a:extLst>
 </a:theme>

--- a/問我主恩有幾多.pptx
+++ b/問我主恩有幾多.pptx
@@ -120,7 +120,7 @@
   </p:defaultTextStyle>
   <p:extLst>
     <p:ext uri="{EFAFB233-063F-42B5-8137-9DF3F51BA10A}">
-      <p15:sldGuideLst xmlns:p15="http://schemas.microsoft.com/office/powerpoint/2012/main" xmlns="">
+      <p15:sldGuideLst xmlns:p15="http://schemas.microsoft.com/office/powerpoint/2012/main">
         <p15:guide id="1" orient="horz" pos="2160" userDrawn="1">
           <p15:clr>
             <a:srgbClr val="A4A3A4"/>
@@ -319,7 +319,7 @@
             <a:fld id="{9898E65E-5E56-4F09-9AEE-13AF2F5B087E}" type="datetimeFigureOut">
               <a:rPr lang="en-US" smtClean="0"/>
               <a:pPr/>
-              <a:t>7/31/2022</a:t>
+              <a:t>11/26/2022</a:t>
             </a:fld>
             <a:endParaRPr lang="en-US"/>
           </a:p>
@@ -371,7 +371,7 @@
     </p:spTree>
     <p:extLst>
       <p:ext uri="{BB962C8B-B14F-4D97-AF65-F5344CB8AC3E}">
-        <p14:creationId xmlns:p14="http://schemas.microsoft.com/office/powerpoint/2010/main" xmlns="" val="1237235060"/>
+        <p14:creationId xmlns:p14="http://schemas.microsoft.com/office/powerpoint/2010/main" val="1237235060"/>
       </p:ext>
     </p:extLst>
   </p:cSld>
@@ -491,7 +491,7 @@
             <a:fld id="{9898E65E-5E56-4F09-9AEE-13AF2F5B087E}" type="datetimeFigureOut">
               <a:rPr lang="en-US" smtClean="0"/>
               <a:pPr/>
-              <a:t>7/31/2022</a:t>
+              <a:t>11/26/2022</a:t>
             </a:fld>
             <a:endParaRPr lang="en-US"/>
           </a:p>
@@ -543,7 +543,7 @@
     </p:spTree>
     <p:extLst>
       <p:ext uri="{BB962C8B-B14F-4D97-AF65-F5344CB8AC3E}">
-        <p14:creationId xmlns:p14="http://schemas.microsoft.com/office/powerpoint/2010/main" xmlns="" val="868814406"/>
+        <p14:creationId xmlns:p14="http://schemas.microsoft.com/office/powerpoint/2010/main" val="868814406"/>
       </p:ext>
     </p:extLst>
   </p:cSld>
@@ -673,7 +673,7 @@
             <a:fld id="{9898E65E-5E56-4F09-9AEE-13AF2F5B087E}" type="datetimeFigureOut">
               <a:rPr lang="en-US" smtClean="0"/>
               <a:pPr/>
-              <a:t>7/31/2022</a:t>
+              <a:t>11/26/2022</a:t>
             </a:fld>
             <a:endParaRPr lang="en-US"/>
           </a:p>
@@ -725,7 +725,7 @@
     </p:spTree>
     <p:extLst>
       <p:ext uri="{BB962C8B-B14F-4D97-AF65-F5344CB8AC3E}">
-        <p14:creationId xmlns:p14="http://schemas.microsoft.com/office/powerpoint/2010/main" xmlns="" val="3819331520"/>
+        <p14:creationId xmlns:p14="http://schemas.microsoft.com/office/powerpoint/2010/main" val="3819331520"/>
       </p:ext>
     </p:extLst>
   </p:cSld>
@@ -845,7 +845,7 @@
             <a:fld id="{9898E65E-5E56-4F09-9AEE-13AF2F5B087E}" type="datetimeFigureOut">
               <a:rPr lang="en-US" smtClean="0"/>
               <a:pPr/>
-              <a:t>7/31/2022</a:t>
+              <a:t>11/26/2022</a:t>
             </a:fld>
             <a:endParaRPr lang="en-US"/>
           </a:p>
@@ -897,7 +897,7 @@
     </p:spTree>
     <p:extLst>
       <p:ext uri="{BB962C8B-B14F-4D97-AF65-F5344CB8AC3E}">
-        <p14:creationId xmlns:p14="http://schemas.microsoft.com/office/powerpoint/2010/main" xmlns="" val="3125015903"/>
+        <p14:creationId xmlns:p14="http://schemas.microsoft.com/office/powerpoint/2010/main" val="3125015903"/>
       </p:ext>
     </p:extLst>
   </p:cSld>
@@ -1093,7 +1093,7 @@
             <a:fld id="{9898E65E-5E56-4F09-9AEE-13AF2F5B087E}" type="datetimeFigureOut">
               <a:rPr lang="en-US" smtClean="0"/>
               <a:pPr/>
-              <a:t>7/31/2022</a:t>
+              <a:t>11/26/2022</a:t>
             </a:fld>
             <a:endParaRPr lang="en-US"/>
           </a:p>
@@ -1145,7 +1145,7 @@
     </p:spTree>
     <p:extLst>
       <p:ext uri="{BB962C8B-B14F-4D97-AF65-F5344CB8AC3E}">
-        <p14:creationId xmlns:p14="http://schemas.microsoft.com/office/powerpoint/2010/main" xmlns="" val="1393276183"/>
+        <p14:creationId xmlns:p14="http://schemas.microsoft.com/office/powerpoint/2010/main" val="1393276183"/>
       </p:ext>
     </p:extLst>
   </p:cSld>
@@ -1383,7 +1383,7 @@
             <a:fld id="{9898E65E-5E56-4F09-9AEE-13AF2F5B087E}" type="datetimeFigureOut">
               <a:rPr lang="en-US" smtClean="0"/>
               <a:pPr/>
-              <a:t>7/31/2022</a:t>
+              <a:t>11/26/2022</a:t>
             </a:fld>
             <a:endParaRPr lang="en-US"/>
           </a:p>
@@ -1435,7 +1435,7 @@
     </p:spTree>
     <p:extLst>
       <p:ext uri="{BB962C8B-B14F-4D97-AF65-F5344CB8AC3E}">
-        <p14:creationId xmlns:p14="http://schemas.microsoft.com/office/powerpoint/2010/main" xmlns="" val="1093476163"/>
+        <p14:creationId xmlns:p14="http://schemas.microsoft.com/office/powerpoint/2010/main" val="1093476163"/>
       </p:ext>
     </p:extLst>
   </p:cSld>
@@ -1807,7 +1807,7 @@
             <a:fld id="{9898E65E-5E56-4F09-9AEE-13AF2F5B087E}" type="datetimeFigureOut">
               <a:rPr lang="en-US" smtClean="0"/>
               <a:pPr/>
-              <a:t>7/31/2022</a:t>
+              <a:t>11/26/2022</a:t>
             </a:fld>
             <a:endParaRPr lang="en-US"/>
           </a:p>
@@ -1859,7 +1859,7 @@
     </p:spTree>
     <p:extLst>
       <p:ext uri="{BB962C8B-B14F-4D97-AF65-F5344CB8AC3E}">
-        <p14:creationId xmlns:p14="http://schemas.microsoft.com/office/powerpoint/2010/main" xmlns="" val="3606438667"/>
+        <p14:creationId xmlns:p14="http://schemas.microsoft.com/office/powerpoint/2010/main" val="3606438667"/>
       </p:ext>
     </p:extLst>
   </p:cSld>
@@ -1927,7 +1927,7 @@
             <a:fld id="{9898E65E-5E56-4F09-9AEE-13AF2F5B087E}" type="datetimeFigureOut">
               <a:rPr lang="en-US" smtClean="0"/>
               <a:pPr/>
-              <a:t>7/31/2022</a:t>
+              <a:t>11/26/2022</a:t>
             </a:fld>
             <a:endParaRPr lang="en-US"/>
           </a:p>
@@ -1979,7 +1979,7 @@
     </p:spTree>
     <p:extLst>
       <p:ext uri="{BB962C8B-B14F-4D97-AF65-F5344CB8AC3E}">
-        <p14:creationId xmlns:p14="http://schemas.microsoft.com/office/powerpoint/2010/main" xmlns="" val="708751718"/>
+        <p14:creationId xmlns:p14="http://schemas.microsoft.com/office/powerpoint/2010/main" val="708751718"/>
       </p:ext>
     </p:extLst>
   </p:cSld>
@@ -2024,7 +2024,7 @@
             <a:fld id="{9898E65E-5E56-4F09-9AEE-13AF2F5B087E}" type="datetimeFigureOut">
               <a:rPr lang="en-US" smtClean="0"/>
               <a:pPr/>
-              <a:t>7/31/2022</a:t>
+              <a:t>11/26/2022</a:t>
             </a:fld>
             <a:endParaRPr lang="en-US"/>
           </a:p>
@@ -2076,7 +2076,7 @@
     </p:spTree>
     <p:extLst>
       <p:ext uri="{BB962C8B-B14F-4D97-AF65-F5344CB8AC3E}">
-        <p14:creationId xmlns:p14="http://schemas.microsoft.com/office/powerpoint/2010/main" xmlns="" val="2810944537"/>
+        <p14:creationId xmlns:p14="http://schemas.microsoft.com/office/powerpoint/2010/main" val="2810944537"/>
       </p:ext>
     </p:extLst>
   </p:cSld>
@@ -2303,7 +2303,7 @@
             <a:fld id="{9898E65E-5E56-4F09-9AEE-13AF2F5B087E}" type="datetimeFigureOut">
               <a:rPr lang="en-US" smtClean="0"/>
               <a:pPr/>
-              <a:t>7/31/2022</a:t>
+              <a:t>11/26/2022</a:t>
             </a:fld>
             <a:endParaRPr lang="en-US"/>
           </a:p>
@@ -2355,7 +2355,7 @@
     </p:spTree>
     <p:extLst>
       <p:ext uri="{BB962C8B-B14F-4D97-AF65-F5344CB8AC3E}">
-        <p14:creationId xmlns:p14="http://schemas.microsoft.com/office/powerpoint/2010/main" xmlns="" val="3977837067"/>
+        <p14:creationId xmlns:p14="http://schemas.microsoft.com/office/powerpoint/2010/main" val="3977837067"/>
       </p:ext>
     </p:extLst>
   </p:cSld>
@@ -2562,7 +2562,7 @@
             <a:fld id="{9898E65E-5E56-4F09-9AEE-13AF2F5B087E}" type="datetimeFigureOut">
               <a:rPr lang="en-US" smtClean="0"/>
               <a:pPr/>
-              <a:t>7/31/2022</a:t>
+              <a:t>11/26/2022</a:t>
             </a:fld>
             <a:endParaRPr lang="en-US"/>
           </a:p>
@@ -2614,7 +2614,7 @@
     </p:spTree>
     <p:extLst>
       <p:ext uri="{BB962C8B-B14F-4D97-AF65-F5344CB8AC3E}">
-        <p14:creationId xmlns:p14="http://schemas.microsoft.com/office/powerpoint/2010/main" xmlns="" val="1547243493"/>
+        <p14:creationId xmlns:p14="http://schemas.microsoft.com/office/powerpoint/2010/main" val="1547243493"/>
       </p:ext>
     </p:extLst>
   </p:cSld>
@@ -2782,7 +2782,7 @@
             <a:fld id="{9898E65E-5E56-4F09-9AEE-13AF2F5B087E}" type="datetimeFigureOut">
               <a:rPr lang="en-US" smtClean="0"/>
               <a:pPr/>
-              <a:t>7/31/2022</a:t>
+              <a:t>11/26/2022</a:t>
             </a:fld>
             <a:endParaRPr lang="en-US"/>
           </a:p>
@@ -2870,7 +2870,7 @@
     </p:spTree>
     <p:extLst>
       <p:ext uri="{BB962C8B-B14F-4D97-AF65-F5344CB8AC3E}">
-        <p14:creationId xmlns:p14="http://schemas.microsoft.com/office/powerpoint/2010/main" xmlns="" val="3627968997"/>
+        <p14:creationId xmlns:p14="http://schemas.microsoft.com/office/powerpoint/2010/main" val="3627968997"/>
       </p:ext>
     </p:extLst>
   </p:cSld>
@@ -3220,7 +3220,7 @@
     </p:spTree>
     <p:extLst>
       <p:ext uri="{BB962C8B-B14F-4D97-AF65-F5344CB8AC3E}">
-        <p14:creationId xmlns:p14="http://schemas.microsoft.com/office/powerpoint/2010/main" xmlns="" val="2396901167"/>
+        <p14:creationId xmlns:p14="http://schemas.microsoft.com/office/powerpoint/2010/main" val="2396901167"/>
       </p:ext>
     </p:extLst>
   </p:cSld>
@@ -3363,14 +3363,14 @@
       </p:sp>
       <p:sp>
         <p:nvSpPr>
-          <p:cNvPr id="2" name="TextBox 1"/>
+          <p:cNvPr id="4" name="TextBox 3"/>
           <p:cNvSpPr txBox="1"/>
           <p:nvPr/>
         </p:nvSpPr>
         <p:spPr>
           <a:xfrm>
-            <a:off x="144379" y="2303702"/>
-            <a:ext cx="1042737" cy="1107996"/>
+            <a:off x="0" y="4979336"/>
+            <a:ext cx="12191999" cy="769441"/>
           </a:xfrm>
           <a:prstGeom prst="rect">
             <a:avLst/>
@@ -3378,31 +3378,44 @@
           <a:noFill/>
         </p:spPr>
         <p:txBody>
-          <a:bodyPr wrap="square" rtlCol="0">
+          <a:bodyPr wrap="square" rtlCol="0" anchor="ctr">
             <a:spAutoFit/>
           </a:bodyPr>
           <a:lstStyle/>
           <a:p>
-            <a:r>
-              <a:rPr lang="en-US" sz="6600" b="1" dirty="0">
-                <a:solidFill>
-                  <a:srgbClr val="660033"/>
-                </a:solidFill>
-              </a:rPr>
-              <a:t>2</a:t>
-            </a:r>
-            <a:r>
-              <a:rPr lang="en-US" sz="6600" b="1" dirty="0" smtClean="0">
-                <a:solidFill>
-                  <a:srgbClr val="660033"/>
-                </a:solidFill>
-              </a:rPr>
-              <a:t>.</a:t>
-            </a:r>
-            <a:endParaRPr lang="vi-VN" sz="6600" b="1" dirty="0">
+            <a:pPr algn="ctr"/>
+            <a:r>
+              <a:rPr lang="en-US" sz="4400" b="1" dirty="0">
+                <a:solidFill>
+                  <a:srgbClr val="660033"/>
+                </a:solidFill>
+                <a:effectLst/>
+              </a:rPr>
+              <a:t>( </a:t>
+            </a:r>
+            <a:r>
+              <a:rPr lang="en-US" sz="4400" b="1" dirty="0" smtClean="0">
+                <a:solidFill>
+                  <a:srgbClr val="660033"/>
+                </a:solidFill>
+                <a:effectLst/>
+              </a:rPr>
+              <a:t>2 </a:t>
+            </a:r>
+            <a:r>
+              <a:rPr lang="en-US" sz="4400" b="1" dirty="0">
+                <a:solidFill>
+                  <a:srgbClr val="660033"/>
+                </a:solidFill>
+                <a:effectLst/>
+              </a:rPr>
+              <a:t>)</a:t>
+            </a:r>
+            <a:endParaRPr lang="vi-VN" sz="4400" b="1" dirty="0">
               <a:solidFill>
                 <a:srgbClr val="660033"/>
               </a:solidFill>
+              <a:effectLst/>
             </a:endParaRPr>
           </a:p>
         </p:txBody>
@@ -3410,7 +3423,7 @@
     </p:spTree>
     <p:extLst>
       <p:ext uri="{BB962C8B-B14F-4D97-AF65-F5344CB8AC3E}">
-        <p14:creationId xmlns:p14="http://schemas.microsoft.com/office/powerpoint/2010/main" xmlns="" val="3286451263"/>
+        <p14:creationId xmlns:p14="http://schemas.microsoft.com/office/powerpoint/2010/main" val="3286451263"/>
       </p:ext>
     </p:extLst>
   </p:cSld>
@@ -3506,14 +3519,14 @@
       </p:sp>
       <p:sp>
         <p:nvSpPr>
-          <p:cNvPr id="2" name="TextBox 1"/>
+          <p:cNvPr id="4" name="TextBox 3"/>
           <p:cNvSpPr txBox="1"/>
           <p:nvPr/>
         </p:nvSpPr>
         <p:spPr>
           <a:xfrm>
-            <a:off x="144379" y="2303702"/>
-            <a:ext cx="1042737" cy="1107996"/>
+            <a:off x="0" y="4979336"/>
+            <a:ext cx="12191999" cy="769441"/>
           </a:xfrm>
           <a:prstGeom prst="rect">
             <a:avLst/>
@@ -3521,31 +3534,44 @@
           <a:noFill/>
         </p:spPr>
         <p:txBody>
-          <a:bodyPr wrap="square" rtlCol="0">
+          <a:bodyPr wrap="square" rtlCol="0" anchor="ctr">
             <a:spAutoFit/>
           </a:bodyPr>
           <a:lstStyle/>
           <a:p>
-            <a:r>
-              <a:rPr lang="en-US" sz="6600" b="1" dirty="0">
-                <a:solidFill>
-                  <a:srgbClr val="660033"/>
-                </a:solidFill>
-              </a:rPr>
-              <a:t>2</a:t>
-            </a:r>
-            <a:r>
-              <a:rPr lang="en-US" sz="6600" b="1" dirty="0" smtClean="0">
-                <a:solidFill>
-                  <a:srgbClr val="660033"/>
-                </a:solidFill>
-              </a:rPr>
-              <a:t>.</a:t>
-            </a:r>
-            <a:endParaRPr lang="vi-VN" sz="6600" b="1" dirty="0">
+            <a:pPr algn="ctr"/>
+            <a:r>
+              <a:rPr lang="en-US" sz="4400" b="1" dirty="0">
+                <a:solidFill>
+                  <a:srgbClr val="660033"/>
+                </a:solidFill>
+                <a:effectLst/>
+              </a:rPr>
+              <a:t>( </a:t>
+            </a:r>
+            <a:r>
+              <a:rPr lang="en-US" sz="4400" b="1" dirty="0" smtClean="0">
+                <a:solidFill>
+                  <a:srgbClr val="660033"/>
+                </a:solidFill>
+                <a:effectLst/>
+              </a:rPr>
+              <a:t>2 </a:t>
+            </a:r>
+            <a:r>
+              <a:rPr lang="en-US" sz="4400" b="1" dirty="0">
+                <a:solidFill>
+                  <a:srgbClr val="660033"/>
+                </a:solidFill>
+                <a:effectLst/>
+              </a:rPr>
+              <a:t>)</a:t>
+            </a:r>
+            <a:endParaRPr lang="vi-VN" sz="4400" b="1" dirty="0">
               <a:solidFill>
                 <a:srgbClr val="660033"/>
               </a:solidFill>
+              <a:effectLst/>
             </a:endParaRPr>
           </a:p>
         </p:txBody>
@@ -3553,7 +3579,7 @@
     </p:spTree>
     <p:extLst>
       <p:ext uri="{BB962C8B-B14F-4D97-AF65-F5344CB8AC3E}">
-        <p14:creationId xmlns:p14="http://schemas.microsoft.com/office/powerpoint/2010/main" xmlns="" val="2543180607"/>
+        <p14:creationId xmlns:p14="http://schemas.microsoft.com/office/powerpoint/2010/main" val="2543180607"/>
       </p:ext>
     </p:extLst>
   </p:cSld>
@@ -3656,14 +3682,14 @@
       </p:sp>
       <p:sp>
         <p:nvSpPr>
-          <p:cNvPr id="2" name="TextBox 1"/>
+          <p:cNvPr id="4" name="TextBox 3"/>
           <p:cNvSpPr txBox="1"/>
           <p:nvPr/>
         </p:nvSpPr>
         <p:spPr>
           <a:xfrm>
-            <a:off x="144379" y="2303702"/>
-            <a:ext cx="1042737" cy="1107996"/>
+            <a:off x="0" y="4979336"/>
+            <a:ext cx="12191999" cy="769441"/>
           </a:xfrm>
           <a:prstGeom prst="rect">
             <a:avLst/>
@@ -3671,23 +3697,44 @@
           <a:noFill/>
         </p:spPr>
         <p:txBody>
-          <a:bodyPr wrap="square" rtlCol="0">
+          <a:bodyPr wrap="square" rtlCol="0" anchor="ctr">
             <a:spAutoFit/>
           </a:bodyPr>
           <a:lstStyle/>
           <a:p>
-            <a:r>
-              <a:rPr lang="en-US" sz="6600" b="1" dirty="0" smtClean="0">
-                <a:solidFill>
-                  <a:srgbClr val="660033"/>
-                </a:solidFill>
-              </a:rPr>
-              <a:t>3.</a:t>
-            </a:r>
-            <a:endParaRPr lang="vi-VN" sz="6600" b="1" dirty="0">
+            <a:pPr algn="ctr"/>
+            <a:r>
+              <a:rPr lang="en-US" sz="4400" b="1" dirty="0">
+                <a:solidFill>
+                  <a:srgbClr val="660033"/>
+                </a:solidFill>
+                <a:effectLst/>
+              </a:rPr>
+              <a:t>( </a:t>
+            </a:r>
+            <a:r>
+              <a:rPr lang="en-US" sz="4400" b="1" dirty="0" smtClean="0">
+                <a:solidFill>
+                  <a:srgbClr val="660033"/>
+                </a:solidFill>
+                <a:effectLst/>
+              </a:rPr>
+              <a:t>3 </a:t>
+            </a:r>
+            <a:r>
+              <a:rPr lang="en-US" sz="4400" b="1" dirty="0">
+                <a:solidFill>
+                  <a:srgbClr val="660033"/>
+                </a:solidFill>
+                <a:effectLst/>
+              </a:rPr>
+              <a:t>)</a:t>
+            </a:r>
+            <a:endParaRPr lang="vi-VN" sz="4400" b="1" dirty="0">
               <a:solidFill>
                 <a:srgbClr val="660033"/>
               </a:solidFill>
+              <a:effectLst/>
             </a:endParaRPr>
           </a:p>
         </p:txBody>
@@ -3695,7 +3742,7 @@
     </p:spTree>
     <p:extLst>
       <p:ext uri="{BB962C8B-B14F-4D97-AF65-F5344CB8AC3E}">
-        <p14:creationId xmlns:p14="http://schemas.microsoft.com/office/powerpoint/2010/main" xmlns="" val="2906025053"/>
+        <p14:creationId xmlns:p14="http://schemas.microsoft.com/office/powerpoint/2010/main" val="2906025053"/>
       </p:ext>
     </p:extLst>
   </p:cSld>
@@ -3798,14 +3845,14 @@
       </p:sp>
       <p:sp>
         <p:nvSpPr>
-          <p:cNvPr id="2" name="TextBox 1"/>
+          <p:cNvPr id="4" name="TextBox 3"/>
           <p:cNvSpPr txBox="1"/>
           <p:nvPr/>
         </p:nvSpPr>
         <p:spPr>
           <a:xfrm>
-            <a:off x="144379" y="2303702"/>
-            <a:ext cx="1042737" cy="1107996"/>
+            <a:off x="0" y="4979336"/>
+            <a:ext cx="12191999" cy="769441"/>
           </a:xfrm>
           <a:prstGeom prst="rect">
             <a:avLst/>
@@ -3813,23 +3860,44 @@
           <a:noFill/>
         </p:spPr>
         <p:txBody>
-          <a:bodyPr wrap="square" rtlCol="0">
+          <a:bodyPr wrap="square" rtlCol="0" anchor="ctr">
             <a:spAutoFit/>
           </a:bodyPr>
           <a:lstStyle/>
           <a:p>
-            <a:r>
-              <a:rPr lang="en-US" sz="6600" b="1" dirty="0" smtClean="0">
-                <a:solidFill>
-                  <a:srgbClr val="660033"/>
-                </a:solidFill>
-              </a:rPr>
-              <a:t>3.</a:t>
-            </a:r>
-            <a:endParaRPr lang="vi-VN" sz="6600" b="1" dirty="0">
+            <a:pPr algn="ctr"/>
+            <a:r>
+              <a:rPr lang="en-US" sz="4400" b="1" dirty="0">
+                <a:solidFill>
+                  <a:srgbClr val="660033"/>
+                </a:solidFill>
+                <a:effectLst/>
+              </a:rPr>
+              <a:t>( </a:t>
+            </a:r>
+            <a:r>
+              <a:rPr lang="en-US" sz="4400" b="1" dirty="0" smtClean="0">
+                <a:solidFill>
+                  <a:srgbClr val="660033"/>
+                </a:solidFill>
+                <a:effectLst/>
+              </a:rPr>
+              <a:t>3 </a:t>
+            </a:r>
+            <a:r>
+              <a:rPr lang="en-US" sz="4400" b="1" dirty="0">
+                <a:solidFill>
+                  <a:srgbClr val="660033"/>
+                </a:solidFill>
+                <a:effectLst/>
+              </a:rPr>
+              <a:t>)</a:t>
+            </a:r>
+            <a:endParaRPr lang="vi-VN" sz="4400" b="1" dirty="0">
               <a:solidFill>
                 <a:srgbClr val="660033"/>
               </a:solidFill>
+              <a:effectLst/>
             </a:endParaRPr>
           </a:p>
         </p:txBody>
@@ -3837,7 +3905,7 @@
     </p:spTree>
     <p:extLst>
       <p:ext uri="{BB962C8B-B14F-4D97-AF65-F5344CB8AC3E}">
-        <p14:creationId xmlns:p14="http://schemas.microsoft.com/office/powerpoint/2010/main" xmlns="" val="2026142368"/>
+        <p14:creationId xmlns:p14="http://schemas.microsoft.com/office/powerpoint/2010/main" val="2026142368"/>
       </p:ext>
     </p:extLst>
   </p:cSld>
@@ -3940,14 +4008,14 @@
       </p:sp>
       <p:sp>
         <p:nvSpPr>
-          <p:cNvPr id="2" name="TextBox 1"/>
+          <p:cNvPr id="4" name="TextBox 3"/>
           <p:cNvSpPr txBox="1"/>
           <p:nvPr/>
         </p:nvSpPr>
         <p:spPr>
           <a:xfrm>
-            <a:off x="144379" y="2303702"/>
-            <a:ext cx="1042737" cy="1107996"/>
+            <a:off x="0" y="4979336"/>
+            <a:ext cx="12191999" cy="769441"/>
           </a:xfrm>
           <a:prstGeom prst="rect">
             <a:avLst/>
@@ -3955,23 +4023,44 @@
           <a:noFill/>
         </p:spPr>
         <p:txBody>
-          <a:bodyPr wrap="square" rtlCol="0">
+          <a:bodyPr wrap="square" rtlCol="0" anchor="ctr">
             <a:spAutoFit/>
           </a:bodyPr>
           <a:lstStyle/>
           <a:p>
-            <a:r>
-              <a:rPr lang="en-US" sz="6600" b="1" dirty="0" smtClean="0">
-                <a:solidFill>
-                  <a:srgbClr val="660033"/>
-                </a:solidFill>
-              </a:rPr>
-              <a:t>3.</a:t>
-            </a:r>
-            <a:endParaRPr lang="vi-VN" sz="6600" b="1" dirty="0">
+            <a:pPr algn="ctr"/>
+            <a:r>
+              <a:rPr lang="en-US" sz="4400" b="1" dirty="0">
+                <a:solidFill>
+                  <a:srgbClr val="660033"/>
+                </a:solidFill>
+                <a:effectLst/>
+              </a:rPr>
+              <a:t>( </a:t>
+            </a:r>
+            <a:r>
+              <a:rPr lang="en-US" sz="4400" b="1" dirty="0" smtClean="0">
+                <a:solidFill>
+                  <a:srgbClr val="660033"/>
+                </a:solidFill>
+                <a:effectLst/>
+              </a:rPr>
+              <a:t>3 </a:t>
+            </a:r>
+            <a:r>
+              <a:rPr lang="en-US" sz="4400" b="1" dirty="0">
+                <a:solidFill>
+                  <a:srgbClr val="660033"/>
+                </a:solidFill>
+                <a:effectLst/>
+              </a:rPr>
+              <a:t>)</a:t>
+            </a:r>
+            <a:endParaRPr lang="vi-VN" sz="4400" b="1" dirty="0">
               <a:solidFill>
                 <a:srgbClr val="660033"/>
               </a:solidFill>
+              <a:effectLst/>
             </a:endParaRPr>
           </a:p>
         </p:txBody>
@@ -3979,7 +4068,7 @@
     </p:spTree>
     <p:extLst>
       <p:ext uri="{BB962C8B-B14F-4D97-AF65-F5344CB8AC3E}">
-        <p14:creationId xmlns:p14="http://schemas.microsoft.com/office/powerpoint/2010/main" xmlns="" val="22346328"/>
+        <p14:creationId xmlns:p14="http://schemas.microsoft.com/office/powerpoint/2010/main" val="22346328"/>
       </p:ext>
     </p:extLst>
   </p:cSld>
@@ -4075,14 +4164,14 @@
       </p:sp>
       <p:sp>
         <p:nvSpPr>
-          <p:cNvPr id="2" name="TextBox 1"/>
+          <p:cNvPr id="4" name="TextBox 3"/>
           <p:cNvSpPr txBox="1"/>
           <p:nvPr/>
         </p:nvSpPr>
         <p:spPr>
           <a:xfrm>
-            <a:off x="144379" y="2303702"/>
-            <a:ext cx="1042737" cy="1107996"/>
+            <a:off x="0" y="4979336"/>
+            <a:ext cx="12191999" cy="769441"/>
           </a:xfrm>
           <a:prstGeom prst="rect">
             <a:avLst/>
@@ -4090,23 +4179,44 @@
           <a:noFill/>
         </p:spPr>
         <p:txBody>
-          <a:bodyPr wrap="square" rtlCol="0">
+          <a:bodyPr wrap="square" rtlCol="0" anchor="ctr">
             <a:spAutoFit/>
           </a:bodyPr>
           <a:lstStyle/>
           <a:p>
-            <a:r>
-              <a:rPr lang="en-US" sz="6600" b="1" dirty="0" smtClean="0">
-                <a:solidFill>
-                  <a:srgbClr val="660033"/>
-                </a:solidFill>
-              </a:rPr>
-              <a:t>3.</a:t>
-            </a:r>
-            <a:endParaRPr lang="vi-VN" sz="6600" b="1" dirty="0">
+            <a:pPr algn="ctr"/>
+            <a:r>
+              <a:rPr lang="en-US" sz="4400" b="1" dirty="0">
+                <a:solidFill>
+                  <a:srgbClr val="660033"/>
+                </a:solidFill>
+                <a:effectLst/>
+              </a:rPr>
+              <a:t>( </a:t>
+            </a:r>
+            <a:r>
+              <a:rPr lang="en-US" sz="4400" b="1" dirty="0" smtClean="0">
+                <a:solidFill>
+                  <a:srgbClr val="660033"/>
+                </a:solidFill>
+                <a:effectLst/>
+              </a:rPr>
+              <a:t>3 </a:t>
+            </a:r>
+            <a:r>
+              <a:rPr lang="en-US" sz="4400" b="1" dirty="0">
+                <a:solidFill>
+                  <a:srgbClr val="660033"/>
+                </a:solidFill>
+                <a:effectLst/>
+              </a:rPr>
+              <a:t>)</a:t>
+            </a:r>
+            <a:endParaRPr lang="vi-VN" sz="4400" b="1" dirty="0">
               <a:solidFill>
                 <a:srgbClr val="660033"/>
               </a:solidFill>
+              <a:effectLst/>
             </a:endParaRPr>
           </a:p>
         </p:txBody>
@@ -4114,7 +4224,7 @@
     </p:spTree>
     <p:extLst>
       <p:ext uri="{BB962C8B-B14F-4D97-AF65-F5344CB8AC3E}">
-        <p14:creationId xmlns:p14="http://schemas.microsoft.com/office/powerpoint/2010/main" xmlns="" val="3346704718"/>
+        <p14:creationId xmlns:p14="http://schemas.microsoft.com/office/powerpoint/2010/main" val="3346704718"/>
       </p:ext>
     </p:extLst>
   </p:cSld>
@@ -4217,14 +4327,14 @@
       </p:sp>
       <p:sp>
         <p:nvSpPr>
-          <p:cNvPr id="4" name="TextBox 3"/>
+          <p:cNvPr id="6" name="TextBox 5"/>
           <p:cNvSpPr txBox="1"/>
           <p:nvPr/>
         </p:nvSpPr>
         <p:spPr>
           <a:xfrm>
-            <a:off x="144379" y="2303702"/>
-            <a:ext cx="1042737" cy="1107996"/>
+            <a:off x="0" y="4979336"/>
+            <a:ext cx="12191999" cy="769441"/>
           </a:xfrm>
           <a:prstGeom prst="rect">
             <a:avLst/>
@@ -4232,23 +4342,26 @@
           <a:noFill/>
         </p:spPr>
         <p:txBody>
-          <a:bodyPr wrap="square" rtlCol="0">
+          <a:bodyPr wrap="square" rtlCol="0" anchor="ctr">
             <a:spAutoFit/>
           </a:bodyPr>
           <a:lstStyle/>
           <a:p>
-            <a:r>
-              <a:rPr lang="en-US" sz="6600" b="1" dirty="0" smtClean="0">
-                <a:solidFill>
-                  <a:srgbClr val="660033"/>
-                </a:solidFill>
-              </a:rPr>
-              <a:t>1.</a:t>
-            </a:r>
-            <a:endParaRPr lang="vi-VN" sz="6600" b="1" dirty="0">
+            <a:pPr algn="ctr"/>
+            <a:r>
+              <a:rPr lang="en-US" sz="4400" b="1" dirty="0">
+                <a:solidFill>
+                  <a:srgbClr val="660033"/>
+                </a:solidFill>
+                <a:effectLst/>
+              </a:rPr>
+              <a:t>( 1 )</a:t>
+            </a:r>
+            <a:endParaRPr lang="vi-VN" sz="4400" b="1" dirty="0">
               <a:solidFill>
                 <a:srgbClr val="660033"/>
               </a:solidFill>
+              <a:effectLst/>
             </a:endParaRPr>
           </a:p>
         </p:txBody>
@@ -4256,7 +4369,7 @@
     </p:spTree>
     <p:extLst>
       <p:ext uri="{BB962C8B-B14F-4D97-AF65-F5344CB8AC3E}">
-        <p14:creationId xmlns:p14="http://schemas.microsoft.com/office/powerpoint/2010/main" xmlns="" val="2083498301"/>
+        <p14:creationId xmlns:p14="http://schemas.microsoft.com/office/powerpoint/2010/main" val="2083498301"/>
       </p:ext>
     </p:extLst>
   </p:cSld>
@@ -4359,14 +4472,14 @@
       </p:sp>
       <p:sp>
         <p:nvSpPr>
-          <p:cNvPr id="2" name="TextBox 1"/>
+          <p:cNvPr id="4" name="TextBox 3"/>
           <p:cNvSpPr txBox="1"/>
           <p:nvPr/>
         </p:nvSpPr>
         <p:spPr>
           <a:xfrm>
-            <a:off x="144379" y="2303702"/>
-            <a:ext cx="1042737" cy="1107996"/>
+            <a:off x="0" y="4979336"/>
+            <a:ext cx="12191999" cy="769441"/>
           </a:xfrm>
           <a:prstGeom prst="rect">
             <a:avLst/>
@@ -4374,23 +4487,26 @@
           <a:noFill/>
         </p:spPr>
         <p:txBody>
-          <a:bodyPr wrap="square" rtlCol="0">
+          <a:bodyPr wrap="square" rtlCol="0" anchor="ctr">
             <a:spAutoFit/>
           </a:bodyPr>
           <a:lstStyle/>
           <a:p>
-            <a:r>
-              <a:rPr lang="en-US" sz="6600" b="1" dirty="0" smtClean="0">
-                <a:solidFill>
-                  <a:srgbClr val="660033"/>
-                </a:solidFill>
-              </a:rPr>
-              <a:t>1.</a:t>
-            </a:r>
-            <a:endParaRPr lang="vi-VN" sz="6600" b="1" dirty="0">
+            <a:pPr algn="ctr"/>
+            <a:r>
+              <a:rPr lang="en-US" sz="4400" b="1" dirty="0">
+                <a:solidFill>
+                  <a:srgbClr val="660033"/>
+                </a:solidFill>
+                <a:effectLst/>
+              </a:rPr>
+              <a:t>( 1 )</a:t>
+            </a:r>
+            <a:endParaRPr lang="vi-VN" sz="4400" b="1" dirty="0">
               <a:solidFill>
                 <a:srgbClr val="660033"/>
               </a:solidFill>
+              <a:effectLst/>
             </a:endParaRPr>
           </a:p>
         </p:txBody>
@@ -4398,7 +4514,7 @@
     </p:spTree>
     <p:extLst>
       <p:ext uri="{BB962C8B-B14F-4D97-AF65-F5344CB8AC3E}">
-        <p14:creationId xmlns:p14="http://schemas.microsoft.com/office/powerpoint/2010/main" xmlns="" val="1739407854"/>
+        <p14:creationId xmlns:p14="http://schemas.microsoft.com/office/powerpoint/2010/main" val="1739407854"/>
       </p:ext>
     </p:extLst>
   </p:cSld>
@@ -4494,14 +4610,14 @@
       </p:sp>
       <p:sp>
         <p:nvSpPr>
-          <p:cNvPr id="2" name="TextBox 1"/>
+          <p:cNvPr id="4" name="TextBox 3"/>
           <p:cNvSpPr txBox="1"/>
           <p:nvPr/>
         </p:nvSpPr>
         <p:spPr>
           <a:xfrm>
-            <a:off x="144379" y="2303702"/>
-            <a:ext cx="1042737" cy="1107996"/>
+            <a:off x="0" y="4979336"/>
+            <a:ext cx="12191999" cy="769441"/>
           </a:xfrm>
           <a:prstGeom prst="rect">
             <a:avLst/>
@@ -4509,23 +4625,26 @@
           <a:noFill/>
         </p:spPr>
         <p:txBody>
-          <a:bodyPr wrap="square" rtlCol="0">
+          <a:bodyPr wrap="square" rtlCol="0" anchor="ctr">
             <a:spAutoFit/>
           </a:bodyPr>
           <a:lstStyle/>
           <a:p>
-            <a:r>
-              <a:rPr lang="en-US" sz="6600" b="1" dirty="0" smtClean="0">
-                <a:solidFill>
-                  <a:srgbClr val="660033"/>
-                </a:solidFill>
-              </a:rPr>
-              <a:t>1.</a:t>
-            </a:r>
-            <a:endParaRPr lang="vi-VN" sz="6600" b="1" dirty="0">
+            <a:pPr algn="ctr"/>
+            <a:r>
+              <a:rPr lang="en-US" sz="4400" b="1" dirty="0">
+                <a:solidFill>
+                  <a:srgbClr val="660033"/>
+                </a:solidFill>
+                <a:effectLst/>
+              </a:rPr>
+              <a:t>( 1 )</a:t>
+            </a:r>
+            <a:endParaRPr lang="vi-VN" sz="4400" b="1" dirty="0">
               <a:solidFill>
                 <a:srgbClr val="660033"/>
               </a:solidFill>
+              <a:effectLst/>
             </a:endParaRPr>
           </a:p>
         </p:txBody>
@@ -4533,7 +4652,7 @@
     </p:spTree>
     <p:extLst>
       <p:ext uri="{BB962C8B-B14F-4D97-AF65-F5344CB8AC3E}">
-        <p14:creationId xmlns:p14="http://schemas.microsoft.com/office/powerpoint/2010/main" xmlns="" val="264463034"/>
+        <p14:creationId xmlns:p14="http://schemas.microsoft.com/office/powerpoint/2010/main" val="264463034"/>
       </p:ext>
     </p:extLst>
   </p:cSld>
@@ -4649,14 +4768,14 @@
       </p:sp>
       <p:sp>
         <p:nvSpPr>
-          <p:cNvPr id="2" name="TextBox 1"/>
+          <p:cNvPr id="4" name="TextBox 3"/>
           <p:cNvSpPr txBox="1"/>
           <p:nvPr/>
         </p:nvSpPr>
         <p:spPr>
           <a:xfrm>
-            <a:off x="144379" y="2303702"/>
-            <a:ext cx="1042737" cy="1107996"/>
+            <a:off x="0" y="4979336"/>
+            <a:ext cx="12191999" cy="769441"/>
           </a:xfrm>
           <a:prstGeom prst="rect">
             <a:avLst/>
@@ -4664,23 +4783,26 @@
           <a:noFill/>
         </p:spPr>
         <p:txBody>
-          <a:bodyPr wrap="square" rtlCol="0">
+          <a:bodyPr wrap="square" rtlCol="0" anchor="ctr">
             <a:spAutoFit/>
           </a:bodyPr>
           <a:lstStyle/>
           <a:p>
-            <a:r>
-              <a:rPr lang="en-US" sz="6600" b="1" dirty="0" smtClean="0">
-                <a:solidFill>
-                  <a:srgbClr val="660033"/>
-                </a:solidFill>
-              </a:rPr>
-              <a:t>1.</a:t>
-            </a:r>
-            <a:endParaRPr lang="vi-VN" sz="6600" b="1" dirty="0">
+            <a:pPr algn="ctr"/>
+            <a:r>
+              <a:rPr lang="en-US" sz="4400" b="1" dirty="0">
+                <a:solidFill>
+                  <a:srgbClr val="660033"/>
+                </a:solidFill>
+                <a:effectLst/>
+              </a:rPr>
+              <a:t>( 1 )</a:t>
+            </a:r>
+            <a:endParaRPr lang="vi-VN" sz="4400" b="1" dirty="0">
               <a:solidFill>
                 <a:srgbClr val="660033"/>
               </a:solidFill>
+              <a:effectLst/>
             </a:endParaRPr>
           </a:p>
         </p:txBody>
@@ -4688,7 +4810,7 @@
     </p:spTree>
     <p:extLst>
       <p:ext uri="{BB962C8B-B14F-4D97-AF65-F5344CB8AC3E}">
-        <p14:creationId xmlns:p14="http://schemas.microsoft.com/office/powerpoint/2010/main" xmlns="" val="912152432"/>
+        <p14:creationId xmlns:p14="http://schemas.microsoft.com/office/powerpoint/2010/main" val="912152432"/>
       </p:ext>
     </p:extLst>
   </p:cSld>
@@ -4777,14 +4899,14 @@
       </p:sp>
       <p:sp>
         <p:nvSpPr>
-          <p:cNvPr id="2" name="TextBox 1"/>
+          <p:cNvPr id="4" name="TextBox 3"/>
           <p:cNvSpPr txBox="1"/>
           <p:nvPr/>
         </p:nvSpPr>
         <p:spPr>
           <a:xfrm>
-            <a:off x="144379" y="2303702"/>
-            <a:ext cx="1042737" cy="1107996"/>
+            <a:off x="0" y="4979336"/>
+            <a:ext cx="12191999" cy="769441"/>
           </a:xfrm>
           <a:prstGeom prst="rect">
             <a:avLst/>
@@ -4792,23 +4914,26 @@
           <a:noFill/>
         </p:spPr>
         <p:txBody>
-          <a:bodyPr wrap="square" rtlCol="0">
+          <a:bodyPr wrap="square" rtlCol="0" anchor="ctr">
             <a:spAutoFit/>
           </a:bodyPr>
           <a:lstStyle/>
           <a:p>
-            <a:r>
-              <a:rPr lang="en-US" sz="6600" b="1" dirty="0" smtClean="0">
-                <a:solidFill>
-                  <a:srgbClr val="660033"/>
-                </a:solidFill>
-              </a:rPr>
-              <a:t>1.</a:t>
-            </a:r>
-            <a:endParaRPr lang="vi-VN" sz="6600" b="1" dirty="0">
+            <a:pPr algn="ctr"/>
+            <a:r>
+              <a:rPr lang="en-US" sz="4400" b="1" dirty="0">
+                <a:solidFill>
+                  <a:srgbClr val="660033"/>
+                </a:solidFill>
+                <a:effectLst/>
+              </a:rPr>
+              <a:t>( 1 )</a:t>
+            </a:r>
+            <a:endParaRPr lang="vi-VN" sz="4400" b="1" dirty="0">
               <a:solidFill>
                 <a:srgbClr val="660033"/>
               </a:solidFill>
+              <a:effectLst/>
             </a:endParaRPr>
           </a:p>
         </p:txBody>
@@ -4816,7 +4941,7 @@
     </p:spTree>
     <p:extLst>
       <p:ext uri="{BB962C8B-B14F-4D97-AF65-F5344CB8AC3E}">
-        <p14:creationId xmlns:p14="http://schemas.microsoft.com/office/powerpoint/2010/main" xmlns="" val="461255025"/>
+        <p14:creationId xmlns:p14="http://schemas.microsoft.com/office/powerpoint/2010/main" val="461255025"/>
       </p:ext>
     </p:extLst>
   </p:cSld>
@@ -4919,14 +5044,14 @@
       </p:sp>
       <p:sp>
         <p:nvSpPr>
-          <p:cNvPr id="2" name="TextBox 1"/>
+          <p:cNvPr id="4" name="TextBox 3"/>
           <p:cNvSpPr txBox="1"/>
           <p:nvPr/>
         </p:nvSpPr>
         <p:spPr>
           <a:xfrm>
-            <a:off x="144379" y="2303702"/>
-            <a:ext cx="1042737" cy="1107996"/>
+            <a:off x="0" y="4979336"/>
+            <a:ext cx="12191999" cy="769441"/>
           </a:xfrm>
           <a:prstGeom prst="rect">
             <a:avLst/>
@@ -4934,31 +5059,44 @@
           <a:noFill/>
         </p:spPr>
         <p:txBody>
-          <a:bodyPr wrap="square" rtlCol="0">
+          <a:bodyPr wrap="square" rtlCol="0" anchor="ctr">
             <a:spAutoFit/>
           </a:bodyPr>
           <a:lstStyle/>
           <a:p>
-            <a:r>
-              <a:rPr lang="en-US" sz="6600" b="1" dirty="0">
-                <a:solidFill>
-                  <a:srgbClr val="660033"/>
-                </a:solidFill>
-              </a:rPr>
-              <a:t>2</a:t>
-            </a:r>
-            <a:r>
-              <a:rPr lang="en-US" sz="6600" b="1" dirty="0" smtClean="0">
-                <a:solidFill>
-                  <a:srgbClr val="660033"/>
-                </a:solidFill>
-              </a:rPr>
-              <a:t>.</a:t>
-            </a:r>
-            <a:endParaRPr lang="vi-VN" sz="6600" b="1" dirty="0">
+            <a:pPr algn="ctr"/>
+            <a:r>
+              <a:rPr lang="en-US" sz="4400" b="1" dirty="0">
+                <a:solidFill>
+                  <a:srgbClr val="660033"/>
+                </a:solidFill>
+                <a:effectLst/>
+              </a:rPr>
+              <a:t>( </a:t>
+            </a:r>
+            <a:r>
+              <a:rPr lang="en-US" sz="4400" b="1" dirty="0" smtClean="0">
+                <a:solidFill>
+                  <a:srgbClr val="660033"/>
+                </a:solidFill>
+                <a:effectLst/>
+              </a:rPr>
+              <a:t>2 </a:t>
+            </a:r>
+            <a:r>
+              <a:rPr lang="en-US" sz="4400" b="1" dirty="0">
+                <a:solidFill>
+                  <a:srgbClr val="660033"/>
+                </a:solidFill>
+                <a:effectLst/>
+              </a:rPr>
+              <a:t>)</a:t>
+            </a:r>
+            <a:endParaRPr lang="vi-VN" sz="4400" b="1" dirty="0">
               <a:solidFill>
                 <a:srgbClr val="660033"/>
               </a:solidFill>
+              <a:effectLst/>
             </a:endParaRPr>
           </a:p>
         </p:txBody>
@@ -4966,7 +5104,7 @@
     </p:spTree>
     <p:extLst>
       <p:ext uri="{BB962C8B-B14F-4D97-AF65-F5344CB8AC3E}">
-        <p14:creationId xmlns:p14="http://schemas.microsoft.com/office/powerpoint/2010/main" xmlns="" val="2696999186"/>
+        <p14:creationId xmlns:p14="http://schemas.microsoft.com/office/powerpoint/2010/main" val="2696999186"/>
       </p:ext>
     </p:extLst>
   </p:cSld>
@@ -5089,14 +5227,14 @@
       </p:sp>
       <p:sp>
         <p:nvSpPr>
-          <p:cNvPr id="2" name="TextBox 1"/>
+          <p:cNvPr id="4" name="TextBox 3"/>
           <p:cNvSpPr txBox="1"/>
           <p:nvPr/>
         </p:nvSpPr>
         <p:spPr>
           <a:xfrm>
-            <a:off x="144379" y="2303702"/>
-            <a:ext cx="1042737" cy="1107996"/>
+            <a:off x="0" y="4979336"/>
+            <a:ext cx="12191999" cy="769441"/>
           </a:xfrm>
           <a:prstGeom prst="rect">
             <a:avLst/>
@@ -5104,31 +5242,44 @@
           <a:noFill/>
         </p:spPr>
         <p:txBody>
-          <a:bodyPr wrap="square" rtlCol="0">
+          <a:bodyPr wrap="square" rtlCol="0" anchor="ctr">
             <a:spAutoFit/>
           </a:bodyPr>
           <a:lstStyle/>
           <a:p>
-            <a:r>
-              <a:rPr lang="en-US" sz="6600" b="1" dirty="0">
-                <a:solidFill>
-                  <a:srgbClr val="660033"/>
-                </a:solidFill>
-              </a:rPr>
-              <a:t>2</a:t>
-            </a:r>
-            <a:r>
-              <a:rPr lang="en-US" sz="6600" b="1" dirty="0" smtClean="0">
-                <a:solidFill>
-                  <a:srgbClr val="660033"/>
-                </a:solidFill>
-              </a:rPr>
-              <a:t>.</a:t>
-            </a:r>
-            <a:endParaRPr lang="vi-VN" sz="6600" b="1" dirty="0">
+            <a:pPr algn="ctr"/>
+            <a:r>
+              <a:rPr lang="en-US" sz="4400" b="1" dirty="0">
+                <a:solidFill>
+                  <a:srgbClr val="660033"/>
+                </a:solidFill>
+                <a:effectLst/>
+              </a:rPr>
+              <a:t>( </a:t>
+            </a:r>
+            <a:r>
+              <a:rPr lang="en-US" sz="4400" b="1" dirty="0" smtClean="0">
+                <a:solidFill>
+                  <a:srgbClr val="660033"/>
+                </a:solidFill>
+                <a:effectLst/>
+              </a:rPr>
+              <a:t>2 </a:t>
+            </a:r>
+            <a:r>
+              <a:rPr lang="en-US" sz="4400" b="1" dirty="0">
+                <a:solidFill>
+                  <a:srgbClr val="660033"/>
+                </a:solidFill>
+                <a:effectLst/>
+              </a:rPr>
+              <a:t>)</a:t>
+            </a:r>
+            <a:endParaRPr lang="vi-VN" sz="4400" b="1" dirty="0">
               <a:solidFill>
                 <a:srgbClr val="660033"/>
               </a:solidFill>
+              <a:effectLst/>
             </a:endParaRPr>
           </a:p>
         </p:txBody>
@@ -5136,7 +5287,7 @@
     </p:spTree>
     <p:extLst>
       <p:ext uri="{BB962C8B-B14F-4D97-AF65-F5344CB8AC3E}">
-        <p14:creationId xmlns:p14="http://schemas.microsoft.com/office/powerpoint/2010/main" xmlns="" val="1422142822"/>
+        <p14:creationId xmlns:p14="http://schemas.microsoft.com/office/powerpoint/2010/main" val="1422142822"/>
       </p:ext>
     </p:extLst>
   </p:cSld>
@@ -5255,14 +5406,14 @@
       </p:sp>
       <p:sp>
         <p:nvSpPr>
-          <p:cNvPr id="2" name="TextBox 1"/>
+          <p:cNvPr id="4" name="TextBox 3"/>
           <p:cNvSpPr txBox="1"/>
           <p:nvPr/>
         </p:nvSpPr>
         <p:spPr>
           <a:xfrm>
-            <a:off x="144379" y="2303702"/>
-            <a:ext cx="1042737" cy="1107996"/>
+            <a:off x="0" y="4979336"/>
+            <a:ext cx="12191999" cy="769441"/>
           </a:xfrm>
           <a:prstGeom prst="rect">
             <a:avLst/>
@@ -5270,31 +5421,44 @@
           <a:noFill/>
         </p:spPr>
         <p:txBody>
-          <a:bodyPr wrap="square" rtlCol="0">
+          <a:bodyPr wrap="square" rtlCol="0" anchor="ctr">
             <a:spAutoFit/>
           </a:bodyPr>
           <a:lstStyle/>
           <a:p>
-            <a:r>
-              <a:rPr lang="en-US" sz="6600" b="1" dirty="0">
-                <a:solidFill>
-                  <a:srgbClr val="660033"/>
-                </a:solidFill>
-              </a:rPr>
-              <a:t>2</a:t>
-            </a:r>
-            <a:r>
-              <a:rPr lang="en-US" sz="6600" b="1" dirty="0" smtClean="0">
-                <a:solidFill>
-                  <a:srgbClr val="660033"/>
-                </a:solidFill>
-              </a:rPr>
-              <a:t>.</a:t>
-            </a:r>
-            <a:endParaRPr lang="vi-VN" sz="6600" b="1" dirty="0">
+            <a:pPr algn="ctr"/>
+            <a:r>
+              <a:rPr lang="en-US" sz="4400" b="1" dirty="0">
+                <a:solidFill>
+                  <a:srgbClr val="660033"/>
+                </a:solidFill>
+                <a:effectLst/>
+              </a:rPr>
+              <a:t>( </a:t>
+            </a:r>
+            <a:r>
+              <a:rPr lang="en-US" sz="4400" b="1" dirty="0" smtClean="0">
+                <a:solidFill>
+                  <a:srgbClr val="660033"/>
+                </a:solidFill>
+                <a:effectLst/>
+              </a:rPr>
+              <a:t>2 </a:t>
+            </a:r>
+            <a:r>
+              <a:rPr lang="en-US" sz="4400" b="1" dirty="0">
+                <a:solidFill>
+                  <a:srgbClr val="660033"/>
+                </a:solidFill>
+                <a:effectLst/>
+              </a:rPr>
+              <a:t>)</a:t>
+            </a:r>
+            <a:endParaRPr lang="vi-VN" sz="4400" b="1" dirty="0">
               <a:solidFill>
                 <a:srgbClr val="660033"/>
               </a:solidFill>
+              <a:effectLst/>
             </a:endParaRPr>
           </a:p>
         </p:txBody>
@@ -5302,7 +5466,7 @@
     </p:spTree>
     <p:extLst>
       <p:ext uri="{BB962C8B-B14F-4D97-AF65-F5344CB8AC3E}">
-        <p14:creationId xmlns:p14="http://schemas.microsoft.com/office/powerpoint/2010/main" xmlns="" val="2480461521"/>
+        <p14:creationId xmlns:p14="http://schemas.microsoft.com/office/powerpoint/2010/main" val="2480461521"/>
       </p:ext>
     </p:extLst>
   </p:cSld>
@@ -5601,7 +5765,7 @@
   <a:extraClrSchemeLst/>
   <a:extLst>
     <a:ext uri="{05A4C25C-085E-4340-85A3-A5531E510DB2}">
-      <thm15:themeFamily xmlns:thm15="http://schemas.microsoft.com/office/thememl/2012/main" xmlns="" name="Theme1" id="{1A8DE197-990E-4893-BF04-3823FBB50F9A}" vid="{430B7048-5A04-4BDB-939A-C7E865DB887B}"/>
+      <thm15:themeFamily xmlns:thm15="http://schemas.microsoft.com/office/thememl/2012/main" name="Theme1" id="{1A8DE197-990E-4893-BF04-3823FBB50F9A}" vid="{430B7048-5A04-4BDB-939A-C7E865DB887B}"/>
     </a:ext>
   </a:extLst>
 </a:theme>
